--- a/Lecture01_Introduction/L1Slides_DemandforHealth_2023W.pptx
+++ b/Lecture01_Introduction/L1Slides_DemandforHealth_2023W.pptx
@@ -5,67 +5,59 @@
     <p:sldMasterId id="2147483738" r:id="rId1"/>
   </p:sldMasterIdLst>
   <p:notesMasterIdLst>
-    <p:notesMasterId r:id="rId60"/>
+    <p:notesMasterId r:id="rId52"/>
   </p:notesMasterIdLst>
   <p:sldIdLst>
     <p:sldId id="256" r:id="rId2"/>
     <p:sldId id="285" r:id="rId3"/>
-    <p:sldId id="345" r:id="rId4"/>
-    <p:sldId id="348" r:id="rId5"/>
-    <p:sldId id="347" r:id="rId6"/>
-    <p:sldId id="313" r:id="rId7"/>
-    <p:sldId id="346" r:id="rId8"/>
-    <p:sldId id="314" r:id="rId9"/>
-    <p:sldId id="316" r:id="rId10"/>
-    <p:sldId id="315" r:id="rId11"/>
-    <p:sldId id="338" r:id="rId12"/>
-    <p:sldId id="331" r:id="rId13"/>
-    <p:sldId id="332" r:id="rId14"/>
-    <p:sldId id="333" r:id="rId15"/>
-    <p:sldId id="334" r:id="rId16"/>
-    <p:sldId id="317" r:id="rId17"/>
-    <p:sldId id="326" r:id="rId18"/>
-    <p:sldId id="341" r:id="rId19"/>
-    <p:sldId id="417" r:id="rId20"/>
-    <p:sldId id="448" r:id="rId21"/>
-    <p:sldId id="449" r:id="rId22"/>
-    <p:sldId id="450" r:id="rId23"/>
-    <p:sldId id="414" r:id="rId24"/>
-    <p:sldId id="447" r:id="rId25"/>
-    <p:sldId id="418" r:id="rId26"/>
-    <p:sldId id="419" r:id="rId27"/>
-    <p:sldId id="420" r:id="rId28"/>
-    <p:sldId id="421" r:id="rId29"/>
-    <p:sldId id="422" r:id="rId30"/>
-    <p:sldId id="423" r:id="rId31"/>
-    <p:sldId id="424" r:id="rId32"/>
-    <p:sldId id="425" r:id="rId33"/>
-    <p:sldId id="426" r:id="rId34"/>
-    <p:sldId id="427" r:id="rId35"/>
-    <p:sldId id="428" r:id="rId36"/>
-    <p:sldId id="431" r:id="rId37"/>
-    <p:sldId id="432" r:id="rId38"/>
-    <p:sldId id="433" r:id="rId39"/>
-    <p:sldId id="429" r:id="rId40"/>
-    <p:sldId id="430" r:id="rId41"/>
-    <p:sldId id="434" r:id="rId42"/>
-    <p:sldId id="438" r:id="rId43"/>
-    <p:sldId id="415" r:id="rId44"/>
-    <p:sldId id="439" r:id="rId45"/>
-    <p:sldId id="440" r:id="rId46"/>
-    <p:sldId id="442" r:id="rId47"/>
-    <p:sldId id="443" r:id="rId48"/>
-    <p:sldId id="444" r:id="rId49"/>
-    <p:sldId id="445" r:id="rId50"/>
-    <p:sldId id="446" r:id="rId51"/>
-    <p:sldId id="441" r:id="rId52"/>
-    <p:sldId id="416" r:id="rId53"/>
-    <p:sldId id="435" r:id="rId54"/>
-    <p:sldId id="452" r:id="rId55"/>
-    <p:sldId id="451" r:id="rId56"/>
-    <p:sldId id="436" r:id="rId57"/>
-    <p:sldId id="453" r:id="rId58"/>
-    <p:sldId id="413" r:id="rId59"/>
+    <p:sldId id="346" r:id="rId4"/>
+    <p:sldId id="314" r:id="rId5"/>
+    <p:sldId id="338" r:id="rId6"/>
+    <p:sldId id="326" r:id="rId7"/>
+    <p:sldId id="341" r:id="rId8"/>
+    <p:sldId id="417" r:id="rId9"/>
+    <p:sldId id="454" r:id="rId10"/>
+    <p:sldId id="455" r:id="rId11"/>
+    <p:sldId id="456" r:id="rId12"/>
+    <p:sldId id="448" r:id="rId13"/>
+    <p:sldId id="449" r:id="rId14"/>
+    <p:sldId id="450" r:id="rId15"/>
+    <p:sldId id="414" r:id="rId16"/>
+    <p:sldId id="447" r:id="rId17"/>
+    <p:sldId id="418" r:id="rId18"/>
+    <p:sldId id="419" r:id="rId19"/>
+    <p:sldId id="420" r:id="rId20"/>
+    <p:sldId id="421" r:id="rId21"/>
+    <p:sldId id="422" r:id="rId22"/>
+    <p:sldId id="423" r:id="rId23"/>
+    <p:sldId id="424" r:id="rId24"/>
+    <p:sldId id="425" r:id="rId25"/>
+    <p:sldId id="426" r:id="rId26"/>
+    <p:sldId id="427" r:id="rId27"/>
+    <p:sldId id="428" r:id="rId28"/>
+    <p:sldId id="431" r:id="rId29"/>
+    <p:sldId id="432" r:id="rId30"/>
+    <p:sldId id="433" r:id="rId31"/>
+    <p:sldId id="429" r:id="rId32"/>
+    <p:sldId id="430" r:id="rId33"/>
+    <p:sldId id="434" r:id="rId34"/>
+    <p:sldId id="438" r:id="rId35"/>
+    <p:sldId id="415" r:id="rId36"/>
+    <p:sldId id="439" r:id="rId37"/>
+    <p:sldId id="440" r:id="rId38"/>
+    <p:sldId id="442" r:id="rId39"/>
+    <p:sldId id="443" r:id="rId40"/>
+    <p:sldId id="444" r:id="rId41"/>
+    <p:sldId id="445" r:id="rId42"/>
+    <p:sldId id="446" r:id="rId43"/>
+    <p:sldId id="441" r:id="rId44"/>
+    <p:sldId id="416" r:id="rId45"/>
+    <p:sldId id="435" r:id="rId46"/>
+    <p:sldId id="452" r:id="rId47"/>
+    <p:sldId id="451" r:id="rId48"/>
+    <p:sldId id="436" r:id="rId49"/>
+    <p:sldId id="453" r:id="rId50"/>
+    <p:sldId id="413" r:id="rId51"/>
   </p:sldIdLst>
   <p:sldSz cx="12192000" cy="6858000"/>
   <p:notesSz cx="7010400" cy="9296400"/>
@@ -265,7 +257,7 @@
           <a:p>
             <a:fld id="{EF911157-0FC2-4F06-8D61-FD647FE4E19D}" type="datetimeFigureOut">
               <a:rPr lang="en-US" smtClean="0"/>
-              <a:t>10/5/2022</a:t>
+              <a:t>10/25/2022</a:t>
             </a:fld>
             <a:endParaRPr lang="en-US"/>
           </a:p>
@@ -671,15 +663,7 @@
           <a:p>
             <a:r>
               <a:rPr lang="en-CA" dirty="0"/>
-              <a:t>Lots of online resources – I’m going to try to cover things in real time, as that has been the most helpful way I’ve learned R. Group work is encouraged, </a:t>
-            </a:r>
-            <a:r>
-              <a:rPr lang="en-CA" dirty="0" err="1"/>
-              <a:t>Github</a:t>
-            </a:r>
-            <a:r>
-              <a:rPr lang="en-CA" dirty="0"/>
-              <a:t> discussions, office hours, etc. </a:t>
+              <a:t>Frequent political discussions involve “head in the sand” </a:t>
             </a:r>
           </a:p>
         </p:txBody>
@@ -710,7 +694,7 @@
     </p:spTree>
     <p:extLst>
       <p:ext uri="{BB962C8B-B14F-4D97-AF65-F5344CB8AC3E}">
-        <p14:creationId xmlns:p14="http://schemas.microsoft.com/office/powerpoint/2010/main" val="3591747551"/>
+        <p14:creationId xmlns:p14="http://schemas.microsoft.com/office/powerpoint/2010/main" val="3634697929"/>
       </p:ext>
     </p:extLst>
   </p:cSld>
@@ -764,22 +748,6 @@
           <a:bodyPr/>
           <a:lstStyle/>
           <a:p>
-            <a:r>
-              <a:rPr lang="en-CA" dirty="0"/>
-              <a:t>Group work is encouraged, </a:t>
-            </a:r>
-            <a:r>
-              <a:rPr lang="en-CA" dirty="0" err="1"/>
-              <a:t>Github</a:t>
-            </a:r>
-            <a:r>
-              <a:rPr lang="en-CA" dirty="0"/>
-              <a:t> discussions, office hours, etc. Talk about sample papers and reading materials (useful as you prep your final paper; treat this course as an intro to a lot of methods but you should take a deep dive into methods you care </a:t>
-            </a:r>
-            <a:r>
-              <a:rPr lang="en-CA"/>
-              <a:t>more about.)</a:t>
-            </a:r>
             <a:endParaRPr lang="en-CA" dirty="0"/>
           </a:p>
         </p:txBody>
@@ -810,7 +778,7 @@
     </p:spTree>
     <p:extLst>
       <p:ext uri="{BB962C8B-B14F-4D97-AF65-F5344CB8AC3E}">
-        <p14:creationId xmlns:p14="http://schemas.microsoft.com/office/powerpoint/2010/main" val="1465017178"/>
+        <p14:creationId xmlns:p14="http://schemas.microsoft.com/office/powerpoint/2010/main" val="3990075886"/>
       </p:ext>
     </p:extLst>
   </p:cSld>
@@ -864,14 +832,7 @@
           <a:bodyPr/>
           <a:lstStyle/>
           <a:p>
-            <a:r>
-              <a:rPr lang="en-CA" dirty="0" err="1"/>
-              <a:t>Tidyverse</a:t>
-            </a:r>
-            <a:r>
-              <a:rPr lang="en-CA" dirty="0"/>
-              <a:t>: set of packages to make R code more readable. We’ll spend some time at the end of class today with a simple R exercise and more next lecture. </a:t>
-            </a:r>
+            <a:endParaRPr lang="en-CA" dirty="0"/>
           </a:p>
         </p:txBody>
       </p:sp>
@@ -901,7 +862,7 @@
     </p:spTree>
     <p:extLst>
       <p:ext uri="{BB962C8B-B14F-4D97-AF65-F5344CB8AC3E}">
-        <p14:creationId xmlns:p14="http://schemas.microsoft.com/office/powerpoint/2010/main" val="3305082611"/>
+        <p14:creationId xmlns:p14="http://schemas.microsoft.com/office/powerpoint/2010/main" val="1936557327"/>
       </p:ext>
     </p:extLst>
   </p:cSld>
@@ -955,14 +916,7 @@
           <a:bodyPr/>
           <a:lstStyle/>
           <a:p>
-            <a:r>
-              <a:rPr lang="en-CA" dirty="0" err="1"/>
-              <a:t>Tidyverse</a:t>
-            </a:r>
-            <a:r>
-              <a:rPr lang="en-CA" dirty="0"/>
-              <a:t>: set of packages to make R code more readable.</a:t>
-            </a:r>
+            <a:endParaRPr lang="en-CA" dirty="0"/>
           </a:p>
         </p:txBody>
       </p:sp>
@@ -992,7 +946,7 @@
     </p:spTree>
     <p:extLst>
       <p:ext uri="{BB962C8B-B14F-4D97-AF65-F5344CB8AC3E}">
-        <p14:creationId xmlns:p14="http://schemas.microsoft.com/office/powerpoint/2010/main" val="3697842715"/>
+        <p14:creationId xmlns:p14="http://schemas.microsoft.com/office/powerpoint/2010/main" val="3088364379"/>
       </p:ext>
     </p:extLst>
   </p:cSld>
@@ -1046,10 +1000,7 @@
           <a:bodyPr/>
           <a:lstStyle/>
           <a:p>
-            <a:r>
-              <a:rPr lang="en-CA" dirty="0"/>
-              <a:t>Note: there will still be some theory, but less</a:t>
-            </a:r>
+            <a:endParaRPr lang="en-CA" dirty="0"/>
           </a:p>
         </p:txBody>
       </p:sp>
@@ -1079,7 +1030,7 @@
     </p:spTree>
     <p:extLst>
       <p:ext uri="{BB962C8B-B14F-4D97-AF65-F5344CB8AC3E}">
-        <p14:creationId xmlns:p14="http://schemas.microsoft.com/office/powerpoint/2010/main" val="1325921332"/>
+        <p14:creationId xmlns:p14="http://schemas.microsoft.com/office/powerpoint/2010/main" val="1620923742"/>
       </p:ext>
     </p:extLst>
   </p:cSld>
@@ -1133,10 +1084,7 @@
           <a:bodyPr/>
           <a:lstStyle/>
           <a:p>
-            <a:r>
-              <a:rPr lang="en-CA" dirty="0"/>
-              <a:t>It can be a pain to learn R – but the best way to learn really is trial by error. Note that there’s some literature/ideas out there that it’s good to suck at something (it’s the first step to being good at something), but I don’t want you to feel like you are sucking! Come to me with questions, but don’t be stressed if you are feeling frustrated. These are tools that will serve you well, invest in them. </a:t>
-            </a:r>
+            <a:endParaRPr lang="en-CA" dirty="0"/>
           </a:p>
         </p:txBody>
       </p:sp>
@@ -1166,7 +1114,7 @@
     </p:spTree>
     <p:extLst>
       <p:ext uri="{BB962C8B-B14F-4D97-AF65-F5344CB8AC3E}">
-        <p14:creationId xmlns:p14="http://schemas.microsoft.com/office/powerpoint/2010/main" val="2088279200"/>
+        <p14:creationId xmlns:p14="http://schemas.microsoft.com/office/powerpoint/2010/main" val="2864384626"/>
       </p:ext>
     </p:extLst>
   </p:cSld>
@@ -1220,10 +1168,7 @@
           <a:bodyPr/>
           <a:lstStyle/>
           <a:p>
-            <a:r>
-              <a:rPr lang="en-CA" dirty="0"/>
-              <a:t>Cheap, great resource, online version available. Highly recommend for all applied quant researchers. </a:t>
-            </a:r>
+            <a:endParaRPr lang="en-CA" dirty="0"/>
           </a:p>
         </p:txBody>
       </p:sp>
@@ -1253,7 +1198,7 @@
     </p:spTree>
     <p:extLst>
       <p:ext uri="{BB962C8B-B14F-4D97-AF65-F5344CB8AC3E}">
-        <p14:creationId xmlns:p14="http://schemas.microsoft.com/office/powerpoint/2010/main" val="2749371650"/>
+        <p14:creationId xmlns:p14="http://schemas.microsoft.com/office/powerpoint/2010/main" val="2354601980"/>
       </p:ext>
     </p:extLst>
   </p:cSld>
@@ -1309,46 +1254,24 @@
           <a:p>
             <a:r>
               <a:rPr lang="en-CA" dirty="0"/>
-              <a:t>I’m supposed to read my negative Rate my professor reviews (to get a positive selection bias? Hungarian prof at BYU who did this), but I don’t have any reviews yet. There are no real-time emergencies in a university class setting – send me an email, and please be respectful of my time. Likewise, I will be respectful of yours. </a:t>
-            </a:r>
-          </a:p>
-          <a:p>
-            <a:endParaRPr lang="en-CA" dirty="0"/>
-          </a:p>
-          <a:p>
+              <a:t>Little u is our index. </a:t>
+            </a:r>
+            <a:r>
+              <a:rPr lang="en-CA" dirty="0" err="1"/>
+              <a:t>H_i</a:t>
+            </a:r>
             <a:r>
               <a:rPr lang="en-CA" dirty="0"/>
-              <a:t>Also </a:t>
+              <a:t> is health status and </a:t>
             </a:r>
             <a:r>
               <a:rPr lang="en-CA" dirty="0" err="1"/>
-              <a:t>cld</a:t>
+              <a:t>Z_i</a:t>
             </a:r>
             <a:r>
               <a:rPr lang="en-CA" dirty="0"/>
-              <a:t> calling – I want not to know who’s right or wrong, but also how you are receiving the course. I want us all (</a:t>
-            </a:r>
-            <a:r>
-              <a:rPr lang="en-CA" dirty="0" err="1"/>
-              <a:t>meincluded</a:t>
-            </a:r>
-            <a:r>
-              <a:rPr lang="en-CA" dirty="0"/>
-              <a:t>) to be </a:t>
-            </a:r>
-            <a:r>
-              <a:rPr lang="en-CA" dirty="0" err="1"/>
-              <a:t>comfortabl</a:t>
-            </a:r>
-            <a:r>
-              <a:rPr lang="en-CA" dirty="0"/>
-              <a:t> being wrong. So if I cold call, just try to tell me what you think (or if you’re stuck, what you’re stuck on). We’ll all get used to be </a:t>
-            </a:r>
-            <a:r>
-              <a:rPr lang="en-CA"/>
-              <a:t>wrong together. </a:t>
-            </a:r>
-            <a:endParaRPr lang="en-CA" dirty="0"/>
+              <a:t> is consumption of everything else (food, opera, etc.). For now we are starting with one period</a:t>
+            </a:r>
           </a:p>
         </p:txBody>
       </p:sp>
@@ -1378,7 +1301,7 @@
     </p:spTree>
     <p:extLst>
       <p:ext uri="{BB962C8B-B14F-4D97-AF65-F5344CB8AC3E}">
-        <p14:creationId xmlns:p14="http://schemas.microsoft.com/office/powerpoint/2010/main" val="1998886115"/>
+        <p14:creationId xmlns:p14="http://schemas.microsoft.com/office/powerpoint/2010/main" val="1141811495"/>
       </p:ext>
     </p:extLst>
   </p:cSld>
@@ -1432,7 +1355,18 @@
           <a:bodyPr/>
           <a:lstStyle/>
           <a:p>
-            <a:endParaRPr lang="en-CA" dirty="0"/>
+            <a:r>
+              <a:rPr lang="en-CA" dirty="0"/>
+              <a:t>Health care (vaccines </a:t>
+            </a:r>
+            <a:r>
+              <a:rPr lang="en-CA" dirty="0" err="1"/>
+              <a:t>etc</a:t>
+            </a:r>
+            <a:r>
+              <a:rPr lang="en-CA" dirty="0"/>
+              <a:t>) only appear as they influence H. So you could write H as a function of all health services. Note that health is a stock (you invest in it, it grows or reduces each period) while z is a flow (you consume so much opera in each period, and opera today doesn’t rollover to opera tomorrow) </a:t>
+            </a:r>
           </a:p>
         </p:txBody>
       </p:sp>
@@ -1462,7 +1396,7 @@
     </p:spTree>
     <p:extLst>
       <p:ext uri="{BB962C8B-B14F-4D97-AF65-F5344CB8AC3E}">
-        <p14:creationId xmlns:p14="http://schemas.microsoft.com/office/powerpoint/2010/main" val="1883598164"/>
+        <p14:creationId xmlns:p14="http://schemas.microsoft.com/office/powerpoint/2010/main" val="3812566867"/>
       </p:ext>
     </p:extLst>
   </p:cSld>
@@ -1516,7 +1450,18 @@
           <a:bodyPr/>
           <a:lstStyle/>
           <a:p>
-            <a:endParaRPr lang="en-CA" dirty="0"/>
+            <a:r>
+              <a:rPr lang="en-CA" dirty="0"/>
+              <a:t>Health care (vaccines </a:t>
+            </a:r>
+            <a:r>
+              <a:rPr lang="en-CA" dirty="0" err="1"/>
+              <a:t>etc</a:t>
+            </a:r>
+            <a:r>
+              <a:rPr lang="en-CA" dirty="0"/>
+              <a:t>) only appear as they influence H. So you could write H as a function of all health services. </a:t>
+            </a:r>
           </a:p>
         </p:txBody>
       </p:sp>
@@ -1546,7 +1491,7 @@
     </p:spTree>
     <p:extLst>
       <p:ext uri="{BB962C8B-B14F-4D97-AF65-F5344CB8AC3E}">
-        <p14:creationId xmlns:p14="http://schemas.microsoft.com/office/powerpoint/2010/main" val="647924768"/>
+        <p14:creationId xmlns:p14="http://schemas.microsoft.com/office/powerpoint/2010/main" val="1492508342"/>
       </p:ext>
     </p:extLst>
   </p:cSld>
@@ -1600,10 +1545,7 @@
           <a:bodyPr/>
           <a:lstStyle/>
           <a:p>
-            <a:r>
-              <a:rPr lang="en-CA" dirty="0"/>
-              <a:t>Some of my “get to know you” answers:</a:t>
-            </a:r>
+            <a:endParaRPr lang="en-CA" dirty="0"/>
           </a:p>
         </p:txBody>
       </p:sp>
@@ -1687,7 +1629,18 @@
           <a:bodyPr/>
           <a:lstStyle/>
           <a:p>
-            <a:endParaRPr lang="en-CA" dirty="0"/>
+            <a:r>
+              <a:rPr lang="en-CA" dirty="0"/>
+              <a:t>Health care (vaccines </a:t>
+            </a:r>
+            <a:r>
+              <a:rPr lang="en-CA" dirty="0" err="1"/>
+              <a:t>etc</a:t>
+            </a:r>
+            <a:r>
+              <a:rPr lang="en-CA" dirty="0"/>
+              <a:t>) only appear as they influence H. So you could write H as a function of all health services. </a:t>
+            </a:r>
           </a:p>
         </p:txBody>
       </p:sp>
@@ -1717,7 +1670,7 @@
     </p:spTree>
     <p:extLst>
       <p:ext uri="{BB962C8B-B14F-4D97-AF65-F5344CB8AC3E}">
-        <p14:creationId xmlns:p14="http://schemas.microsoft.com/office/powerpoint/2010/main" val="1936557327"/>
+        <p14:creationId xmlns:p14="http://schemas.microsoft.com/office/powerpoint/2010/main" val="208389733"/>
       </p:ext>
     </p:extLst>
   </p:cSld>
@@ -1771,7 +1724,10 @@
           <a:bodyPr/>
           <a:lstStyle/>
           <a:p>
-            <a:endParaRPr lang="en-CA" dirty="0"/>
+            <a:r>
+              <a:rPr lang="en-CA" dirty="0"/>
+              <a:t>Also what other kinds of constraints could exist? Note that there is still no relationship between health production and these obscure time components. How do we link them? </a:t>
+            </a:r>
           </a:p>
         </p:txBody>
       </p:sp>
@@ -1801,7 +1757,7 @@
     </p:spTree>
     <p:extLst>
       <p:ext uri="{BB962C8B-B14F-4D97-AF65-F5344CB8AC3E}">
-        <p14:creationId xmlns:p14="http://schemas.microsoft.com/office/powerpoint/2010/main" val="3088364379"/>
+        <p14:creationId xmlns:p14="http://schemas.microsoft.com/office/powerpoint/2010/main" val="1242610883"/>
       </p:ext>
     </p:extLst>
   </p:cSld>
@@ -1855,7 +1811,10 @@
           <a:bodyPr/>
           <a:lstStyle/>
           <a:p>
-            <a:endParaRPr lang="en-CA" dirty="0"/>
+            <a:r>
+              <a:rPr lang="en-CA" dirty="0"/>
+              <a:t>Time sick is this model’s “outside option” – the base that all other model characteristics are related to (kind of like omitted category in dummy variables) </a:t>
+            </a:r>
           </a:p>
         </p:txBody>
       </p:sp>
@@ -1885,7 +1844,7 @@
     </p:spTree>
     <p:extLst>
       <p:ext uri="{BB962C8B-B14F-4D97-AF65-F5344CB8AC3E}">
-        <p14:creationId xmlns:p14="http://schemas.microsoft.com/office/powerpoint/2010/main" val="1620923742"/>
+        <p14:creationId xmlns:p14="http://schemas.microsoft.com/office/powerpoint/2010/main" val="1676677793"/>
       </p:ext>
     </p:extLst>
   </p:cSld>
@@ -1939,7 +1898,10 @@
           <a:bodyPr/>
           <a:lstStyle/>
           <a:p>
-            <a:endParaRPr lang="en-CA" dirty="0"/>
+            <a:r>
+              <a:rPr lang="en-CA" dirty="0"/>
+              <a:t>Here, lower case variables indicate inputs into big variables H and Z. Since health influences time sick, you can allow H to influence total income (by reducing sick time) </a:t>
+            </a:r>
           </a:p>
         </p:txBody>
       </p:sp>
@@ -1969,7 +1931,7 @@
     </p:spTree>
     <p:extLst>
       <p:ext uri="{BB962C8B-B14F-4D97-AF65-F5344CB8AC3E}">
-        <p14:creationId xmlns:p14="http://schemas.microsoft.com/office/powerpoint/2010/main" val="2864384626"/>
+        <p14:creationId xmlns:p14="http://schemas.microsoft.com/office/powerpoint/2010/main" val="3006703071"/>
       </p:ext>
     </p:extLst>
   </p:cSld>
@@ -2023,7 +1985,10 @@
           <a:bodyPr/>
           <a:lstStyle/>
           <a:p>
-            <a:endParaRPr lang="en-CA" dirty="0"/>
+            <a:r>
+              <a:rPr lang="en-CA" dirty="0"/>
+              <a:t>The change in H in each period is the investment in each period minus depreciation (at rate \delta)</a:t>
+            </a:r>
           </a:p>
         </p:txBody>
       </p:sp>
@@ -2053,7 +2018,7 @@
     </p:spTree>
     <p:extLst>
       <p:ext uri="{BB962C8B-B14F-4D97-AF65-F5344CB8AC3E}">
-        <p14:creationId xmlns:p14="http://schemas.microsoft.com/office/powerpoint/2010/main" val="2354601980"/>
+        <p14:creationId xmlns:p14="http://schemas.microsoft.com/office/powerpoint/2010/main" val="3472013028"/>
       </p:ext>
     </p:extLst>
   </p:cSld>
@@ -2109,23 +2074,7 @@
           <a:p>
             <a:r>
               <a:rPr lang="en-CA" dirty="0"/>
-              <a:t>Little u is our index. </a:t>
-            </a:r>
-            <a:r>
-              <a:rPr lang="en-CA" dirty="0" err="1"/>
-              <a:t>H_i</a:t>
-            </a:r>
-            <a:r>
-              <a:rPr lang="en-CA" dirty="0"/>
-              <a:t> is health status and </a:t>
-            </a:r>
-            <a:r>
-              <a:rPr lang="en-CA" dirty="0" err="1"/>
-              <a:t>Z_i</a:t>
-            </a:r>
-            <a:r>
-              <a:rPr lang="en-CA" dirty="0"/>
-              <a:t> is consumption of everything else (food, opera, etc.). For now we are starting with one period</a:t>
+              <a:t>Assume individuals live for T periods. Little u is our index. What do each of these assumptions on u mean? </a:t>
             </a:r>
           </a:p>
         </p:txBody>
@@ -2156,7 +2105,7 @@
     </p:spTree>
     <p:extLst>
       <p:ext uri="{BB962C8B-B14F-4D97-AF65-F5344CB8AC3E}">
-        <p14:creationId xmlns:p14="http://schemas.microsoft.com/office/powerpoint/2010/main" val="1141811495"/>
+        <p14:creationId xmlns:p14="http://schemas.microsoft.com/office/powerpoint/2010/main" val="3324439952"/>
       </p:ext>
     </p:extLst>
   </p:cSld>
@@ -2212,15 +2161,15 @@
           <a:p>
             <a:r>
               <a:rPr lang="en-CA" dirty="0"/>
-              <a:t>Health care (vaccines </a:t>
+              <a:t>Note that we assume no savings, so budget constraint is met </a:t>
             </a:r>
             <a:r>
               <a:rPr lang="en-CA" dirty="0" err="1"/>
-              <a:t>etc</a:t>
+              <a:t>ni</a:t>
             </a:r>
             <a:r>
               <a:rPr lang="en-CA" dirty="0"/>
-              <a:t>) only appear as they influence H. So you could write H as a function of all health services. Note that health is a stock (you invest in it, it grows or reduces each period) while z is a flow (you consume so much opera in each period, and opera today doesn’t rollover to opera tomorrow) </a:t>
+              <a:t> each period. Can endogenize the</a:t>
             </a:r>
           </a:p>
         </p:txBody>
@@ -2251,7 +2200,7 @@
     </p:spTree>
     <p:extLst>
       <p:ext uri="{BB962C8B-B14F-4D97-AF65-F5344CB8AC3E}">
-        <p14:creationId xmlns:p14="http://schemas.microsoft.com/office/powerpoint/2010/main" val="3812566867"/>
+        <p14:creationId xmlns:p14="http://schemas.microsoft.com/office/powerpoint/2010/main" val="757725753"/>
       </p:ext>
     </p:extLst>
   </p:cSld>
@@ -2307,15 +2256,7 @@
           <a:p>
             <a:r>
               <a:rPr lang="en-CA" dirty="0"/>
-              <a:t>Health care (vaccines </a:t>
-            </a:r>
-            <a:r>
-              <a:rPr lang="en-CA" dirty="0" err="1"/>
-              <a:t>etc</a:t>
-            </a:r>
-            <a:r>
-              <a:rPr lang="en-CA" dirty="0"/>
-              <a:t>) only appear as they influence H. So you could write H as a function of all health services. </a:t>
+              <a:t>Note that this isn’t the way it works given complementarities between H and Z – low H means low income, and hence low consumption of Z</a:t>
             </a:r>
           </a:p>
         </p:txBody>
@@ -2346,7 +2287,7 @@
     </p:spTree>
     <p:extLst>
       <p:ext uri="{BB962C8B-B14F-4D97-AF65-F5344CB8AC3E}">
-        <p14:creationId xmlns:p14="http://schemas.microsoft.com/office/powerpoint/2010/main" val="1492508342"/>
+        <p14:creationId xmlns:p14="http://schemas.microsoft.com/office/powerpoint/2010/main" val="3224468241"/>
       </p:ext>
     </p:extLst>
   </p:cSld>
@@ -2402,15 +2343,7 @@
           <a:p>
             <a:r>
               <a:rPr lang="en-CA" dirty="0"/>
-              <a:t>Health care (vaccines </a:t>
-            </a:r>
-            <a:r>
-              <a:rPr lang="en-CA" dirty="0" err="1"/>
-              <a:t>etc</a:t>
-            </a:r>
-            <a:r>
-              <a:rPr lang="en-CA" dirty="0"/>
-              <a:t>) only appear as they influence H. So you could write H as a function of all health services. </a:t>
+              <a:t>Instead, this is the PPF – low H means low consumption. So what part of this shape will be used (where is the free lunch region) ? </a:t>
             </a:r>
           </a:p>
         </p:txBody>
@@ -2441,7 +2374,7 @@
     </p:spTree>
     <p:extLst>
       <p:ext uri="{BB962C8B-B14F-4D97-AF65-F5344CB8AC3E}">
-        <p14:creationId xmlns:p14="http://schemas.microsoft.com/office/powerpoint/2010/main" val="208389733"/>
+        <p14:creationId xmlns:p14="http://schemas.microsoft.com/office/powerpoint/2010/main" val="617295837"/>
       </p:ext>
     </p:extLst>
   </p:cSld>
@@ -2497,7 +2430,7 @@
           <a:p>
             <a:r>
               <a:rPr lang="en-CA" dirty="0"/>
-              <a:t>Also what other kinds of constraints could exist? Note that there is still no relationship between health production and these obscure time components. How do we link them? </a:t>
+              <a:t>Instead, this is the PPF – low H means low consumption. So what part of this shape will be used (where is the free lunch region) ? </a:t>
             </a:r>
           </a:p>
         </p:txBody>
@@ -2528,7 +2461,7 @@
     </p:spTree>
     <p:extLst>
       <p:ext uri="{BB962C8B-B14F-4D97-AF65-F5344CB8AC3E}">
-        <p14:creationId xmlns:p14="http://schemas.microsoft.com/office/powerpoint/2010/main" val="1242610883"/>
+        <p14:creationId xmlns:p14="http://schemas.microsoft.com/office/powerpoint/2010/main" val="3234504138"/>
       </p:ext>
     </p:extLst>
   </p:cSld>
@@ -2582,10 +2515,7 @@
           <a:bodyPr/>
           <a:lstStyle/>
           <a:p>
-            <a:r>
-              <a:rPr lang="en-CA" dirty="0"/>
-              <a:t>We’ll spend about 5 weeks on regression and conditioning/matching (back-door approaches), and 7 weeks on quasi-experimental/front-door approaches (IV, DID, etc.)</a:t>
-            </a:r>
+            <a:endParaRPr lang="en-CA" dirty="0"/>
           </a:p>
         </p:txBody>
       </p:sp>
@@ -2615,7 +2545,7 @@
     </p:spTree>
     <p:extLst>
       <p:ext uri="{BB962C8B-B14F-4D97-AF65-F5344CB8AC3E}">
-        <p14:creationId xmlns:p14="http://schemas.microsoft.com/office/powerpoint/2010/main" val="1246612500"/>
+        <p14:creationId xmlns:p14="http://schemas.microsoft.com/office/powerpoint/2010/main" val="1030555719"/>
       </p:ext>
     </p:extLst>
   </p:cSld>
@@ -2671,7 +2601,7 @@
           <a:p>
             <a:r>
               <a:rPr lang="en-CA" dirty="0"/>
-              <a:t>Time sick is this model’s “outside option” – the base that all other model characteristics are related to (kind of like omitted category in dummy variables) </a:t>
+              <a:t>Instead, this is the PPF – low H means low consumption. So what part of this shape will be used (where is the free lunch region) ? </a:t>
             </a:r>
           </a:p>
         </p:txBody>
@@ -2702,7 +2632,7 @@
     </p:spTree>
     <p:extLst>
       <p:ext uri="{BB962C8B-B14F-4D97-AF65-F5344CB8AC3E}">
-        <p14:creationId xmlns:p14="http://schemas.microsoft.com/office/powerpoint/2010/main" val="1676677793"/>
+        <p14:creationId xmlns:p14="http://schemas.microsoft.com/office/powerpoint/2010/main" val="28332943"/>
       </p:ext>
     </p:extLst>
   </p:cSld>
@@ -2758,7 +2688,15 @@
           <a:p>
             <a:r>
               <a:rPr lang="en-CA" dirty="0"/>
-              <a:t>Here, lower case variables indicate inputs into big variables H and Z. Since health influences time sick, you can allow H to influence total income (by reducing sick time) </a:t>
+              <a:t>Note that we assume no savings, so budget constraint is met </a:t>
+            </a:r>
+            <a:r>
+              <a:rPr lang="en-CA" dirty="0" err="1"/>
+              <a:t>ni</a:t>
+            </a:r>
+            <a:r>
+              <a:rPr lang="en-CA" dirty="0"/>
+              <a:t> each period. Can endogenize the</a:t>
             </a:r>
           </a:p>
         </p:txBody>
@@ -2789,7 +2727,7 @@
     </p:spTree>
     <p:extLst>
       <p:ext uri="{BB962C8B-B14F-4D97-AF65-F5344CB8AC3E}">
-        <p14:creationId xmlns:p14="http://schemas.microsoft.com/office/powerpoint/2010/main" val="3006703071"/>
+        <p14:creationId xmlns:p14="http://schemas.microsoft.com/office/powerpoint/2010/main" val="2782824856"/>
       </p:ext>
     </p:extLst>
   </p:cSld>
@@ -2845,7 +2783,7 @@
           <a:p>
             <a:r>
               <a:rPr lang="en-CA" dirty="0"/>
-              <a:t>The change in H in each period is the investment in each period minus depreciation (at rate \delta)</a:t>
+              <a:t>Now we solved the budget constraint for Z and plugged it in. lambda incorporates the constraint that health investment must be nonnegative. How many choice variables are there now? </a:t>
             </a:r>
           </a:p>
         </p:txBody>
@@ -2876,7 +2814,7 @@
     </p:spTree>
     <p:extLst>
       <p:ext uri="{BB962C8B-B14F-4D97-AF65-F5344CB8AC3E}">
-        <p14:creationId xmlns:p14="http://schemas.microsoft.com/office/powerpoint/2010/main" val="3472013028"/>
+        <p14:creationId xmlns:p14="http://schemas.microsoft.com/office/powerpoint/2010/main" val="2138045672"/>
       </p:ext>
     </p:extLst>
   </p:cSld>
@@ -2932,7 +2870,15 @@
           <a:p>
             <a:r>
               <a:rPr lang="en-CA" dirty="0"/>
-              <a:t>Assume individuals live for T periods. Little u is our index. What do each of these assumptions on u mean? </a:t>
+              <a:t>Marginal benefit = marginal cost! G() is the marginal benefit and </a:t>
+            </a:r>
+            <a:r>
+              <a:rPr lang="en-CA" dirty="0" err="1"/>
+              <a:t>U_z</a:t>
+            </a:r>
+            <a:r>
+              <a:rPr lang="en-CA" dirty="0"/>
+              <a:t> is the cost of not consuming z</a:t>
             </a:r>
           </a:p>
         </p:txBody>
@@ -2963,7 +2909,7 @@
     </p:spTree>
     <p:extLst>
       <p:ext uri="{BB962C8B-B14F-4D97-AF65-F5344CB8AC3E}">
-        <p14:creationId xmlns:p14="http://schemas.microsoft.com/office/powerpoint/2010/main" val="3324439952"/>
+        <p14:creationId xmlns:p14="http://schemas.microsoft.com/office/powerpoint/2010/main" val="459669102"/>
       </p:ext>
     </p:extLst>
   </p:cSld>
@@ -3017,18 +2963,7 @@
           <a:bodyPr/>
           <a:lstStyle/>
           <a:p>
-            <a:r>
-              <a:rPr lang="en-CA" dirty="0"/>
-              <a:t>Note that we assume no savings, so budget constraint is met </a:t>
-            </a:r>
-            <a:r>
-              <a:rPr lang="en-CA" dirty="0" err="1"/>
-              <a:t>ni</a:t>
-            </a:r>
-            <a:r>
-              <a:rPr lang="en-CA" dirty="0"/>
-              <a:t> each period. Can endogenize the</a:t>
-            </a:r>
+            <a:endParaRPr lang="en-CA" dirty="0"/>
           </a:p>
         </p:txBody>
       </p:sp>
@@ -3058,7 +2993,7 @@
     </p:spTree>
     <p:extLst>
       <p:ext uri="{BB962C8B-B14F-4D97-AF65-F5344CB8AC3E}">
-        <p14:creationId xmlns:p14="http://schemas.microsoft.com/office/powerpoint/2010/main" val="757725753"/>
+        <p14:creationId xmlns:p14="http://schemas.microsoft.com/office/powerpoint/2010/main" val="1289770260"/>
       </p:ext>
     </p:extLst>
   </p:cSld>
@@ -3114,7 +3049,49 @@
           <a:p>
             <a:r>
               <a:rPr lang="en-CA" dirty="0"/>
-              <a:t>Note that this isn’t the way it works given complementarities between H and Z – low H means low income, and hence low consumption of Z</a:t>
+              <a:t>Paper options for presenting: </a:t>
+            </a:r>
+          </a:p>
+          <a:p>
+            <a:pPr marL="171450" indent="-171450">
+              <a:buFont typeface="Arial" panose="020B0604020202020204" pitchFamily="34" charset="0"/>
+              <a:buChar char="•"/>
+            </a:pPr>
+            <a:r>
+              <a:rPr lang="en-CA" dirty="0" err="1"/>
+              <a:t>Einav</a:t>
+            </a:r>
+            <a:r>
+              <a:rPr lang="en-CA" dirty="0"/>
+              <a:t> et al. (2013) : “Selection on moral hazard in health insurance” Heterogeneity in moral hazard (structural/applied)</a:t>
+            </a:r>
+          </a:p>
+          <a:p>
+            <a:pPr marL="171450" indent="-171450">
+              <a:buFont typeface="Arial" panose="020B0604020202020204" pitchFamily="34" charset="0"/>
+              <a:buChar char="•"/>
+            </a:pPr>
+            <a:r>
+              <a:rPr lang="en-CA" dirty="0"/>
+              <a:t>De Meza and Webb (2017): False Diagnosis: Pitfalls of Testing for Asymmetric Information </a:t>
+            </a:r>
+            <a:r>
+              <a:rPr lang="en-CA" dirty="0" err="1"/>
+              <a:t>ni</a:t>
+            </a:r>
+            <a:r>
+              <a:rPr lang="en-CA" dirty="0"/>
+              <a:t> Insurance Markets (?) </a:t>
+            </a:r>
+          </a:p>
+          <a:p>
+            <a:pPr marL="171450" indent="-171450">
+              <a:buFont typeface="Arial" panose="020B0604020202020204" pitchFamily="34" charset="0"/>
+              <a:buChar char="•"/>
+            </a:pPr>
+            <a:r>
+              <a:rPr lang="en-CA" dirty="0"/>
+              <a:t>Fang and Wu (2018): Multidimensional private information, market structure, and insurance markets (and look at citing papers)? </a:t>
             </a:r>
           </a:p>
         </p:txBody>
@@ -3145,7 +3122,7 @@
     </p:spTree>
     <p:extLst>
       <p:ext uri="{BB962C8B-B14F-4D97-AF65-F5344CB8AC3E}">
-        <p14:creationId xmlns:p14="http://schemas.microsoft.com/office/powerpoint/2010/main" val="3224468241"/>
+        <p14:creationId xmlns:p14="http://schemas.microsoft.com/office/powerpoint/2010/main" val="3822799886"/>
       </p:ext>
     </p:extLst>
   </p:cSld>
@@ -3199,10 +3176,7 @@
           <a:bodyPr/>
           <a:lstStyle/>
           <a:p>
-            <a:r>
-              <a:rPr lang="en-CA" dirty="0"/>
-              <a:t>Instead, this is the PPF – low H means low consumption. So what part of this shape will be used (where is the free lunch region) ? </a:t>
-            </a:r>
+            <a:endParaRPr lang="en-CA" dirty="0"/>
           </a:p>
         </p:txBody>
       </p:sp>
@@ -3232,7 +3206,7 @@
     </p:spTree>
     <p:extLst>
       <p:ext uri="{BB962C8B-B14F-4D97-AF65-F5344CB8AC3E}">
-        <p14:creationId xmlns:p14="http://schemas.microsoft.com/office/powerpoint/2010/main" val="617295837"/>
+        <p14:creationId xmlns:p14="http://schemas.microsoft.com/office/powerpoint/2010/main" val="3232562922"/>
       </p:ext>
     </p:extLst>
   </p:cSld>
@@ -3288,7 +3262,7 @@
           <a:p>
             <a:r>
               <a:rPr lang="en-CA" dirty="0"/>
-              <a:t>Instead, this is the PPF – low H means low consumption. So what part of this shape will be used (where is the free lunch region) ? </a:t>
+              <a:t>Why is this model extension useful? Should we do it just for its own sake? No! But we can consider something new: how families value health within households (who gets to go to the doctor when budgets are tight)</a:t>
             </a:r>
           </a:p>
         </p:txBody>
@@ -3319,7 +3293,7 @@
     </p:spTree>
     <p:extLst>
       <p:ext uri="{BB962C8B-B14F-4D97-AF65-F5344CB8AC3E}">
-        <p14:creationId xmlns:p14="http://schemas.microsoft.com/office/powerpoint/2010/main" val="3234504138"/>
+        <p14:creationId xmlns:p14="http://schemas.microsoft.com/office/powerpoint/2010/main" val="2114837961"/>
       </p:ext>
     </p:extLst>
   </p:cSld>
@@ -3375,7 +3349,7 @@
           <a:p>
             <a:r>
               <a:rPr lang="en-CA" dirty="0"/>
-              <a:t>Instead, this is the PPF – low H means low consumption. So what part of this shape will be used (where is the free lunch region) ? </a:t>
+              <a:t>We can bundle Z at the household level – why does this simplification make sense? </a:t>
             </a:r>
           </a:p>
         </p:txBody>
@@ -3406,7 +3380,7 @@
     </p:spTree>
     <p:extLst>
       <p:ext uri="{BB962C8B-B14F-4D97-AF65-F5344CB8AC3E}">
-        <p14:creationId xmlns:p14="http://schemas.microsoft.com/office/powerpoint/2010/main" val="28332943"/>
+        <p14:creationId xmlns:p14="http://schemas.microsoft.com/office/powerpoint/2010/main" val="1489458147"/>
       </p:ext>
     </p:extLst>
   </p:cSld>
@@ -3462,15 +3436,15 @@
           <a:p>
             <a:r>
               <a:rPr lang="en-CA" dirty="0"/>
-              <a:t>Note that we assume no savings, so budget constraint is met </a:t>
+              <a:t>Here, E variables indicate relative </a:t>
             </a:r>
             <a:r>
               <a:rPr lang="en-CA" dirty="0" err="1"/>
-              <a:t>ni</a:t>
+              <a:t>productivitiy</a:t>
             </a:r>
             <a:r>
               <a:rPr lang="en-CA" dirty="0"/>
-              <a:t> each period. Can endogenize the</a:t>
+              <a:t> of household members in producing health (in old model, we could just normalize this to 1, but want to model potential comparative advantages in health production)</a:t>
             </a:r>
           </a:p>
         </p:txBody>
@@ -3501,7 +3475,7 @@
     </p:spTree>
     <p:extLst>
       <p:ext uri="{BB962C8B-B14F-4D97-AF65-F5344CB8AC3E}">
-        <p14:creationId xmlns:p14="http://schemas.microsoft.com/office/powerpoint/2010/main" val="2782824856"/>
+        <p14:creationId xmlns:p14="http://schemas.microsoft.com/office/powerpoint/2010/main" val="369252143"/>
       </p:ext>
     </p:extLst>
   </p:cSld>
@@ -3555,10 +3529,7 @@
           <a:bodyPr/>
           <a:lstStyle/>
           <a:p>
-            <a:r>
-              <a:rPr lang="en-CA" dirty="0"/>
-              <a:t>Some of your answers to the survey (if you haven’t taken it, please do! For my own info at least). We have both Master’s and PhD students with all kinds of interests (here are just a few – can remain anonymous if desired)</a:t>
-            </a:r>
+            <a:endParaRPr lang="en-US" dirty="0"/>
           </a:p>
         </p:txBody>
       </p:sp>
@@ -3588,7 +3559,7 @@
     </p:spTree>
     <p:extLst>
       <p:ext uri="{BB962C8B-B14F-4D97-AF65-F5344CB8AC3E}">
-        <p14:creationId xmlns:p14="http://schemas.microsoft.com/office/powerpoint/2010/main" val="3800457791"/>
+        <p14:creationId xmlns:p14="http://schemas.microsoft.com/office/powerpoint/2010/main" val="3111868064"/>
       </p:ext>
     </p:extLst>
   </p:cSld>
@@ -3644,7 +3615,15 @@
           <a:p>
             <a:r>
               <a:rPr lang="en-CA" dirty="0"/>
-              <a:t>Now we solved the budget constraint for Z and plugged it in. lambda incorporates the constraint that health investment must be nonnegative. How many choice variables are there now? </a:t>
+              <a:t>Here, E variables indicate relative </a:t>
+            </a:r>
+            <a:r>
+              <a:rPr lang="en-CA" dirty="0" err="1"/>
+              <a:t>productivitiy</a:t>
+            </a:r>
+            <a:r>
+              <a:rPr lang="en-CA" dirty="0"/>
+              <a:t> of household members in producing health (in old model, we could just normalize this to 1, but want to model potential comparative advantages in health production)</a:t>
             </a:r>
           </a:p>
         </p:txBody>
@@ -3675,7 +3654,7 @@
     </p:spTree>
     <p:extLst>
       <p:ext uri="{BB962C8B-B14F-4D97-AF65-F5344CB8AC3E}">
-        <p14:creationId xmlns:p14="http://schemas.microsoft.com/office/powerpoint/2010/main" val="2138045672"/>
+        <p14:creationId xmlns:p14="http://schemas.microsoft.com/office/powerpoint/2010/main" val="2492458701"/>
       </p:ext>
     </p:extLst>
   </p:cSld>
@@ -3729,18 +3708,42 @@
           <a:bodyPr/>
           <a:lstStyle/>
           <a:p>
-            <a:r>
-              <a:rPr lang="en-CA" dirty="0"/>
-              <a:t>Marginal benefit = marginal cost! G() is the marginal benefit and </a:t>
-            </a:r>
-            <a:r>
-              <a:rPr lang="en-CA" dirty="0" err="1"/>
-              <a:t>U_z</a:t>
-            </a:r>
-            <a:r>
-              <a:rPr lang="en-CA" dirty="0"/>
-              <a:t> is the cost of not consuming z</a:t>
-            </a:r>
+            <a:pPr marL="0" indent="0" algn="l">
+              <a:buFont typeface="Arial" panose="020B0604020202020204" pitchFamily="34" charset="0"/>
+              <a:buNone/>
+            </a:pPr>
+            <a:r>
+              <a:rPr lang="en-CA" sz="1600" b="0" i="0" u="none" strike="noStrike" baseline="0" dirty="0">
+                <a:latin typeface="Times New Roman" panose="02020603050405020304" pitchFamily="18" charset="0"/>
+                <a:cs typeface="Times New Roman" panose="02020603050405020304" pitchFamily="18" charset="0"/>
+              </a:rPr>
+              <a:t>Hence, </a:t>
+            </a:r>
+            <a:r>
+              <a:rPr lang="en-US" sz="1200" b="0" i="0" u="none" strike="noStrike" baseline="0" dirty="0">
+                <a:latin typeface="Times New Roman" panose="02020603050405020304" pitchFamily="18" charset="0"/>
+              </a:rPr>
+              <a:t>family invests in health until the rate of marginal utilities of (lifetime</a:t>
+            </a:r>
+            <a:r>
+              <a:rPr lang="en-US" sz="1200" b="0" i="0" u="none" strike="noStrike" baseline="0" dirty="0">
+                <a:latin typeface="SizedSym151"/>
+              </a:rPr>
+              <a:t>) </a:t>
+            </a:r>
+            <a:r>
+              <a:rPr lang="en-US" sz="1200" b="0" i="0" u="none" strike="noStrike" baseline="0" dirty="0">
+                <a:latin typeface="Times New Roman" panose="02020603050405020304" pitchFamily="18" charset="0"/>
+              </a:rPr>
+              <a:t>health to effective price of health for all family members is equal and equal to the marginal utility of wealth – this is how goods are divided up in micro theory of demand. Health stock need not be equal for family members depending on productivity! </a:t>
+            </a:r>
+            <a:endParaRPr lang="en-CA" sz="1600" dirty="0">
+              <a:solidFill>
+                <a:schemeClr val="tx1"/>
+              </a:solidFill>
+              <a:latin typeface="Times New Roman" panose="02020603050405020304" pitchFamily="18" charset="0"/>
+              <a:cs typeface="Times New Roman" panose="02020603050405020304" pitchFamily="18" charset="0"/>
+            </a:endParaRPr>
           </a:p>
         </p:txBody>
       </p:sp>
@@ -3770,7 +3773,7 @@
     </p:spTree>
     <p:extLst>
       <p:ext uri="{BB962C8B-B14F-4D97-AF65-F5344CB8AC3E}">
-        <p14:creationId xmlns:p14="http://schemas.microsoft.com/office/powerpoint/2010/main" val="459669102"/>
+        <p14:creationId xmlns:p14="http://schemas.microsoft.com/office/powerpoint/2010/main" val="1766092225"/>
       </p:ext>
     </p:extLst>
   </p:cSld>
@@ -3824,7 +3827,31 @@
           <a:bodyPr/>
           <a:lstStyle/>
           <a:p>
-            <a:endParaRPr lang="en-CA" dirty="0"/>
+            <a:pPr marL="0" indent="0" algn="l">
+              <a:buFont typeface="Arial" panose="020B0604020202020204" pitchFamily="34" charset="0"/>
+              <a:buNone/>
+            </a:pPr>
+            <a:r>
+              <a:rPr lang="en-CA" sz="1600" b="0" i="0" u="none" strike="noStrike" baseline="0" dirty="0">
+                <a:latin typeface="Times New Roman" panose="02020603050405020304" pitchFamily="18" charset="0"/>
+                <a:cs typeface="Times New Roman" panose="02020603050405020304" pitchFamily="18" charset="0"/>
+              </a:rPr>
+              <a:t>More $ has to be spent to bring up parents’ health to meet equation (1) , so less resources for child. But not true that households that are poorer seek out greater </a:t>
+            </a:r>
+            <a:r>
+              <a:rPr lang="en-CA" sz="1600" b="0" i="0" u="none" strike="noStrike" baseline="0">
+                <a:latin typeface="Times New Roman" panose="02020603050405020304" pitchFamily="18" charset="0"/>
+                <a:cs typeface="Times New Roman" panose="02020603050405020304" pitchFamily="18" charset="0"/>
+              </a:rPr>
+              <a:t>health interventions (why not?) </a:t>
+            </a:r>
+            <a:endParaRPr lang="en-CA" sz="1600" dirty="0">
+              <a:solidFill>
+                <a:schemeClr val="tx1"/>
+              </a:solidFill>
+              <a:latin typeface="Times New Roman" panose="02020603050405020304" pitchFamily="18" charset="0"/>
+              <a:cs typeface="Times New Roman" panose="02020603050405020304" pitchFamily="18" charset="0"/>
+            </a:endParaRPr>
           </a:p>
         </p:txBody>
       </p:sp>
@@ -3854,7 +3881,7 @@
     </p:spTree>
     <p:extLst>
       <p:ext uri="{BB962C8B-B14F-4D97-AF65-F5344CB8AC3E}">
-        <p14:creationId xmlns:p14="http://schemas.microsoft.com/office/powerpoint/2010/main" val="1289770260"/>
+        <p14:creationId xmlns:p14="http://schemas.microsoft.com/office/powerpoint/2010/main" val="2314660175"/>
       </p:ext>
     </p:extLst>
   </p:cSld>
@@ -3910,49 +3937,7 @@
           <a:p>
             <a:r>
               <a:rPr lang="en-CA" dirty="0"/>
-              <a:t>Paper options for presenting: </a:t>
-            </a:r>
-          </a:p>
-          <a:p>
-            <a:pPr marL="171450" indent="-171450">
-              <a:buFont typeface="Arial" panose="020B0604020202020204" pitchFamily="34" charset="0"/>
-              <a:buChar char="•"/>
-            </a:pPr>
-            <a:r>
-              <a:rPr lang="en-CA" dirty="0" err="1"/>
-              <a:t>Einav</a:t>
-            </a:r>
-            <a:r>
-              <a:rPr lang="en-CA" dirty="0"/>
-              <a:t> et al. (2013) : “Selection on moral hazard in health insurance” Heterogeneity in moral hazard (structural/applied)</a:t>
-            </a:r>
-          </a:p>
-          <a:p>
-            <a:pPr marL="171450" indent="-171450">
-              <a:buFont typeface="Arial" panose="020B0604020202020204" pitchFamily="34" charset="0"/>
-              <a:buChar char="•"/>
-            </a:pPr>
-            <a:r>
-              <a:rPr lang="en-CA" dirty="0"/>
-              <a:t>De Meza and Webb (2017): False Diagnosis: Pitfalls of Testing for Asymmetric Information </a:t>
-            </a:r>
-            <a:r>
-              <a:rPr lang="en-CA" dirty="0" err="1"/>
-              <a:t>ni</a:t>
-            </a:r>
-            <a:r>
-              <a:rPr lang="en-CA" dirty="0"/>
-              <a:t> Insurance Markets (?) </a:t>
-            </a:r>
-          </a:p>
-          <a:p>
-            <a:pPr marL="171450" indent="-171450">
-              <a:buFont typeface="Arial" panose="020B0604020202020204" pitchFamily="34" charset="0"/>
-              <a:buChar char="•"/>
-            </a:pPr>
-            <a:r>
-              <a:rPr lang="en-CA" dirty="0"/>
-              <a:t>Fang and Wu (2018): Multidimensional private information, market structure, and insurance markets (and look at citing papers)? </a:t>
+              <a:t>We’ll get to talking about disparities. </a:t>
             </a:r>
           </a:p>
         </p:txBody>
@@ -3983,7 +3968,7 @@
     </p:spTree>
     <p:extLst>
       <p:ext uri="{BB962C8B-B14F-4D97-AF65-F5344CB8AC3E}">
-        <p14:creationId xmlns:p14="http://schemas.microsoft.com/office/powerpoint/2010/main" val="3822799886"/>
+        <p14:creationId xmlns:p14="http://schemas.microsoft.com/office/powerpoint/2010/main" val="3249177099"/>
       </p:ext>
     </p:extLst>
   </p:cSld>
@@ -4037,7 +4022,52 @@
           <a:bodyPr/>
           <a:lstStyle/>
           <a:p>
-            <a:endParaRPr lang="en-CA" dirty="0"/>
+            <a:r>
+              <a:rPr lang="en-CA" dirty="0"/>
+              <a:t>Paper options for presenting: </a:t>
+            </a:r>
+          </a:p>
+          <a:p>
+            <a:pPr marL="171450" indent="-171450">
+              <a:buFont typeface="Arial" panose="020B0604020202020204" pitchFamily="34" charset="0"/>
+              <a:buChar char="•"/>
+            </a:pPr>
+            <a:r>
+              <a:rPr lang="en-CA" dirty="0" err="1"/>
+              <a:t>Einav</a:t>
+            </a:r>
+            <a:r>
+              <a:rPr lang="en-CA" dirty="0"/>
+              <a:t> et al. (2013) : “Selection on moral hazard in health insurance” Heterogeneity in moral hazard (structural/applied)</a:t>
+            </a:r>
+          </a:p>
+          <a:p>
+            <a:pPr marL="171450" indent="-171450">
+              <a:buFont typeface="Arial" panose="020B0604020202020204" pitchFamily="34" charset="0"/>
+              <a:buChar char="•"/>
+            </a:pPr>
+            <a:r>
+              <a:rPr lang="en-CA" dirty="0"/>
+              <a:t>De Meza and Webb (2017): False Diagnosis: Pitfalls of Testing for Asymmetric Information </a:t>
+            </a:r>
+            <a:r>
+              <a:rPr lang="en-CA" dirty="0" err="1"/>
+              <a:t>ni</a:t>
+            </a:r>
+            <a:r>
+              <a:rPr lang="en-CA" dirty="0"/>
+              <a:t> Insurance Markets (?) </a:t>
+            </a:r>
+          </a:p>
+          <a:p>
+            <a:pPr marL="171450" indent="-171450">
+              <a:buFont typeface="Arial" panose="020B0604020202020204" pitchFamily="34" charset="0"/>
+              <a:buChar char="•"/>
+            </a:pPr>
+            <a:r>
+              <a:rPr lang="en-CA" dirty="0"/>
+              <a:t>Fang and Wu (2018): Multidimensional private information, market structure, and insurance markets (and look at citing papers)? </a:t>
+            </a:r>
           </a:p>
         </p:txBody>
       </p:sp>
@@ -4067,7 +4097,7 @@
     </p:spTree>
     <p:extLst>
       <p:ext uri="{BB962C8B-B14F-4D97-AF65-F5344CB8AC3E}">
-        <p14:creationId xmlns:p14="http://schemas.microsoft.com/office/powerpoint/2010/main" val="3232562922"/>
+        <p14:creationId xmlns:p14="http://schemas.microsoft.com/office/powerpoint/2010/main" val="17806775"/>
       </p:ext>
     </p:extLst>
   </p:cSld>
@@ -4123,7 +4153,7 @@
           <a:p>
             <a:r>
               <a:rPr lang="en-CA" dirty="0"/>
-              <a:t>Why is this model extension useful? Should we do it just for its own sake? No! But we can consider something new: how families value health within households (who gets to go to the doctor when budgets are tight)</a:t>
+              <a:t>Is this a critique we care about (multiple answers here)? Note the style of the critique – addresses core assumptions of the model. Can we weaken these assumptions? What would be the benefit of doing so? Note that critique 2 is broken out into multiple parts in the paper. </a:t>
             </a:r>
           </a:p>
         </p:txBody>
@@ -4154,7 +4184,7 @@
     </p:spTree>
     <p:extLst>
       <p:ext uri="{BB962C8B-B14F-4D97-AF65-F5344CB8AC3E}">
-        <p14:creationId xmlns:p14="http://schemas.microsoft.com/office/powerpoint/2010/main" val="2114837961"/>
+        <p14:creationId xmlns:p14="http://schemas.microsoft.com/office/powerpoint/2010/main" val="4025150694"/>
       </p:ext>
     </p:extLst>
   </p:cSld>
@@ -4210,7 +4240,7 @@
           <a:p>
             <a:r>
               <a:rPr lang="en-CA" dirty="0"/>
-              <a:t>We can bundle Z at the household level – why does this simplification make sense? </a:t>
+              <a:t>He’s clearly got a bone to pick here – he had a kind of longstanding animosity here. </a:t>
             </a:r>
           </a:p>
         </p:txBody>
@@ -4241,7 +4271,7 @@
     </p:spTree>
     <p:extLst>
       <p:ext uri="{BB962C8B-B14F-4D97-AF65-F5344CB8AC3E}">
-        <p14:creationId xmlns:p14="http://schemas.microsoft.com/office/powerpoint/2010/main" val="1489458147"/>
+        <p14:creationId xmlns:p14="http://schemas.microsoft.com/office/powerpoint/2010/main" val="2898854852"/>
       </p:ext>
     </p:extLst>
   </p:cSld>
@@ -4295,18 +4325,7 @@
           <a:bodyPr/>
           <a:lstStyle/>
           <a:p>
-            <a:r>
-              <a:rPr lang="en-CA" dirty="0"/>
-              <a:t>Here, E variables indicate relative </a:t>
-            </a:r>
-            <a:r>
-              <a:rPr lang="en-CA" dirty="0" err="1"/>
-              <a:t>productivitiy</a:t>
-            </a:r>
-            <a:r>
-              <a:rPr lang="en-CA" dirty="0"/>
-              <a:t> of household members in producing health (in old model, we could just normalize this to 1, but want to model potential comparative advantages in health production)</a:t>
-            </a:r>
+            <a:endParaRPr lang="en-CA" dirty="0"/>
           </a:p>
         </p:txBody>
       </p:sp>
@@ -4336,7 +4355,7 @@
     </p:spTree>
     <p:extLst>
       <p:ext uri="{BB962C8B-B14F-4D97-AF65-F5344CB8AC3E}">
-        <p14:creationId xmlns:p14="http://schemas.microsoft.com/office/powerpoint/2010/main" val="369252143"/>
+        <p14:creationId xmlns:p14="http://schemas.microsoft.com/office/powerpoint/2010/main" val="2476314470"/>
       </p:ext>
     </p:extLst>
   </p:cSld>
@@ -4392,15 +4411,7 @@
           <a:p>
             <a:r>
               <a:rPr lang="en-CA" dirty="0"/>
-              <a:t>Here, E variables indicate relative </a:t>
-            </a:r>
-            <a:r>
-              <a:rPr lang="en-CA" dirty="0" err="1"/>
-              <a:t>productivitiy</a:t>
-            </a:r>
-            <a:r>
-              <a:rPr lang="en-CA" dirty="0"/>
-              <a:t> of household members in producing health (in old model, we could just normalize this to 1, but want to model potential comparative advantages in health production)</a:t>
+              <a:t>Sure you go to the dentist if you have cavities but this doesn’t mean brushing your teeth is bad</a:t>
             </a:r>
           </a:p>
         </p:txBody>
@@ -4431,7 +4442,7 @@
     </p:spTree>
     <p:extLst>
       <p:ext uri="{BB962C8B-B14F-4D97-AF65-F5344CB8AC3E}">
-        <p14:creationId xmlns:p14="http://schemas.microsoft.com/office/powerpoint/2010/main" val="2492458701"/>
+        <p14:creationId xmlns:p14="http://schemas.microsoft.com/office/powerpoint/2010/main" val="1395695257"/>
       </p:ext>
     </p:extLst>
   </p:cSld>
@@ -4485,42 +4496,10 @@
           <a:bodyPr/>
           <a:lstStyle/>
           <a:p>
-            <a:pPr marL="0" indent="0" algn="l">
-              <a:buFont typeface="Arial" panose="020B0604020202020204" pitchFamily="34" charset="0"/>
-              <a:buNone/>
-            </a:pPr>
-            <a:r>
-              <a:rPr lang="en-CA" sz="1600" b="0" i="0" u="none" strike="noStrike" baseline="0" dirty="0">
-                <a:latin typeface="Times New Roman" panose="02020603050405020304" pitchFamily="18" charset="0"/>
-                <a:cs typeface="Times New Roman" panose="02020603050405020304" pitchFamily="18" charset="0"/>
-              </a:rPr>
-              <a:t>Hence, </a:t>
-            </a:r>
-            <a:r>
-              <a:rPr lang="en-US" sz="1200" b="0" i="0" u="none" strike="noStrike" baseline="0" dirty="0">
-                <a:latin typeface="Times New Roman" panose="02020603050405020304" pitchFamily="18" charset="0"/>
-              </a:rPr>
-              <a:t>family invests in health until the rate of marginal utilities of (lifetime</a:t>
-            </a:r>
-            <a:r>
-              <a:rPr lang="en-US" sz="1200" b="0" i="0" u="none" strike="noStrike" baseline="0" dirty="0">
-                <a:latin typeface="SizedSym151"/>
-              </a:rPr>
-              <a:t>) </a:t>
-            </a:r>
-            <a:r>
-              <a:rPr lang="en-US" sz="1200" b="0" i="0" u="none" strike="noStrike" baseline="0" dirty="0">
-                <a:latin typeface="Times New Roman" panose="02020603050405020304" pitchFamily="18" charset="0"/>
-              </a:rPr>
-              <a:t>health to effective price of health for all family members is equal and equal to the marginal utility of wealth – this is how goods are divided up in micro theory of demand. Health stock need not be equal for family members depending on productivity! </a:t>
-            </a:r>
-            <a:endParaRPr lang="en-CA" sz="1600" dirty="0">
-              <a:solidFill>
-                <a:schemeClr val="tx1"/>
-              </a:solidFill>
-              <a:latin typeface="Times New Roman" panose="02020603050405020304" pitchFamily="18" charset="0"/>
-              <a:cs typeface="Times New Roman" panose="02020603050405020304" pitchFamily="18" charset="0"/>
-            </a:endParaRPr>
+            <a:r>
+              <a:rPr lang="en-CA" dirty="0"/>
+              <a:t>e.g., if you regress H on h, you treat H as a flow not a stock. If you have time, you can show this: go to page 6 of Audrey’s paper and walk through the math on the whiteboard</a:t>
+            </a:r>
           </a:p>
         </p:txBody>
       </p:sp>
@@ -4550,7 +4529,7 @@
     </p:spTree>
     <p:extLst>
       <p:ext uri="{BB962C8B-B14F-4D97-AF65-F5344CB8AC3E}">
-        <p14:creationId xmlns:p14="http://schemas.microsoft.com/office/powerpoint/2010/main" val="1766092225"/>
+        <p14:creationId xmlns:p14="http://schemas.microsoft.com/office/powerpoint/2010/main" val="2968159198"/>
       </p:ext>
     </p:extLst>
   </p:cSld>
@@ -4606,7 +4585,7 @@
           <a:p>
             <a:r>
               <a:rPr lang="en-CA" dirty="0"/>
-              <a:t>Lots of different professional and academic goals!</a:t>
+              <a:t>Also add here – how to submit preferences! (and when!) </a:t>
             </a:r>
           </a:p>
         </p:txBody>
@@ -4637,763 +4616,7 @@
     </p:spTree>
     <p:extLst>
       <p:ext uri="{BB962C8B-B14F-4D97-AF65-F5344CB8AC3E}">
-        <p14:creationId xmlns:p14="http://schemas.microsoft.com/office/powerpoint/2010/main" val="2459165494"/>
-      </p:ext>
-    </p:extLst>
-  </p:cSld>
-  <p:clrMapOvr>
-    <a:masterClrMapping/>
-  </p:clrMapOvr>
-</p:notes>
-</file>
-
-<file path=ppt/notesSlides/notesSlide50.xml><?xml version="1.0" encoding="utf-8"?>
-<p:notes xmlns:a="http://schemas.openxmlformats.org/drawingml/2006/main" xmlns:r="http://schemas.openxmlformats.org/officeDocument/2006/relationships" xmlns:p="http://schemas.openxmlformats.org/presentationml/2006/main">
-  <p:cSld>
-    <p:spTree>
-      <p:nvGrpSpPr>
-        <p:cNvPr id="1" name=""/>
-        <p:cNvGrpSpPr/>
-        <p:nvPr/>
-      </p:nvGrpSpPr>
-      <p:grpSpPr>
-        <a:xfrm>
-          <a:off x="0" y="0"/>
-          <a:ext cx="0" cy="0"/>
-          <a:chOff x="0" y="0"/>
-          <a:chExt cx="0" cy="0"/>
-        </a:xfrm>
-      </p:grpSpPr>
-      <p:sp>
-        <p:nvSpPr>
-          <p:cNvPr id="2" name="Slide Image Placeholder 1"/>
-          <p:cNvSpPr>
-            <a:spLocks noGrp="1" noRot="1" noChangeAspect="1"/>
-          </p:cNvSpPr>
-          <p:nvPr>
-            <p:ph type="sldImg"/>
-          </p:nvPr>
-        </p:nvSpPr>
-        <p:spPr/>
-      </p:sp>
-      <p:sp>
-        <p:nvSpPr>
-          <p:cNvPr id="3" name="Notes Placeholder 2"/>
-          <p:cNvSpPr>
-            <a:spLocks noGrp="1"/>
-          </p:cNvSpPr>
-          <p:nvPr>
-            <p:ph type="body" idx="1"/>
-          </p:nvPr>
-        </p:nvSpPr>
-        <p:spPr/>
-        <p:txBody>
-          <a:bodyPr/>
-          <a:lstStyle/>
-          <a:p>
-            <a:pPr marL="0" indent="0" algn="l">
-              <a:buFont typeface="Arial" panose="020B0604020202020204" pitchFamily="34" charset="0"/>
-              <a:buNone/>
-            </a:pPr>
-            <a:r>
-              <a:rPr lang="en-CA" sz="1600" b="0" i="0" u="none" strike="noStrike" baseline="0" dirty="0">
-                <a:latin typeface="Times New Roman" panose="02020603050405020304" pitchFamily="18" charset="0"/>
-                <a:cs typeface="Times New Roman" panose="02020603050405020304" pitchFamily="18" charset="0"/>
-              </a:rPr>
-              <a:t>More $ has to be spent to bring up parents’ health to meet equation (1) , so less resources for child. But not true that households that are poorer seek out greater </a:t>
-            </a:r>
-            <a:r>
-              <a:rPr lang="en-CA" sz="1600" b="0" i="0" u="none" strike="noStrike" baseline="0">
-                <a:latin typeface="Times New Roman" panose="02020603050405020304" pitchFamily="18" charset="0"/>
-                <a:cs typeface="Times New Roman" panose="02020603050405020304" pitchFamily="18" charset="0"/>
-              </a:rPr>
-              <a:t>health interventions (why not?) </a:t>
-            </a:r>
-            <a:endParaRPr lang="en-CA" sz="1600" dirty="0">
-              <a:solidFill>
-                <a:schemeClr val="tx1"/>
-              </a:solidFill>
-              <a:latin typeface="Times New Roman" panose="02020603050405020304" pitchFamily="18" charset="0"/>
-              <a:cs typeface="Times New Roman" panose="02020603050405020304" pitchFamily="18" charset="0"/>
-            </a:endParaRPr>
-          </a:p>
-        </p:txBody>
-      </p:sp>
-      <p:sp>
-        <p:nvSpPr>
-          <p:cNvPr id="4" name="Slide Number Placeholder 3"/>
-          <p:cNvSpPr>
-            <a:spLocks noGrp="1"/>
-          </p:cNvSpPr>
-          <p:nvPr>
-            <p:ph type="sldNum" sz="quarter" idx="5"/>
-          </p:nvPr>
-        </p:nvSpPr>
-        <p:spPr/>
-        <p:txBody>
-          <a:bodyPr/>
-          <a:lstStyle/>
-          <a:p>
-            <a:fld id="{4AF79E1B-2C51-4B9B-8EA4-26DE9E345AFF}" type="slidenum">
-              <a:rPr lang="en-US" smtClean="0"/>
-              <a:t>50</a:t>
-            </a:fld>
-            <a:endParaRPr lang="en-US"/>
-          </a:p>
-        </p:txBody>
-      </p:sp>
-    </p:spTree>
-    <p:extLst>
-      <p:ext uri="{BB962C8B-B14F-4D97-AF65-F5344CB8AC3E}">
-        <p14:creationId xmlns:p14="http://schemas.microsoft.com/office/powerpoint/2010/main" val="2314660175"/>
-      </p:ext>
-    </p:extLst>
-  </p:cSld>
-  <p:clrMapOvr>
-    <a:masterClrMapping/>
-  </p:clrMapOvr>
-</p:notes>
-</file>
-
-<file path=ppt/notesSlides/notesSlide51.xml><?xml version="1.0" encoding="utf-8"?>
-<p:notes xmlns:a="http://schemas.openxmlformats.org/drawingml/2006/main" xmlns:r="http://schemas.openxmlformats.org/officeDocument/2006/relationships" xmlns:p="http://schemas.openxmlformats.org/presentationml/2006/main">
-  <p:cSld>
-    <p:spTree>
-      <p:nvGrpSpPr>
-        <p:cNvPr id="1" name=""/>
-        <p:cNvGrpSpPr/>
-        <p:nvPr/>
-      </p:nvGrpSpPr>
-      <p:grpSpPr>
-        <a:xfrm>
-          <a:off x="0" y="0"/>
-          <a:ext cx="0" cy="0"/>
-          <a:chOff x="0" y="0"/>
-          <a:chExt cx="0" cy="0"/>
-        </a:xfrm>
-      </p:grpSpPr>
-      <p:sp>
-        <p:nvSpPr>
-          <p:cNvPr id="2" name="Slide Image Placeholder 1"/>
-          <p:cNvSpPr>
-            <a:spLocks noGrp="1" noRot="1" noChangeAspect="1"/>
-          </p:cNvSpPr>
-          <p:nvPr>
-            <p:ph type="sldImg"/>
-          </p:nvPr>
-        </p:nvSpPr>
-        <p:spPr/>
-      </p:sp>
-      <p:sp>
-        <p:nvSpPr>
-          <p:cNvPr id="3" name="Notes Placeholder 2"/>
-          <p:cNvSpPr>
-            <a:spLocks noGrp="1"/>
-          </p:cNvSpPr>
-          <p:nvPr>
-            <p:ph type="body" idx="1"/>
-          </p:nvPr>
-        </p:nvSpPr>
-        <p:spPr/>
-        <p:txBody>
-          <a:bodyPr/>
-          <a:lstStyle/>
-          <a:p>
-            <a:r>
-              <a:rPr lang="en-CA" dirty="0"/>
-              <a:t>We’ll get to talking about disparities. </a:t>
-            </a:r>
-          </a:p>
-        </p:txBody>
-      </p:sp>
-      <p:sp>
-        <p:nvSpPr>
-          <p:cNvPr id="4" name="Slide Number Placeholder 3"/>
-          <p:cNvSpPr>
-            <a:spLocks noGrp="1"/>
-          </p:cNvSpPr>
-          <p:nvPr>
-            <p:ph type="sldNum" sz="quarter" idx="5"/>
-          </p:nvPr>
-        </p:nvSpPr>
-        <p:spPr/>
-        <p:txBody>
-          <a:bodyPr/>
-          <a:lstStyle/>
-          <a:p>
-            <a:fld id="{4AF79E1B-2C51-4B9B-8EA4-26DE9E345AFF}" type="slidenum">
-              <a:rPr lang="en-US" smtClean="0"/>
-              <a:t>51</a:t>
-            </a:fld>
-            <a:endParaRPr lang="en-US"/>
-          </a:p>
-        </p:txBody>
-      </p:sp>
-    </p:spTree>
-    <p:extLst>
-      <p:ext uri="{BB962C8B-B14F-4D97-AF65-F5344CB8AC3E}">
-        <p14:creationId xmlns:p14="http://schemas.microsoft.com/office/powerpoint/2010/main" val="3249177099"/>
-      </p:ext>
-    </p:extLst>
-  </p:cSld>
-  <p:clrMapOvr>
-    <a:masterClrMapping/>
-  </p:clrMapOvr>
-</p:notes>
-</file>
-
-<file path=ppt/notesSlides/notesSlide52.xml><?xml version="1.0" encoding="utf-8"?>
-<p:notes xmlns:a="http://schemas.openxmlformats.org/drawingml/2006/main" xmlns:r="http://schemas.openxmlformats.org/officeDocument/2006/relationships" xmlns:p="http://schemas.openxmlformats.org/presentationml/2006/main">
-  <p:cSld>
-    <p:spTree>
-      <p:nvGrpSpPr>
-        <p:cNvPr id="1" name=""/>
-        <p:cNvGrpSpPr/>
-        <p:nvPr/>
-      </p:nvGrpSpPr>
-      <p:grpSpPr>
-        <a:xfrm>
-          <a:off x="0" y="0"/>
-          <a:ext cx="0" cy="0"/>
-          <a:chOff x="0" y="0"/>
-          <a:chExt cx="0" cy="0"/>
-        </a:xfrm>
-      </p:grpSpPr>
-      <p:sp>
-        <p:nvSpPr>
-          <p:cNvPr id="2" name="Slide Image Placeholder 1"/>
-          <p:cNvSpPr>
-            <a:spLocks noGrp="1" noRot="1" noChangeAspect="1"/>
-          </p:cNvSpPr>
-          <p:nvPr>
-            <p:ph type="sldImg"/>
-          </p:nvPr>
-        </p:nvSpPr>
-        <p:spPr/>
-      </p:sp>
-      <p:sp>
-        <p:nvSpPr>
-          <p:cNvPr id="3" name="Notes Placeholder 2"/>
-          <p:cNvSpPr>
-            <a:spLocks noGrp="1"/>
-          </p:cNvSpPr>
-          <p:nvPr>
-            <p:ph type="body" idx="1"/>
-          </p:nvPr>
-        </p:nvSpPr>
-        <p:spPr/>
-        <p:txBody>
-          <a:bodyPr/>
-          <a:lstStyle/>
-          <a:p>
-            <a:r>
-              <a:rPr lang="en-CA" dirty="0"/>
-              <a:t>Paper options for presenting: </a:t>
-            </a:r>
-          </a:p>
-          <a:p>
-            <a:pPr marL="171450" indent="-171450">
-              <a:buFont typeface="Arial" panose="020B0604020202020204" pitchFamily="34" charset="0"/>
-              <a:buChar char="•"/>
-            </a:pPr>
-            <a:r>
-              <a:rPr lang="en-CA" dirty="0" err="1"/>
-              <a:t>Einav</a:t>
-            </a:r>
-            <a:r>
-              <a:rPr lang="en-CA" dirty="0"/>
-              <a:t> et al. (2013) : “Selection on moral hazard in health insurance” Heterogeneity in moral hazard (structural/applied)</a:t>
-            </a:r>
-          </a:p>
-          <a:p>
-            <a:pPr marL="171450" indent="-171450">
-              <a:buFont typeface="Arial" panose="020B0604020202020204" pitchFamily="34" charset="0"/>
-              <a:buChar char="•"/>
-            </a:pPr>
-            <a:r>
-              <a:rPr lang="en-CA" dirty="0"/>
-              <a:t>De Meza and Webb (2017): False Diagnosis: Pitfalls of Testing for Asymmetric Information </a:t>
-            </a:r>
-            <a:r>
-              <a:rPr lang="en-CA" dirty="0" err="1"/>
-              <a:t>ni</a:t>
-            </a:r>
-            <a:r>
-              <a:rPr lang="en-CA" dirty="0"/>
-              <a:t> Insurance Markets (?) </a:t>
-            </a:r>
-          </a:p>
-          <a:p>
-            <a:pPr marL="171450" indent="-171450">
-              <a:buFont typeface="Arial" panose="020B0604020202020204" pitchFamily="34" charset="0"/>
-              <a:buChar char="•"/>
-            </a:pPr>
-            <a:r>
-              <a:rPr lang="en-CA" dirty="0"/>
-              <a:t>Fang and Wu (2018): Multidimensional private information, market structure, and insurance markets (and look at citing papers)? </a:t>
-            </a:r>
-          </a:p>
-        </p:txBody>
-      </p:sp>
-      <p:sp>
-        <p:nvSpPr>
-          <p:cNvPr id="4" name="Slide Number Placeholder 3"/>
-          <p:cNvSpPr>
-            <a:spLocks noGrp="1"/>
-          </p:cNvSpPr>
-          <p:nvPr>
-            <p:ph type="sldNum" sz="quarter" idx="5"/>
-          </p:nvPr>
-        </p:nvSpPr>
-        <p:spPr/>
-        <p:txBody>
-          <a:bodyPr/>
-          <a:lstStyle/>
-          <a:p>
-            <a:fld id="{4AF79E1B-2C51-4B9B-8EA4-26DE9E345AFF}" type="slidenum">
-              <a:rPr lang="en-US" smtClean="0"/>
-              <a:t>52</a:t>
-            </a:fld>
-            <a:endParaRPr lang="en-US"/>
-          </a:p>
-        </p:txBody>
-      </p:sp>
-    </p:spTree>
-    <p:extLst>
-      <p:ext uri="{BB962C8B-B14F-4D97-AF65-F5344CB8AC3E}">
-        <p14:creationId xmlns:p14="http://schemas.microsoft.com/office/powerpoint/2010/main" val="17806775"/>
-      </p:ext>
-    </p:extLst>
-  </p:cSld>
-  <p:clrMapOvr>
-    <a:masterClrMapping/>
-  </p:clrMapOvr>
-</p:notes>
-</file>
-
-<file path=ppt/notesSlides/notesSlide53.xml><?xml version="1.0" encoding="utf-8"?>
-<p:notes xmlns:a="http://schemas.openxmlformats.org/drawingml/2006/main" xmlns:r="http://schemas.openxmlformats.org/officeDocument/2006/relationships" xmlns:p="http://schemas.openxmlformats.org/presentationml/2006/main">
-  <p:cSld>
-    <p:spTree>
-      <p:nvGrpSpPr>
-        <p:cNvPr id="1" name=""/>
-        <p:cNvGrpSpPr/>
-        <p:nvPr/>
-      </p:nvGrpSpPr>
-      <p:grpSpPr>
-        <a:xfrm>
-          <a:off x="0" y="0"/>
-          <a:ext cx="0" cy="0"/>
-          <a:chOff x="0" y="0"/>
-          <a:chExt cx="0" cy="0"/>
-        </a:xfrm>
-      </p:grpSpPr>
-      <p:sp>
-        <p:nvSpPr>
-          <p:cNvPr id="2" name="Slide Image Placeholder 1"/>
-          <p:cNvSpPr>
-            <a:spLocks noGrp="1" noRot="1" noChangeAspect="1"/>
-          </p:cNvSpPr>
-          <p:nvPr>
-            <p:ph type="sldImg"/>
-          </p:nvPr>
-        </p:nvSpPr>
-        <p:spPr/>
-      </p:sp>
-      <p:sp>
-        <p:nvSpPr>
-          <p:cNvPr id="3" name="Notes Placeholder 2"/>
-          <p:cNvSpPr>
-            <a:spLocks noGrp="1"/>
-          </p:cNvSpPr>
-          <p:nvPr>
-            <p:ph type="body" idx="1"/>
-          </p:nvPr>
-        </p:nvSpPr>
-        <p:spPr/>
-        <p:txBody>
-          <a:bodyPr/>
-          <a:lstStyle/>
-          <a:p>
-            <a:r>
-              <a:rPr lang="en-CA" dirty="0"/>
-              <a:t>Is this a critique we care about (multiple answers here)? Note the style of the critique – addresses core assumptions of the model. Can we weaken these assumptions? What would be the benefit of doing so? Note that critique 2 is broken out into multiple parts in the paper. </a:t>
-            </a:r>
-          </a:p>
-        </p:txBody>
-      </p:sp>
-      <p:sp>
-        <p:nvSpPr>
-          <p:cNvPr id="4" name="Slide Number Placeholder 3"/>
-          <p:cNvSpPr>
-            <a:spLocks noGrp="1"/>
-          </p:cNvSpPr>
-          <p:nvPr>
-            <p:ph type="sldNum" sz="quarter" idx="5"/>
-          </p:nvPr>
-        </p:nvSpPr>
-        <p:spPr/>
-        <p:txBody>
-          <a:bodyPr/>
-          <a:lstStyle/>
-          <a:p>
-            <a:fld id="{4AF79E1B-2C51-4B9B-8EA4-26DE9E345AFF}" type="slidenum">
-              <a:rPr lang="en-US" smtClean="0"/>
-              <a:t>53</a:t>
-            </a:fld>
-            <a:endParaRPr lang="en-US"/>
-          </a:p>
-        </p:txBody>
-      </p:sp>
-    </p:spTree>
-    <p:extLst>
-      <p:ext uri="{BB962C8B-B14F-4D97-AF65-F5344CB8AC3E}">
-        <p14:creationId xmlns:p14="http://schemas.microsoft.com/office/powerpoint/2010/main" val="4025150694"/>
-      </p:ext>
-    </p:extLst>
-  </p:cSld>
-  <p:clrMapOvr>
-    <a:masterClrMapping/>
-  </p:clrMapOvr>
-</p:notes>
-</file>
-
-<file path=ppt/notesSlides/notesSlide54.xml><?xml version="1.0" encoding="utf-8"?>
-<p:notes xmlns:a="http://schemas.openxmlformats.org/drawingml/2006/main" xmlns:r="http://schemas.openxmlformats.org/officeDocument/2006/relationships" xmlns:p="http://schemas.openxmlformats.org/presentationml/2006/main">
-  <p:cSld>
-    <p:spTree>
-      <p:nvGrpSpPr>
-        <p:cNvPr id="1" name=""/>
-        <p:cNvGrpSpPr/>
-        <p:nvPr/>
-      </p:nvGrpSpPr>
-      <p:grpSpPr>
-        <a:xfrm>
-          <a:off x="0" y="0"/>
-          <a:ext cx="0" cy="0"/>
-          <a:chOff x="0" y="0"/>
-          <a:chExt cx="0" cy="0"/>
-        </a:xfrm>
-      </p:grpSpPr>
-      <p:sp>
-        <p:nvSpPr>
-          <p:cNvPr id="2" name="Slide Image Placeholder 1"/>
-          <p:cNvSpPr>
-            <a:spLocks noGrp="1" noRot="1" noChangeAspect="1"/>
-          </p:cNvSpPr>
-          <p:nvPr>
-            <p:ph type="sldImg"/>
-          </p:nvPr>
-        </p:nvSpPr>
-        <p:spPr/>
-      </p:sp>
-      <p:sp>
-        <p:nvSpPr>
-          <p:cNvPr id="3" name="Notes Placeholder 2"/>
-          <p:cNvSpPr>
-            <a:spLocks noGrp="1"/>
-          </p:cNvSpPr>
-          <p:nvPr>
-            <p:ph type="body" idx="1"/>
-          </p:nvPr>
-        </p:nvSpPr>
-        <p:spPr/>
-        <p:txBody>
-          <a:bodyPr/>
-          <a:lstStyle/>
-          <a:p>
-            <a:r>
-              <a:rPr lang="en-CA" dirty="0"/>
-              <a:t>He’s clearly got a bone to pick here – he had a kind of longstanding animosity here. </a:t>
-            </a:r>
-          </a:p>
-        </p:txBody>
-      </p:sp>
-      <p:sp>
-        <p:nvSpPr>
-          <p:cNvPr id="4" name="Slide Number Placeholder 3"/>
-          <p:cNvSpPr>
-            <a:spLocks noGrp="1"/>
-          </p:cNvSpPr>
-          <p:nvPr>
-            <p:ph type="sldNum" sz="quarter" idx="5"/>
-          </p:nvPr>
-        </p:nvSpPr>
-        <p:spPr/>
-        <p:txBody>
-          <a:bodyPr/>
-          <a:lstStyle/>
-          <a:p>
-            <a:fld id="{4AF79E1B-2C51-4B9B-8EA4-26DE9E345AFF}" type="slidenum">
-              <a:rPr lang="en-US" smtClean="0"/>
-              <a:t>54</a:t>
-            </a:fld>
-            <a:endParaRPr lang="en-US"/>
-          </a:p>
-        </p:txBody>
-      </p:sp>
-    </p:spTree>
-    <p:extLst>
-      <p:ext uri="{BB962C8B-B14F-4D97-AF65-F5344CB8AC3E}">
-        <p14:creationId xmlns:p14="http://schemas.microsoft.com/office/powerpoint/2010/main" val="2898854852"/>
-      </p:ext>
-    </p:extLst>
-  </p:cSld>
-  <p:clrMapOvr>
-    <a:masterClrMapping/>
-  </p:clrMapOvr>
-</p:notes>
-</file>
-
-<file path=ppt/notesSlides/notesSlide55.xml><?xml version="1.0" encoding="utf-8"?>
-<p:notes xmlns:a="http://schemas.openxmlformats.org/drawingml/2006/main" xmlns:r="http://schemas.openxmlformats.org/officeDocument/2006/relationships" xmlns:p="http://schemas.openxmlformats.org/presentationml/2006/main">
-  <p:cSld>
-    <p:spTree>
-      <p:nvGrpSpPr>
-        <p:cNvPr id="1" name=""/>
-        <p:cNvGrpSpPr/>
-        <p:nvPr/>
-      </p:nvGrpSpPr>
-      <p:grpSpPr>
-        <a:xfrm>
-          <a:off x="0" y="0"/>
-          <a:ext cx="0" cy="0"/>
-          <a:chOff x="0" y="0"/>
-          <a:chExt cx="0" cy="0"/>
-        </a:xfrm>
-      </p:grpSpPr>
-      <p:sp>
-        <p:nvSpPr>
-          <p:cNvPr id="2" name="Slide Image Placeholder 1"/>
-          <p:cNvSpPr>
-            <a:spLocks noGrp="1" noRot="1" noChangeAspect="1"/>
-          </p:cNvSpPr>
-          <p:nvPr>
-            <p:ph type="sldImg"/>
-          </p:nvPr>
-        </p:nvSpPr>
-        <p:spPr/>
-      </p:sp>
-      <p:sp>
-        <p:nvSpPr>
-          <p:cNvPr id="3" name="Notes Placeholder 2"/>
-          <p:cNvSpPr>
-            <a:spLocks noGrp="1"/>
-          </p:cNvSpPr>
-          <p:nvPr>
-            <p:ph type="body" idx="1"/>
-          </p:nvPr>
-        </p:nvSpPr>
-        <p:spPr/>
-        <p:txBody>
-          <a:bodyPr/>
-          <a:lstStyle/>
-          <a:p>
-            <a:endParaRPr lang="en-CA" dirty="0"/>
-          </a:p>
-        </p:txBody>
-      </p:sp>
-      <p:sp>
-        <p:nvSpPr>
-          <p:cNvPr id="4" name="Slide Number Placeholder 3"/>
-          <p:cNvSpPr>
-            <a:spLocks noGrp="1"/>
-          </p:cNvSpPr>
-          <p:nvPr>
-            <p:ph type="sldNum" sz="quarter" idx="5"/>
-          </p:nvPr>
-        </p:nvSpPr>
-        <p:spPr/>
-        <p:txBody>
-          <a:bodyPr/>
-          <a:lstStyle/>
-          <a:p>
-            <a:fld id="{4AF79E1B-2C51-4B9B-8EA4-26DE9E345AFF}" type="slidenum">
-              <a:rPr lang="en-US" smtClean="0"/>
-              <a:t>55</a:t>
-            </a:fld>
-            <a:endParaRPr lang="en-US"/>
-          </a:p>
-        </p:txBody>
-      </p:sp>
-    </p:spTree>
-    <p:extLst>
-      <p:ext uri="{BB962C8B-B14F-4D97-AF65-F5344CB8AC3E}">
-        <p14:creationId xmlns:p14="http://schemas.microsoft.com/office/powerpoint/2010/main" val="2476314470"/>
-      </p:ext>
-    </p:extLst>
-  </p:cSld>
-  <p:clrMapOvr>
-    <a:masterClrMapping/>
-  </p:clrMapOvr>
-</p:notes>
-</file>
-
-<file path=ppt/notesSlides/notesSlide56.xml><?xml version="1.0" encoding="utf-8"?>
-<p:notes xmlns:a="http://schemas.openxmlformats.org/drawingml/2006/main" xmlns:r="http://schemas.openxmlformats.org/officeDocument/2006/relationships" xmlns:p="http://schemas.openxmlformats.org/presentationml/2006/main">
-  <p:cSld>
-    <p:spTree>
-      <p:nvGrpSpPr>
-        <p:cNvPr id="1" name=""/>
-        <p:cNvGrpSpPr/>
-        <p:nvPr/>
-      </p:nvGrpSpPr>
-      <p:grpSpPr>
-        <a:xfrm>
-          <a:off x="0" y="0"/>
-          <a:ext cx="0" cy="0"/>
-          <a:chOff x="0" y="0"/>
-          <a:chExt cx="0" cy="0"/>
-        </a:xfrm>
-      </p:grpSpPr>
-      <p:sp>
-        <p:nvSpPr>
-          <p:cNvPr id="2" name="Slide Image Placeholder 1"/>
-          <p:cNvSpPr>
-            <a:spLocks noGrp="1" noRot="1" noChangeAspect="1"/>
-          </p:cNvSpPr>
-          <p:nvPr>
-            <p:ph type="sldImg"/>
-          </p:nvPr>
-        </p:nvSpPr>
-        <p:spPr/>
-      </p:sp>
-      <p:sp>
-        <p:nvSpPr>
-          <p:cNvPr id="3" name="Notes Placeholder 2"/>
-          <p:cNvSpPr>
-            <a:spLocks noGrp="1"/>
-          </p:cNvSpPr>
-          <p:nvPr>
-            <p:ph type="body" idx="1"/>
-          </p:nvPr>
-        </p:nvSpPr>
-        <p:spPr/>
-        <p:txBody>
-          <a:bodyPr/>
-          <a:lstStyle/>
-          <a:p>
-            <a:r>
-              <a:rPr lang="en-CA" dirty="0"/>
-              <a:t>Sure you go to the dentist if you have cavities but this doesn’t mean brushing your teeth is bad</a:t>
-            </a:r>
-          </a:p>
-        </p:txBody>
-      </p:sp>
-      <p:sp>
-        <p:nvSpPr>
-          <p:cNvPr id="4" name="Slide Number Placeholder 3"/>
-          <p:cNvSpPr>
-            <a:spLocks noGrp="1"/>
-          </p:cNvSpPr>
-          <p:nvPr>
-            <p:ph type="sldNum" sz="quarter" idx="5"/>
-          </p:nvPr>
-        </p:nvSpPr>
-        <p:spPr/>
-        <p:txBody>
-          <a:bodyPr/>
-          <a:lstStyle/>
-          <a:p>
-            <a:fld id="{4AF79E1B-2C51-4B9B-8EA4-26DE9E345AFF}" type="slidenum">
-              <a:rPr lang="en-US" smtClean="0"/>
-              <a:t>56</a:t>
-            </a:fld>
-            <a:endParaRPr lang="en-US"/>
-          </a:p>
-        </p:txBody>
-      </p:sp>
-    </p:spTree>
-    <p:extLst>
-      <p:ext uri="{BB962C8B-B14F-4D97-AF65-F5344CB8AC3E}">
-        <p14:creationId xmlns:p14="http://schemas.microsoft.com/office/powerpoint/2010/main" val="1395695257"/>
-      </p:ext>
-    </p:extLst>
-  </p:cSld>
-  <p:clrMapOvr>
-    <a:masterClrMapping/>
-  </p:clrMapOvr>
-</p:notes>
-</file>
-
-<file path=ppt/notesSlides/notesSlide57.xml><?xml version="1.0" encoding="utf-8"?>
-<p:notes xmlns:a="http://schemas.openxmlformats.org/drawingml/2006/main" xmlns:r="http://schemas.openxmlformats.org/officeDocument/2006/relationships" xmlns:p="http://schemas.openxmlformats.org/presentationml/2006/main">
-  <p:cSld>
-    <p:spTree>
-      <p:nvGrpSpPr>
-        <p:cNvPr id="1" name=""/>
-        <p:cNvGrpSpPr/>
-        <p:nvPr/>
-      </p:nvGrpSpPr>
-      <p:grpSpPr>
-        <a:xfrm>
-          <a:off x="0" y="0"/>
-          <a:ext cx="0" cy="0"/>
-          <a:chOff x="0" y="0"/>
-          <a:chExt cx="0" cy="0"/>
-        </a:xfrm>
-      </p:grpSpPr>
-      <p:sp>
-        <p:nvSpPr>
-          <p:cNvPr id="2" name="Slide Image Placeholder 1"/>
-          <p:cNvSpPr>
-            <a:spLocks noGrp="1" noRot="1" noChangeAspect="1"/>
-          </p:cNvSpPr>
-          <p:nvPr>
-            <p:ph type="sldImg"/>
-          </p:nvPr>
-        </p:nvSpPr>
-        <p:spPr/>
-      </p:sp>
-      <p:sp>
-        <p:nvSpPr>
-          <p:cNvPr id="3" name="Notes Placeholder 2"/>
-          <p:cNvSpPr>
-            <a:spLocks noGrp="1"/>
-          </p:cNvSpPr>
-          <p:nvPr>
-            <p:ph type="body" idx="1"/>
-          </p:nvPr>
-        </p:nvSpPr>
-        <p:spPr/>
-        <p:txBody>
-          <a:bodyPr/>
-          <a:lstStyle/>
-          <a:p>
-            <a:r>
-              <a:rPr lang="en-CA" dirty="0"/>
-              <a:t>e.g., if you regress H on h, you treat H as a flow not a stock. If you have time, you can show this: go to page 6 of Audrey’s paper and walk through the math on the whiteboard</a:t>
-            </a:r>
-          </a:p>
-        </p:txBody>
-      </p:sp>
-      <p:sp>
-        <p:nvSpPr>
-          <p:cNvPr id="4" name="Slide Number Placeholder 3"/>
-          <p:cNvSpPr>
-            <a:spLocks noGrp="1"/>
-          </p:cNvSpPr>
-          <p:nvPr>
-            <p:ph type="sldNum" sz="quarter" idx="5"/>
-          </p:nvPr>
-        </p:nvSpPr>
-        <p:spPr/>
-        <p:txBody>
-          <a:bodyPr/>
-          <a:lstStyle/>
-          <a:p>
-            <a:fld id="{4AF79E1B-2C51-4B9B-8EA4-26DE9E345AFF}" type="slidenum">
-              <a:rPr lang="en-US" smtClean="0"/>
-              <a:t>57</a:t>
-            </a:fld>
-            <a:endParaRPr lang="en-US"/>
-          </a:p>
-        </p:txBody>
-      </p:sp>
-    </p:spTree>
-    <p:extLst>
-      <p:ext uri="{BB962C8B-B14F-4D97-AF65-F5344CB8AC3E}">
-        <p14:creationId xmlns:p14="http://schemas.microsoft.com/office/powerpoint/2010/main" val="2968159198"/>
+        <p14:creationId xmlns:p14="http://schemas.microsoft.com/office/powerpoint/2010/main" val="1465017178"/>
       </p:ext>
     </p:extLst>
   </p:cSld>
@@ -5449,8 +4672,46 @@
           <a:p>
             <a:r>
               <a:rPr lang="en-CA" dirty="0"/>
-              <a:t>Click on link to go through software here. Will probably always send you a Zoom link. </a:t>
-            </a:r>
+              <a:t>I’m supposed to read my negative Rate my professor reviews (to get a positive selection bias? Hungarian prof at BYU who did this), but I don’t have any reviews yet. There are no real-time emergencies in a university class setting – send me an email, and please be respectful of my time. Likewise, I will be respectful of yours. </a:t>
+            </a:r>
+          </a:p>
+          <a:p>
+            <a:endParaRPr lang="en-CA" dirty="0"/>
+          </a:p>
+          <a:p>
+            <a:r>
+              <a:rPr lang="en-CA" dirty="0"/>
+              <a:t>Also </a:t>
+            </a:r>
+            <a:r>
+              <a:rPr lang="en-CA" dirty="0" err="1"/>
+              <a:t>cld</a:t>
+            </a:r>
+            <a:r>
+              <a:rPr lang="en-CA" dirty="0"/>
+              <a:t> calling – I want not to know who’s right or wrong, but also how you are receiving the course. I want us all (</a:t>
+            </a:r>
+            <a:r>
+              <a:rPr lang="en-CA" dirty="0" err="1"/>
+              <a:t>meincluded</a:t>
+            </a:r>
+            <a:r>
+              <a:rPr lang="en-CA" dirty="0"/>
+              <a:t>) to be </a:t>
+            </a:r>
+            <a:r>
+              <a:rPr lang="en-CA" dirty="0" err="1"/>
+              <a:t>comfortabl</a:t>
+            </a:r>
+            <a:r>
+              <a:rPr lang="en-CA" dirty="0"/>
+              <a:t> being wrong. So if I cold call, just try to tell me what you think (or if you’re stuck, what you’re stuck on). We’ll all get used to be </a:t>
+            </a:r>
+            <a:r>
+              <a:rPr lang="en-CA"/>
+              <a:t>wrong together. </a:t>
+            </a:r>
+            <a:endParaRPr lang="en-CA" dirty="0"/>
           </a:p>
         </p:txBody>
       </p:sp>
@@ -5480,7 +4741,7 @@
     </p:spTree>
     <p:extLst>
       <p:ext uri="{BB962C8B-B14F-4D97-AF65-F5344CB8AC3E}">
-        <p14:creationId xmlns:p14="http://schemas.microsoft.com/office/powerpoint/2010/main" val="4200056396"/>
+        <p14:creationId xmlns:p14="http://schemas.microsoft.com/office/powerpoint/2010/main" val="1998886115"/>
       </p:ext>
     </p:extLst>
   </p:cSld>
@@ -5534,18 +4795,7 @@
           <a:bodyPr/>
           <a:lstStyle/>
           <a:p>
-            <a:r>
-              <a:rPr lang="en-CA" dirty="0"/>
-              <a:t>note: the seminar is going on Fridays from 10 to 12, so I am considering moving this to be: </a:t>
-            </a:r>
-            <a:r>
-              <a:rPr lang="en-CA" dirty="0" err="1"/>
-              <a:t>TTh</a:t>
-            </a:r>
-            <a:r>
-              <a:rPr lang="en-CA" dirty="0"/>
-              <a:t> 9:30 – 10:30, Fridays from 9-10. If you have concerns email me! I’ll update this this week. </a:t>
-            </a:r>
+            <a:endParaRPr lang="en-CA" dirty="0"/>
           </a:p>
         </p:txBody>
       </p:sp>
@@ -5575,7 +4825,7 @@
     </p:spTree>
     <p:extLst>
       <p:ext uri="{BB962C8B-B14F-4D97-AF65-F5344CB8AC3E}">
-        <p14:creationId xmlns:p14="http://schemas.microsoft.com/office/powerpoint/2010/main" val="1030555719"/>
+        <p14:creationId xmlns:p14="http://schemas.microsoft.com/office/powerpoint/2010/main" val="1883598164"/>
       </p:ext>
     </p:extLst>
   </p:cSld>
@@ -5629,10 +4879,7 @@
           <a:bodyPr/>
           <a:lstStyle/>
           <a:p>
-            <a:r>
-              <a:rPr lang="en-US" dirty="0"/>
-              <a:t>Instructions are on each assignment for submission. There is a 10 (percentage point) penalty for each late day. Can work together, but each must submit their own copy (and copy/paste for code isn’t a great way to learn)</a:t>
-            </a:r>
+            <a:endParaRPr lang="en-CA" dirty="0"/>
           </a:p>
         </p:txBody>
       </p:sp>
@@ -5662,7 +4909,7 @@
     </p:spTree>
     <p:extLst>
       <p:ext uri="{BB962C8B-B14F-4D97-AF65-F5344CB8AC3E}">
-        <p14:creationId xmlns:p14="http://schemas.microsoft.com/office/powerpoint/2010/main" val="3111868064"/>
+        <p14:creationId xmlns:p14="http://schemas.microsoft.com/office/powerpoint/2010/main" val="647924768"/>
       </p:ext>
     </p:extLst>
   </p:cSld>
@@ -5717,8 +4964,8 @@
           <a:lstStyle/>
           <a:p>
             <a:r>
-              <a:rPr lang="en-US" dirty="0"/>
-              <a:t>Outline is due 10/21. Meet with me to talk about topics before then (very advisable) and to strategize a little bit. </a:t>
+              <a:rPr lang="en-CA" dirty="0"/>
+              <a:t>Two sides of the story – do we help people now, or do we think about dynamic incentives? </a:t>
             </a:r>
           </a:p>
         </p:txBody>
@@ -5749,7 +4996,7 @@
     </p:spTree>
     <p:extLst>
       <p:ext uri="{BB962C8B-B14F-4D97-AF65-F5344CB8AC3E}">
-        <p14:creationId xmlns:p14="http://schemas.microsoft.com/office/powerpoint/2010/main" val="1919261668"/>
+        <p14:creationId xmlns:p14="http://schemas.microsoft.com/office/powerpoint/2010/main" val="1551403357"/>
       </p:ext>
     </p:extLst>
   </p:cSld>
@@ -5928,7 +5175,7 @@
             <a:fld id="{0972D05C-DCFB-4BB6-B49C-AC126BF3ED2C}" type="datetimeFigureOut">
               <a:rPr lang="en-US" smtClean="0"/>
               <a:pPr/>
-              <a:t>10/5/2022</a:t>
+              <a:t>10/25/2022</a:t>
             </a:fld>
             <a:endParaRPr lang="en-US"/>
           </a:p>
@@ -6158,7 +5405,7 @@
             <a:fld id="{0972D05C-DCFB-4BB6-B49C-AC126BF3ED2C}" type="datetimeFigureOut">
               <a:rPr lang="en-US" smtClean="0"/>
               <a:pPr/>
-              <a:t>10/5/2022</a:t>
+              <a:t>10/25/2022</a:t>
             </a:fld>
             <a:endParaRPr lang="en-US"/>
           </a:p>
@@ -6340,7 +5587,7 @@
             <a:fld id="{0972D05C-DCFB-4BB6-B49C-AC126BF3ED2C}" type="datetimeFigureOut">
               <a:rPr lang="en-US" smtClean="0"/>
               <a:pPr/>
-              <a:t>10/5/2022</a:t>
+              <a:t>10/25/2022</a:t>
             </a:fld>
             <a:endParaRPr lang="en-US"/>
           </a:p>
@@ -6512,7 +5759,7 @@
             <a:fld id="{0972D05C-DCFB-4BB6-B49C-AC126BF3ED2C}" type="datetimeFigureOut">
               <a:rPr lang="en-US" smtClean="0"/>
               <a:pPr/>
-              <a:t>10/5/2022</a:t>
+              <a:t>10/25/2022</a:t>
             </a:fld>
             <a:endParaRPr lang="en-US"/>
           </a:p>
@@ -6768,7 +6015,7 @@
             <a:fld id="{0972D05C-DCFB-4BB6-B49C-AC126BF3ED2C}" type="datetimeFigureOut">
               <a:rPr lang="en-US" smtClean="0"/>
               <a:pPr/>
-              <a:t>10/5/2022</a:t>
+              <a:t>10/25/2022</a:t>
             </a:fld>
             <a:endParaRPr lang="en-US"/>
           </a:p>
@@ -7096,7 +6343,7 @@
             <a:fld id="{0972D05C-DCFB-4BB6-B49C-AC126BF3ED2C}" type="datetimeFigureOut">
               <a:rPr lang="en-US" smtClean="0"/>
               <a:pPr/>
-              <a:t>10/5/2022</a:t>
+              <a:t>10/25/2022</a:t>
             </a:fld>
             <a:endParaRPr lang="en-US"/>
           </a:p>
@@ -7549,7 +6796,7 @@
             <a:fld id="{0972D05C-DCFB-4BB6-B49C-AC126BF3ED2C}" type="datetimeFigureOut">
               <a:rPr lang="en-US" smtClean="0"/>
               <a:pPr/>
-              <a:t>10/5/2022</a:t>
+              <a:t>10/25/2022</a:t>
             </a:fld>
             <a:endParaRPr lang="en-US"/>
           </a:p>
@@ -7669,7 +6916,7 @@
             <a:fld id="{0972D05C-DCFB-4BB6-B49C-AC126BF3ED2C}" type="datetimeFigureOut">
               <a:rPr lang="en-US" smtClean="0"/>
               <a:pPr/>
-              <a:t>10/5/2022</a:t>
+              <a:t>10/25/2022</a:t>
             </a:fld>
             <a:endParaRPr lang="en-US"/>
           </a:p>
@@ -7766,7 +7013,7 @@
             <a:fld id="{0972D05C-DCFB-4BB6-B49C-AC126BF3ED2C}" type="datetimeFigureOut">
               <a:rPr lang="en-US" smtClean="0"/>
               <a:pPr/>
-              <a:t>10/5/2022</a:t>
+              <a:t>10/25/2022</a:t>
             </a:fld>
             <a:endParaRPr lang="en-US"/>
           </a:p>
@@ -8055,7 +7302,7 @@
             <a:fld id="{0972D05C-DCFB-4BB6-B49C-AC126BF3ED2C}" type="datetimeFigureOut">
               <a:rPr lang="en-US" smtClean="0"/>
               <a:pPr/>
-              <a:t>10/5/2022</a:t>
+              <a:t>10/25/2022</a:t>
             </a:fld>
             <a:endParaRPr lang="en-US"/>
           </a:p>
@@ -8379,7 +7626,7 @@
             <a:fld id="{0972D05C-DCFB-4BB6-B49C-AC126BF3ED2C}" type="datetimeFigureOut">
               <a:rPr lang="en-US" smtClean="0"/>
               <a:pPr/>
-              <a:t>10/5/2022</a:t>
+              <a:t>10/25/2022</a:t>
             </a:fld>
             <a:endParaRPr lang="en-US"/>
           </a:p>
@@ -8634,7 +7881,7 @@
             <a:fld id="{0972D05C-DCFB-4BB6-B49C-AC126BF3ED2C}" type="datetimeFigureOut">
               <a:rPr lang="en-US" smtClean="0"/>
               <a:pPr/>
-              <a:t>10/5/2022</a:t>
+              <a:t>10/25/2022</a:t>
             </a:fld>
             <a:endParaRPr lang="en-US" dirty="0"/>
           </a:p>
@@ -9235,1893 +8482,6 @@
       </p:grpSpPr>
       <p:sp>
         <p:nvSpPr>
-          <p:cNvPr id="2" name="Title 1">
-            <a:extLst>
-              <a:ext uri="{FF2B5EF4-FFF2-40B4-BE49-F238E27FC236}">
-                <a16:creationId xmlns:a16="http://schemas.microsoft.com/office/drawing/2014/main" id="{E54BD568-A3DE-4D27-9652-A8CF021A9E7A}"/>
-              </a:ext>
-            </a:extLst>
-          </p:cNvPr>
-          <p:cNvSpPr>
-            <a:spLocks noGrp="1"/>
-          </p:cNvSpPr>
-          <p:nvPr>
-            <p:ph type="title"/>
-          </p:nvPr>
-        </p:nvSpPr>
-        <p:spPr>
-          <a:xfrm>
-            <a:off x="2470404" y="337710"/>
-            <a:ext cx="7269480" cy="1325562"/>
-          </a:xfrm>
-        </p:spPr>
-        <p:txBody>
-          <a:bodyPr/>
-          <a:lstStyle/>
-          <a:p>
-            <a:r>
-              <a:rPr lang="en-US" dirty="0"/>
-              <a:t> </a:t>
-            </a:r>
-          </a:p>
-        </p:txBody>
-      </p:sp>
-      <p:sp>
-        <p:nvSpPr>
-          <p:cNvPr id="4" name="Content Placeholder 3">
-            <a:extLst>
-              <a:ext uri="{FF2B5EF4-FFF2-40B4-BE49-F238E27FC236}">
-                <a16:creationId xmlns:a16="http://schemas.microsoft.com/office/drawing/2014/main" id="{AE68E5BA-C675-4302-ABDA-3EFDD6418FDE}"/>
-              </a:ext>
-            </a:extLst>
-          </p:cNvPr>
-          <p:cNvSpPr>
-            <a:spLocks noGrp="1"/>
-          </p:cNvSpPr>
-          <p:nvPr>
-            <p:ph idx="1"/>
-          </p:nvPr>
-        </p:nvSpPr>
-        <p:spPr>
-          <a:xfrm>
-            <a:off x="1261872" y="1219200"/>
-            <a:ext cx="9634728" cy="4960939"/>
-          </a:xfrm>
-        </p:spPr>
-        <p:txBody>
-          <a:bodyPr>
-            <a:normAutofit/>
-          </a:bodyPr>
-          <a:lstStyle/>
-          <a:p>
-            <a:pPr marL="0" indent="0">
-              <a:buNone/>
-            </a:pPr>
-            <a:r>
-              <a:rPr lang="en-US" sz="2400" b="1" dirty="0">
-                <a:solidFill>
-                  <a:srgbClr val="0070C0"/>
-                </a:solidFill>
-              </a:rPr>
-              <a:t>Software.</a:t>
-            </a:r>
-          </a:p>
-          <a:p>
-            <a:r>
-              <a:rPr lang="en-US" sz="2400" dirty="0"/>
-              <a:t>We will use R:</a:t>
-            </a:r>
-            <a:endParaRPr lang="en-US" sz="2400" u="sng" dirty="0">
-              <a:effectLst/>
-              <a:latin typeface="Times New Roman" panose="02020603050405020304" pitchFamily="18" charset="0"/>
-              <a:ea typeface="Calibri" panose="020F0502020204030204" pitchFamily="34" charset="0"/>
-            </a:endParaRPr>
-          </a:p>
-          <a:p>
-            <a:pPr lvl="1"/>
-            <a:r>
-              <a:rPr lang="en-US" sz="2400" dirty="0">
-                <a:latin typeface="Times New Roman" panose="02020603050405020304" pitchFamily="18" charset="0"/>
-              </a:rPr>
-              <a:t>You are welcome to use other software (textbooks cover STATA/Python)</a:t>
-            </a:r>
-          </a:p>
-          <a:p>
-            <a:pPr lvl="1"/>
-            <a:r>
-              <a:rPr lang="en-US" sz="2400" dirty="0">
-                <a:latin typeface="Times New Roman" panose="02020603050405020304" pitchFamily="18" charset="0"/>
-              </a:rPr>
-              <a:t>R is free! Download R </a:t>
-            </a:r>
-            <a:r>
-              <a:rPr lang="en-US" sz="2400" dirty="0">
-                <a:latin typeface="Times New Roman" panose="02020603050405020304" pitchFamily="18" charset="0"/>
-                <a:hlinkClick r:id="rId3"/>
-              </a:rPr>
-              <a:t>here</a:t>
-            </a:r>
-            <a:r>
-              <a:rPr lang="en-US" sz="2400" dirty="0">
-                <a:latin typeface="Times New Roman" panose="02020603050405020304" pitchFamily="18" charset="0"/>
-              </a:rPr>
-              <a:t> and an interface RStudio </a:t>
-            </a:r>
-            <a:r>
-              <a:rPr lang="en-US" sz="2400" dirty="0">
-                <a:latin typeface="Times New Roman" panose="02020603050405020304" pitchFamily="18" charset="0"/>
-                <a:hlinkClick r:id="rId4"/>
-              </a:rPr>
-              <a:t>here</a:t>
-            </a:r>
-            <a:endParaRPr lang="en-US" sz="2400" dirty="0">
-              <a:latin typeface="Times New Roman" panose="02020603050405020304" pitchFamily="18" charset="0"/>
-            </a:endParaRPr>
-          </a:p>
-          <a:p>
-            <a:pPr lvl="1"/>
-            <a:r>
-              <a:rPr lang="en-US" sz="2400" dirty="0">
-                <a:latin typeface="Times New Roman" panose="02020603050405020304" pitchFamily="18" charset="0"/>
-                <a:ea typeface="Calibri" panose="020F0502020204030204" pitchFamily="34" charset="0"/>
-                <a:cs typeface="Times New Roman" panose="02020603050405020304" pitchFamily="18" charset="0"/>
-              </a:rPr>
-              <a:t>Training sessions: </a:t>
-            </a:r>
-            <a:r>
-              <a:rPr lang="en-US" sz="2400" dirty="0">
-                <a:ea typeface="Calibri" panose="020F0502020204030204" pitchFamily="34" charset="0"/>
-                <a:cs typeface="Times New Roman" panose="02020603050405020304" pitchFamily="18" charset="0"/>
-                <a:hlinkClick r:id="rId5"/>
-              </a:rPr>
-              <a:t>September 16 (R) and September 23 (STATA)</a:t>
-            </a:r>
-            <a:endParaRPr lang="en-US" sz="2400" dirty="0">
-              <a:ea typeface="Calibri" panose="020F0502020204030204" pitchFamily="34" charset="0"/>
-              <a:cs typeface="Times New Roman" panose="02020603050405020304" pitchFamily="18" charset="0"/>
-            </a:endParaRPr>
-          </a:p>
-          <a:p>
-            <a:pPr lvl="1"/>
-            <a:endParaRPr lang="en-US" sz="2400" dirty="0"/>
-          </a:p>
-        </p:txBody>
-      </p:sp>
-      <p:sp>
-        <p:nvSpPr>
-          <p:cNvPr id="5" name="Title 1">
-            <a:extLst>
-              <a:ext uri="{FF2B5EF4-FFF2-40B4-BE49-F238E27FC236}">
-                <a16:creationId xmlns:a16="http://schemas.microsoft.com/office/drawing/2014/main" id="{9188A289-910E-45BF-9F49-22ADDCD09BA3}"/>
-              </a:ext>
-            </a:extLst>
-          </p:cNvPr>
-          <p:cNvSpPr txBox="1">
-            <a:spLocks/>
-          </p:cNvSpPr>
-          <p:nvPr/>
-        </p:nvSpPr>
-        <p:spPr>
-          <a:xfrm>
-            <a:off x="1261872" y="365760"/>
-            <a:ext cx="9692640" cy="777240"/>
-          </a:xfrm>
-          <a:prstGeom prst="rect">
-            <a:avLst/>
-          </a:prstGeom>
-        </p:spPr>
-        <p:txBody>
-          <a:bodyPr vert="horz" lIns="91440" tIns="45720" rIns="91440" bIns="45720" rtlCol="0" anchor="b">
-            <a:normAutofit/>
-          </a:bodyPr>
-          <a:lstStyle>
-            <a:lvl1pPr algn="l" defTabSz="914400" rtl="0" eaLnBrk="1" latinLnBrk="0" hangingPunct="1">
-              <a:lnSpc>
-                <a:spcPct val="90000"/>
-              </a:lnSpc>
-              <a:spcBef>
-                <a:spcPct val="0"/>
-              </a:spcBef>
-              <a:buNone/>
-              <a:defRPr sz="4400" kern="1200" spc="-50" baseline="0">
-                <a:solidFill>
-                  <a:schemeClr val="tx1"/>
-                </a:solidFill>
-                <a:latin typeface="+mj-lt"/>
-                <a:ea typeface="+mj-ea"/>
-                <a:cs typeface="+mj-cs"/>
-              </a:defRPr>
-            </a:lvl1pPr>
-          </a:lstStyle>
-          <a:p>
-            <a:r>
-              <a:rPr lang="en-US" dirty="0">
-                <a:latin typeface="Times New Roman" panose="02020603050405020304" pitchFamily="18" charset="0"/>
-              </a:rPr>
-              <a:t>Introduction &amp; Syllabus</a:t>
-            </a:r>
-          </a:p>
-        </p:txBody>
-      </p:sp>
-      <p:pic>
-        <p:nvPicPr>
-          <p:cNvPr id="6" name="Picture 2" descr="RStudio - RStudio">
-            <a:extLst>
-              <a:ext uri="{FF2B5EF4-FFF2-40B4-BE49-F238E27FC236}">
-                <a16:creationId xmlns:a16="http://schemas.microsoft.com/office/drawing/2014/main" id="{F9F5F4EC-00C7-0EE7-D691-9BCEA5421CC9}"/>
-              </a:ext>
-            </a:extLst>
-          </p:cNvPr>
-          <p:cNvPicPr>
-            <a:picLocks noChangeAspect="1" noChangeArrowheads="1"/>
-          </p:cNvPicPr>
-          <p:nvPr/>
-        </p:nvPicPr>
-        <p:blipFill>
-          <a:blip r:embed="rId6">
-            <a:extLst>
-              <a:ext uri="{28A0092B-C50C-407E-A947-70E740481C1C}">
-                <a14:useLocalDpi xmlns:a14="http://schemas.microsoft.com/office/drawing/2010/main" val="0"/>
-              </a:ext>
-            </a:extLst>
-          </a:blip>
-          <a:srcRect/>
-          <a:stretch>
-            <a:fillRect/>
-          </a:stretch>
-        </p:blipFill>
-        <p:spPr bwMode="auto">
-          <a:xfrm>
-            <a:off x="9527629" y="5149008"/>
-            <a:ext cx="1371600" cy="1371600"/>
-          </a:xfrm>
-          <a:prstGeom prst="rect">
-            <a:avLst/>
-          </a:prstGeom>
-          <a:noFill/>
-          <a:extLst>
-            <a:ext uri="{909E8E84-426E-40DD-AFC4-6F175D3DCCD1}">
-              <a14:hiddenFill xmlns:a14="http://schemas.microsoft.com/office/drawing/2010/main">
-                <a:solidFill>
-                  <a:srgbClr val="FFFFFF"/>
-                </a:solidFill>
-              </a14:hiddenFill>
-            </a:ext>
-          </a:extLst>
-        </p:spPr>
-      </p:pic>
-    </p:spTree>
-    <p:extLst>
-      <p:ext uri="{BB962C8B-B14F-4D97-AF65-F5344CB8AC3E}">
-        <p14:creationId xmlns:p14="http://schemas.microsoft.com/office/powerpoint/2010/main" val="3276157714"/>
-      </p:ext>
-    </p:extLst>
-  </p:cSld>
-  <p:clrMapOvr>
-    <a:masterClrMapping/>
-  </p:clrMapOvr>
-</p:sld>
-</file>
-
-<file path=ppt/slides/slide11.xml><?xml version="1.0" encoding="utf-8"?>
-<p:sld xmlns:a="http://schemas.openxmlformats.org/drawingml/2006/main" xmlns:r="http://schemas.openxmlformats.org/officeDocument/2006/relationships" xmlns:p="http://schemas.openxmlformats.org/presentationml/2006/main">
-  <p:cSld>
-    <p:spTree>
-      <p:nvGrpSpPr>
-        <p:cNvPr id="1" name=""/>
-        <p:cNvGrpSpPr/>
-        <p:nvPr/>
-      </p:nvGrpSpPr>
-      <p:grpSpPr>
-        <a:xfrm>
-          <a:off x="0" y="0"/>
-          <a:ext cx="0" cy="0"/>
-          <a:chOff x="0" y="0"/>
-          <a:chExt cx="0" cy="0"/>
-        </a:xfrm>
-      </p:grpSpPr>
-      <p:sp>
-        <p:nvSpPr>
-          <p:cNvPr id="2" name="Title 1">
-            <a:extLst>
-              <a:ext uri="{FF2B5EF4-FFF2-40B4-BE49-F238E27FC236}">
-                <a16:creationId xmlns:a16="http://schemas.microsoft.com/office/drawing/2014/main" id="{E54BD568-A3DE-4D27-9652-A8CF021A9E7A}"/>
-              </a:ext>
-            </a:extLst>
-          </p:cNvPr>
-          <p:cNvSpPr>
-            <a:spLocks noGrp="1"/>
-          </p:cNvSpPr>
-          <p:nvPr>
-            <p:ph type="title"/>
-          </p:nvPr>
-        </p:nvSpPr>
-        <p:spPr>
-          <a:xfrm>
-            <a:off x="2470404" y="337710"/>
-            <a:ext cx="7269480" cy="1325562"/>
-          </a:xfrm>
-        </p:spPr>
-        <p:txBody>
-          <a:bodyPr/>
-          <a:lstStyle/>
-          <a:p>
-            <a:r>
-              <a:rPr lang="en-US" dirty="0"/>
-              <a:t> </a:t>
-            </a:r>
-          </a:p>
-        </p:txBody>
-      </p:sp>
-      <p:sp>
-        <p:nvSpPr>
-          <p:cNvPr id="4" name="Content Placeholder 3">
-            <a:extLst>
-              <a:ext uri="{FF2B5EF4-FFF2-40B4-BE49-F238E27FC236}">
-                <a16:creationId xmlns:a16="http://schemas.microsoft.com/office/drawing/2014/main" id="{AE68E5BA-C675-4302-ABDA-3EFDD6418FDE}"/>
-              </a:ext>
-            </a:extLst>
-          </p:cNvPr>
-          <p:cNvSpPr>
-            <a:spLocks noGrp="1"/>
-          </p:cNvSpPr>
-          <p:nvPr>
-            <p:ph idx="1"/>
-          </p:nvPr>
-        </p:nvSpPr>
-        <p:spPr>
-          <a:xfrm>
-            <a:off x="1261872" y="1219200"/>
-            <a:ext cx="9634728" cy="4960939"/>
-          </a:xfrm>
-        </p:spPr>
-        <p:txBody>
-          <a:bodyPr>
-            <a:normAutofit/>
-          </a:bodyPr>
-          <a:lstStyle/>
-          <a:p>
-            <a:pPr marL="0" indent="0">
-              <a:buNone/>
-            </a:pPr>
-            <a:r>
-              <a:rPr lang="en-US" sz="2400" b="1" dirty="0">
-                <a:solidFill>
-                  <a:srgbClr val="0070C0"/>
-                </a:solidFill>
-              </a:rPr>
-              <a:t>Software.</a:t>
-            </a:r>
-          </a:p>
-          <a:p>
-            <a:r>
-              <a:rPr lang="en-US" sz="2400" dirty="0"/>
-              <a:t>We will use R:</a:t>
-            </a:r>
-            <a:endParaRPr lang="en-US" sz="2400" u="sng" dirty="0">
-              <a:effectLst/>
-              <a:latin typeface="Times New Roman" panose="02020603050405020304" pitchFamily="18" charset="0"/>
-              <a:ea typeface="Calibri" panose="020F0502020204030204" pitchFamily="34" charset="0"/>
-            </a:endParaRPr>
-          </a:p>
-          <a:p>
-            <a:pPr lvl="1"/>
-            <a:r>
-              <a:rPr lang="en-US" sz="2400" dirty="0">
-                <a:latin typeface="Times New Roman" panose="02020603050405020304" pitchFamily="18" charset="0"/>
-              </a:rPr>
-              <a:t>You are welcome to use other software (textbooks cover STATA/Python)</a:t>
-            </a:r>
-          </a:p>
-          <a:p>
-            <a:pPr lvl="1"/>
-            <a:r>
-              <a:rPr lang="en-US" sz="2400" dirty="0">
-                <a:latin typeface="Times New Roman" panose="02020603050405020304" pitchFamily="18" charset="0"/>
-              </a:rPr>
-              <a:t>R is free! Download R </a:t>
-            </a:r>
-            <a:r>
-              <a:rPr lang="en-US" sz="2400" dirty="0">
-                <a:latin typeface="Times New Roman" panose="02020603050405020304" pitchFamily="18" charset="0"/>
-                <a:hlinkClick r:id="rId3"/>
-              </a:rPr>
-              <a:t>here</a:t>
-            </a:r>
-            <a:r>
-              <a:rPr lang="en-US" sz="2400" dirty="0">
-                <a:latin typeface="Times New Roman" panose="02020603050405020304" pitchFamily="18" charset="0"/>
-              </a:rPr>
-              <a:t> and an interface RStudio </a:t>
-            </a:r>
-            <a:r>
-              <a:rPr lang="en-US" sz="2400" dirty="0">
-                <a:latin typeface="Times New Roman" panose="02020603050405020304" pitchFamily="18" charset="0"/>
-                <a:hlinkClick r:id="rId4"/>
-              </a:rPr>
-              <a:t>here</a:t>
-            </a:r>
-            <a:endParaRPr lang="en-US" sz="2400" dirty="0">
-              <a:latin typeface="Times New Roman" panose="02020603050405020304" pitchFamily="18" charset="0"/>
-            </a:endParaRPr>
-          </a:p>
-          <a:p>
-            <a:pPr lvl="1"/>
-            <a:r>
-              <a:rPr lang="en-US" sz="2400" dirty="0">
-                <a:latin typeface="Times New Roman" panose="02020603050405020304" pitchFamily="18" charset="0"/>
-                <a:ea typeface="Calibri" panose="020F0502020204030204" pitchFamily="34" charset="0"/>
-                <a:cs typeface="Times New Roman" panose="02020603050405020304" pitchFamily="18" charset="0"/>
-              </a:rPr>
-              <a:t>Training sessions: </a:t>
-            </a:r>
-            <a:r>
-              <a:rPr lang="en-US" sz="2400" dirty="0">
-                <a:ea typeface="Calibri" panose="020F0502020204030204" pitchFamily="34" charset="0"/>
-                <a:cs typeface="Times New Roman" panose="02020603050405020304" pitchFamily="18" charset="0"/>
-              </a:rPr>
-              <a:t>September 16 (R) and September 23 (STATA)</a:t>
-            </a:r>
-          </a:p>
-          <a:p>
-            <a:r>
-              <a:rPr lang="en-US" sz="2400" dirty="0" err="1">
-                <a:cs typeface="Times New Roman" panose="02020603050405020304" pitchFamily="18" charset="0"/>
-                <a:hlinkClick r:id="rId5"/>
-              </a:rPr>
-              <a:t>Github</a:t>
-            </a:r>
-            <a:r>
-              <a:rPr lang="en-US" sz="2400" dirty="0">
-                <a:cs typeface="Times New Roman" panose="02020603050405020304" pitchFamily="18" charset="0"/>
-                <a:hlinkClick r:id="rId5"/>
-              </a:rPr>
-              <a:t> repo</a:t>
-            </a:r>
-            <a:endParaRPr lang="en-US" sz="2400" dirty="0">
-              <a:cs typeface="Times New Roman" panose="02020603050405020304" pitchFamily="18" charset="0"/>
-            </a:endParaRPr>
-          </a:p>
-          <a:p>
-            <a:pPr lvl="1"/>
-            <a:r>
-              <a:rPr lang="en-US" sz="2400" dirty="0">
-                <a:cs typeface="Times New Roman" panose="02020603050405020304" pitchFamily="18" charset="0"/>
-              </a:rPr>
-              <a:t>Contains all relevant course materials</a:t>
-            </a:r>
-          </a:p>
-          <a:p>
-            <a:pPr lvl="1"/>
-            <a:r>
-              <a:rPr lang="en-US" sz="2400" dirty="0">
-                <a:cs typeface="Times New Roman" panose="02020603050405020304" pitchFamily="18" charset="0"/>
-              </a:rPr>
-              <a:t>Sample papers</a:t>
-            </a:r>
-          </a:p>
-          <a:p>
-            <a:pPr lvl="1"/>
-            <a:r>
-              <a:rPr lang="en-US" sz="2400" dirty="0">
-                <a:cs typeface="Times New Roman" panose="02020603050405020304" pitchFamily="18" charset="0"/>
-                <a:hlinkClick r:id="rId6"/>
-              </a:rPr>
-              <a:t>Discussion boards</a:t>
-            </a:r>
-            <a:endParaRPr lang="en-US" sz="2400" dirty="0"/>
-          </a:p>
-          <a:p>
-            <a:pPr lvl="1"/>
-            <a:endParaRPr lang="en-US" sz="2400" dirty="0"/>
-          </a:p>
-        </p:txBody>
-      </p:sp>
-      <p:sp>
-        <p:nvSpPr>
-          <p:cNvPr id="5" name="Title 1">
-            <a:extLst>
-              <a:ext uri="{FF2B5EF4-FFF2-40B4-BE49-F238E27FC236}">
-                <a16:creationId xmlns:a16="http://schemas.microsoft.com/office/drawing/2014/main" id="{9188A289-910E-45BF-9F49-22ADDCD09BA3}"/>
-              </a:ext>
-            </a:extLst>
-          </p:cNvPr>
-          <p:cNvSpPr txBox="1">
-            <a:spLocks/>
-          </p:cNvSpPr>
-          <p:nvPr/>
-        </p:nvSpPr>
-        <p:spPr>
-          <a:xfrm>
-            <a:off x="1261872" y="365760"/>
-            <a:ext cx="9692640" cy="777240"/>
-          </a:xfrm>
-          <a:prstGeom prst="rect">
-            <a:avLst/>
-          </a:prstGeom>
-        </p:spPr>
-        <p:txBody>
-          <a:bodyPr vert="horz" lIns="91440" tIns="45720" rIns="91440" bIns="45720" rtlCol="0" anchor="b">
-            <a:normAutofit/>
-          </a:bodyPr>
-          <a:lstStyle>
-            <a:lvl1pPr algn="l" defTabSz="914400" rtl="0" eaLnBrk="1" latinLnBrk="0" hangingPunct="1">
-              <a:lnSpc>
-                <a:spcPct val="90000"/>
-              </a:lnSpc>
-              <a:spcBef>
-                <a:spcPct val="0"/>
-              </a:spcBef>
-              <a:buNone/>
-              <a:defRPr sz="4400" kern="1200" spc="-50" baseline="0">
-                <a:solidFill>
-                  <a:schemeClr val="tx1"/>
-                </a:solidFill>
-                <a:latin typeface="+mj-lt"/>
-                <a:ea typeface="+mj-ea"/>
-                <a:cs typeface="+mj-cs"/>
-              </a:defRPr>
-            </a:lvl1pPr>
-          </a:lstStyle>
-          <a:p>
-            <a:r>
-              <a:rPr lang="en-US" dirty="0">
-                <a:latin typeface="Times New Roman" panose="02020603050405020304" pitchFamily="18" charset="0"/>
-              </a:rPr>
-              <a:t>Introduction &amp; Syllabus</a:t>
-            </a:r>
-          </a:p>
-        </p:txBody>
-      </p:sp>
-    </p:spTree>
-    <p:extLst>
-      <p:ext uri="{BB962C8B-B14F-4D97-AF65-F5344CB8AC3E}">
-        <p14:creationId xmlns:p14="http://schemas.microsoft.com/office/powerpoint/2010/main" val="2483131876"/>
-      </p:ext>
-    </p:extLst>
-  </p:cSld>
-  <p:clrMapOvr>
-    <a:masterClrMapping/>
-  </p:clrMapOvr>
-</p:sld>
-</file>
-
-<file path=ppt/slides/slide12.xml><?xml version="1.0" encoding="utf-8"?>
-<p:sld xmlns:a="http://schemas.openxmlformats.org/drawingml/2006/main" xmlns:r="http://schemas.openxmlformats.org/officeDocument/2006/relationships" xmlns:p="http://schemas.openxmlformats.org/presentationml/2006/main">
-  <p:cSld>
-    <p:spTree>
-      <p:nvGrpSpPr>
-        <p:cNvPr id="1" name=""/>
-        <p:cNvGrpSpPr/>
-        <p:nvPr/>
-      </p:nvGrpSpPr>
-      <p:grpSpPr>
-        <a:xfrm>
-          <a:off x="0" y="0"/>
-          <a:ext cx="0" cy="0"/>
-          <a:chOff x="0" y="0"/>
-          <a:chExt cx="0" cy="0"/>
-        </a:xfrm>
-      </p:grpSpPr>
-      <p:sp>
-        <p:nvSpPr>
-          <p:cNvPr id="2" name="Title 1">
-            <a:extLst>
-              <a:ext uri="{FF2B5EF4-FFF2-40B4-BE49-F238E27FC236}">
-                <a16:creationId xmlns:a16="http://schemas.microsoft.com/office/drawing/2014/main" id="{E54BD568-A3DE-4D27-9652-A8CF021A9E7A}"/>
-              </a:ext>
-            </a:extLst>
-          </p:cNvPr>
-          <p:cNvSpPr>
-            <a:spLocks noGrp="1"/>
-          </p:cNvSpPr>
-          <p:nvPr>
-            <p:ph type="title"/>
-          </p:nvPr>
-        </p:nvSpPr>
-        <p:spPr>
-          <a:xfrm>
-            <a:off x="2470404" y="337710"/>
-            <a:ext cx="7269480" cy="1325562"/>
-          </a:xfrm>
-        </p:spPr>
-        <p:txBody>
-          <a:bodyPr/>
-          <a:lstStyle/>
-          <a:p>
-            <a:r>
-              <a:rPr lang="en-US" dirty="0"/>
-              <a:t> </a:t>
-            </a:r>
-          </a:p>
-        </p:txBody>
-      </p:sp>
-      <p:sp>
-        <p:nvSpPr>
-          <p:cNvPr id="4" name="Content Placeholder 3">
-            <a:extLst>
-              <a:ext uri="{FF2B5EF4-FFF2-40B4-BE49-F238E27FC236}">
-                <a16:creationId xmlns:a16="http://schemas.microsoft.com/office/drawing/2014/main" id="{AE68E5BA-C675-4302-ABDA-3EFDD6418FDE}"/>
-              </a:ext>
-            </a:extLst>
-          </p:cNvPr>
-          <p:cNvSpPr>
-            <a:spLocks noGrp="1"/>
-          </p:cNvSpPr>
-          <p:nvPr>
-            <p:ph idx="1"/>
-          </p:nvPr>
-        </p:nvSpPr>
-        <p:spPr>
-          <a:xfrm>
-            <a:off x="1261872" y="1219200"/>
-            <a:ext cx="9634728" cy="4960939"/>
-          </a:xfrm>
-        </p:spPr>
-        <p:txBody>
-          <a:bodyPr>
-            <a:normAutofit/>
-          </a:bodyPr>
-          <a:lstStyle/>
-          <a:p>
-            <a:pPr lvl="1"/>
-            <a:r>
-              <a:rPr lang="en-US" sz="2400" dirty="0"/>
-              <a:t>We will use the </a:t>
-            </a:r>
-            <a:r>
-              <a:rPr lang="en-US" sz="2400" b="1" dirty="0" err="1">
-                <a:solidFill>
-                  <a:srgbClr val="0070C0"/>
-                </a:solidFill>
-              </a:rPr>
-              <a:t>tidyverse</a:t>
-            </a:r>
-            <a:endParaRPr lang="en-US" sz="2400" dirty="0">
-              <a:solidFill>
-                <a:srgbClr val="0070C0"/>
-              </a:solidFill>
-            </a:endParaRPr>
-          </a:p>
-        </p:txBody>
-      </p:sp>
-      <p:sp>
-        <p:nvSpPr>
-          <p:cNvPr id="5" name="Title 1">
-            <a:extLst>
-              <a:ext uri="{FF2B5EF4-FFF2-40B4-BE49-F238E27FC236}">
-                <a16:creationId xmlns:a16="http://schemas.microsoft.com/office/drawing/2014/main" id="{9188A289-910E-45BF-9F49-22ADDCD09BA3}"/>
-              </a:ext>
-            </a:extLst>
-          </p:cNvPr>
-          <p:cNvSpPr txBox="1">
-            <a:spLocks/>
-          </p:cNvSpPr>
-          <p:nvPr/>
-        </p:nvSpPr>
-        <p:spPr>
-          <a:xfrm>
-            <a:off x="1261872" y="365760"/>
-            <a:ext cx="9692640" cy="777240"/>
-          </a:xfrm>
-          <a:prstGeom prst="rect">
-            <a:avLst/>
-          </a:prstGeom>
-        </p:spPr>
-        <p:txBody>
-          <a:bodyPr vert="horz" lIns="91440" tIns="45720" rIns="91440" bIns="45720" rtlCol="0" anchor="b">
-            <a:normAutofit/>
-          </a:bodyPr>
-          <a:lstStyle>
-            <a:lvl1pPr algn="l" defTabSz="914400" rtl="0" eaLnBrk="1" latinLnBrk="0" hangingPunct="1">
-              <a:lnSpc>
-                <a:spcPct val="90000"/>
-              </a:lnSpc>
-              <a:spcBef>
-                <a:spcPct val="0"/>
-              </a:spcBef>
-              <a:buNone/>
-              <a:defRPr sz="4400" kern="1200" spc="-50" baseline="0">
-                <a:solidFill>
-                  <a:schemeClr val="tx1"/>
-                </a:solidFill>
-                <a:latin typeface="+mj-lt"/>
-                <a:ea typeface="+mj-ea"/>
-                <a:cs typeface="+mj-cs"/>
-              </a:defRPr>
-            </a:lvl1pPr>
-          </a:lstStyle>
-          <a:p>
-            <a:r>
-              <a:rPr lang="en-US" dirty="0">
-                <a:latin typeface="Times New Roman" panose="02020603050405020304" pitchFamily="18" charset="0"/>
-              </a:rPr>
-              <a:t>Using R</a:t>
-            </a:r>
-          </a:p>
-        </p:txBody>
-      </p:sp>
-      <p:pic>
-        <p:nvPicPr>
-          <p:cNvPr id="9" name="Picture 8">
-            <a:extLst>
-              <a:ext uri="{FF2B5EF4-FFF2-40B4-BE49-F238E27FC236}">
-                <a16:creationId xmlns:a16="http://schemas.microsoft.com/office/drawing/2014/main" id="{3B0825BB-F768-4AE1-9A8E-D730EE9B4612}"/>
-              </a:ext>
-            </a:extLst>
-          </p:cNvPr>
-          <p:cNvPicPr>
-            <a:picLocks noChangeAspect="1"/>
-          </p:cNvPicPr>
-          <p:nvPr/>
-        </p:nvPicPr>
-        <p:blipFill>
-          <a:blip r:embed="rId3"/>
-          <a:stretch>
-            <a:fillRect/>
-          </a:stretch>
-        </p:blipFill>
-        <p:spPr>
-          <a:xfrm>
-            <a:off x="1447800" y="1663272"/>
-            <a:ext cx="4897580" cy="4593067"/>
-          </a:xfrm>
-          <a:prstGeom prst="rect">
-            <a:avLst/>
-          </a:prstGeom>
-        </p:spPr>
-      </p:pic>
-    </p:spTree>
-    <p:extLst>
-      <p:ext uri="{BB962C8B-B14F-4D97-AF65-F5344CB8AC3E}">
-        <p14:creationId xmlns:p14="http://schemas.microsoft.com/office/powerpoint/2010/main" val="698810318"/>
-      </p:ext>
-    </p:extLst>
-  </p:cSld>
-  <p:clrMapOvr>
-    <a:masterClrMapping/>
-  </p:clrMapOvr>
-</p:sld>
-</file>
-
-<file path=ppt/slides/slide13.xml><?xml version="1.0" encoding="utf-8"?>
-<p:sld xmlns:a="http://schemas.openxmlformats.org/drawingml/2006/main" xmlns:r="http://schemas.openxmlformats.org/officeDocument/2006/relationships" xmlns:p="http://schemas.openxmlformats.org/presentationml/2006/main">
-  <p:cSld>
-    <p:spTree>
-      <p:nvGrpSpPr>
-        <p:cNvPr id="1" name=""/>
-        <p:cNvGrpSpPr/>
-        <p:nvPr/>
-      </p:nvGrpSpPr>
-      <p:grpSpPr>
-        <a:xfrm>
-          <a:off x="0" y="0"/>
-          <a:ext cx="0" cy="0"/>
-          <a:chOff x="0" y="0"/>
-          <a:chExt cx="0" cy="0"/>
-        </a:xfrm>
-      </p:grpSpPr>
-      <p:sp>
-        <p:nvSpPr>
-          <p:cNvPr id="2" name="Title 1">
-            <a:extLst>
-              <a:ext uri="{FF2B5EF4-FFF2-40B4-BE49-F238E27FC236}">
-                <a16:creationId xmlns:a16="http://schemas.microsoft.com/office/drawing/2014/main" id="{E54BD568-A3DE-4D27-9652-A8CF021A9E7A}"/>
-              </a:ext>
-            </a:extLst>
-          </p:cNvPr>
-          <p:cNvSpPr>
-            <a:spLocks noGrp="1"/>
-          </p:cNvSpPr>
-          <p:nvPr>
-            <p:ph type="title"/>
-          </p:nvPr>
-        </p:nvSpPr>
-        <p:spPr>
-          <a:xfrm>
-            <a:off x="2470404" y="272396"/>
-            <a:ext cx="7269480" cy="1325562"/>
-          </a:xfrm>
-        </p:spPr>
-        <p:txBody>
-          <a:bodyPr/>
-          <a:lstStyle/>
-          <a:p>
-            <a:r>
-              <a:rPr lang="en-US" dirty="0"/>
-              <a:t> </a:t>
-            </a:r>
-          </a:p>
-        </p:txBody>
-      </p:sp>
-      <p:sp>
-        <p:nvSpPr>
-          <p:cNvPr id="4" name="Content Placeholder 3">
-            <a:extLst>
-              <a:ext uri="{FF2B5EF4-FFF2-40B4-BE49-F238E27FC236}">
-                <a16:creationId xmlns:a16="http://schemas.microsoft.com/office/drawing/2014/main" id="{AE68E5BA-C675-4302-ABDA-3EFDD6418FDE}"/>
-              </a:ext>
-            </a:extLst>
-          </p:cNvPr>
-          <p:cNvSpPr>
-            <a:spLocks noGrp="1"/>
-          </p:cNvSpPr>
-          <p:nvPr>
-            <p:ph idx="1"/>
-          </p:nvPr>
-        </p:nvSpPr>
-        <p:spPr>
-          <a:xfrm>
-            <a:off x="1261872" y="1219200"/>
-            <a:ext cx="9634728" cy="4960939"/>
-          </a:xfrm>
-        </p:spPr>
-        <p:txBody>
-          <a:bodyPr>
-            <a:normAutofit/>
-          </a:bodyPr>
-          <a:lstStyle/>
-          <a:p>
-            <a:pPr lvl="1"/>
-            <a:r>
-              <a:rPr lang="en-US" sz="2400" dirty="0"/>
-              <a:t>We will use the </a:t>
-            </a:r>
-            <a:r>
-              <a:rPr lang="en-US" sz="2400" b="1" dirty="0" err="1"/>
-              <a:t>tidyverse</a:t>
-            </a:r>
-            <a:endParaRPr lang="en-US" sz="2400" b="1" dirty="0"/>
-          </a:p>
-          <a:p>
-            <a:pPr lvl="1"/>
-            <a:r>
-              <a:rPr lang="en-US" sz="2400" dirty="0"/>
-              <a:t>Makes R code </a:t>
-            </a:r>
-            <a:r>
-              <a:rPr lang="en-US" sz="2400" b="1" dirty="0">
-                <a:solidFill>
-                  <a:srgbClr val="0070C0"/>
-                </a:solidFill>
-              </a:rPr>
-              <a:t>read more like English!</a:t>
-            </a:r>
-            <a:endParaRPr lang="en-US" sz="2400" dirty="0">
-              <a:solidFill>
-                <a:srgbClr val="0070C0"/>
-              </a:solidFill>
-            </a:endParaRPr>
-          </a:p>
-        </p:txBody>
-      </p:sp>
-      <p:sp>
-        <p:nvSpPr>
-          <p:cNvPr id="5" name="Title 1">
-            <a:extLst>
-              <a:ext uri="{FF2B5EF4-FFF2-40B4-BE49-F238E27FC236}">
-                <a16:creationId xmlns:a16="http://schemas.microsoft.com/office/drawing/2014/main" id="{9188A289-910E-45BF-9F49-22ADDCD09BA3}"/>
-              </a:ext>
-            </a:extLst>
-          </p:cNvPr>
-          <p:cNvSpPr txBox="1">
-            <a:spLocks/>
-          </p:cNvSpPr>
-          <p:nvPr/>
-        </p:nvSpPr>
-        <p:spPr>
-          <a:xfrm>
-            <a:off x="1261872" y="365760"/>
-            <a:ext cx="9692640" cy="777240"/>
-          </a:xfrm>
-          <a:prstGeom prst="rect">
-            <a:avLst/>
-          </a:prstGeom>
-        </p:spPr>
-        <p:txBody>
-          <a:bodyPr vert="horz" lIns="91440" tIns="45720" rIns="91440" bIns="45720" rtlCol="0" anchor="b">
-            <a:normAutofit/>
-          </a:bodyPr>
-          <a:lstStyle>
-            <a:lvl1pPr algn="l" defTabSz="914400" rtl="0" eaLnBrk="1" latinLnBrk="0" hangingPunct="1">
-              <a:lnSpc>
-                <a:spcPct val="90000"/>
-              </a:lnSpc>
-              <a:spcBef>
-                <a:spcPct val="0"/>
-              </a:spcBef>
-              <a:buNone/>
-              <a:defRPr sz="4400" kern="1200" spc="-50" baseline="0">
-                <a:solidFill>
-                  <a:schemeClr val="tx1"/>
-                </a:solidFill>
-                <a:latin typeface="+mj-lt"/>
-                <a:ea typeface="+mj-ea"/>
-                <a:cs typeface="+mj-cs"/>
-              </a:defRPr>
-            </a:lvl1pPr>
-          </a:lstStyle>
-          <a:p>
-            <a:r>
-              <a:rPr lang="en-US" dirty="0">
-                <a:latin typeface="Times New Roman" panose="02020603050405020304" pitchFamily="18" charset="0"/>
-              </a:rPr>
-              <a:t>Using R</a:t>
-            </a:r>
-          </a:p>
-        </p:txBody>
-      </p:sp>
-      <p:pic>
-        <p:nvPicPr>
-          <p:cNvPr id="6" name="Picture 5">
-            <a:extLst>
-              <a:ext uri="{FF2B5EF4-FFF2-40B4-BE49-F238E27FC236}">
-                <a16:creationId xmlns:a16="http://schemas.microsoft.com/office/drawing/2014/main" id="{86B690B7-BA60-5F82-284F-7DE465EC83A5}"/>
-              </a:ext>
-            </a:extLst>
-          </p:cNvPr>
-          <p:cNvPicPr>
-            <a:picLocks noChangeAspect="1"/>
-          </p:cNvPicPr>
-          <p:nvPr/>
-        </p:nvPicPr>
-        <p:blipFill>
-          <a:blip r:embed="rId3"/>
-          <a:stretch>
-            <a:fillRect/>
-          </a:stretch>
-        </p:blipFill>
-        <p:spPr>
-          <a:xfrm>
-            <a:off x="1143000" y="2209800"/>
-            <a:ext cx="9605153" cy="4114800"/>
-          </a:xfrm>
-          <a:prstGeom prst="rect">
-            <a:avLst/>
-          </a:prstGeom>
-        </p:spPr>
-      </p:pic>
-    </p:spTree>
-    <p:extLst>
-      <p:ext uri="{BB962C8B-B14F-4D97-AF65-F5344CB8AC3E}">
-        <p14:creationId xmlns:p14="http://schemas.microsoft.com/office/powerpoint/2010/main" val="4076927932"/>
-      </p:ext>
-    </p:extLst>
-  </p:cSld>
-  <p:clrMapOvr>
-    <a:masterClrMapping/>
-  </p:clrMapOvr>
-</p:sld>
-</file>
-
-<file path=ppt/slides/slide14.xml><?xml version="1.0" encoding="utf-8"?>
-<p:sld xmlns:a="http://schemas.openxmlformats.org/drawingml/2006/main" xmlns:r="http://schemas.openxmlformats.org/officeDocument/2006/relationships" xmlns:p="http://schemas.openxmlformats.org/presentationml/2006/main">
-  <p:cSld>
-    <p:spTree>
-      <p:nvGrpSpPr>
-        <p:cNvPr id="1" name=""/>
-        <p:cNvGrpSpPr/>
-        <p:nvPr/>
-      </p:nvGrpSpPr>
-      <p:grpSpPr>
-        <a:xfrm>
-          <a:off x="0" y="0"/>
-          <a:ext cx="0" cy="0"/>
-          <a:chOff x="0" y="0"/>
-          <a:chExt cx="0" cy="0"/>
-        </a:xfrm>
-      </p:grpSpPr>
-      <p:sp>
-        <p:nvSpPr>
-          <p:cNvPr id="2" name="Title 1">
-            <a:extLst>
-              <a:ext uri="{FF2B5EF4-FFF2-40B4-BE49-F238E27FC236}">
-                <a16:creationId xmlns:a16="http://schemas.microsoft.com/office/drawing/2014/main" id="{E54BD568-A3DE-4D27-9652-A8CF021A9E7A}"/>
-              </a:ext>
-            </a:extLst>
-          </p:cNvPr>
-          <p:cNvSpPr>
-            <a:spLocks noGrp="1"/>
-          </p:cNvSpPr>
-          <p:nvPr>
-            <p:ph type="title"/>
-          </p:nvPr>
-        </p:nvSpPr>
-        <p:spPr>
-          <a:xfrm>
-            <a:off x="2470404" y="272396"/>
-            <a:ext cx="7269480" cy="1325562"/>
-          </a:xfrm>
-        </p:spPr>
-        <p:txBody>
-          <a:bodyPr/>
-          <a:lstStyle/>
-          <a:p>
-            <a:r>
-              <a:rPr lang="en-US" dirty="0"/>
-              <a:t> </a:t>
-            </a:r>
-          </a:p>
-        </p:txBody>
-      </p:sp>
-      <p:sp>
-        <p:nvSpPr>
-          <p:cNvPr id="4" name="Content Placeholder 3">
-            <a:extLst>
-              <a:ext uri="{FF2B5EF4-FFF2-40B4-BE49-F238E27FC236}">
-                <a16:creationId xmlns:a16="http://schemas.microsoft.com/office/drawing/2014/main" id="{AE68E5BA-C675-4302-ABDA-3EFDD6418FDE}"/>
-              </a:ext>
-            </a:extLst>
-          </p:cNvPr>
-          <p:cNvSpPr>
-            <a:spLocks noGrp="1"/>
-          </p:cNvSpPr>
-          <p:nvPr>
-            <p:ph idx="1"/>
-          </p:nvPr>
-        </p:nvSpPr>
-        <p:spPr>
-          <a:xfrm>
-            <a:off x="1261872" y="1066800"/>
-            <a:ext cx="9634728" cy="4960939"/>
-          </a:xfrm>
-        </p:spPr>
-        <p:txBody>
-          <a:bodyPr>
-            <a:normAutofit/>
-          </a:bodyPr>
-          <a:lstStyle/>
-          <a:p>
-            <a:pPr lvl="1"/>
-            <a:r>
-              <a:rPr lang="en-US" sz="2400" dirty="0"/>
-              <a:t>We will use the </a:t>
-            </a:r>
-            <a:r>
-              <a:rPr lang="en-US" sz="2400" b="1" dirty="0" err="1"/>
-              <a:t>tidyverse</a:t>
-            </a:r>
-            <a:endParaRPr lang="en-US" sz="2400" b="1" dirty="0"/>
-          </a:p>
-          <a:p>
-            <a:pPr lvl="1"/>
-            <a:r>
-              <a:rPr lang="en-US" sz="2400" dirty="0"/>
-              <a:t>Makes R code </a:t>
-            </a:r>
-            <a:r>
-              <a:rPr lang="en-US" sz="2400" b="1" dirty="0"/>
-              <a:t>read more like English!</a:t>
-            </a:r>
-          </a:p>
-          <a:p>
-            <a:pPr lvl="1"/>
-            <a:r>
-              <a:rPr lang="en-US" sz="2400" dirty="0"/>
-              <a:t>We will emphasize </a:t>
-            </a:r>
-            <a:r>
-              <a:rPr lang="en-US" sz="2400" b="1" dirty="0">
-                <a:solidFill>
-                  <a:srgbClr val="0070C0"/>
-                </a:solidFill>
-              </a:rPr>
-              <a:t>practical applications (e.g., coding) </a:t>
-            </a:r>
-            <a:r>
-              <a:rPr lang="en-US" sz="2400" dirty="0"/>
-              <a:t>over theory</a:t>
-            </a:r>
-          </a:p>
-        </p:txBody>
-      </p:sp>
-      <p:sp>
-        <p:nvSpPr>
-          <p:cNvPr id="5" name="Title 1">
-            <a:extLst>
-              <a:ext uri="{FF2B5EF4-FFF2-40B4-BE49-F238E27FC236}">
-                <a16:creationId xmlns:a16="http://schemas.microsoft.com/office/drawing/2014/main" id="{9188A289-910E-45BF-9F49-22ADDCD09BA3}"/>
-              </a:ext>
-            </a:extLst>
-          </p:cNvPr>
-          <p:cNvSpPr txBox="1">
-            <a:spLocks/>
-          </p:cNvSpPr>
-          <p:nvPr/>
-        </p:nvSpPr>
-        <p:spPr>
-          <a:xfrm>
-            <a:off x="1261872" y="365760"/>
-            <a:ext cx="9692640" cy="777240"/>
-          </a:xfrm>
-          <a:prstGeom prst="rect">
-            <a:avLst/>
-          </a:prstGeom>
-        </p:spPr>
-        <p:txBody>
-          <a:bodyPr vert="horz" lIns="91440" tIns="45720" rIns="91440" bIns="45720" rtlCol="0" anchor="b">
-            <a:normAutofit/>
-          </a:bodyPr>
-          <a:lstStyle>
-            <a:lvl1pPr algn="l" defTabSz="914400" rtl="0" eaLnBrk="1" latinLnBrk="0" hangingPunct="1">
-              <a:lnSpc>
-                <a:spcPct val="90000"/>
-              </a:lnSpc>
-              <a:spcBef>
-                <a:spcPct val="0"/>
-              </a:spcBef>
-              <a:buNone/>
-              <a:defRPr sz="4400" kern="1200" spc="-50" baseline="0">
-                <a:solidFill>
-                  <a:schemeClr val="tx1"/>
-                </a:solidFill>
-                <a:latin typeface="+mj-lt"/>
-                <a:ea typeface="+mj-ea"/>
-                <a:cs typeface="+mj-cs"/>
-              </a:defRPr>
-            </a:lvl1pPr>
-          </a:lstStyle>
-          <a:p>
-            <a:r>
-              <a:rPr lang="en-US" dirty="0">
-                <a:latin typeface="Times New Roman" panose="02020603050405020304" pitchFamily="18" charset="0"/>
-              </a:rPr>
-              <a:t>Using R</a:t>
-            </a:r>
-          </a:p>
-        </p:txBody>
-      </p:sp>
-      <p:pic>
-        <p:nvPicPr>
-          <p:cNvPr id="7" name="Picture 6">
-            <a:extLst>
-              <a:ext uri="{FF2B5EF4-FFF2-40B4-BE49-F238E27FC236}">
-                <a16:creationId xmlns:a16="http://schemas.microsoft.com/office/drawing/2014/main" id="{F85D38ED-CB4B-CDF1-5898-816A8EC8011C}"/>
-              </a:ext>
-            </a:extLst>
-          </p:cNvPr>
-          <p:cNvPicPr>
-            <a:picLocks noChangeAspect="1"/>
-          </p:cNvPicPr>
-          <p:nvPr/>
-        </p:nvPicPr>
-        <p:blipFill>
-          <a:blip r:embed="rId3"/>
-          <a:stretch>
-            <a:fillRect/>
-          </a:stretch>
-        </p:blipFill>
-        <p:spPr>
-          <a:xfrm>
-            <a:off x="1676400" y="2297139"/>
-            <a:ext cx="7954519" cy="4560861"/>
-          </a:xfrm>
-          <a:prstGeom prst="rect">
-            <a:avLst/>
-          </a:prstGeom>
-        </p:spPr>
-      </p:pic>
-    </p:spTree>
-    <p:extLst>
-      <p:ext uri="{BB962C8B-B14F-4D97-AF65-F5344CB8AC3E}">
-        <p14:creationId xmlns:p14="http://schemas.microsoft.com/office/powerpoint/2010/main" val="3112479426"/>
-      </p:ext>
-    </p:extLst>
-  </p:cSld>
-  <p:clrMapOvr>
-    <a:masterClrMapping/>
-  </p:clrMapOvr>
-</p:sld>
-</file>
-
-<file path=ppt/slides/slide15.xml><?xml version="1.0" encoding="utf-8"?>
-<p:sld xmlns:a="http://schemas.openxmlformats.org/drawingml/2006/main" xmlns:r="http://schemas.openxmlformats.org/officeDocument/2006/relationships" xmlns:p="http://schemas.openxmlformats.org/presentationml/2006/main">
-  <p:cSld>
-    <p:spTree>
-      <p:nvGrpSpPr>
-        <p:cNvPr id="1" name=""/>
-        <p:cNvGrpSpPr/>
-        <p:nvPr/>
-      </p:nvGrpSpPr>
-      <p:grpSpPr>
-        <a:xfrm>
-          <a:off x="0" y="0"/>
-          <a:ext cx="0" cy="0"/>
-          <a:chOff x="0" y="0"/>
-          <a:chExt cx="0" cy="0"/>
-        </a:xfrm>
-      </p:grpSpPr>
-      <p:sp>
-        <p:nvSpPr>
-          <p:cNvPr id="2" name="Title 1">
-            <a:extLst>
-              <a:ext uri="{FF2B5EF4-FFF2-40B4-BE49-F238E27FC236}">
-                <a16:creationId xmlns:a16="http://schemas.microsoft.com/office/drawing/2014/main" id="{E54BD568-A3DE-4D27-9652-A8CF021A9E7A}"/>
-              </a:ext>
-            </a:extLst>
-          </p:cNvPr>
-          <p:cNvSpPr>
-            <a:spLocks noGrp="1"/>
-          </p:cNvSpPr>
-          <p:nvPr>
-            <p:ph type="title"/>
-          </p:nvPr>
-        </p:nvSpPr>
-        <p:spPr>
-          <a:xfrm>
-            <a:off x="2470404" y="272396"/>
-            <a:ext cx="7269480" cy="1325562"/>
-          </a:xfrm>
-        </p:spPr>
-        <p:txBody>
-          <a:bodyPr/>
-          <a:lstStyle/>
-          <a:p>
-            <a:r>
-              <a:rPr lang="en-US" dirty="0"/>
-              <a:t> </a:t>
-            </a:r>
-          </a:p>
-        </p:txBody>
-      </p:sp>
-      <p:pic>
-        <p:nvPicPr>
-          <p:cNvPr id="6" name="Content Placeholder 5">
-            <a:extLst>
-              <a:ext uri="{FF2B5EF4-FFF2-40B4-BE49-F238E27FC236}">
-                <a16:creationId xmlns:a16="http://schemas.microsoft.com/office/drawing/2014/main" id="{B7692B18-F381-2632-2CBD-1E4711EEBB59}"/>
-              </a:ext>
-            </a:extLst>
-          </p:cNvPr>
-          <p:cNvPicPr>
-            <a:picLocks noGrp="1" noChangeAspect="1"/>
-          </p:cNvPicPr>
-          <p:nvPr>
-            <p:ph idx="1"/>
-          </p:nvPr>
-        </p:nvPicPr>
-        <p:blipFill>
-          <a:blip r:embed="rId3"/>
-          <a:stretch>
-            <a:fillRect/>
-          </a:stretch>
-        </p:blipFill>
-        <p:spPr>
-          <a:xfrm>
-            <a:off x="1261872" y="1746069"/>
-            <a:ext cx="7643834" cy="4746171"/>
-          </a:xfrm>
-        </p:spPr>
-      </p:pic>
-      <p:sp>
-        <p:nvSpPr>
-          <p:cNvPr id="5" name="Title 1">
-            <a:extLst>
-              <a:ext uri="{FF2B5EF4-FFF2-40B4-BE49-F238E27FC236}">
-                <a16:creationId xmlns:a16="http://schemas.microsoft.com/office/drawing/2014/main" id="{9188A289-910E-45BF-9F49-22ADDCD09BA3}"/>
-              </a:ext>
-            </a:extLst>
-          </p:cNvPr>
-          <p:cNvSpPr txBox="1">
-            <a:spLocks/>
-          </p:cNvSpPr>
-          <p:nvPr/>
-        </p:nvSpPr>
-        <p:spPr>
-          <a:xfrm>
-            <a:off x="1261872" y="365760"/>
-            <a:ext cx="9692640" cy="777240"/>
-          </a:xfrm>
-          <a:prstGeom prst="rect">
-            <a:avLst/>
-          </a:prstGeom>
-        </p:spPr>
-        <p:txBody>
-          <a:bodyPr vert="horz" lIns="91440" tIns="45720" rIns="91440" bIns="45720" rtlCol="0" anchor="b">
-            <a:normAutofit/>
-          </a:bodyPr>
-          <a:lstStyle>
-            <a:lvl1pPr algn="l" defTabSz="914400" rtl="0" eaLnBrk="1" latinLnBrk="0" hangingPunct="1">
-              <a:lnSpc>
-                <a:spcPct val="90000"/>
-              </a:lnSpc>
-              <a:spcBef>
-                <a:spcPct val="0"/>
-              </a:spcBef>
-              <a:buNone/>
-              <a:defRPr sz="4400" kern="1200" spc="-50" baseline="0">
-                <a:solidFill>
-                  <a:schemeClr val="tx1"/>
-                </a:solidFill>
-                <a:latin typeface="+mj-lt"/>
-                <a:ea typeface="+mj-ea"/>
-                <a:cs typeface="+mj-cs"/>
-              </a:defRPr>
-            </a:lvl1pPr>
-          </a:lstStyle>
-          <a:p>
-            <a:r>
-              <a:rPr lang="en-US" dirty="0">
-                <a:latin typeface="Times New Roman" panose="02020603050405020304" pitchFamily="18" charset="0"/>
-              </a:rPr>
-              <a:t>Using R: A Trial of Patience/Faith/Etc. </a:t>
-            </a:r>
-          </a:p>
-        </p:txBody>
-      </p:sp>
-      <p:sp>
-        <p:nvSpPr>
-          <p:cNvPr id="3" name="TextBox 2">
-            <a:extLst>
-              <a:ext uri="{FF2B5EF4-FFF2-40B4-BE49-F238E27FC236}">
-                <a16:creationId xmlns:a16="http://schemas.microsoft.com/office/drawing/2014/main" id="{0A2072EC-227B-3E59-F9C4-2AC123F8D610}"/>
-              </a:ext>
-            </a:extLst>
-          </p:cNvPr>
-          <p:cNvSpPr txBox="1"/>
-          <p:nvPr/>
-        </p:nvSpPr>
-        <p:spPr>
-          <a:xfrm>
-            <a:off x="1371600" y="1291111"/>
-            <a:ext cx="8324715" cy="461665"/>
-          </a:xfrm>
-          <a:prstGeom prst="rect">
-            <a:avLst/>
-          </a:prstGeom>
-          <a:noFill/>
-        </p:spPr>
-        <p:txBody>
-          <a:bodyPr wrap="none" rtlCol="0">
-            <a:spAutoFit/>
-          </a:bodyPr>
-          <a:lstStyle/>
-          <a:p>
-            <a:pPr marL="342900" indent="-342900">
-              <a:buFont typeface="Arial" panose="020B0604020202020204" pitchFamily="34" charset="0"/>
-              <a:buChar char="•"/>
-            </a:pPr>
-            <a:r>
-              <a:rPr lang="en-CA" sz="2400" dirty="0">
-                <a:latin typeface="Times New Roman" panose="02020603050405020304" pitchFamily="18" charset="0"/>
-                <a:cs typeface="Times New Roman" panose="02020603050405020304" pitchFamily="18" charset="0"/>
-              </a:rPr>
-              <a:t>Mini-modules: </a:t>
-            </a:r>
-            <a:r>
-              <a:rPr lang="en-CA" sz="2400" dirty="0">
-                <a:latin typeface="Times New Roman" panose="02020603050405020304" pitchFamily="18" charset="0"/>
-                <a:cs typeface="Times New Roman" panose="02020603050405020304" pitchFamily="18" charset="0"/>
-                <a:hlinkClick r:id="rId4"/>
-              </a:rPr>
-              <a:t>https://jacobjameson.github.io/Intro%20R.html</a:t>
-            </a:r>
-            <a:r>
-              <a:rPr lang="en-CA" sz="2400" dirty="0">
-                <a:latin typeface="Times New Roman" panose="02020603050405020304" pitchFamily="18" charset="0"/>
-                <a:cs typeface="Times New Roman" panose="02020603050405020304" pitchFamily="18" charset="0"/>
-              </a:rPr>
-              <a:t> </a:t>
-            </a:r>
-          </a:p>
-        </p:txBody>
-      </p:sp>
-    </p:spTree>
-    <p:extLst>
-      <p:ext uri="{BB962C8B-B14F-4D97-AF65-F5344CB8AC3E}">
-        <p14:creationId xmlns:p14="http://schemas.microsoft.com/office/powerpoint/2010/main" val="3166985140"/>
-      </p:ext>
-    </p:extLst>
-  </p:cSld>
-  <p:clrMapOvr>
-    <a:masterClrMapping/>
-  </p:clrMapOvr>
-</p:sld>
-</file>
-
-<file path=ppt/slides/slide16.xml><?xml version="1.0" encoding="utf-8"?>
-<p:sld xmlns:a="http://schemas.openxmlformats.org/drawingml/2006/main" xmlns:r="http://schemas.openxmlformats.org/officeDocument/2006/relationships" xmlns:p="http://schemas.openxmlformats.org/presentationml/2006/main">
-  <p:cSld>
-    <p:spTree>
-      <p:nvGrpSpPr>
-        <p:cNvPr id="1" name=""/>
-        <p:cNvGrpSpPr/>
-        <p:nvPr/>
-      </p:nvGrpSpPr>
-      <p:grpSpPr>
-        <a:xfrm>
-          <a:off x="0" y="0"/>
-          <a:ext cx="0" cy="0"/>
-          <a:chOff x="0" y="0"/>
-          <a:chExt cx="0" cy="0"/>
-        </a:xfrm>
-      </p:grpSpPr>
-      <p:sp>
-        <p:nvSpPr>
-          <p:cNvPr id="4" name="Content Placeholder 3">
-            <a:extLst>
-              <a:ext uri="{FF2B5EF4-FFF2-40B4-BE49-F238E27FC236}">
-                <a16:creationId xmlns:a16="http://schemas.microsoft.com/office/drawing/2014/main" id="{AE68E5BA-C675-4302-ABDA-3EFDD6418FDE}"/>
-              </a:ext>
-            </a:extLst>
-          </p:cNvPr>
-          <p:cNvSpPr>
-            <a:spLocks noGrp="1"/>
-          </p:cNvSpPr>
-          <p:nvPr>
-            <p:ph idx="1"/>
-          </p:nvPr>
-        </p:nvSpPr>
-        <p:spPr>
-          <a:xfrm>
-            <a:off x="2470404" y="1608139"/>
-            <a:ext cx="7359396" cy="4572000"/>
-          </a:xfrm>
-        </p:spPr>
-        <p:txBody>
-          <a:bodyPr/>
-          <a:lstStyle/>
-          <a:p>
-            <a:pPr lvl="1"/>
-            <a:endParaRPr lang="en-US" dirty="0"/>
-          </a:p>
-          <a:p>
-            <a:pPr lvl="1"/>
-            <a:endParaRPr lang="en-US" dirty="0"/>
-          </a:p>
-        </p:txBody>
-      </p:sp>
-      <p:pic>
-        <p:nvPicPr>
-          <p:cNvPr id="5" name="Picture 4">
-            <a:extLst>
-              <a:ext uri="{FF2B5EF4-FFF2-40B4-BE49-F238E27FC236}">
-                <a16:creationId xmlns:a16="http://schemas.microsoft.com/office/drawing/2014/main" id="{C85A759E-37EC-4ED5-8E18-EBA16CB0DB6A}"/>
-              </a:ext>
-            </a:extLst>
-          </p:cNvPr>
-          <p:cNvPicPr>
-            <a:picLocks noChangeAspect="1"/>
-          </p:cNvPicPr>
-          <p:nvPr/>
-        </p:nvPicPr>
-        <p:blipFill>
-          <a:blip r:embed="rId3"/>
-          <a:stretch>
-            <a:fillRect/>
-          </a:stretch>
-        </p:blipFill>
-        <p:spPr>
-          <a:xfrm>
-            <a:off x="1345692" y="1143000"/>
-            <a:ext cx="3912108" cy="5540090"/>
-          </a:xfrm>
-          <a:prstGeom prst="rect">
-            <a:avLst/>
-          </a:prstGeom>
-        </p:spPr>
-      </p:pic>
-      <p:pic>
-        <p:nvPicPr>
-          <p:cNvPr id="7" name="Picture 6">
-            <a:extLst>
-              <a:ext uri="{FF2B5EF4-FFF2-40B4-BE49-F238E27FC236}">
-                <a16:creationId xmlns:a16="http://schemas.microsoft.com/office/drawing/2014/main" id="{C01CE479-C2C6-43B0-8562-8B99B35CC6F1}"/>
-              </a:ext>
-            </a:extLst>
-          </p:cNvPr>
-          <p:cNvPicPr>
-            <a:picLocks noChangeAspect="1"/>
-          </p:cNvPicPr>
-          <p:nvPr/>
-        </p:nvPicPr>
-        <p:blipFill>
-          <a:blip r:embed="rId4"/>
-          <a:stretch>
-            <a:fillRect/>
-          </a:stretch>
-        </p:blipFill>
-        <p:spPr>
-          <a:xfrm>
-            <a:off x="5444750" y="1138792"/>
-            <a:ext cx="3623049" cy="5560633"/>
-          </a:xfrm>
-          <a:prstGeom prst="rect">
-            <a:avLst/>
-          </a:prstGeom>
-        </p:spPr>
-      </p:pic>
-      <p:sp>
-        <p:nvSpPr>
-          <p:cNvPr id="6" name="Title 1">
-            <a:extLst>
-              <a:ext uri="{FF2B5EF4-FFF2-40B4-BE49-F238E27FC236}">
-                <a16:creationId xmlns:a16="http://schemas.microsoft.com/office/drawing/2014/main" id="{2447C70A-E8CD-4D7B-8C00-FF6EC3DCB236}"/>
-              </a:ext>
-            </a:extLst>
-          </p:cNvPr>
-          <p:cNvSpPr txBox="1">
-            <a:spLocks/>
-          </p:cNvSpPr>
-          <p:nvPr/>
-        </p:nvSpPr>
-        <p:spPr>
-          <a:xfrm>
-            <a:off x="1261872" y="365760"/>
-            <a:ext cx="9692640" cy="777240"/>
-          </a:xfrm>
-          <a:prstGeom prst="rect">
-            <a:avLst/>
-          </a:prstGeom>
-        </p:spPr>
-        <p:txBody>
-          <a:bodyPr vert="horz" lIns="91440" tIns="45720" rIns="91440" bIns="45720" rtlCol="0" anchor="b">
-            <a:normAutofit/>
-          </a:bodyPr>
-          <a:lstStyle>
-            <a:lvl1pPr algn="l" defTabSz="914400" rtl="0" eaLnBrk="1" latinLnBrk="0" hangingPunct="1">
-              <a:lnSpc>
-                <a:spcPct val="90000"/>
-              </a:lnSpc>
-              <a:spcBef>
-                <a:spcPct val="0"/>
-              </a:spcBef>
-              <a:buNone/>
-              <a:defRPr sz="4400" kern="1200" spc="-50" baseline="0">
-                <a:solidFill>
-                  <a:schemeClr val="tx1"/>
-                </a:solidFill>
-                <a:latin typeface="+mj-lt"/>
-                <a:ea typeface="+mj-ea"/>
-                <a:cs typeface="+mj-cs"/>
-              </a:defRPr>
-            </a:lvl1pPr>
-          </a:lstStyle>
-          <a:p>
-            <a:r>
-              <a:rPr lang="en-US" dirty="0">
-                <a:latin typeface="Times New Roman" panose="02020603050405020304" pitchFamily="18" charset="0"/>
-              </a:rPr>
-              <a:t>Introduction &amp; Syllabus</a:t>
-            </a:r>
-          </a:p>
-        </p:txBody>
-      </p:sp>
-      <p:sp>
-        <p:nvSpPr>
-          <p:cNvPr id="8" name="Title 7">
-            <a:extLst>
-              <a:ext uri="{FF2B5EF4-FFF2-40B4-BE49-F238E27FC236}">
-                <a16:creationId xmlns:a16="http://schemas.microsoft.com/office/drawing/2014/main" id="{D13B5070-8B01-4C63-9F2E-79CAC4D00929}"/>
-              </a:ext>
-            </a:extLst>
-          </p:cNvPr>
-          <p:cNvSpPr>
-            <a:spLocks noGrp="1"/>
-          </p:cNvSpPr>
-          <p:nvPr>
-            <p:ph type="title"/>
-          </p:nvPr>
-        </p:nvSpPr>
-        <p:spPr/>
-        <p:txBody>
-          <a:bodyPr/>
-          <a:lstStyle/>
-          <a:p>
-            <a:r>
-              <a:rPr lang="en-US" dirty="0"/>
-              <a:t> </a:t>
-            </a:r>
-          </a:p>
-        </p:txBody>
-      </p:sp>
-    </p:spTree>
-    <p:extLst>
-      <p:ext uri="{BB962C8B-B14F-4D97-AF65-F5344CB8AC3E}">
-        <p14:creationId xmlns:p14="http://schemas.microsoft.com/office/powerpoint/2010/main" val="1420699121"/>
-      </p:ext>
-    </p:extLst>
-  </p:cSld>
-  <p:clrMapOvr>
-    <a:masterClrMapping/>
-  </p:clrMapOvr>
-</p:sld>
-</file>
-
-<file path=ppt/slides/slide17.xml><?xml version="1.0" encoding="utf-8"?>
-<p:sld xmlns:a="http://schemas.openxmlformats.org/drawingml/2006/main" xmlns:r="http://schemas.openxmlformats.org/officeDocument/2006/relationships" xmlns:p="http://schemas.openxmlformats.org/presentationml/2006/main">
-  <p:cSld>
-    <p:spTree>
-      <p:nvGrpSpPr>
-        <p:cNvPr id="1" name=""/>
-        <p:cNvGrpSpPr/>
-        <p:nvPr/>
-      </p:nvGrpSpPr>
-      <p:grpSpPr>
-        <a:xfrm>
-          <a:off x="0" y="0"/>
-          <a:ext cx="0" cy="0"/>
-          <a:chOff x="0" y="0"/>
-          <a:chExt cx="0" cy="0"/>
-        </a:xfrm>
-      </p:grpSpPr>
-      <p:sp>
-        <p:nvSpPr>
-          <p:cNvPr id="4" name="Content Placeholder 3">
-            <a:extLst>
-              <a:ext uri="{FF2B5EF4-FFF2-40B4-BE49-F238E27FC236}">
-                <a16:creationId xmlns:a16="http://schemas.microsoft.com/office/drawing/2014/main" id="{AE68E5BA-C675-4302-ABDA-3EFDD6418FDE}"/>
-              </a:ext>
-            </a:extLst>
-          </p:cNvPr>
-          <p:cNvSpPr>
-            <a:spLocks noGrp="1"/>
-          </p:cNvSpPr>
-          <p:nvPr>
-            <p:ph idx="1"/>
-          </p:nvPr>
-        </p:nvSpPr>
-        <p:spPr>
-          <a:xfrm>
-            <a:off x="2470404" y="1608139"/>
-            <a:ext cx="7359396" cy="4572000"/>
-          </a:xfrm>
-        </p:spPr>
-        <p:txBody>
-          <a:bodyPr/>
-          <a:lstStyle/>
-          <a:p>
-            <a:pPr lvl="1"/>
-            <a:endParaRPr lang="en-US" dirty="0"/>
-          </a:p>
-          <a:p>
-            <a:pPr lvl="1"/>
-            <a:endParaRPr lang="en-US" dirty="0"/>
-          </a:p>
-        </p:txBody>
-      </p:sp>
-      <p:sp>
-        <p:nvSpPr>
-          <p:cNvPr id="6" name="Title 1">
-            <a:extLst>
-              <a:ext uri="{FF2B5EF4-FFF2-40B4-BE49-F238E27FC236}">
-                <a16:creationId xmlns:a16="http://schemas.microsoft.com/office/drawing/2014/main" id="{2447C70A-E8CD-4D7B-8C00-FF6EC3DCB236}"/>
-              </a:ext>
-            </a:extLst>
-          </p:cNvPr>
-          <p:cNvSpPr txBox="1">
-            <a:spLocks/>
-          </p:cNvSpPr>
-          <p:nvPr/>
-        </p:nvSpPr>
-        <p:spPr>
-          <a:xfrm>
-            <a:off x="1261872" y="365760"/>
-            <a:ext cx="9692640" cy="777240"/>
-          </a:xfrm>
-          <a:prstGeom prst="rect">
-            <a:avLst/>
-          </a:prstGeom>
-        </p:spPr>
-        <p:txBody>
-          <a:bodyPr vert="horz" lIns="91440" tIns="45720" rIns="91440" bIns="45720" rtlCol="0" anchor="b">
-            <a:normAutofit/>
-          </a:bodyPr>
-          <a:lstStyle>
-            <a:lvl1pPr algn="l" defTabSz="914400" rtl="0" eaLnBrk="1" latinLnBrk="0" hangingPunct="1">
-              <a:lnSpc>
-                <a:spcPct val="90000"/>
-              </a:lnSpc>
-              <a:spcBef>
-                <a:spcPct val="0"/>
-              </a:spcBef>
-              <a:buNone/>
-              <a:defRPr sz="4400" kern="1200" spc="-50" baseline="0">
-                <a:solidFill>
-                  <a:schemeClr val="tx1"/>
-                </a:solidFill>
-                <a:latin typeface="+mj-lt"/>
-                <a:ea typeface="+mj-ea"/>
-                <a:cs typeface="+mj-cs"/>
-              </a:defRPr>
-            </a:lvl1pPr>
-          </a:lstStyle>
-          <a:p>
-            <a:r>
-              <a:rPr lang="en-US" dirty="0">
-                <a:latin typeface="Times New Roman" panose="02020603050405020304" pitchFamily="18" charset="0"/>
-              </a:rPr>
-              <a:t>Introduction &amp; Syllabus</a:t>
-            </a:r>
-          </a:p>
-        </p:txBody>
-      </p:sp>
-      <p:sp>
-        <p:nvSpPr>
-          <p:cNvPr id="8" name="Title 7">
-            <a:extLst>
-              <a:ext uri="{FF2B5EF4-FFF2-40B4-BE49-F238E27FC236}">
-                <a16:creationId xmlns:a16="http://schemas.microsoft.com/office/drawing/2014/main" id="{D13B5070-8B01-4C63-9F2E-79CAC4D00929}"/>
-              </a:ext>
-            </a:extLst>
-          </p:cNvPr>
-          <p:cNvSpPr>
-            <a:spLocks noGrp="1"/>
-          </p:cNvSpPr>
-          <p:nvPr>
-            <p:ph type="title"/>
-          </p:nvPr>
-        </p:nvSpPr>
-        <p:spPr/>
-        <p:txBody>
-          <a:bodyPr>
-            <a:normAutofit/>
-          </a:bodyPr>
-          <a:lstStyle/>
-          <a:p>
-            <a:r>
-              <a:rPr lang="en-US" sz="3600" u="sng" dirty="0">
-                <a:solidFill>
-                  <a:schemeClr val="accent3">
-                    <a:lumMod val="75000"/>
-                  </a:schemeClr>
-                </a:solidFill>
-              </a:rPr>
-              <a:t>One Pet Peeve: </a:t>
-            </a:r>
-          </a:p>
-        </p:txBody>
-      </p:sp>
-      <p:pic>
-        <p:nvPicPr>
-          <p:cNvPr id="3" name="Picture 2">
-            <a:extLst>
-              <a:ext uri="{FF2B5EF4-FFF2-40B4-BE49-F238E27FC236}">
-                <a16:creationId xmlns:a16="http://schemas.microsoft.com/office/drawing/2014/main" id="{833370FD-9F6E-44BA-A617-4B97C3866C26}"/>
-              </a:ext>
-            </a:extLst>
-          </p:cNvPr>
-          <p:cNvPicPr>
-            <a:picLocks noChangeAspect="1"/>
-          </p:cNvPicPr>
-          <p:nvPr/>
-        </p:nvPicPr>
-        <p:blipFill>
-          <a:blip r:embed="rId3"/>
-          <a:stretch>
-            <a:fillRect/>
-          </a:stretch>
-        </p:blipFill>
-        <p:spPr>
-          <a:xfrm>
-            <a:off x="1371600" y="1817614"/>
-            <a:ext cx="9000000" cy="3222771"/>
-          </a:xfrm>
-          <a:prstGeom prst="rect">
-            <a:avLst/>
-          </a:prstGeom>
-        </p:spPr>
-      </p:pic>
-    </p:spTree>
-    <p:extLst>
-      <p:ext uri="{BB962C8B-B14F-4D97-AF65-F5344CB8AC3E}">
-        <p14:creationId xmlns:p14="http://schemas.microsoft.com/office/powerpoint/2010/main" val="190750474"/>
-      </p:ext>
-    </p:extLst>
-  </p:cSld>
-  <p:clrMapOvr>
-    <a:masterClrMapping/>
-  </p:clrMapOvr>
-</p:sld>
-</file>
-
-<file path=ppt/slides/slide18.xml><?xml version="1.0" encoding="utf-8"?>
-<p:sld xmlns:a="http://schemas.openxmlformats.org/drawingml/2006/main" xmlns:r="http://schemas.openxmlformats.org/officeDocument/2006/relationships" xmlns:p="http://schemas.openxmlformats.org/presentationml/2006/main">
-  <p:cSld>
-    <p:spTree>
-      <p:nvGrpSpPr>
-        <p:cNvPr id="1" name=""/>
-        <p:cNvGrpSpPr/>
-        <p:nvPr/>
-      </p:nvGrpSpPr>
-      <p:grpSpPr>
-        <a:xfrm>
-          <a:off x="0" y="0"/>
-          <a:ext cx="0" cy="0"/>
-          <a:chOff x="0" y="0"/>
-          <a:chExt cx="0" cy="0"/>
-        </a:xfrm>
-      </p:grpSpPr>
-      <p:sp>
-        <p:nvSpPr>
-          <p:cNvPr id="4" name="Title 3">
-            <a:extLst>
-              <a:ext uri="{FF2B5EF4-FFF2-40B4-BE49-F238E27FC236}">
-                <a16:creationId xmlns:a16="http://schemas.microsoft.com/office/drawing/2014/main" id="{3959A64B-5C9A-4A9B-BA45-ADECED2E51D9}"/>
-              </a:ext>
-            </a:extLst>
-          </p:cNvPr>
-          <p:cNvSpPr>
-            <a:spLocks noGrp="1"/>
-          </p:cNvSpPr>
-          <p:nvPr>
-            <p:ph type="ctrTitle"/>
-          </p:nvPr>
-        </p:nvSpPr>
-        <p:spPr>
-          <a:xfrm>
-            <a:off x="1261872" y="758952"/>
-            <a:ext cx="10625328" cy="4041648"/>
-          </a:xfrm>
-        </p:spPr>
-        <p:txBody>
-          <a:bodyPr/>
-          <a:lstStyle/>
-          <a:p>
-            <a:r>
-              <a:rPr lang="en-US" dirty="0"/>
-              <a:t>Economic Modeling</a:t>
-            </a:r>
-          </a:p>
-        </p:txBody>
-      </p:sp>
-      <p:sp>
-        <p:nvSpPr>
-          <p:cNvPr id="3" name="Subtitle 2">
-            <a:extLst>
-              <a:ext uri="{FF2B5EF4-FFF2-40B4-BE49-F238E27FC236}">
-                <a16:creationId xmlns:a16="http://schemas.microsoft.com/office/drawing/2014/main" id="{12575E7B-FD6C-E8A3-F2DF-EE4A2AB1175B}"/>
-              </a:ext>
-            </a:extLst>
-          </p:cNvPr>
-          <p:cNvSpPr>
-            <a:spLocks noGrp="1"/>
-          </p:cNvSpPr>
-          <p:nvPr>
-            <p:ph type="subTitle" idx="1"/>
-          </p:nvPr>
-        </p:nvSpPr>
-        <p:spPr/>
-        <p:txBody>
-          <a:bodyPr/>
-          <a:lstStyle/>
-          <a:p>
-            <a:endParaRPr lang="en-CA"/>
-          </a:p>
-        </p:txBody>
-      </p:sp>
-    </p:spTree>
-    <p:extLst>
-      <p:ext uri="{BB962C8B-B14F-4D97-AF65-F5344CB8AC3E}">
-        <p14:creationId xmlns:p14="http://schemas.microsoft.com/office/powerpoint/2010/main" val="2203230516"/>
-      </p:ext>
-    </p:extLst>
-  </p:cSld>
-  <p:clrMapOvr>
-    <a:masterClrMapping/>
-  </p:clrMapOvr>
-</p:sld>
-</file>
-
-<file path=ppt/slides/slide19.xml><?xml version="1.0" encoding="utf-8"?>
-<p:sld xmlns:a="http://schemas.openxmlformats.org/drawingml/2006/main" xmlns:r="http://schemas.openxmlformats.org/officeDocument/2006/relationships" xmlns:p="http://schemas.openxmlformats.org/presentationml/2006/main">
-  <p:cSld>
-    <p:spTree>
-      <p:nvGrpSpPr>
-        <p:cNvPr id="1" name=""/>
-        <p:cNvGrpSpPr/>
-        <p:nvPr/>
-      </p:nvGrpSpPr>
-      <p:grpSpPr>
-        <a:xfrm>
-          <a:off x="0" y="0"/>
-          <a:ext cx="0" cy="0"/>
-          <a:chOff x="0" y="0"/>
-          <a:chExt cx="0" cy="0"/>
-        </a:xfrm>
-      </p:grpSpPr>
-      <p:sp>
-        <p:nvSpPr>
           <p:cNvPr id="4" name="Content Placeholder 3">
             <a:extLst>
               <a:ext uri="{FF2B5EF4-FFF2-40B4-BE49-F238E27FC236}">
@@ -11206,15 +8566,60 @@
               <a:rPr lang="en-US" dirty="0">
                 <a:latin typeface="Times New Roman" panose="02020603050405020304" pitchFamily="18" charset="0"/>
               </a:rPr>
-              <a:t>What is economics?</a:t>
+              <a:t>Tradeoffs and Incentives</a:t>
             </a:r>
           </a:p>
         </p:txBody>
       </p:sp>
+      <p:pic>
+        <p:nvPicPr>
+          <p:cNvPr id="1026" name="Picture 2">
+            <a:extLst>
+              <a:ext uri="{FF2B5EF4-FFF2-40B4-BE49-F238E27FC236}">
+                <a16:creationId xmlns:a16="http://schemas.microsoft.com/office/drawing/2014/main" id="{4A217C8F-62E0-9659-D963-D7E50F25379F}"/>
+              </a:ext>
+            </a:extLst>
+          </p:cNvPr>
+          <p:cNvPicPr>
+            <a:picLocks noChangeAspect="1" noChangeArrowheads="1"/>
+          </p:cNvPicPr>
+          <p:nvPr/>
+        </p:nvPicPr>
+        <p:blipFill rotWithShape="1">
+          <a:blip r:embed="rId3">
+            <a:extLst>
+              <a:ext uri="{28A0092B-C50C-407E-A947-70E740481C1C}">
+                <a14:useLocalDpi xmlns:a14="http://schemas.microsoft.com/office/drawing/2010/main" val="0"/>
+              </a:ext>
+            </a:extLst>
+          </a:blip>
+          <a:srcRect b="18661"/>
+          <a:stretch/>
+        </p:blipFill>
+        <p:spPr bwMode="auto">
+          <a:xfrm>
+            <a:off x="533400" y="1143000"/>
+            <a:ext cx="5562600" cy="5519952"/>
+          </a:xfrm>
+          <a:prstGeom prst="rect">
+            <a:avLst/>
+          </a:prstGeom>
+          <a:noFill/>
+          <a:extLst>
+            <a:ext uri="{909E8E84-426E-40DD-AFC4-6F175D3DCCD1}">
+              <a14:hiddenFill xmlns:a14="http://schemas.microsoft.com/office/drawing/2010/main">
+                <a:solidFill>
+                  <a:srgbClr val="FFFFFF"/>
+                </a:solidFill>
+              </a14:hiddenFill>
+            </a:ext>
+          </a:extLst>
+        </p:spPr>
+      </p:pic>
     </p:spTree>
     <p:extLst>
       <p:ext uri="{BB962C8B-B14F-4D97-AF65-F5344CB8AC3E}">
-        <p14:creationId xmlns:p14="http://schemas.microsoft.com/office/powerpoint/2010/main" val="19349082"/>
+        <p14:creationId xmlns:p14="http://schemas.microsoft.com/office/powerpoint/2010/main" val="3813693667"/>
       </p:ext>
     </p:extLst>
   </p:cSld>
@@ -11224,103 +8629,7 @@
 </p:sld>
 </file>
 
-<file path=ppt/slides/slide2.xml><?xml version="1.0" encoding="utf-8"?>
-<p:sld xmlns:a="http://schemas.openxmlformats.org/drawingml/2006/main" xmlns:r="http://schemas.openxmlformats.org/officeDocument/2006/relationships" xmlns:p="http://schemas.openxmlformats.org/presentationml/2006/main">
-  <p:cSld>
-    <p:spTree>
-      <p:nvGrpSpPr>
-        <p:cNvPr id="1" name=""/>
-        <p:cNvGrpSpPr/>
-        <p:nvPr/>
-      </p:nvGrpSpPr>
-      <p:grpSpPr>
-        <a:xfrm>
-          <a:off x="0" y="0"/>
-          <a:ext cx="0" cy="0"/>
-          <a:chOff x="0" y="0"/>
-          <a:chExt cx="0" cy="0"/>
-        </a:xfrm>
-      </p:grpSpPr>
-      <p:sp>
-        <p:nvSpPr>
-          <p:cNvPr id="2" name="Title 1">
-            <a:extLst>
-              <a:ext uri="{FF2B5EF4-FFF2-40B4-BE49-F238E27FC236}">
-                <a16:creationId xmlns:a16="http://schemas.microsoft.com/office/drawing/2014/main" id="{E54BD568-A3DE-4D27-9652-A8CF021A9E7A}"/>
-              </a:ext>
-            </a:extLst>
-          </p:cNvPr>
-          <p:cNvSpPr>
-            <a:spLocks noGrp="1"/>
-          </p:cNvSpPr>
-          <p:nvPr>
-            <p:ph type="title"/>
-          </p:nvPr>
-        </p:nvSpPr>
-        <p:spPr>
-          <a:xfrm>
-            <a:off x="762000" y="365760"/>
-            <a:ext cx="10192512" cy="777240"/>
-          </a:xfrm>
-        </p:spPr>
-        <p:txBody>
-          <a:bodyPr/>
-          <a:lstStyle/>
-          <a:p>
-            <a:r>
-              <a:rPr lang="en-US" dirty="0"/>
-              <a:t>Introductions</a:t>
-            </a:r>
-          </a:p>
-        </p:txBody>
-      </p:sp>
-      <p:pic>
-        <p:nvPicPr>
-          <p:cNvPr id="5" name="Content Placeholder 4" descr="A group of people posing for the camera&#10;&#10;Description automatically generated">
-            <a:extLst>
-              <a:ext uri="{FF2B5EF4-FFF2-40B4-BE49-F238E27FC236}">
-                <a16:creationId xmlns:a16="http://schemas.microsoft.com/office/drawing/2014/main" id="{05B97C3B-5375-46FF-8DF1-E978AD7F137B}"/>
-              </a:ext>
-            </a:extLst>
-          </p:cNvPr>
-          <p:cNvPicPr>
-            <a:picLocks noGrp="1" noChangeAspect="1"/>
-          </p:cNvPicPr>
-          <p:nvPr>
-            <p:ph idx="1"/>
-          </p:nvPr>
-        </p:nvPicPr>
-        <p:blipFill rotWithShape="1">
-          <a:blip r:embed="rId3" cstate="print">
-            <a:extLst>
-              <a:ext uri="{28A0092B-C50C-407E-A947-70E740481C1C}">
-                <a14:useLocalDpi xmlns:a14="http://schemas.microsoft.com/office/drawing/2010/main" val="0"/>
-              </a:ext>
-            </a:extLst>
-          </a:blip>
-          <a:stretch/>
-        </p:blipFill>
-        <p:spPr>
-          <a:xfrm>
-            <a:off x="762000" y="1066800"/>
-            <a:ext cx="4191000" cy="5591707"/>
-          </a:xfrm>
-        </p:spPr>
-      </p:pic>
-    </p:spTree>
-    <p:extLst>
-      <p:ext uri="{BB962C8B-B14F-4D97-AF65-F5344CB8AC3E}">
-        <p14:creationId xmlns:p14="http://schemas.microsoft.com/office/powerpoint/2010/main" val="1453377438"/>
-      </p:ext>
-    </p:extLst>
-  </p:cSld>
-  <p:clrMapOvr>
-    <a:masterClrMapping/>
-  </p:clrMapOvr>
-</p:sld>
-</file>
-
-<file path=ppt/slides/slide20.xml><?xml version="1.0" encoding="utf-8"?>
+<file path=ppt/slides/slide11.xml><?xml version="1.0" encoding="utf-8"?>
 <p:sld xmlns:a="http://schemas.openxmlformats.org/drawingml/2006/main" xmlns:r="http://schemas.openxmlformats.org/officeDocument/2006/relationships" xmlns:p="http://schemas.openxmlformats.org/presentationml/2006/main">
   <p:cSld>
     <p:spTree>
@@ -11423,7 +8732,164 @@
               <a:rPr lang="en-US" dirty="0">
                 <a:latin typeface="Times New Roman" panose="02020603050405020304" pitchFamily="18" charset="0"/>
               </a:rPr>
-              <a:t>Why model?</a:t>
+              <a:t>Tradeoffs and Incentives</a:t>
+            </a:r>
+          </a:p>
+        </p:txBody>
+      </p:sp>
+      <p:sp>
+        <p:nvSpPr>
+          <p:cNvPr id="2" name="TextBox 1">
+            <a:extLst>
+              <a:ext uri="{FF2B5EF4-FFF2-40B4-BE49-F238E27FC236}">
+                <a16:creationId xmlns:a16="http://schemas.microsoft.com/office/drawing/2014/main" id="{B684055C-A8A7-700F-ED8F-81DF1ABEB552}"/>
+              </a:ext>
+            </a:extLst>
+          </p:cNvPr>
+          <p:cNvSpPr txBox="1"/>
+          <p:nvPr/>
+        </p:nvSpPr>
+        <p:spPr>
+          <a:xfrm>
+            <a:off x="533401" y="1143000"/>
+            <a:ext cx="10134600" cy="3139321"/>
+          </a:xfrm>
+          <a:prstGeom prst="rect">
+            <a:avLst/>
+          </a:prstGeom>
+          <a:noFill/>
+        </p:spPr>
+        <p:txBody>
+          <a:bodyPr wrap="square" rtlCol="0">
+            <a:spAutoFit/>
+          </a:bodyPr>
+          <a:lstStyle/>
+          <a:p>
+            <a:r>
+              <a:rPr lang="en-US" sz="2200" dirty="0">
+                <a:latin typeface="Times New Roman" panose="02020603050405020304" pitchFamily="18" charset="0"/>
+                <a:cs typeface="Times New Roman" panose="02020603050405020304" pitchFamily="18" charset="0"/>
+              </a:rPr>
+              <a:t>Economic modeling allows us to think about: </a:t>
+            </a:r>
+          </a:p>
+          <a:p>
+            <a:pPr marL="285750" indent="-285750">
+              <a:buFont typeface="Arial" panose="020B0604020202020204" pitchFamily="34" charset="0"/>
+              <a:buChar char="•"/>
+            </a:pPr>
+            <a:r>
+              <a:rPr lang="en-US" sz="2200" dirty="0">
+                <a:latin typeface="Times New Roman" panose="02020603050405020304" pitchFamily="18" charset="0"/>
+                <a:cs typeface="Times New Roman" panose="02020603050405020304" pitchFamily="18" charset="0"/>
+              </a:rPr>
+              <a:t>Tradeoffs in a formal setting</a:t>
+            </a:r>
+          </a:p>
+          <a:p>
+            <a:pPr marL="285750" indent="-285750">
+              <a:buFont typeface="Arial" panose="020B0604020202020204" pitchFamily="34" charset="0"/>
+              <a:buChar char="•"/>
+            </a:pPr>
+            <a:r>
+              <a:rPr lang="en-US" sz="2200" dirty="0">
+                <a:latin typeface="Times New Roman" panose="02020603050405020304" pitchFamily="18" charset="0"/>
+                <a:cs typeface="Times New Roman" panose="02020603050405020304" pitchFamily="18" charset="0"/>
+              </a:rPr>
+              <a:t>How incentives change behavior</a:t>
+            </a:r>
+          </a:p>
+          <a:p>
+            <a:pPr marL="285750" indent="-285750">
+              <a:buFont typeface="Arial" panose="020B0604020202020204" pitchFamily="34" charset="0"/>
+              <a:buChar char="•"/>
+            </a:pPr>
+            <a:r>
+              <a:rPr lang="en-US" sz="2200" dirty="0">
+                <a:latin typeface="Times New Roman" panose="02020603050405020304" pitchFamily="18" charset="0"/>
+                <a:cs typeface="Times New Roman" panose="02020603050405020304" pitchFamily="18" charset="0"/>
+              </a:rPr>
+              <a:t>Short- versus long-run impacts</a:t>
+            </a:r>
+          </a:p>
+          <a:p>
+            <a:pPr marL="285750" indent="-285750">
+              <a:buFont typeface="Arial" panose="020B0604020202020204" pitchFamily="34" charset="0"/>
+              <a:buChar char="•"/>
+            </a:pPr>
+            <a:endParaRPr lang="en-US" sz="2200" dirty="0">
+              <a:latin typeface="Times New Roman" panose="02020603050405020304" pitchFamily="18" charset="0"/>
+              <a:cs typeface="Times New Roman" panose="02020603050405020304" pitchFamily="18" charset="0"/>
+            </a:endParaRPr>
+          </a:p>
+          <a:p>
+            <a:r>
+              <a:rPr lang="en-US" sz="2200" dirty="0">
+                <a:latin typeface="Times New Roman" panose="02020603050405020304" pitchFamily="18" charset="0"/>
+                <a:cs typeface="Times New Roman" panose="02020603050405020304" pitchFamily="18" charset="0"/>
+              </a:rPr>
+              <a:t>Typically, models allow us to say something about: </a:t>
+            </a:r>
+          </a:p>
+          <a:p>
+            <a:pPr marL="342900" indent="-342900">
+              <a:buFont typeface="+mj-lt"/>
+              <a:buAutoNum type="arabicPeriod"/>
+            </a:pPr>
+            <a:r>
+              <a:rPr lang="en-US" sz="2200" b="1" dirty="0">
+                <a:solidFill>
+                  <a:schemeClr val="accent2">
+                    <a:lumMod val="75000"/>
+                  </a:schemeClr>
+                </a:solidFill>
+                <a:latin typeface="Times New Roman" panose="02020603050405020304" pitchFamily="18" charset="0"/>
+                <a:cs typeface="Times New Roman" panose="02020603050405020304" pitchFamily="18" charset="0"/>
+              </a:rPr>
+              <a:t>Equilibrium Concepts:</a:t>
+            </a:r>
+            <a:r>
+              <a:rPr lang="en-US" sz="2200" b="1" dirty="0">
+                <a:latin typeface="Times New Roman" panose="02020603050405020304" pitchFamily="18" charset="0"/>
+                <a:cs typeface="Times New Roman" panose="02020603050405020304" pitchFamily="18" charset="0"/>
+              </a:rPr>
+              <a:t> </a:t>
+            </a:r>
+            <a:r>
+              <a:rPr lang="en-US" sz="2200" dirty="0">
+                <a:latin typeface="Times New Roman" panose="02020603050405020304" pitchFamily="18" charset="0"/>
+                <a:cs typeface="Times New Roman" panose="02020603050405020304" pitchFamily="18" charset="0"/>
+              </a:rPr>
+              <a:t>how does the game “shake out” when all incentives are modeled formally?</a:t>
+            </a:r>
+            <a:endParaRPr lang="en-US" sz="2200" b="1" dirty="0">
+              <a:latin typeface="Times New Roman" panose="02020603050405020304" pitchFamily="18" charset="0"/>
+              <a:cs typeface="Times New Roman" panose="02020603050405020304" pitchFamily="18" charset="0"/>
+            </a:endParaRPr>
+          </a:p>
+          <a:p>
+            <a:pPr marL="342900" indent="-342900">
+              <a:buFont typeface="+mj-lt"/>
+              <a:buAutoNum type="arabicPeriod"/>
+            </a:pPr>
+            <a:r>
+              <a:rPr lang="en-US" sz="2200" b="1" dirty="0">
+                <a:solidFill>
+                  <a:schemeClr val="accent2">
+                    <a:lumMod val="75000"/>
+                  </a:schemeClr>
+                </a:solidFill>
+                <a:latin typeface="Times New Roman" panose="02020603050405020304" pitchFamily="18" charset="0"/>
+                <a:cs typeface="Times New Roman" panose="02020603050405020304" pitchFamily="18" charset="0"/>
+              </a:rPr>
+              <a:t>Comparative Statics: </a:t>
+            </a:r>
+            <a:r>
+              <a:rPr lang="en-US" sz="2200" dirty="0">
+                <a:latin typeface="Times New Roman" panose="02020603050405020304" pitchFamily="18" charset="0"/>
+                <a:cs typeface="Times New Roman" panose="02020603050405020304" pitchFamily="18" charset="0"/>
+              </a:rPr>
+              <a:t>how does solution depend based on (causal) pathways?</a:t>
             </a:r>
           </a:p>
         </p:txBody>
@@ -11431,7 +8897,7 @@
     </p:spTree>
     <p:extLst>
       <p:ext uri="{BB962C8B-B14F-4D97-AF65-F5344CB8AC3E}">
-        <p14:creationId xmlns:p14="http://schemas.microsoft.com/office/powerpoint/2010/main" val="2295914282"/>
+        <p14:creationId xmlns:p14="http://schemas.microsoft.com/office/powerpoint/2010/main" val="3657674817"/>
       </p:ext>
     </p:extLst>
   </p:cSld>
@@ -11441,7 +8907,7 @@
 </p:sld>
 </file>
 
-<file path=ppt/slides/slide21.xml><?xml version="1.0" encoding="utf-8"?>
+<file path=ppt/slides/slide12.xml><?xml version="1.0" encoding="utf-8"?>
 <p:sld xmlns:a="http://schemas.openxmlformats.org/drawingml/2006/main" xmlns:r="http://schemas.openxmlformats.org/officeDocument/2006/relationships" xmlns:p="http://schemas.openxmlformats.org/presentationml/2006/main">
   <p:cSld>
     <p:spTree>
@@ -11544,7 +9010,7 @@
               <a:rPr lang="en-US" dirty="0">
                 <a:latin typeface="Times New Roman" panose="02020603050405020304" pitchFamily="18" charset="0"/>
               </a:rPr>
-              <a:t>What should we get from this class?</a:t>
+              <a:t>Why model?</a:t>
             </a:r>
           </a:p>
         </p:txBody>
@@ -11552,7 +9018,7 @@
     </p:spTree>
     <p:extLst>
       <p:ext uri="{BB962C8B-B14F-4D97-AF65-F5344CB8AC3E}">
-        <p14:creationId xmlns:p14="http://schemas.microsoft.com/office/powerpoint/2010/main" val="2143502229"/>
+        <p14:creationId xmlns:p14="http://schemas.microsoft.com/office/powerpoint/2010/main" val="2295914282"/>
       </p:ext>
     </p:extLst>
   </p:cSld>
@@ -11562,7 +9028,7 @@
 </p:sld>
 </file>
 
-<file path=ppt/slides/slide22.xml><?xml version="1.0" encoding="utf-8"?>
+<file path=ppt/slides/slide13.xml><?xml version="1.0" encoding="utf-8"?>
 <p:sld xmlns:a="http://schemas.openxmlformats.org/drawingml/2006/main" xmlns:r="http://schemas.openxmlformats.org/officeDocument/2006/relationships" xmlns:p="http://schemas.openxmlformats.org/presentationml/2006/main">
   <p:cSld>
     <p:spTree>
@@ -11597,8 +9063,8 @@
         </p:nvSpPr>
         <p:spPr>
           <a:xfrm>
-            <a:off x="457200" y="1066800"/>
-            <a:ext cx="9372600" cy="5113339"/>
+            <a:off x="2470404" y="1608139"/>
+            <a:ext cx="7359396" cy="4572000"/>
           </a:xfrm>
         </p:spPr>
         <p:txBody>
@@ -11606,46 +9072,7 @@
           <a:lstStyle/>
           <a:p>
             <a:pPr lvl="1"/>
-            <a:r>
-              <a:rPr lang="en-US" sz="2200" dirty="0" err="1"/>
-              <a:t>Lagrangians</a:t>
-            </a:r>
-            <a:endParaRPr lang="en-US" sz="2200" dirty="0"/>
-          </a:p>
-          <a:p>
-            <a:pPr lvl="1"/>
-            <a:r>
-              <a:rPr lang="en-US" sz="2200" dirty="0"/>
-              <a:t>Optima and equilibria</a:t>
-            </a:r>
-          </a:p>
-          <a:p>
-            <a:pPr lvl="1"/>
-            <a:r>
-              <a:rPr lang="en-US" sz="2200" dirty="0"/>
-              <a:t>Risk aversion</a:t>
-            </a:r>
-          </a:p>
-          <a:p>
-            <a:pPr lvl="1"/>
-            <a:r>
-              <a:rPr lang="en-US" sz="2200" dirty="0"/>
-              <a:t>Ex-ante/ex-post</a:t>
-            </a:r>
-          </a:p>
-          <a:p>
-            <a:pPr lvl="1"/>
-            <a:r>
-              <a:rPr lang="en-US" sz="2200" dirty="0"/>
-              <a:t>Integrals and derivatives</a:t>
-            </a:r>
-          </a:p>
-          <a:p>
-            <a:pPr lvl="1"/>
-            <a:r>
-              <a:rPr lang="en-US" sz="2200" dirty="0"/>
-              <a:t>Others?</a:t>
-            </a:r>
+            <a:endParaRPr lang="en-US" dirty="0"/>
           </a:p>
           <a:p>
             <a:pPr lvl="1"/>
@@ -11704,7 +9131,7 @@
               <a:rPr lang="en-US" dirty="0">
                 <a:latin typeface="Times New Roman" panose="02020603050405020304" pitchFamily="18" charset="0"/>
               </a:rPr>
-              <a:t>Some basic reviews</a:t>
+              <a:t>What should we get from this class?</a:t>
             </a:r>
           </a:p>
         </p:txBody>
@@ -11712,7 +9139,7 @@
     </p:spTree>
     <p:extLst>
       <p:ext uri="{BB962C8B-B14F-4D97-AF65-F5344CB8AC3E}">
-        <p14:creationId xmlns:p14="http://schemas.microsoft.com/office/powerpoint/2010/main" val="2065346985"/>
+        <p14:creationId xmlns:p14="http://schemas.microsoft.com/office/powerpoint/2010/main" val="2143502229"/>
       </p:ext>
     </p:extLst>
   </p:cSld>
@@ -11722,7 +9149,7 @@
 </p:sld>
 </file>
 
-<file path=ppt/slides/slide23.xml><?xml version="1.0" encoding="utf-8"?>
+<file path=ppt/slides/slide14.xml><?xml version="1.0" encoding="utf-8"?>
 <p:sld xmlns:a="http://schemas.openxmlformats.org/drawingml/2006/main" xmlns:r="http://schemas.openxmlformats.org/officeDocument/2006/relationships" xmlns:p="http://schemas.openxmlformats.org/presentationml/2006/main">
   <p:cSld>
     <p:spTree>
@@ -11741,6 +9168,166 @@
       </p:grpSpPr>
       <p:sp>
         <p:nvSpPr>
+          <p:cNvPr id="4" name="Content Placeholder 3">
+            <a:extLst>
+              <a:ext uri="{FF2B5EF4-FFF2-40B4-BE49-F238E27FC236}">
+                <a16:creationId xmlns:a16="http://schemas.microsoft.com/office/drawing/2014/main" id="{AE68E5BA-C675-4302-ABDA-3EFDD6418FDE}"/>
+              </a:ext>
+            </a:extLst>
+          </p:cNvPr>
+          <p:cNvSpPr>
+            <a:spLocks noGrp="1"/>
+          </p:cNvSpPr>
+          <p:nvPr>
+            <p:ph idx="1"/>
+          </p:nvPr>
+        </p:nvSpPr>
+        <p:spPr>
+          <a:xfrm>
+            <a:off x="457200" y="1066800"/>
+            <a:ext cx="9372600" cy="5113339"/>
+          </a:xfrm>
+        </p:spPr>
+        <p:txBody>
+          <a:bodyPr/>
+          <a:lstStyle/>
+          <a:p>
+            <a:pPr lvl="1"/>
+            <a:r>
+              <a:rPr lang="en-US" sz="2200" dirty="0" err="1"/>
+              <a:t>Lagrangians</a:t>
+            </a:r>
+            <a:endParaRPr lang="en-US" sz="2200" dirty="0"/>
+          </a:p>
+          <a:p>
+            <a:pPr lvl="1"/>
+            <a:r>
+              <a:rPr lang="en-US" sz="2200" dirty="0"/>
+              <a:t>Optima and equilibria</a:t>
+            </a:r>
+          </a:p>
+          <a:p>
+            <a:pPr lvl="1"/>
+            <a:r>
+              <a:rPr lang="en-US" sz="2200" dirty="0"/>
+              <a:t>Risk aversion</a:t>
+            </a:r>
+          </a:p>
+          <a:p>
+            <a:pPr lvl="1"/>
+            <a:r>
+              <a:rPr lang="en-US" sz="2200" dirty="0"/>
+              <a:t>Ex-ante/ex-post</a:t>
+            </a:r>
+          </a:p>
+          <a:p>
+            <a:pPr lvl="1"/>
+            <a:r>
+              <a:rPr lang="en-US" sz="2200" dirty="0"/>
+              <a:t>Integrals and derivatives</a:t>
+            </a:r>
+          </a:p>
+          <a:p>
+            <a:pPr lvl="1"/>
+            <a:r>
+              <a:rPr lang="en-US" sz="2200" dirty="0"/>
+              <a:t>Others?</a:t>
+            </a:r>
+          </a:p>
+          <a:p>
+            <a:pPr lvl="1"/>
+            <a:endParaRPr lang="en-US" dirty="0"/>
+          </a:p>
+        </p:txBody>
+      </p:sp>
+      <p:sp>
+        <p:nvSpPr>
+          <p:cNvPr id="6" name="Title 1">
+            <a:extLst>
+              <a:ext uri="{FF2B5EF4-FFF2-40B4-BE49-F238E27FC236}">
+                <a16:creationId xmlns:a16="http://schemas.microsoft.com/office/drawing/2014/main" id="{2447C70A-E8CD-4D7B-8C00-FF6EC3DCB236}"/>
+              </a:ext>
+            </a:extLst>
+          </p:cNvPr>
+          <p:cNvSpPr txBox="1">
+            <a:spLocks/>
+          </p:cNvSpPr>
+          <p:nvPr/>
+        </p:nvSpPr>
+        <p:spPr>
+          <a:xfrm>
+            <a:off x="381000" y="365760"/>
+            <a:ext cx="10573512" cy="777240"/>
+          </a:xfrm>
+          <a:prstGeom prst="rect">
+            <a:avLst/>
+          </a:prstGeom>
+        </p:spPr>
+        <p:txBody>
+          <a:bodyPr vert="horz" lIns="91440" tIns="45720" rIns="91440" bIns="45720" rtlCol="0" anchor="b">
+            <a:normAutofit/>
+          </a:bodyPr>
+          <a:lstStyle>
+            <a:lvl1pPr algn="l" defTabSz="914400" rtl="0" eaLnBrk="1" latinLnBrk="0" hangingPunct="1">
+              <a:lnSpc>
+                <a:spcPct val="90000"/>
+              </a:lnSpc>
+              <a:spcBef>
+                <a:spcPct val="0"/>
+              </a:spcBef>
+              <a:buNone/>
+              <a:defRPr sz="4400" kern="1200" spc="-50" baseline="0">
+                <a:solidFill>
+                  <a:schemeClr val="tx1"/>
+                </a:solidFill>
+                <a:latin typeface="+mj-lt"/>
+                <a:ea typeface="+mj-ea"/>
+                <a:cs typeface="+mj-cs"/>
+              </a:defRPr>
+            </a:lvl1pPr>
+          </a:lstStyle>
+          <a:p>
+            <a:r>
+              <a:rPr lang="en-US" dirty="0">
+                <a:latin typeface="Times New Roman" panose="02020603050405020304" pitchFamily="18" charset="0"/>
+              </a:rPr>
+              <a:t>Some basic reviews</a:t>
+            </a:r>
+          </a:p>
+        </p:txBody>
+      </p:sp>
+    </p:spTree>
+    <p:extLst>
+      <p:ext uri="{BB962C8B-B14F-4D97-AF65-F5344CB8AC3E}">
+        <p14:creationId xmlns:p14="http://schemas.microsoft.com/office/powerpoint/2010/main" val="2065346985"/>
+      </p:ext>
+    </p:extLst>
+  </p:cSld>
+  <p:clrMapOvr>
+    <a:masterClrMapping/>
+  </p:clrMapOvr>
+</p:sld>
+</file>
+
+<file path=ppt/slides/slide15.xml><?xml version="1.0" encoding="utf-8"?>
+<p:sld xmlns:a="http://schemas.openxmlformats.org/drawingml/2006/main" xmlns:r="http://schemas.openxmlformats.org/officeDocument/2006/relationships" xmlns:p="http://schemas.openxmlformats.org/presentationml/2006/main">
+  <p:cSld>
+    <p:spTree>
+      <p:nvGrpSpPr>
+        <p:cNvPr id="1" name=""/>
+        <p:cNvGrpSpPr/>
+        <p:nvPr/>
+      </p:nvGrpSpPr>
+      <p:grpSpPr>
+        <a:xfrm>
+          <a:off x="0" y="0"/>
+          <a:ext cx="0" cy="0"/>
+          <a:chOff x="0" y="0"/>
+          <a:chExt cx="0" cy="0"/>
+        </a:xfrm>
+      </p:grpSpPr>
+      <p:sp>
+        <p:nvSpPr>
           <p:cNvPr id="4" name="Title 3">
             <a:extLst>
               <a:ext uri="{FF2B5EF4-FFF2-40B4-BE49-F238E27FC236}">
@@ -11821,7 +9408,7 @@
 </p:sld>
 </file>
 
-<file path=ppt/slides/slide24.xml><?xml version="1.0" encoding="utf-8"?>
+<file path=ppt/slides/slide16.xml><?xml version="1.0" encoding="utf-8"?>
 <p:sld xmlns:a="http://schemas.openxmlformats.org/drawingml/2006/main" xmlns:r="http://schemas.openxmlformats.org/officeDocument/2006/relationships" xmlns:p="http://schemas.openxmlformats.org/presentationml/2006/main">
   <p:cSld>
     <p:spTree>
@@ -12062,7 +9649,7 @@
 </p:sld>
 </file>
 
-<file path=ppt/slides/slide25.xml><?xml version="1.0" encoding="utf-8"?>
+<file path=ppt/slides/slide17.xml><?xml version="1.0" encoding="utf-8"?>
 <p:sld xmlns:a="http://schemas.openxmlformats.org/drawingml/2006/main" xmlns:r="http://schemas.openxmlformats.org/officeDocument/2006/relationships" xmlns:p="http://schemas.openxmlformats.org/presentationml/2006/main">
   <p:cSld>
     <p:spTree>
@@ -12170,8 +9757,8 @@
           </a:p>
         </p:txBody>
       </p:sp>
-      <mc:AlternateContent xmlns:mc="http://schemas.openxmlformats.org/markup-compatibility/2006">
-        <mc:Choice xmlns:a14="http://schemas.microsoft.com/office/drawing/2010/main" Requires="a14">
+      <mc:AlternateContent xmlns:mc="http://schemas.openxmlformats.org/markup-compatibility/2006" xmlns:a14="http://schemas.microsoft.com/office/drawing/2010/main">
+        <mc:Choice Requires="a14">
           <p:sp>
             <p:nvSpPr>
               <p:cNvPr id="2" name="TextBox 1">
@@ -12301,6 +9888,7 @@
                 </a:endParaRPr>
               </a:p>
               <a:p>
+                <a:pPr/>
                 <a14:m>
                   <m:oMathPara xmlns:m="http://schemas.openxmlformats.org/officeDocument/2006/math">
                     <m:oMathParaPr>
@@ -12511,7 +10099,7 @@
             </p:txBody>
           </p:sp>
         </mc:Choice>
-        <mc:Fallback>
+        <mc:Fallback xmlns="">
           <p:sp>
             <p:nvSpPr>
               <p:cNvPr id="2" name="TextBox 1">
@@ -12569,7 +10157,7 @@
 </p:sld>
 </file>
 
-<file path=ppt/slides/slide26.xml><?xml version="1.0" encoding="utf-8"?>
+<file path=ppt/slides/slide18.xml><?xml version="1.0" encoding="utf-8"?>
 <p:sld xmlns:a="http://schemas.openxmlformats.org/drawingml/2006/main" xmlns:r="http://schemas.openxmlformats.org/officeDocument/2006/relationships" xmlns:p="http://schemas.openxmlformats.org/presentationml/2006/main">
   <p:cSld>
     <p:spTree>
@@ -12677,8 +10265,8 @@
           </a:p>
         </p:txBody>
       </p:sp>
-      <mc:AlternateContent xmlns:mc="http://schemas.openxmlformats.org/markup-compatibility/2006">
-        <mc:Choice xmlns:a14="http://schemas.microsoft.com/office/drawing/2010/main" Requires="a14">
+      <mc:AlternateContent xmlns:mc="http://schemas.openxmlformats.org/markup-compatibility/2006" xmlns:a14="http://schemas.microsoft.com/office/drawing/2010/main">
+        <mc:Choice Requires="a14">
           <p:sp>
             <p:nvSpPr>
               <p:cNvPr id="2" name="TextBox 1">
@@ -12808,6 +10396,7 @@
                 </a:endParaRPr>
               </a:p>
               <a:p>
+                <a:pPr/>
                 <a14:m>
                   <m:oMathPara xmlns:m="http://schemas.openxmlformats.org/officeDocument/2006/math">
                     <m:oMathParaPr>
@@ -13055,7 +10644,7 @@
             </p:txBody>
           </p:sp>
         </mc:Choice>
-        <mc:Fallback>
+        <mc:Fallback xmlns="">
           <p:sp>
             <p:nvSpPr>
               <p:cNvPr id="2" name="TextBox 1">
@@ -13113,7 +10702,7 @@
 </p:sld>
 </file>
 
-<file path=ppt/slides/slide27.xml><?xml version="1.0" encoding="utf-8"?>
+<file path=ppt/slides/slide19.xml><?xml version="1.0" encoding="utf-8"?>
 <p:sld xmlns:a="http://schemas.openxmlformats.org/drawingml/2006/main" xmlns:r="http://schemas.openxmlformats.org/officeDocument/2006/relationships" xmlns:p="http://schemas.openxmlformats.org/presentationml/2006/main">
   <p:cSld>
     <p:spTree>
@@ -13286,7 +10875,103 @@
 </p:sld>
 </file>
 
-<file path=ppt/slides/slide28.xml><?xml version="1.0" encoding="utf-8"?>
+<file path=ppt/slides/slide2.xml><?xml version="1.0" encoding="utf-8"?>
+<p:sld xmlns:a="http://schemas.openxmlformats.org/drawingml/2006/main" xmlns:r="http://schemas.openxmlformats.org/officeDocument/2006/relationships" xmlns:p="http://schemas.openxmlformats.org/presentationml/2006/main">
+  <p:cSld>
+    <p:spTree>
+      <p:nvGrpSpPr>
+        <p:cNvPr id="1" name=""/>
+        <p:cNvGrpSpPr/>
+        <p:nvPr/>
+      </p:nvGrpSpPr>
+      <p:grpSpPr>
+        <a:xfrm>
+          <a:off x="0" y="0"/>
+          <a:ext cx="0" cy="0"/>
+          <a:chOff x="0" y="0"/>
+          <a:chExt cx="0" cy="0"/>
+        </a:xfrm>
+      </p:grpSpPr>
+      <p:sp>
+        <p:nvSpPr>
+          <p:cNvPr id="2" name="Title 1">
+            <a:extLst>
+              <a:ext uri="{FF2B5EF4-FFF2-40B4-BE49-F238E27FC236}">
+                <a16:creationId xmlns:a16="http://schemas.microsoft.com/office/drawing/2014/main" id="{E54BD568-A3DE-4D27-9652-A8CF021A9E7A}"/>
+              </a:ext>
+            </a:extLst>
+          </p:cNvPr>
+          <p:cNvSpPr>
+            <a:spLocks noGrp="1"/>
+          </p:cNvSpPr>
+          <p:nvPr>
+            <p:ph type="title"/>
+          </p:nvPr>
+        </p:nvSpPr>
+        <p:spPr>
+          <a:xfrm>
+            <a:off x="762000" y="365760"/>
+            <a:ext cx="10192512" cy="777240"/>
+          </a:xfrm>
+        </p:spPr>
+        <p:txBody>
+          <a:bodyPr/>
+          <a:lstStyle/>
+          <a:p>
+            <a:r>
+              <a:rPr lang="en-US" dirty="0"/>
+              <a:t>Introductions</a:t>
+            </a:r>
+          </a:p>
+        </p:txBody>
+      </p:sp>
+      <p:pic>
+        <p:nvPicPr>
+          <p:cNvPr id="5" name="Content Placeholder 4" descr="A group of people posing for the camera&#10;&#10;Description automatically generated">
+            <a:extLst>
+              <a:ext uri="{FF2B5EF4-FFF2-40B4-BE49-F238E27FC236}">
+                <a16:creationId xmlns:a16="http://schemas.microsoft.com/office/drawing/2014/main" id="{05B97C3B-5375-46FF-8DF1-E978AD7F137B}"/>
+              </a:ext>
+            </a:extLst>
+          </p:cNvPr>
+          <p:cNvPicPr>
+            <a:picLocks noGrp="1" noChangeAspect="1"/>
+          </p:cNvPicPr>
+          <p:nvPr>
+            <p:ph idx="1"/>
+          </p:nvPr>
+        </p:nvPicPr>
+        <p:blipFill rotWithShape="1">
+          <a:blip r:embed="rId3" cstate="print">
+            <a:extLst>
+              <a:ext uri="{28A0092B-C50C-407E-A947-70E740481C1C}">
+                <a14:useLocalDpi xmlns:a14="http://schemas.microsoft.com/office/drawing/2010/main" val="0"/>
+              </a:ext>
+            </a:extLst>
+          </a:blip>
+          <a:stretch/>
+        </p:blipFill>
+        <p:spPr>
+          <a:xfrm>
+            <a:off x="762000" y="1066800"/>
+            <a:ext cx="4191000" cy="5591707"/>
+          </a:xfrm>
+        </p:spPr>
+      </p:pic>
+    </p:spTree>
+    <p:extLst>
+      <p:ext uri="{BB962C8B-B14F-4D97-AF65-F5344CB8AC3E}">
+        <p14:creationId xmlns:p14="http://schemas.microsoft.com/office/powerpoint/2010/main" val="1453377438"/>
+      </p:ext>
+    </p:extLst>
+  </p:cSld>
+  <p:clrMapOvr>
+    <a:masterClrMapping/>
+  </p:clrMapOvr>
+</p:sld>
+</file>
+
+<file path=ppt/slides/slide20.xml><?xml version="1.0" encoding="utf-8"?>
 <p:sld xmlns:a="http://schemas.openxmlformats.org/drawingml/2006/main" xmlns:r="http://schemas.openxmlformats.org/officeDocument/2006/relationships" xmlns:p="http://schemas.openxmlformats.org/presentationml/2006/main">
   <p:cSld>
     <p:spTree>
@@ -13462,7 +11147,7 @@
 </p:sld>
 </file>
 
-<file path=ppt/slides/slide29.xml><?xml version="1.0" encoding="utf-8"?>
+<file path=ppt/slides/slide21.xml><?xml version="1.0" encoding="utf-8"?>
 <p:sld xmlns:a="http://schemas.openxmlformats.org/drawingml/2006/main" xmlns:r="http://schemas.openxmlformats.org/officeDocument/2006/relationships" xmlns:p="http://schemas.openxmlformats.org/presentationml/2006/main">
   <p:cSld>
     <p:spTree>
@@ -13570,8 +11255,8 @@
           </a:p>
         </p:txBody>
       </p:sp>
-      <mc:AlternateContent xmlns:mc="http://schemas.openxmlformats.org/markup-compatibility/2006">
-        <mc:Choice xmlns:a14="http://schemas.microsoft.com/office/drawing/2010/main" Requires="a14">
+      <mc:AlternateContent xmlns:mc="http://schemas.openxmlformats.org/markup-compatibility/2006" xmlns:a14="http://schemas.microsoft.com/office/drawing/2010/main">
+        <mc:Choice Requires="a14">
           <p:sp>
             <p:nvSpPr>
               <p:cNvPr id="2" name="TextBox 1">
@@ -13626,6 +11311,7 @@
                 </a:r>
               </a:p>
               <a:p>
+                <a:pPr/>
                 <a14:m>
                   <m:oMathPara xmlns:m="http://schemas.openxmlformats.org/officeDocument/2006/math">
                     <m:oMathParaPr>
@@ -14052,7 +11738,7 @@
             </p:txBody>
           </p:sp>
         </mc:Choice>
-        <mc:Fallback>
+        <mc:Fallback xmlns="">
           <p:sp>
             <p:nvSpPr>
               <p:cNvPr id="2" name="TextBox 1">
@@ -14110,296 +11796,7 @@
 </p:sld>
 </file>
 
-<file path=ppt/slides/slide3.xml><?xml version="1.0" encoding="utf-8"?>
-<p:sld xmlns:a="http://schemas.openxmlformats.org/drawingml/2006/main" xmlns:r="http://schemas.openxmlformats.org/officeDocument/2006/relationships" xmlns:p="http://schemas.openxmlformats.org/presentationml/2006/main">
-  <p:cSld>
-    <p:spTree>
-      <p:nvGrpSpPr>
-        <p:cNvPr id="1" name=""/>
-        <p:cNvGrpSpPr/>
-        <p:nvPr/>
-      </p:nvGrpSpPr>
-      <p:grpSpPr>
-        <a:xfrm>
-          <a:off x="0" y="0"/>
-          <a:ext cx="0" cy="0"/>
-          <a:chOff x="0" y="0"/>
-          <a:chExt cx="0" cy="0"/>
-        </a:xfrm>
-      </p:grpSpPr>
-      <p:sp>
-        <p:nvSpPr>
-          <p:cNvPr id="2" name="Title 1">
-            <a:extLst>
-              <a:ext uri="{FF2B5EF4-FFF2-40B4-BE49-F238E27FC236}">
-                <a16:creationId xmlns:a16="http://schemas.microsoft.com/office/drawing/2014/main" id="{E54BD568-A3DE-4D27-9652-A8CF021A9E7A}"/>
-              </a:ext>
-            </a:extLst>
-          </p:cNvPr>
-          <p:cNvSpPr>
-            <a:spLocks noGrp="1"/>
-          </p:cNvSpPr>
-          <p:nvPr>
-            <p:ph type="title"/>
-          </p:nvPr>
-        </p:nvSpPr>
-        <p:spPr>
-          <a:xfrm>
-            <a:off x="762000" y="365760"/>
-            <a:ext cx="10192512" cy="777240"/>
-          </a:xfrm>
-        </p:spPr>
-        <p:txBody>
-          <a:bodyPr/>
-          <a:lstStyle/>
-          <a:p>
-            <a:r>
-              <a:rPr lang="en-US" dirty="0"/>
-              <a:t>Introductions</a:t>
-            </a:r>
-          </a:p>
-        </p:txBody>
-      </p:sp>
-      <p:pic>
-        <p:nvPicPr>
-          <p:cNvPr id="5" name="Content Placeholder 4" descr="A group of people posing for the camera&#10;&#10;Description automatically generated">
-            <a:extLst>
-              <a:ext uri="{FF2B5EF4-FFF2-40B4-BE49-F238E27FC236}">
-                <a16:creationId xmlns:a16="http://schemas.microsoft.com/office/drawing/2014/main" id="{05B97C3B-5375-46FF-8DF1-E978AD7F137B}"/>
-              </a:ext>
-            </a:extLst>
-          </p:cNvPr>
-          <p:cNvPicPr>
-            <a:picLocks noGrp="1" noChangeAspect="1"/>
-          </p:cNvPicPr>
-          <p:nvPr>
-            <p:ph idx="1"/>
-          </p:nvPr>
-        </p:nvPicPr>
-        <p:blipFill rotWithShape="1">
-          <a:blip r:embed="rId3" cstate="print">
-            <a:extLst>
-              <a:ext uri="{28A0092B-C50C-407E-A947-70E740481C1C}">
-                <a14:useLocalDpi xmlns:a14="http://schemas.microsoft.com/office/drawing/2010/main" val="0"/>
-              </a:ext>
-            </a:extLst>
-          </a:blip>
-          <a:stretch/>
-        </p:blipFill>
-        <p:spPr>
-          <a:xfrm>
-            <a:off x="762000" y="1066800"/>
-            <a:ext cx="4191000" cy="5591707"/>
-          </a:xfrm>
-        </p:spPr>
-      </p:pic>
-      <mc:AlternateContent xmlns:mc="http://schemas.openxmlformats.org/markup-compatibility/2006" xmlns:a14="http://schemas.microsoft.com/office/drawing/2010/main">
-        <mc:Choice Requires="a14">
-          <p:sp>
-            <p:nvSpPr>
-              <p:cNvPr id="4" name="TextBox 3">
-                <a:extLst>
-                  <a:ext uri="{FF2B5EF4-FFF2-40B4-BE49-F238E27FC236}">
-                    <a16:creationId xmlns:a16="http://schemas.microsoft.com/office/drawing/2014/main" id="{7548CDD0-1238-A3EA-7C33-5A931598ABD0}"/>
-                  </a:ext>
-                </a:extLst>
-              </p:cNvPr>
-              <p:cNvSpPr txBox="1"/>
-              <p:nvPr/>
-            </p:nvSpPr>
-            <p:spPr>
-              <a:xfrm>
-                <a:off x="5105400" y="1143000"/>
-                <a:ext cx="6172200" cy="4031873"/>
-              </a:xfrm>
-              <a:prstGeom prst="rect">
-                <a:avLst/>
-              </a:prstGeom>
-              <a:noFill/>
-            </p:spPr>
-            <p:txBody>
-              <a:bodyPr wrap="square" rtlCol="0">
-                <a:spAutoFit/>
-              </a:bodyPr>
-              <a:lstStyle/>
-              <a:p>
-                <a:r>
-                  <a:rPr lang="en-CA" sz="2200" b="1" dirty="0"/>
-                  <a:t>From: </a:t>
-                </a:r>
-                <a:r>
-                  <a:rPr lang="en-CA" sz="2200" dirty="0"/>
-                  <a:t>USA (Texas </a:t>
-                </a:r>
-                <a14:m>
-                  <m:oMath xmlns:m="http://schemas.openxmlformats.org/officeDocument/2006/math">
-                    <m:r>
-                      <a:rPr lang="en-CA" sz="2200" b="0" i="1" smtClean="0">
-                        <a:latin typeface="Cambria Math" panose="02040503050406030204" pitchFamily="18" charset="0"/>
-                      </a:rPr>
-                      <m:t>→</m:t>
-                    </m:r>
-                  </m:oMath>
-                </a14:m>
-                <a:r>
-                  <a:rPr lang="en-CA" sz="2200" dirty="0"/>
-                  <a:t> Utah </a:t>
-                </a:r>
-                <a14:m>
-                  <m:oMath xmlns:m="http://schemas.openxmlformats.org/officeDocument/2006/math">
-                    <m:r>
-                      <a:rPr lang="en-CA" sz="2200" b="0" i="1" smtClean="0">
-                        <a:latin typeface="Cambria Math" panose="02040503050406030204" pitchFamily="18" charset="0"/>
-                      </a:rPr>
-                      <m:t>→</m:t>
-                    </m:r>
-                  </m:oMath>
-                </a14:m>
-                <a:r>
-                  <a:rPr lang="en-CA" sz="2200" dirty="0"/>
-                  <a:t> Boston)</a:t>
-                </a:r>
-              </a:p>
-              <a:p>
-                <a:endParaRPr lang="en-CA" sz="2000" dirty="0"/>
-              </a:p>
-              <a:p>
-                <a:r>
-                  <a:rPr lang="en-CA" sz="2200" b="1" dirty="0"/>
-                  <a:t>Health Systems Experience: </a:t>
-                </a:r>
-                <a:r>
-                  <a:rPr lang="en-CA" sz="2200" dirty="0"/>
-                  <a:t>US, Ontario</a:t>
-                </a:r>
-              </a:p>
-              <a:p>
-                <a:endParaRPr lang="en-CA" sz="2000" b="1" dirty="0"/>
-              </a:p>
-              <a:p>
-                <a:r>
-                  <a:rPr lang="en-CA" sz="2200" b="1" dirty="0"/>
-                  <a:t>Health Systems Experience 2: </a:t>
-                </a:r>
-              </a:p>
-              <a:p>
-                <a:pPr marL="285750" indent="-285750">
-                  <a:buFont typeface="Arial" panose="020B0604020202020204" pitchFamily="34" charset="0"/>
-                  <a:buChar char="•"/>
-                </a:pPr>
-                <a:r>
-                  <a:rPr lang="en-CA" sz="2200" dirty="0"/>
-                  <a:t>Chronic disease, innovation</a:t>
-                </a:r>
-              </a:p>
-              <a:p>
-                <a:pPr marL="285750" indent="-285750">
-                  <a:buFont typeface="Arial" panose="020B0604020202020204" pitchFamily="34" charset="0"/>
-                  <a:buChar char="•"/>
-                </a:pPr>
-                <a:endParaRPr lang="en-CA" sz="2000" b="1" dirty="0"/>
-              </a:p>
-              <a:p>
-                <a:r>
-                  <a:rPr lang="en-CA" sz="2200" b="1" dirty="0"/>
-                  <a:t>Education: </a:t>
-                </a:r>
-                <a:r>
-                  <a:rPr lang="en-CA" sz="2200" dirty="0"/>
-                  <a:t>Economics PhD (Health/IO)</a:t>
-                </a:r>
-              </a:p>
-              <a:p>
-                <a:endParaRPr lang="en-CA" sz="2000" b="1" dirty="0"/>
-              </a:p>
-              <a:p>
-                <a:r>
-                  <a:rPr lang="en-CA" sz="2200" b="1" dirty="0"/>
-                  <a:t>Main Goals of the Course: </a:t>
-                </a:r>
-              </a:p>
-              <a:p>
-                <a:pPr marL="285750" indent="-285750">
-                  <a:buFont typeface="Arial" panose="020B0604020202020204" pitchFamily="34" charset="0"/>
-                  <a:buChar char="•"/>
-                </a:pPr>
-                <a:r>
-                  <a:rPr lang="en-CA" sz="2200" dirty="0"/>
-                  <a:t>Practical over theoretical</a:t>
-                </a:r>
-              </a:p>
-              <a:p>
-                <a:pPr marL="285750" indent="-285750">
-                  <a:buFont typeface="Arial" panose="020B0604020202020204" pitchFamily="34" charset="0"/>
-                  <a:buChar char="•"/>
-                </a:pPr>
-                <a:r>
-                  <a:rPr lang="en-CA" sz="2200" dirty="0"/>
-                  <a:t>Emphasize applications/evaluations</a:t>
-                </a:r>
-              </a:p>
-            </p:txBody>
-          </p:sp>
-        </mc:Choice>
-        <mc:Fallback xmlns="">
-          <p:sp>
-            <p:nvSpPr>
-              <p:cNvPr id="4" name="TextBox 3">
-                <a:extLst>
-                  <a:ext uri="{FF2B5EF4-FFF2-40B4-BE49-F238E27FC236}">
-                    <a16:creationId xmlns:a16="http://schemas.microsoft.com/office/drawing/2014/main" id="{7548CDD0-1238-A3EA-7C33-5A931598ABD0}"/>
-                  </a:ext>
-                </a:extLst>
-              </p:cNvPr>
-              <p:cNvSpPr txBox="1">
-                <a:spLocks noRot="1" noChangeAspect="1" noMove="1" noResize="1" noEditPoints="1" noAdjustHandles="1" noChangeArrowheads="1" noChangeShapeType="1" noTextEdit="1"/>
-              </p:cNvSpPr>
-              <p:nvPr/>
-            </p:nvSpPr>
-            <p:spPr>
-              <a:xfrm>
-                <a:off x="5105400" y="1143000"/>
-                <a:ext cx="6172200" cy="4031873"/>
-              </a:xfrm>
-              <a:prstGeom prst="rect">
-                <a:avLst/>
-              </a:prstGeom>
-              <a:blipFill>
-                <a:blip r:embed="rId4"/>
-                <a:stretch>
-                  <a:fillRect l="-1285" t="-1059" b="-2118"/>
-                </a:stretch>
-              </a:blipFill>
-            </p:spPr>
-            <p:txBody>
-              <a:bodyPr/>
-              <a:lstStyle/>
-              <a:p>
-                <a:r>
-                  <a:rPr lang="en-CA">
-                    <a:noFill/>
-                  </a:rPr>
-                  <a:t> </a:t>
-                </a:r>
-              </a:p>
-            </p:txBody>
-          </p:sp>
-        </mc:Fallback>
-      </mc:AlternateContent>
-    </p:spTree>
-    <p:extLst>
-      <p:ext uri="{BB962C8B-B14F-4D97-AF65-F5344CB8AC3E}">
-        <p14:creationId xmlns:p14="http://schemas.microsoft.com/office/powerpoint/2010/main" val="2735801824"/>
-      </p:ext>
-    </p:extLst>
-  </p:cSld>
-  <p:clrMapOvr>
-    <a:masterClrMapping/>
-  </p:clrMapOvr>
-</p:sld>
-</file>
-
-<file path=ppt/slides/slide30.xml><?xml version="1.0" encoding="utf-8"?>
+<file path=ppt/slides/slide22.xml><?xml version="1.0" encoding="utf-8"?>
 <p:sld xmlns:a="http://schemas.openxmlformats.org/drawingml/2006/main" xmlns:r="http://schemas.openxmlformats.org/officeDocument/2006/relationships" xmlns:p="http://schemas.openxmlformats.org/presentationml/2006/main">
   <p:cSld>
     <p:spTree>
@@ -14507,8 +11904,8 @@
           </a:p>
         </p:txBody>
       </p:sp>
-      <mc:AlternateContent xmlns:mc="http://schemas.openxmlformats.org/markup-compatibility/2006">
-        <mc:Choice xmlns:a14="http://schemas.microsoft.com/office/drawing/2010/main" Requires="a14">
+      <mc:AlternateContent xmlns:mc="http://schemas.openxmlformats.org/markup-compatibility/2006" xmlns:a14="http://schemas.microsoft.com/office/drawing/2010/main">
+        <mc:Choice Requires="a14">
           <p:sp>
             <p:nvSpPr>
               <p:cNvPr id="2" name="TextBox 1">
@@ -14756,7 +12153,7 @@
             </p:txBody>
           </p:sp>
         </mc:Choice>
-        <mc:Fallback>
+        <mc:Fallback xmlns="">
           <p:sp>
             <p:nvSpPr>
               <p:cNvPr id="2" name="TextBox 1">
@@ -14814,7 +12211,7 @@
 </p:sld>
 </file>
 
-<file path=ppt/slides/slide31.xml><?xml version="1.0" encoding="utf-8"?>
+<file path=ppt/slides/slide23.xml><?xml version="1.0" encoding="utf-8"?>
 <p:sld xmlns:a="http://schemas.openxmlformats.org/drawingml/2006/main" xmlns:r="http://schemas.openxmlformats.org/officeDocument/2006/relationships" xmlns:p="http://schemas.openxmlformats.org/presentationml/2006/main">
   <p:cSld>
     <p:spTree>
@@ -14922,8 +12319,8 @@
           </a:p>
         </p:txBody>
       </p:sp>
-      <mc:AlternateContent xmlns:mc="http://schemas.openxmlformats.org/markup-compatibility/2006">
-        <mc:Choice xmlns:a14="http://schemas.microsoft.com/office/drawing/2010/main" Requires="a14">
+      <mc:AlternateContent xmlns:mc="http://schemas.openxmlformats.org/markup-compatibility/2006" xmlns:a14="http://schemas.microsoft.com/office/drawing/2010/main">
+        <mc:Choice Requires="a14">
           <p:sp>
             <p:nvSpPr>
               <p:cNvPr id="2" name="TextBox 1">
@@ -15212,6 +12609,7 @@
                 </a:r>
               </a:p>
               <a:p>
+                <a:pPr/>
                 <a14:m>
                   <m:oMathPara xmlns:m="http://schemas.openxmlformats.org/officeDocument/2006/math">
                     <m:oMathParaPr>
@@ -15297,6 +12695,7 @@
                 </a:endParaRPr>
               </a:p>
               <a:p>
+                <a:pPr/>
                 <a14:m>
                   <m:oMathPara xmlns:m="http://schemas.openxmlformats.org/officeDocument/2006/math">
                     <m:oMathParaPr>
@@ -15546,7 +12945,7 @@
             </p:txBody>
           </p:sp>
         </mc:Choice>
-        <mc:Fallback>
+        <mc:Fallback xmlns="">
           <p:sp>
             <p:nvSpPr>
               <p:cNvPr id="2" name="TextBox 1">
@@ -15604,7 +13003,7 @@
 </p:sld>
 </file>
 
-<file path=ppt/slides/slide32.xml><?xml version="1.0" encoding="utf-8"?>
+<file path=ppt/slides/slide24.xml><?xml version="1.0" encoding="utf-8"?>
 <p:sld xmlns:a="http://schemas.openxmlformats.org/drawingml/2006/main" xmlns:r="http://schemas.openxmlformats.org/officeDocument/2006/relationships" xmlns:p="http://schemas.openxmlformats.org/presentationml/2006/main">
   <p:cSld>
     <p:spTree>
@@ -15712,8 +13111,8 @@
           </a:p>
         </p:txBody>
       </p:sp>
-      <mc:AlternateContent xmlns:mc="http://schemas.openxmlformats.org/markup-compatibility/2006">
-        <mc:Choice xmlns:a14="http://schemas.microsoft.com/office/drawing/2010/main" Requires="a14">
+      <mc:AlternateContent xmlns:mc="http://schemas.openxmlformats.org/markup-compatibility/2006" xmlns:a14="http://schemas.microsoft.com/office/drawing/2010/main">
+        <mc:Choice Requires="a14">
           <p:sp>
             <p:nvSpPr>
               <p:cNvPr id="2" name="TextBox 1">
@@ -16002,6 +13401,7 @@
                 </a:r>
               </a:p>
               <a:p>
+                <a:pPr/>
                 <a14:m>
                   <m:oMathPara xmlns:m="http://schemas.openxmlformats.org/officeDocument/2006/math">
                     <m:oMathParaPr>
@@ -16087,6 +13487,7 @@
                 </a:endParaRPr>
               </a:p>
               <a:p>
+                <a:pPr/>
                 <a14:m>
                   <m:oMathPara xmlns:m="http://schemas.openxmlformats.org/officeDocument/2006/math">
                     <m:oMathParaPr>
@@ -16341,6 +13742,7 @@
                 </a:r>
               </a:p>
               <a:p>
+                <a:pPr/>
                 <a14:m>
                   <m:oMathPara xmlns:m="http://schemas.openxmlformats.org/officeDocument/2006/math">
                     <m:oMathParaPr>
@@ -16491,7 +13893,7 @@
             </p:txBody>
           </p:sp>
         </mc:Choice>
-        <mc:Fallback>
+        <mc:Fallback xmlns="">
           <p:sp>
             <p:nvSpPr>
               <p:cNvPr id="2" name="TextBox 1">
@@ -16549,7 +13951,7 @@
 </p:sld>
 </file>
 
-<file path=ppt/slides/slide33.xml><?xml version="1.0" encoding="utf-8"?>
+<file path=ppt/slides/slide25.xml><?xml version="1.0" encoding="utf-8"?>
 <p:sld xmlns:a="http://schemas.openxmlformats.org/drawingml/2006/main" xmlns:r="http://schemas.openxmlformats.org/officeDocument/2006/relationships" xmlns:p="http://schemas.openxmlformats.org/presentationml/2006/main">
   <p:cSld>
     <p:spTree>
@@ -16657,8 +14059,8 @@
           </a:p>
         </p:txBody>
       </p:sp>
-      <mc:AlternateContent xmlns:mc="http://schemas.openxmlformats.org/markup-compatibility/2006">
-        <mc:Choice xmlns:a14="http://schemas.microsoft.com/office/drawing/2010/main" Requires="a14">
+      <mc:AlternateContent xmlns:mc="http://schemas.openxmlformats.org/markup-compatibility/2006" xmlns:a14="http://schemas.microsoft.com/office/drawing/2010/main">
+        <mc:Choice Requires="a14">
           <p:sp>
             <p:nvSpPr>
               <p:cNvPr id="2" name="TextBox 1">
@@ -16725,6 +14127,7 @@
                 </a:r>
               </a:p>
               <a:p>
+                <a:pPr/>
                 <a14:m>
                   <m:oMathPara xmlns:m="http://schemas.openxmlformats.org/officeDocument/2006/math">
                     <m:oMathParaPr>
@@ -17288,7 +14691,7 @@
             </p:txBody>
           </p:sp>
         </mc:Choice>
-        <mc:Fallback>
+        <mc:Fallback xmlns="">
           <p:sp>
             <p:nvSpPr>
               <p:cNvPr id="2" name="TextBox 1">
@@ -17346,7 +14749,7 @@
 </p:sld>
 </file>
 
-<file path=ppt/slides/slide34.xml><?xml version="1.0" encoding="utf-8"?>
+<file path=ppt/slides/slide26.xml><?xml version="1.0" encoding="utf-8"?>
 <p:sld xmlns:a="http://schemas.openxmlformats.org/drawingml/2006/main" xmlns:r="http://schemas.openxmlformats.org/officeDocument/2006/relationships" xmlns:p="http://schemas.openxmlformats.org/presentationml/2006/main">
   <p:cSld>
     <p:spTree>
@@ -17454,8 +14857,8 @@
           </a:p>
         </p:txBody>
       </p:sp>
-      <mc:AlternateContent xmlns:mc="http://schemas.openxmlformats.org/markup-compatibility/2006">
-        <mc:Choice xmlns:a14="http://schemas.microsoft.com/office/drawing/2010/main" Requires="a14">
+      <mc:AlternateContent xmlns:mc="http://schemas.openxmlformats.org/markup-compatibility/2006" xmlns:a14="http://schemas.microsoft.com/office/drawing/2010/main">
+        <mc:Choice Requires="a14">
           <p:sp>
             <p:nvSpPr>
               <p:cNvPr id="2" name="TextBox 1">
@@ -17522,6 +14925,7 @@
                 </a:r>
               </a:p>
               <a:p>
+                <a:pPr/>
                 <a14:m>
                   <m:oMathPara xmlns:m="http://schemas.openxmlformats.org/officeDocument/2006/math">
                     <m:oMathParaPr>
@@ -18076,6 +15480,7 @@
                 </a:r>
               </a:p>
               <a:p>
+                <a:pPr/>
                 <a14:m>
                   <m:oMathPara xmlns:m="http://schemas.openxmlformats.org/officeDocument/2006/math">
                     <m:oMathParaPr>
@@ -18204,14 +15609,7 @@
                           <a:latin typeface="Cambria Math" panose="02040503050406030204" pitchFamily="18" charset="0"/>
                           <a:cs typeface="Times New Roman" panose="02020603050405020304" pitchFamily="18" charset="0"/>
                         </a:rPr>
-                        <m:t>           </m:t>
-                      </m:r>
-                      <m:r>
-                        <a:rPr lang="en-CA" sz="2400" b="0" i="1" smtClean="0">
-                          <a:latin typeface="Cambria Math" panose="02040503050406030204" pitchFamily="18" charset="0"/>
-                          <a:cs typeface="Times New Roman" panose="02020603050405020304" pitchFamily="18" charset="0"/>
-                        </a:rPr>
-                        <m:t>  </m:t>
+                        <m:t>             </m:t>
                       </m:r>
                       <m:d>
                         <m:dPr>
@@ -18276,6 +15674,7 @@
                 </a:endParaRPr>
               </a:p>
               <a:p>
+                <a:pPr/>
                 <a14:m>
                   <m:oMathPara xmlns:m="http://schemas.openxmlformats.org/officeDocument/2006/math">
                     <m:oMathParaPr>
@@ -18606,7 +16005,7 @@
             </p:txBody>
           </p:sp>
         </mc:Choice>
-        <mc:Fallback>
+        <mc:Fallback xmlns="">
           <p:sp>
             <p:nvSpPr>
               <p:cNvPr id="2" name="TextBox 1">
@@ -18664,7 +16063,7 @@
 </p:sld>
 </file>
 
-<file path=ppt/slides/slide35.xml><?xml version="1.0" encoding="utf-8"?>
+<file path=ppt/slides/slide27.xml><?xml version="1.0" encoding="utf-8"?>
 <p:sld xmlns:a="http://schemas.openxmlformats.org/drawingml/2006/main" xmlns:r="http://schemas.openxmlformats.org/officeDocument/2006/relationships" xmlns:p="http://schemas.openxmlformats.org/presentationml/2006/main">
   <p:cSld>
     <p:spTree>
@@ -18949,7 +16348,7 @@
 </p:sld>
 </file>
 
-<file path=ppt/slides/slide36.xml><?xml version="1.0" encoding="utf-8"?>
+<file path=ppt/slides/slide28.xml><?xml version="1.0" encoding="utf-8"?>
 <p:sld xmlns:a="http://schemas.openxmlformats.org/drawingml/2006/main" xmlns:r="http://schemas.openxmlformats.org/officeDocument/2006/relationships" xmlns:p="http://schemas.openxmlformats.org/presentationml/2006/main">
   <p:cSld>
     <p:spTree>
@@ -19390,7 +16789,7 @@
 </p:sld>
 </file>
 
-<file path=ppt/slides/slide37.xml><?xml version="1.0" encoding="utf-8"?>
+<file path=ppt/slides/slide29.xml><?xml version="1.0" encoding="utf-8"?>
 <p:sld xmlns:a="http://schemas.openxmlformats.org/drawingml/2006/main" xmlns:r="http://schemas.openxmlformats.org/officeDocument/2006/relationships" xmlns:p="http://schemas.openxmlformats.org/presentationml/2006/main">
   <p:cSld>
     <p:spTree>
@@ -19874,7 +17273,225 @@
 </p:sld>
 </file>
 
-<file path=ppt/slides/slide38.xml><?xml version="1.0" encoding="utf-8"?>
+<file path=ppt/slides/slide3.xml><?xml version="1.0" encoding="utf-8"?>
+<p:sld xmlns:a="http://schemas.openxmlformats.org/drawingml/2006/main" xmlns:r="http://schemas.openxmlformats.org/officeDocument/2006/relationships" xmlns:p="http://schemas.openxmlformats.org/presentationml/2006/main">
+  <p:cSld>
+    <p:spTree>
+      <p:nvGrpSpPr>
+        <p:cNvPr id="1" name=""/>
+        <p:cNvGrpSpPr/>
+        <p:nvPr/>
+      </p:nvGrpSpPr>
+      <p:grpSpPr>
+        <a:xfrm>
+          <a:off x="0" y="0"/>
+          <a:ext cx="0" cy="0"/>
+          <a:chOff x="0" y="0"/>
+          <a:chExt cx="0" cy="0"/>
+        </a:xfrm>
+      </p:grpSpPr>
+      <p:sp>
+        <p:nvSpPr>
+          <p:cNvPr id="4" name="Content Placeholder 3">
+            <a:extLst>
+              <a:ext uri="{FF2B5EF4-FFF2-40B4-BE49-F238E27FC236}">
+                <a16:creationId xmlns:a16="http://schemas.microsoft.com/office/drawing/2014/main" id="{AE68E5BA-C675-4302-ABDA-3EFDD6418FDE}"/>
+              </a:ext>
+            </a:extLst>
+          </p:cNvPr>
+          <p:cNvSpPr>
+            <a:spLocks noGrp="1"/>
+          </p:cNvSpPr>
+          <p:nvPr>
+            <p:ph idx="1"/>
+          </p:nvPr>
+        </p:nvSpPr>
+        <p:spPr>
+          <a:xfrm>
+            <a:off x="1371600" y="1219200"/>
+            <a:ext cx="10058400" cy="4960939"/>
+          </a:xfrm>
+        </p:spPr>
+        <p:txBody>
+          <a:bodyPr>
+            <a:normAutofit/>
+          </a:bodyPr>
+          <a:lstStyle/>
+          <a:p>
+            <a:pPr marL="0" indent="0">
+              <a:buNone/>
+            </a:pPr>
+            <a:r>
+              <a:rPr lang="en-US" sz="2400" b="1" dirty="0">
+                <a:solidFill>
+                  <a:srgbClr val="0070C0"/>
+                </a:solidFill>
+              </a:rPr>
+              <a:t>Booking office hours</a:t>
+            </a:r>
+            <a:r>
+              <a:rPr lang="en-US" sz="2400" dirty="0">
+                <a:solidFill>
+                  <a:srgbClr val="0070C0"/>
+                </a:solidFill>
+              </a:rPr>
+              <a:t>:</a:t>
+            </a:r>
+            <a:r>
+              <a:rPr lang="en-US" sz="2400" dirty="0"/>
+              <a:t> </a:t>
+            </a:r>
+            <a:r>
+              <a:rPr lang="en-US" sz="2400" u="sng" dirty="0">
+                <a:solidFill>
+                  <a:srgbClr val="0000FF"/>
+                </a:solidFill>
+                <a:latin typeface="Times New Roman" panose="02020603050405020304" pitchFamily="18" charset="0"/>
+                <a:ea typeface="Calibri" panose="020F0502020204030204" pitchFamily="34" charset="0"/>
+                <a:cs typeface="Times New Roman" panose="02020603050405020304" pitchFamily="18" charset="0"/>
+                <a:hlinkClick r:id="rId3"/>
+              </a:rPr>
+              <a:t>calendly.com/Hoagland-office-hours/had5744-2022f</a:t>
+            </a:r>
+            <a:endParaRPr lang="en-US" sz="2400" dirty="0"/>
+          </a:p>
+          <a:p>
+            <a:pPr lvl="1"/>
+            <a:r>
+              <a:rPr lang="en-US" sz="2400" dirty="0"/>
+              <a:t>In-person/Zoom: Tuesdays and </a:t>
+            </a:r>
+            <a:r>
+              <a:rPr lang="en-US" sz="2400" dirty="0">
+                <a:solidFill>
+                  <a:schemeClr val="tx1"/>
+                </a:solidFill>
+              </a:rPr>
+              <a:t>Wednesdays, 9:30-10:30, Fridays</a:t>
+            </a:r>
+            <a:r>
+              <a:rPr lang="en-US" sz="2400" dirty="0"/>
+              <a:t>, 9-10</a:t>
+            </a:r>
+          </a:p>
+          <a:p>
+            <a:pPr lvl="1"/>
+            <a:r>
+              <a:rPr lang="en-US" sz="2400" dirty="0"/>
+              <a:t>Note that Tuesdays are </a:t>
+            </a:r>
+            <a:r>
+              <a:rPr lang="en-US" sz="2400" b="1" dirty="0"/>
+              <a:t>by Zoom only</a:t>
+            </a:r>
+            <a:endParaRPr lang="en-US" sz="2400" dirty="0"/>
+          </a:p>
+          <a:p>
+            <a:pPr lvl="1"/>
+            <a:endParaRPr lang="en-US" sz="2400" dirty="0"/>
+          </a:p>
+        </p:txBody>
+      </p:sp>
+      <p:pic>
+        <p:nvPicPr>
+          <p:cNvPr id="7" name="Picture 6">
+            <a:extLst>
+              <a:ext uri="{FF2B5EF4-FFF2-40B4-BE49-F238E27FC236}">
+                <a16:creationId xmlns:a16="http://schemas.microsoft.com/office/drawing/2014/main" id="{FB85D007-138F-4044-AD8A-659E0889A7A9}"/>
+              </a:ext>
+            </a:extLst>
+          </p:cNvPr>
+          <p:cNvPicPr>
+            <a:picLocks noChangeAspect="1"/>
+          </p:cNvPicPr>
+          <p:nvPr/>
+        </p:nvPicPr>
+        <p:blipFill>
+          <a:blip r:embed="rId4"/>
+          <a:stretch>
+            <a:fillRect/>
+          </a:stretch>
+        </p:blipFill>
+        <p:spPr>
+          <a:xfrm>
+            <a:off x="1261872" y="2464814"/>
+            <a:ext cx="7348728" cy="4316986"/>
+          </a:xfrm>
+          <a:prstGeom prst="rect">
+            <a:avLst/>
+          </a:prstGeom>
+        </p:spPr>
+      </p:pic>
+      <p:sp>
+        <p:nvSpPr>
+          <p:cNvPr id="5" name="Title 1">
+            <a:extLst>
+              <a:ext uri="{FF2B5EF4-FFF2-40B4-BE49-F238E27FC236}">
+                <a16:creationId xmlns:a16="http://schemas.microsoft.com/office/drawing/2014/main" id="{F437DC18-F235-4588-BBC9-31299ECA7DF3}"/>
+              </a:ext>
+            </a:extLst>
+          </p:cNvPr>
+          <p:cNvSpPr txBox="1">
+            <a:spLocks/>
+          </p:cNvSpPr>
+          <p:nvPr/>
+        </p:nvSpPr>
+        <p:spPr>
+          <a:xfrm>
+            <a:off x="1261872" y="365760"/>
+            <a:ext cx="9692640" cy="777240"/>
+          </a:xfrm>
+          <a:prstGeom prst="rect">
+            <a:avLst/>
+          </a:prstGeom>
+        </p:spPr>
+        <p:txBody>
+          <a:bodyPr vert="horz" lIns="91440" tIns="45720" rIns="91440" bIns="45720" rtlCol="0" anchor="b">
+            <a:normAutofit/>
+          </a:bodyPr>
+          <a:lstStyle>
+            <a:lvl1pPr algn="l" defTabSz="914400" rtl="0" eaLnBrk="1" latinLnBrk="0" hangingPunct="1">
+              <a:lnSpc>
+                <a:spcPct val="90000"/>
+              </a:lnSpc>
+              <a:spcBef>
+                <a:spcPct val="0"/>
+              </a:spcBef>
+              <a:buNone/>
+              <a:defRPr sz="4400" kern="1200" spc="-50" baseline="0">
+                <a:solidFill>
+                  <a:schemeClr val="tx1"/>
+                </a:solidFill>
+                <a:latin typeface="+mj-lt"/>
+                <a:ea typeface="+mj-ea"/>
+                <a:cs typeface="+mj-cs"/>
+              </a:defRPr>
+            </a:lvl1pPr>
+          </a:lstStyle>
+          <a:p>
+            <a:r>
+              <a:rPr lang="en-US" dirty="0">
+                <a:latin typeface="Times New Roman" panose="02020603050405020304" pitchFamily="18" charset="0"/>
+              </a:rPr>
+              <a:t>Introduction &amp; Syllabus</a:t>
+            </a:r>
+          </a:p>
+        </p:txBody>
+      </p:sp>
+    </p:spTree>
+    <p:extLst>
+      <p:ext uri="{BB962C8B-B14F-4D97-AF65-F5344CB8AC3E}">
+        <p14:creationId xmlns:p14="http://schemas.microsoft.com/office/powerpoint/2010/main" val="2380405130"/>
+      </p:ext>
+    </p:extLst>
+  </p:cSld>
+  <p:clrMapOvr>
+    <a:masterClrMapping/>
+  </p:clrMapOvr>
+</p:sld>
+</file>
+
+<file path=ppt/slides/slide30.xml><?xml version="1.0" encoding="utf-8"?>
 <p:sld xmlns:a="http://schemas.openxmlformats.org/drawingml/2006/main" xmlns:r="http://schemas.openxmlformats.org/officeDocument/2006/relationships" xmlns:p="http://schemas.openxmlformats.org/presentationml/2006/main">
   <p:cSld>
     <p:spTree>
@@ -20726,7 +18343,7 @@
 </p:sld>
 </file>
 
-<file path=ppt/slides/slide39.xml><?xml version="1.0" encoding="utf-8"?>
+<file path=ppt/slides/slide31.xml><?xml version="1.0" encoding="utf-8"?>
 <p:sld xmlns:a="http://schemas.openxmlformats.org/drawingml/2006/main" xmlns:r="http://schemas.openxmlformats.org/officeDocument/2006/relationships" xmlns:p="http://schemas.openxmlformats.org/presentationml/2006/main">
   <p:cSld>
     <p:spTree>
@@ -20913,320 +18530,7 @@
 </p:sld>
 </file>
 
-<file path=ppt/slides/slide4.xml><?xml version="1.0" encoding="utf-8"?>
-<p:sld xmlns:a="http://schemas.openxmlformats.org/drawingml/2006/main" xmlns:r="http://schemas.openxmlformats.org/officeDocument/2006/relationships" xmlns:p="http://schemas.openxmlformats.org/presentationml/2006/main">
-  <p:cSld>
-    <p:spTree>
-      <p:nvGrpSpPr>
-        <p:cNvPr id="1" name=""/>
-        <p:cNvGrpSpPr/>
-        <p:nvPr/>
-      </p:nvGrpSpPr>
-      <p:grpSpPr>
-        <a:xfrm>
-          <a:off x="0" y="0"/>
-          <a:ext cx="0" cy="0"/>
-          <a:chOff x="0" y="0"/>
-          <a:chExt cx="0" cy="0"/>
-        </a:xfrm>
-      </p:grpSpPr>
-      <p:sp>
-        <p:nvSpPr>
-          <p:cNvPr id="2" name="Title 1">
-            <a:extLst>
-              <a:ext uri="{FF2B5EF4-FFF2-40B4-BE49-F238E27FC236}">
-                <a16:creationId xmlns:a16="http://schemas.microsoft.com/office/drawing/2014/main" id="{E54BD568-A3DE-4D27-9652-A8CF021A9E7A}"/>
-              </a:ext>
-            </a:extLst>
-          </p:cNvPr>
-          <p:cNvSpPr>
-            <a:spLocks noGrp="1"/>
-          </p:cNvSpPr>
-          <p:nvPr>
-            <p:ph type="title"/>
-          </p:nvPr>
-        </p:nvSpPr>
-        <p:spPr>
-          <a:xfrm>
-            <a:off x="762000" y="365760"/>
-            <a:ext cx="10192512" cy="777240"/>
-          </a:xfrm>
-        </p:spPr>
-        <p:txBody>
-          <a:bodyPr>
-            <a:normAutofit/>
-          </a:bodyPr>
-          <a:lstStyle/>
-          <a:p>
-            <a:r>
-              <a:rPr lang="en-US" dirty="0"/>
-              <a:t>Introductions: Backgrounds</a:t>
-            </a:r>
-          </a:p>
-        </p:txBody>
-      </p:sp>
-      <p:sp>
-        <p:nvSpPr>
-          <p:cNvPr id="14" name="TextBox 13">
-            <a:extLst>
-              <a:ext uri="{FF2B5EF4-FFF2-40B4-BE49-F238E27FC236}">
-                <a16:creationId xmlns:a16="http://schemas.microsoft.com/office/drawing/2014/main" id="{CA1C3643-665B-1FA8-3CBF-91DFCE933DE3}"/>
-              </a:ext>
-            </a:extLst>
-          </p:cNvPr>
-          <p:cNvSpPr txBox="1"/>
-          <p:nvPr/>
-        </p:nvSpPr>
-        <p:spPr>
-          <a:xfrm>
-            <a:off x="988118" y="3314134"/>
-            <a:ext cx="10060882" cy="919401"/>
-          </a:xfrm>
-          <a:prstGeom prst="roundRect">
-            <a:avLst/>
-          </a:prstGeom>
-          <a:solidFill>
-            <a:schemeClr val="accent2">
-              <a:lumMod val="40000"/>
-              <a:lumOff val="60000"/>
-            </a:schemeClr>
-          </a:solidFill>
-          <a:ln>
-            <a:solidFill>
-              <a:schemeClr val="accent2">
-                <a:lumMod val="50000"/>
-              </a:schemeClr>
-            </a:solidFill>
-          </a:ln>
-        </p:spPr>
-        <p:txBody>
-          <a:bodyPr wrap="square" rtlCol="0">
-            <a:spAutoFit/>
-          </a:bodyPr>
-          <a:lstStyle/>
-          <a:p>
-            <a:r>
-              <a:rPr lang="en-US" sz="2400" i="0" dirty="0">
-                <a:solidFill>
-                  <a:schemeClr val="accent2">
-                    <a:lumMod val="75000"/>
-                  </a:schemeClr>
-                </a:solidFill>
-                <a:effectLst/>
-                <a:latin typeface="Arial" panose="020B0604020202020204" pitchFamily="34" charset="0"/>
-              </a:rPr>
-              <a:t>I am currently a nurse and have 10 years' worth of experience in clinical research.</a:t>
-            </a:r>
-            <a:endParaRPr lang="en-CA" sz="2400" dirty="0">
-              <a:solidFill>
-                <a:schemeClr val="accent2">
-                  <a:lumMod val="75000"/>
-                </a:schemeClr>
-              </a:solidFill>
-            </a:endParaRPr>
-          </a:p>
-        </p:txBody>
-      </p:sp>
-      <p:sp>
-        <p:nvSpPr>
-          <p:cNvPr id="15" name="TextBox 14">
-            <a:extLst>
-              <a:ext uri="{FF2B5EF4-FFF2-40B4-BE49-F238E27FC236}">
-                <a16:creationId xmlns:a16="http://schemas.microsoft.com/office/drawing/2014/main" id="{6A45EBA3-6688-AE2D-E845-0A9843EE531D}"/>
-              </a:ext>
-            </a:extLst>
-          </p:cNvPr>
-          <p:cNvSpPr txBox="1"/>
-          <p:nvPr/>
-        </p:nvSpPr>
-        <p:spPr>
-          <a:xfrm>
-            <a:off x="988119" y="4490799"/>
-            <a:ext cx="10060882" cy="919401"/>
-          </a:xfrm>
-          <a:prstGeom prst="roundRect">
-            <a:avLst/>
-          </a:prstGeom>
-          <a:solidFill>
-            <a:schemeClr val="accent2">
-              <a:lumMod val="40000"/>
-              <a:lumOff val="60000"/>
-            </a:schemeClr>
-          </a:solidFill>
-          <a:ln>
-            <a:solidFill>
-              <a:schemeClr val="accent2">
-                <a:lumMod val="50000"/>
-              </a:schemeClr>
-            </a:solidFill>
-          </a:ln>
-        </p:spPr>
-        <p:txBody>
-          <a:bodyPr wrap="square" rtlCol="0">
-            <a:spAutoFit/>
-          </a:bodyPr>
-          <a:lstStyle/>
-          <a:p>
-            <a:r>
-              <a:rPr lang="en-US" sz="2400" b="0" i="0" dirty="0">
-                <a:solidFill>
-                  <a:schemeClr val="accent2">
-                    <a:lumMod val="75000"/>
-                  </a:schemeClr>
-                </a:solidFill>
-                <a:effectLst/>
-                <a:latin typeface="Roboto" panose="02000000000000000000" pitchFamily="2" charset="0"/>
-              </a:rPr>
-              <a:t>I have been working for the last four years as a Director in a specialized mental health hospital. </a:t>
-            </a:r>
-            <a:endParaRPr lang="en-CA" sz="2400" dirty="0">
-              <a:solidFill>
-                <a:schemeClr val="accent2">
-                  <a:lumMod val="75000"/>
-                </a:schemeClr>
-              </a:solidFill>
-            </a:endParaRPr>
-          </a:p>
-        </p:txBody>
-      </p:sp>
-      <p:sp>
-        <p:nvSpPr>
-          <p:cNvPr id="16" name="TextBox 15">
-            <a:extLst>
-              <a:ext uri="{FF2B5EF4-FFF2-40B4-BE49-F238E27FC236}">
-                <a16:creationId xmlns:a16="http://schemas.microsoft.com/office/drawing/2014/main" id="{044AD57E-3F5D-52D7-2D73-D98C8B80C9C7}"/>
-              </a:ext>
-            </a:extLst>
-          </p:cNvPr>
-          <p:cNvSpPr txBox="1"/>
-          <p:nvPr/>
-        </p:nvSpPr>
-        <p:spPr>
-          <a:xfrm>
-            <a:off x="988119" y="2137470"/>
-            <a:ext cx="10060882" cy="919401"/>
-          </a:xfrm>
-          <a:prstGeom prst="roundRect">
-            <a:avLst/>
-          </a:prstGeom>
-          <a:solidFill>
-            <a:schemeClr val="accent2">
-              <a:lumMod val="40000"/>
-              <a:lumOff val="60000"/>
-            </a:schemeClr>
-          </a:solidFill>
-          <a:ln>
-            <a:solidFill>
-              <a:schemeClr val="accent2">
-                <a:lumMod val="50000"/>
-              </a:schemeClr>
-            </a:solidFill>
-          </a:ln>
-        </p:spPr>
-        <p:txBody>
-          <a:bodyPr wrap="square" rtlCol="0">
-            <a:spAutoFit/>
-          </a:bodyPr>
-          <a:lstStyle/>
-          <a:p>
-            <a:r>
-              <a:rPr lang="en-US" sz="2400" b="0" i="0" dirty="0">
-                <a:solidFill>
-                  <a:schemeClr val="accent2">
-                    <a:lumMod val="75000"/>
-                  </a:schemeClr>
-                </a:solidFill>
-                <a:effectLst/>
-                <a:latin typeface="Roboto" panose="02000000000000000000" pitchFamily="2" charset="0"/>
-              </a:rPr>
-              <a:t>I have worked as a research assistant within the health services/policy field</a:t>
-            </a:r>
-            <a:endParaRPr lang="en-CA" sz="2400" dirty="0">
-              <a:solidFill>
-                <a:schemeClr val="accent2">
-                  <a:lumMod val="75000"/>
-                </a:schemeClr>
-              </a:solidFill>
-            </a:endParaRPr>
-          </a:p>
-        </p:txBody>
-      </p:sp>
-      <p:sp>
-        <p:nvSpPr>
-          <p:cNvPr id="17" name="TextBox 16">
-            <a:extLst>
-              <a:ext uri="{FF2B5EF4-FFF2-40B4-BE49-F238E27FC236}">
-                <a16:creationId xmlns:a16="http://schemas.microsoft.com/office/drawing/2014/main" id="{F8A4666C-BC49-0B06-DA1C-0573BF456E8B}"/>
-              </a:ext>
-            </a:extLst>
-          </p:cNvPr>
-          <p:cNvSpPr txBox="1"/>
-          <p:nvPr/>
-        </p:nvSpPr>
-        <p:spPr>
-          <a:xfrm>
-            <a:off x="988118" y="1369429"/>
-            <a:ext cx="8573181" cy="510778"/>
-          </a:xfrm>
-          <a:prstGeom prst="roundRect">
-            <a:avLst/>
-          </a:prstGeom>
-          <a:solidFill>
-            <a:schemeClr val="accent2">
-              <a:lumMod val="40000"/>
-              <a:lumOff val="60000"/>
-            </a:schemeClr>
-          </a:solidFill>
-          <a:ln>
-            <a:solidFill>
-              <a:schemeClr val="accent2">
-                <a:lumMod val="50000"/>
-              </a:schemeClr>
-            </a:solidFill>
-          </a:ln>
-        </p:spPr>
-        <p:txBody>
-          <a:bodyPr wrap="none" rtlCol="0">
-            <a:spAutoFit/>
-          </a:bodyPr>
-          <a:lstStyle/>
-          <a:p>
-            <a:r>
-              <a:rPr lang="en-US" sz="2400" b="0" i="0" dirty="0">
-                <a:solidFill>
-                  <a:schemeClr val="accent2">
-                    <a:lumMod val="75000"/>
-                  </a:schemeClr>
-                </a:solidFill>
-                <a:effectLst/>
-                <a:latin typeface="Roboto" panose="02000000000000000000" pitchFamily="2" charset="0"/>
-              </a:rPr>
-              <a:t>I now work in the Ontario system as a plastic surgery resident</a:t>
-            </a:r>
-            <a:endParaRPr lang="en-CA" sz="2400" dirty="0">
-              <a:solidFill>
-                <a:schemeClr val="accent2">
-                  <a:lumMod val="75000"/>
-                </a:schemeClr>
-              </a:solidFill>
-            </a:endParaRPr>
-          </a:p>
-        </p:txBody>
-      </p:sp>
-    </p:spTree>
-    <p:extLst>
-      <p:ext uri="{BB962C8B-B14F-4D97-AF65-F5344CB8AC3E}">
-        <p14:creationId xmlns:p14="http://schemas.microsoft.com/office/powerpoint/2010/main" val="1999073114"/>
-      </p:ext>
-    </p:extLst>
-  </p:cSld>
-  <p:clrMapOvr>
-    <a:masterClrMapping/>
-  </p:clrMapOvr>
-</p:sld>
-</file>
-
-<file path=ppt/slides/slide40.xml><?xml version="1.0" encoding="utf-8"?>
+<file path=ppt/slides/slide32.xml><?xml version="1.0" encoding="utf-8"?>
 <p:sld xmlns:a="http://schemas.openxmlformats.org/drawingml/2006/main" xmlns:r="http://schemas.openxmlformats.org/officeDocument/2006/relationships" xmlns:p="http://schemas.openxmlformats.org/presentationml/2006/main">
   <p:cSld>
     <p:spTree>
@@ -21334,8 +18638,8 @@
           </a:p>
         </p:txBody>
       </p:sp>
-      <mc:AlternateContent xmlns:mc="http://schemas.openxmlformats.org/markup-compatibility/2006">
-        <mc:Choice xmlns:a14="http://schemas.microsoft.com/office/drawing/2010/main" Requires="a14">
+      <mc:AlternateContent xmlns:mc="http://schemas.openxmlformats.org/markup-compatibility/2006" xmlns:a14="http://schemas.microsoft.com/office/drawing/2010/main">
+        <mc:Choice Requires="a14">
           <p:sp>
             <p:nvSpPr>
               <p:cNvPr id="2" name="TextBox 1">
@@ -21876,7 +19180,7 @@
             </p:txBody>
           </p:sp>
         </mc:Choice>
-        <mc:Fallback>
+        <mc:Fallback xmlns="">
           <p:sp>
             <p:nvSpPr>
               <p:cNvPr id="2" name="TextBox 1">
@@ -21934,7 +19238,7 @@
 </p:sld>
 </file>
 
-<file path=ppt/slides/slide41.xml><?xml version="1.0" encoding="utf-8"?>
+<file path=ppt/slides/slide33.xml><?xml version="1.0" encoding="utf-8"?>
 <p:sld xmlns:a="http://schemas.openxmlformats.org/drawingml/2006/main" xmlns:r="http://schemas.openxmlformats.org/officeDocument/2006/relationships" xmlns:p="http://schemas.openxmlformats.org/presentationml/2006/main">
   <p:cSld>
     <p:spTree>
@@ -22042,8 +19346,8 @@
           </a:p>
         </p:txBody>
       </p:sp>
-      <mc:AlternateContent xmlns:mc="http://schemas.openxmlformats.org/markup-compatibility/2006">
-        <mc:Choice xmlns:a14="http://schemas.microsoft.com/office/drawing/2010/main" Requires="a14">
+      <mc:AlternateContent xmlns:mc="http://schemas.openxmlformats.org/markup-compatibility/2006" xmlns:a14="http://schemas.microsoft.com/office/drawing/2010/main">
+        <mc:Choice Requires="a14">
           <p:sp>
             <p:nvSpPr>
               <p:cNvPr id="2" name="TextBox 1">
@@ -22588,6 +19892,7 @@
                 </a:r>
               </a:p>
               <a:p>
+                <a:pPr/>
                 <a14:m>
                   <m:oMathPara xmlns:m="http://schemas.openxmlformats.org/officeDocument/2006/math">
                     <m:oMathParaPr>
@@ -22791,7 +20096,7 @@
             </p:txBody>
           </p:sp>
         </mc:Choice>
-        <mc:Fallback>
+        <mc:Fallback xmlns="">
           <p:sp>
             <p:nvSpPr>
               <p:cNvPr id="2" name="TextBox 1">
@@ -22849,7 +20154,7 @@
 </p:sld>
 </file>
 
-<file path=ppt/slides/slide42.xml><?xml version="1.0" encoding="utf-8"?>
+<file path=ppt/slides/slide34.xml><?xml version="1.0" encoding="utf-8"?>
 <p:sld xmlns:a="http://schemas.openxmlformats.org/drawingml/2006/main" xmlns:r="http://schemas.openxmlformats.org/officeDocument/2006/relationships" xmlns:p="http://schemas.openxmlformats.org/presentationml/2006/main">
   <p:cSld>
     <p:spTree>
@@ -22957,8 +20262,8 @@
           </a:p>
         </p:txBody>
       </p:sp>
-      <mc:AlternateContent xmlns:mc="http://schemas.openxmlformats.org/markup-compatibility/2006">
-        <mc:Choice xmlns:a14="http://schemas.microsoft.com/office/drawing/2010/main" Requires="a14">
+      <mc:AlternateContent xmlns:mc="http://schemas.openxmlformats.org/markup-compatibility/2006" xmlns:a14="http://schemas.microsoft.com/office/drawing/2010/main">
+        <mc:Choice Requires="a14">
           <p:sp>
             <p:nvSpPr>
               <p:cNvPr id="2" name="TextBox 1">
@@ -23197,7 +20502,7 @@
             </p:txBody>
           </p:sp>
         </mc:Choice>
-        <mc:Fallback>
+        <mc:Fallback xmlns="">
           <p:sp>
             <p:nvSpPr>
               <p:cNvPr id="2" name="TextBox 1">
@@ -23255,7 +20560,7 @@
 </p:sld>
 </file>
 
-<file path=ppt/slides/slide43.xml><?xml version="1.0" encoding="utf-8"?>
+<file path=ppt/slides/slide35.xml><?xml version="1.0" encoding="utf-8"?>
 <p:sld xmlns:a="http://schemas.openxmlformats.org/drawingml/2006/main" xmlns:r="http://schemas.openxmlformats.org/officeDocument/2006/relationships" xmlns:p="http://schemas.openxmlformats.org/presentationml/2006/main">
   <p:cSld>
     <p:spTree>
@@ -23350,7 +20655,7 @@
 </p:sld>
 </file>
 
-<file path=ppt/slides/slide44.xml><?xml version="1.0" encoding="utf-8"?>
+<file path=ppt/slides/slide36.xml><?xml version="1.0" encoding="utf-8"?>
 <p:sld xmlns:a="http://schemas.openxmlformats.org/drawingml/2006/main" xmlns:r="http://schemas.openxmlformats.org/officeDocument/2006/relationships" xmlns:p="http://schemas.openxmlformats.org/presentationml/2006/main">
   <p:cSld>
     <p:spTree>
@@ -23727,7 +21032,7 @@
 </p:sld>
 </file>
 
-<file path=ppt/slides/slide45.xml><?xml version="1.0" encoding="utf-8"?>
+<file path=ppt/slides/slide37.xml><?xml version="1.0" encoding="utf-8"?>
 <p:sld xmlns:a="http://schemas.openxmlformats.org/drawingml/2006/main" xmlns:r="http://schemas.openxmlformats.org/officeDocument/2006/relationships" xmlns:p="http://schemas.openxmlformats.org/presentationml/2006/main">
   <p:cSld>
     <p:spTree>
@@ -23969,7 +21274,7 @@
 </p:sld>
 </file>
 
-<file path=ppt/slides/slide46.xml><?xml version="1.0" encoding="utf-8"?>
+<file path=ppt/slides/slide38.xml><?xml version="1.0" encoding="utf-8"?>
 <p:sld xmlns:a="http://schemas.openxmlformats.org/drawingml/2006/main" xmlns:r="http://schemas.openxmlformats.org/officeDocument/2006/relationships" xmlns:p="http://schemas.openxmlformats.org/presentationml/2006/main">
   <p:cSld>
     <p:spTree>
@@ -24077,8 +21382,8 @@
           </a:p>
         </p:txBody>
       </p:sp>
-      <mc:AlternateContent xmlns:mc="http://schemas.openxmlformats.org/markup-compatibility/2006">
-        <mc:Choice xmlns:a14="http://schemas.microsoft.com/office/drawing/2010/main" Requires="a14">
+      <mc:AlternateContent xmlns:mc="http://schemas.openxmlformats.org/markup-compatibility/2006" xmlns:a14="http://schemas.microsoft.com/office/drawing/2010/main">
+        <mc:Choice Requires="a14">
           <p:sp>
             <p:nvSpPr>
               <p:cNvPr id="2" name="TextBox 1">
@@ -24655,7 +21960,7 @@
             </p:txBody>
           </p:sp>
         </mc:Choice>
-        <mc:Fallback>
+        <mc:Fallback xmlns="">
           <p:sp>
             <p:nvSpPr>
               <p:cNvPr id="2" name="TextBox 1">
@@ -24713,7 +22018,7 @@
 </p:sld>
 </file>
 
-<file path=ppt/slides/slide47.xml><?xml version="1.0" encoding="utf-8"?>
+<file path=ppt/slides/slide39.xml><?xml version="1.0" encoding="utf-8"?>
 <p:sld xmlns:a="http://schemas.openxmlformats.org/drawingml/2006/main" xmlns:r="http://schemas.openxmlformats.org/officeDocument/2006/relationships" xmlns:p="http://schemas.openxmlformats.org/presentationml/2006/main">
   <p:cSld>
     <p:spTree>
@@ -24821,8 +22126,8 @@
           </a:p>
         </p:txBody>
       </p:sp>
-      <mc:AlternateContent xmlns:mc="http://schemas.openxmlformats.org/markup-compatibility/2006">
-        <mc:Choice xmlns:a14="http://schemas.microsoft.com/office/drawing/2010/main" Requires="a14">
+      <mc:AlternateContent xmlns:mc="http://schemas.openxmlformats.org/markup-compatibility/2006" xmlns:a14="http://schemas.microsoft.com/office/drawing/2010/main">
+        <mc:Choice Requires="a14">
           <p:sp>
             <p:nvSpPr>
               <p:cNvPr id="2" name="TextBox 1">
@@ -25841,7 +23146,7 @@
             </p:txBody>
           </p:sp>
         </mc:Choice>
-        <mc:Fallback>
+        <mc:Fallback xmlns="">
           <p:sp>
             <p:nvSpPr>
               <p:cNvPr id="2" name="TextBox 1">
@@ -25899,7 +23204,205 @@
 </p:sld>
 </file>
 
-<file path=ppt/slides/slide48.xml><?xml version="1.0" encoding="utf-8"?>
+<file path=ppt/slides/slide4.xml><?xml version="1.0" encoding="utf-8"?>
+<p:sld xmlns:a="http://schemas.openxmlformats.org/drawingml/2006/main" xmlns:r="http://schemas.openxmlformats.org/officeDocument/2006/relationships" xmlns:p="http://schemas.openxmlformats.org/presentationml/2006/main">
+  <p:cSld>
+    <p:spTree>
+      <p:nvGrpSpPr>
+        <p:cNvPr id="1" name=""/>
+        <p:cNvGrpSpPr/>
+        <p:nvPr/>
+      </p:nvGrpSpPr>
+      <p:grpSpPr>
+        <a:xfrm>
+          <a:off x="0" y="0"/>
+          <a:ext cx="0" cy="0"/>
+          <a:chOff x="0" y="0"/>
+          <a:chExt cx="0" cy="0"/>
+        </a:xfrm>
+      </p:grpSpPr>
+      <p:sp>
+        <p:nvSpPr>
+          <p:cNvPr id="4" name="Content Placeholder 3">
+            <a:extLst>
+              <a:ext uri="{FF2B5EF4-FFF2-40B4-BE49-F238E27FC236}">
+                <a16:creationId xmlns:a16="http://schemas.microsoft.com/office/drawing/2014/main" id="{AE68E5BA-C675-4302-ABDA-3EFDD6418FDE}"/>
+              </a:ext>
+            </a:extLst>
+          </p:cNvPr>
+          <p:cNvSpPr>
+            <a:spLocks noGrp="1"/>
+          </p:cNvSpPr>
+          <p:nvPr>
+            <p:ph idx="1"/>
+          </p:nvPr>
+        </p:nvSpPr>
+        <p:spPr>
+          <a:xfrm>
+            <a:off x="1295400" y="1295400"/>
+            <a:ext cx="9753600" cy="4884739"/>
+          </a:xfrm>
+        </p:spPr>
+        <p:txBody>
+          <a:bodyPr>
+            <a:normAutofit/>
+          </a:bodyPr>
+          <a:lstStyle/>
+          <a:p>
+            <a:pPr marL="0" indent="0" algn="just">
+              <a:spcBef>
+                <a:spcPts val="0"/>
+              </a:spcBef>
+              <a:spcAft>
+                <a:spcPts val="0"/>
+              </a:spcAft>
+              <a:buNone/>
+            </a:pPr>
+            <a:r>
+              <a:rPr lang="en-US" sz="2400" b="1" dirty="0">
+                <a:solidFill>
+                  <a:srgbClr val="0070C0"/>
+                </a:solidFill>
+                <a:effectLst/>
+                <a:latin typeface="Times New Roman" panose="02020603050405020304" pitchFamily="18" charset="0"/>
+                <a:ea typeface="Calibri" panose="020F0502020204030204" pitchFamily="34" charset="0"/>
+                <a:cs typeface="Times New Roman" panose="02020603050405020304" pitchFamily="18" charset="0"/>
+              </a:rPr>
+              <a:t>Evaluation</a:t>
+            </a:r>
+            <a:r>
+              <a:rPr lang="en-US" sz="2400" b="1" spc="-25" dirty="0">
+                <a:solidFill>
+                  <a:srgbClr val="0070C0"/>
+                </a:solidFill>
+                <a:latin typeface="Times New Roman" panose="02020603050405020304" pitchFamily="18" charset="0"/>
+                <a:ea typeface="Calibri" panose="020F0502020204030204" pitchFamily="34" charset="0"/>
+                <a:cs typeface="Times New Roman" panose="02020603050405020304" pitchFamily="18" charset="0"/>
+              </a:rPr>
+              <a:t> </a:t>
+            </a:r>
+            <a:r>
+              <a:rPr lang="en-US" sz="2400" b="1" dirty="0">
+                <a:solidFill>
+                  <a:srgbClr val="0070C0"/>
+                </a:solidFill>
+                <a:effectLst/>
+                <a:latin typeface="Times New Roman" panose="02020603050405020304" pitchFamily="18" charset="0"/>
+                <a:ea typeface="Calibri" panose="020F0502020204030204" pitchFamily="34" charset="0"/>
+                <a:cs typeface="Times New Roman" panose="02020603050405020304" pitchFamily="18" charset="0"/>
+              </a:rPr>
+              <a:t>Criteria</a:t>
+            </a:r>
+            <a:endParaRPr lang="en-US" sz="2400" dirty="0">
+              <a:solidFill>
+                <a:srgbClr val="0070C0"/>
+              </a:solidFill>
+              <a:effectLst/>
+              <a:latin typeface="Times New Roman" panose="02020603050405020304" pitchFamily="18" charset="0"/>
+              <a:ea typeface="Calibri" panose="020F0502020204030204" pitchFamily="34" charset="0"/>
+              <a:cs typeface="Times New Roman" panose="02020603050405020304" pitchFamily="18" charset="0"/>
+            </a:endParaRPr>
+          </a:p>
+        </p:txBody>
+      </p:sp>
+      <p:sp>
+        <p:nvSpPr>
+          <p:cNvPr id="5" name="Title 1">
+            <a:extLst>
+              <a:ext uri="{FF2B5EF4-FFF2-40B4-BE49-F238E27FC236}">
+                <a16:creationId xmlns:a16="http://schemas.microsoft.com/office/drawing/2014/main" id="{2CBDD2D1-2055-4095-B24C-4E07449F80A0}"/>
+              </a:ext>
+            </a:extLst>
+          </p:cNvPr>
+          <p:cNvSpPr txBox="1">
+            <a:spLocks/>
+          </p:cNvSpPr>
+          <p:nvPr/>
+        </p:nvSpPr>
+        <p:spPr>
+          <a:xfrm>
+            <a:off x="1261872" y="365760"/>
+            <a:ext cx="9692640" cy="777240"/>
+          </a:xfrm>
+          <a:prstGeom prst="rect">
+            <a:avLst/>
+          </a:prstGeom>
+        </p:spPr>
+        <p:txBody>
+          <a:bodyPr vert="horz" lIns="91440" tIns="45720" rIns="91440" bIns="45720" rtlCol="0" anchor="b">
+            <a:normAutofit/>
+          </a:bodyPr>
+          <a:lstStyle>
+            <a:lvl1pPr algn="l" defTabSz="914400" rtl="0" eaLnBrk="1" latinLnBrk="0" hangingPunct="1">
+              <a:lnSpc>
+                <a:spcPct val="90000"/>
+              </a:lnSpc>
+              <a:spcBef>
+                <a:spcPct val="0"/>
+              </a:spcBef>
+              <a:buNone/>
+              <a:defRPr sz="4400" kern="1200" spc="-50" baseline="0">
+                <a:solidFill>
+                  <a:schemeClr val="tx1"/>
+                </a:solidFill>
+                <a:latin typeface="+mj-lt"/>
+                <a:ea typeface="+mj-ea"/>
+                <a:cs typeface="+mj-cs"/>
+              </a:defRPr>
+            </a:lvl1pPr>
+          </a:lstStyle>
+          <a:p>
+            <a:r>
+              <a:rPr lang="en-US" dirty="0">
+                <a:latin typeface="Times New Roman" panose="02020603050405020304" pitchFamily="18" charset="0"/>
+              </a:rPr>
+              <a:t>Introduction &amp; Syllabus</a:t>
+            </a:r>
+          </a:p>
+        </p:txBody>
+      </p:sp>
+      <p:sp>
+        <p:nvSpPr>
+          <p:cNvPr id="6" name="Title 5">
+            <a:extLst>
+              <a:ext uri="{FF2B5EF4-FFF2-40B4-BE49-F238E27FC236}">
+                <a16:creationId xmlns:a16="http://schemas.microsoft.com/office/drawing/2014/main" id="{7A268CAC-145E-4B1C-89BC-11BEB5C46CAA}"/>
+              </a:ext>
+            </a:extLst>
+          </p:cNvPr>
+          <p:cNvSpPr>
+            <a:spLocks noGrp="1"/>
+          </p:cNvSpPr>
+          <p:nvPr>
+            <p:ph type="title"/>
+          </p:nvPr>
+        </p:nvSpPr>
+        <p:spPr/>
+        <p:txBody>
+          <a:bodyPr/>
+          <a:lstStyle/>
+          <a:p>
+            <a:r>
+              <a:rPr lang="en-US" dirty="0"/>
+              <a:t> </a:t>
+            </a:r>
+          </a:p>
+        </p:txBody>
+      </p:sp>
+    </p:spTree>
+    <p:extLst>
+      <p:ext uri="{BB962C8B-B14F-4D97-AF65-F5344CB8AC3E}">
+        <p14:creationId xmlns:p14="http://schemas.microsoft.com/office/powerpoint/2010/main" val="3234649230"/>
+      </p:ext>
+    </p:extLst>
+  </p:cSld>
+  <p:clrMapOvr>
+    <a:masterClrMapping/>
+  </p:clrMapOvr>
+</p:sld>
+</file>
+
+<file path=ppt/slides/slide40.xml><?xml version="1.0" encoding="utf-8"?>
 <p:sld xmlns:a="http://schemas.openxmlformats.org/drawingml/2006/main" xmlns:r="http://schemas.openxmlformats.org/officeDocument/2006/relationships" xmlns:p="http://schemas.openxmlformats.org/presentationml/2006/main">
   <p:cSld>
     <p:spTree>
@@ -26007,8 +23510,8 @@
           </a:p>
         </p:txBody>
       </p:sp>
-      <mc:AlternateContent xmlns:mc="http://schemas.openxmlformats.org/markup-compatibility/2006">
-        <mc:Choice xmlns:a14="http://schemas.microsoft.com/office/drawing/2010/main" Requires="a14">
+      <mc:AlternateContent xmlns:mc="http://schemas.openxmlformats.org/markup-compatibility/2006" xmlns:a14="http://schemas.microsoft.com/office/drawing/2010/main">
+        <mc:Choice Requires="a14">
           <p:sp>
             <p:nvSpPr>
               <p:cNvPr id="2" name="TextBox 1">
@@ -26073,6 +23576,7 @@
                 </a:r>
               </a:p>
               <a:p>
+                <a:pPr/>
                 <a14:m>
                   <m:oMathPara xmlns:m="http://schemas.openxmlformats.org/officeDocument/2006/math">
                     <m:oMathParaPr>
@@ -26433,6 +23937,7 @@
                 </a:endParaRPr>
               </a:p>
               <a:p>
+                <a:pPr/>
                 <a14:m>
                   <m:oMathPara xmlns:m="http://schemas.openxmlformats.org/officeDocument/2006/math">
                     <m:oMathParaPr>
@@ -26726,6 +24231,7 @@
                 </a:endParaRPr>
               </a:p>
               <a:p>
+                <a:pPr/>
                 <a14:m>
                   <m:oMathPara xmlns:m="http://schemas.openxmlformats.org/officeDocument/2006/math">
                     <m:oMathParaPr>
@@ -26859,7 +24365,7 @@
             </p:txBody>
           </p:sp>
         </mc:Choice>
-        <mc:Fallback>
+        <mc:Fallback xmlns="">
           <p:sp>
             <p:nvSpPr>
               <p:cNvPr id="2" name="TextBox 1">
@@ -26917,7 +24423,7 @@
 </p:sld>
 </file>
 
-<file path=ppt/slides/slide49.xml><?xml version="1.0" encoding="utf-8"?>
+<file path=ppt/slides/slide41.xml><?xml version="1.0" encoding="utf-8"?>
 <p:sld xmlns:a="http://schemas.openxmlformats.org/drawingml/2006/main" xmlns:r="http://schemas.openxmlformats.org/officeDocument/2006/relationships" xmlns:p="http://schemas.openxmlformats.org/presentationml/2006/main">
   <p:cSld>
     <p:spTree>
@@ -27025,8 +24531,8 @@
           </a:p>
         </p:txBody>
       </p:sp>
-      <mc:AlternateContent xmlns:mc="http://schemas.openxmlformats.org/markup-compatibility/2006">
-        <mc:Choice xmlns:a14="http://schemas.microsoft.com/office/drawing/2010/main" Requires="a14">
+      <mc:AlternateContent xmlns:mc="http://schemas.openxmlformats.org/markup-compatibility/2006" xmlns:a14="http://schemas.microsoft.com/office/drawing/2010/main">
+        <mc:Choice Requires="a14">
           <p:sp>
             <p:nvSpPr>
               <p:cNvPr id="2" name="TextBox 1">
@@ -27091,6 +24597,7 @@
                 </a:r>
               </a:p>
               <a:p>
+                <a:pPr/>
                 <a14:m>
                   <m:oMathPara xmlns:m="http://schemas.openxmlformats.org/officeDocument/2006/math">
                     <m:oMathParaPr>
@@ -27687,7 +25194,7 @@
             </p:txBody>
           </p:sp>
         </mc:Choice>
-        <mc:Fallback>
+        <mc:Fallback xmlns="">
           <p:sp>
             <p:nvSpPr>
               <p:cNvPr id="2" name="TextBox 1">
@@ -27745,345 +25252,7 @@
 </p:sld>
 </file>
 
-<file path=ppt/slides/slide5.xml><?xml version="1.0" encoding="utf-8"?>
-<p:sld xmlns:a="http://schemas.openxmlformats.org/drawingml/2006/main" xmlns:r="http://schemas.openxmlformats.org/officeDocument/2006/relationships" xmlns:p="http://schemas.openxmlformats.org/presentationml/2006/main">
-  <p:cSld>
-    <p:spTree>
-      <p:nvGrpSpPr>
-        <p:cNvPr id="1" name=""/>
-        <p:cNvGrpSpPr/>
-        <p:nvPr/>
-      </p:nvGrpSpPr>
-      <p:grpSpPr>
-        <a:xfrm>
-          <a:off x="0" y="0"/>
-          <a:ext cx="0" cy="0"/>
-          <a:chOff x="0" y="0"/>
-          <a:chExt cx="0" cy="0"/>
-        </a:xfrm>
-      </p:grpSpPr>
-      <p:sp>
-        <p:nvSpPr>
-          <p:cNvPr id="2" name="Title 1">
-            <a:extLst>
-              <a:ext uri="{FF2B5EF4-FFF2-40B4-BE49-F238E27FC236}">
-                <a16:creationId xmlns:a16="http://schemas.microsoft.com/office/drawing/2014/main" id="{E54BD568-A3DE-4D27-9652-A8CF021A9E7A}"/>
-              </a:ext>
-            </a:extLst>
-          </p:cNvPr>
-          <p:cNvSpPr>
-            <a:spLocks noGrp="1"/>
-          </p:cNvSpPr>
-          <p:nvPr>
-            <p:ph type="title"/>
-          </p:nvPr>
-        </p:nvSpPr>
-        <p:spPr>
-          <a:xfrm>
-            <a:off x="762000" y="365760"/>
-            <a:ext cx="10192512" cy="777240"/>
-          </a:xfrm>
-        </p:spPr>
-        <p:txBody>
-          <a:bodyPr/>
-          <a:lstStyle/>
-          <a:p>
-            <a:r>
-              <a:rPr lang="en-US" dirty="0"/>
-              <a:t>Introductions: Goals from Course</a:t>
-            </a:r>
-          </a:p>
-        </p:txBody>
-      </p:sp>
-      <p:sp>
-        <p:nvSpPr>
-          <p:cNvPr id="14" name="TextBox 13">
-            <a:extLst>
-              <a:ext uri="{FF2B5EF4-FFF2-40B4-BE49-F238E27FC236}">
-                <a16:creationId xmlns:a16="http://schemas.microsoft.com/office/drawing/2014/main" id="{EEAEDE12-3D45-001A-D408-204AE08E9795}"/>
-              </a:ext>
-            </a:extLst>
-          </p:cNvPr>
-          <p:cNvSpPr txBox="1"/>
-          <p:nvPr/>
-        </p:nvSpPr>
-        <p:spPr>
-          <a:xfrm>
-            <a:off x="914399" y="2407206"/>
-            <a:ext cx="7467601" cy="510778"/>
-          </a:xfrm>
-          <a:prstGeom prst="roundRect">
-            <a:avLst/>
-          </a:prstGeom>
-          <a:solidFill>
-            <a:schemeClr val="accent3">
-              <a:lumMod val="40000"/>
-              <a:lumOff val="60000"/>
-            </a:schemeClr>
-          </a:solidFill>
-          <a:ln>
-            <a:solidFill>
-              <a:schemeClr val="accent3">
-                <a:lumMod val="75000"/>
-              </a:schemeClr>
-            </a:solidFill>
-          </a:ln>
-        </p:spPr>
-        <p:txBody>
-          <a:bodyPr wrap="square" rtlCol="0">
-            <a:spAutoFit/>
-          </a:bodyPr>
-          <a:lstStyle/>
-          <a:p>
-            <a:r>
-              <a:rPr lang="en-US" sz="2400" b="0" i="0" dirty="0">
-                <a:effectLst/>
-                <a:latin typeface="Times New Roman" panose="02020603050405020304" pitchFamily="18" charset="0"/>
-                <a:cs typeface="Times New Roman" panose="02020603050405020304" pitchFamily="18" charset="0"/>
-              </a:rPr>
-              <a:t>To know more about research and apply it to make impact</a:t>
-            </a:r>
-            <a:endParaRPr lang="en-CA" sz="2400" dirty="0">
-              <a:latin typeface="Times New Roman" panose="02020603050405020304" pitchFamily="18" charset="0"/>
-              <a:cs typeface="Times New Roman" panose="02020603050405020304" pitchFamily="18" charset="0"/>
-            </a:endParaRPr>
-          </a:p>
-        </p:txBody>
-      </p:sp>
-      <p:sp>
-        <p:nvSpPr>
-          <p:cNvPr id="15" name="TextBox 14">
-            <a:extLst>
-              <a:ext uri="{FF2B5EF4-FFF2-40B4-BE49-F238E27FC236}">
-                <a16:creationId xmlns:a16="http://schemas.microsoft.com/office/drawing/2014/main" id="{84FE55AC-ED42-C1B3-E590-786755FFCB30}"/>
-              </a:ext>
-            </a:extLst>
-          </p:cNvPr>
-          <p:cNvSpPr txBox="1"/>
-          <p:nvPr/>
-        </p:nvSpPr>
-        <p:spPr>
-          <a:xfrm>
-            <a:off x="914399" y="3262789"/>
-            <a:ext cx="9753601" cy="919401"/>
-          </a:xfrm>
-          <a:prstGeom prst="roundRect">
-            <a:avLst/>
-          </a:prstGeom>
-          <a:solidFill>
-            <a:schemeClr val="accent3">
-              <a:lumMod val="40000"/>
-              <a:lumOff val="60000"/>
-            </a:schemeClr>
-          </a:solidFill>
-          <a:ln>
-            <a:solidFill>
-              <a:schemeClr val="accent3">
-                <a:lumMod val="75000"/>
-              </a:schemeClr>
-            </a:solidFill>
-          </a:ln>
-        </p:spPr>
-        <p:txBody>
-          <a:bodyPr wrap="square" rtlCol="0">
-            <a:spAutoFit/>
-          </a:bodyPr>
-          <a:lstStyle/>
-          <a:p>
-            <a:r>
-              <a:rPr lang="en-US" sz="2400" b="0" i="0" dirty="0">
-                <a:effectLst/>
-                <a:latin typeface="Times New Roman" panose="02020603050405020304" pitchFamily="18" charset="0"/>
-                <a:cs typeface="Times New Roman" panose="02020603050405020304" pitchFamily="18" charset="0"/>
-              </a:rPr>
-              <a:t>Hoping to get hard skills that can be to evaluate and improve the health system (specifically the mental health system)</a:t>
-            </a:r>
-            <a:endParaRPr lang="en-CA" sz="2400" dirty="0">
-              <a:latin typeface="Times New Roman" panose="02020603050405020304" pitchFamily="18" charset="0"/>
-              <a:cs typeface="Times New Roman" panose="02020603050405020304" pitchFamily="18" charset="0"/>
-            </a:endParaRPr>
-          </a:p>
-        </p:txBody>
-      </p:sp>
-      <p:sp>
-        <p:nvSpPr>
-          <p:cNvPr id="16" name="TextBox 15">
-            <a:extLst>
-              <a:ext uri="{FF2B5EF4-FFF2-40B4-BE49-F238E27FC236}">
-                <a16:creationId xmlns:a16="http://schemas.microsoft.com/office/drawing/2014/main" id="{A453869E-425F-F7DD-38B4-4A6E25DFA2A7}"/>
-              </a:ext>
-            </a:extLst>
-          </p:cNvPr>
-          <p:cNvSpPr txBox="1"/>
-          <p:nvPr/>
-        </p:nvSpPr>
-        <p:spPr>
-          <a:xfrm>
-            <a:off x="914399" y="4526995"/>
-            <a:ext cx="9753601" cy="919401"/>
-          </a:xfrm>
-          <a:prstGeom prst="roundRect">
-            <a:avLst/>
-          </a:prstGeom>
-          <a:solidFill>
-            <a:schemeClr val="accent3">
-              <a:lumMod val="40000"/>
-              <a:lumOff val="60000"/>
-            </a:schemeClr>
-          </a:solidFill>
-          <a:ln>
-            <a:solidFill>
-              <a:schemeClr val="accent3">
-                <a:lumMod val="75000"/>
-              </a:schemeClr>
-            </a:solidFill>
-          </a:ln>
-        </p:spPr>
-        <p:txBody>
-          <a:bodyPr wrap="square" rtlCol="0">
-            <a:spAutoFit/>
-          </a:bodyPr>
-          <a:lstStyle/>
-          <a:p>
-            <a:r>
-              <a:rPr lang="en-US" sz="2400" b="0" i="0" dirty="0">
-                <a:effectLst/>
-                <a:latin typeface="Times New Roman" panose="02020603050405020304" pitchFamily="18" charset="0"/>
-                <a:cs typeface="Times New Roman" panose="02020603050405020304" pitchFamily="18" charset="0"/>
-              </a:rPr>
-              <a:t>Ideally focus on redistributing resources to upstream preventative care, while maintaining quality curative care. </a:t>
-            </a:r>
-            <a:endParaRPr lang="en-CA" sz="2400" dirty="0">
-              <a:latin typeface="Times New Roman" panose="02020603050405020304" pitchFamily="18" charset="0"/>
-              <a:cs typeface="Times New Roman" panose="02020603050405020304" pitchFamily="18" charset="0"/>
-            </a:endParaRPr>
-          </a:p>
-        </p:txBody>
-      </p:sp>
-      <p:sp>
-        <p:nvSpPr>
-          <p:cNvPr id="17" name="TextBox 16">
-            <a:extLst>
-              <a:ext uri="{FF2B5EF4-FFF2-40B4-BE49-F238E27FC236}">
-                <a16:creationId xmlns:a16="http://schemas.microsoft.com/office/drawing/2014/main" id="{924289A9-17DB-B0B9-EDAC-99D29420738E}"/>
-              </a:ext>
-            </a:extLst>
-          </p:cNvPr>
-          <p:cNvSpPr txBox="1"/>
-          <p:nvPr/>
-        </p:nvSpPr>
-        <p:spPr>
-          <a:xfrm>
-            <a:off x="914399" y="5791201"/>
-            <a:ext cx="9753601" cy="919401"/>
-          </a:xfrm>
-          <a:prstGeom prst="roundRect">
-            <a:avLst/>
-          </a:prstGeom>
-          <a:solidFill>
-            <a:schemeClr val="accent3">
-              <a:lumMod val="40000"/>
-              <a:lumOff val="60000"/>
-            </a:schemeClr>
-          </a:solidFill>
-          <a:ln>
-            <a:solidFill>
-              <a:schemeClr val="accent3">
-                <a:lumMod val="75000"/>
-              </a:schemeClr>
-            </a:solidFill>
-          </a:ln>
-        </p:spPr>
-        <p:txBody>
-          <a:bodyPr wrap="square" rtlCol="0">
-            <a:spAutoFit/>
-          </a:bodyPr>
-          <a:lstStyle/>
-          <a:p>
-            <a:r>
-              <a:rPr lang="en-US" sz="2400" b="0" i="0" dirty="0">
-                <a:effectLst/>
-                <a:latin typeface="Times New Roman" panose="02020603050405020304" pitchFamily="18" charset="0"/>
-                <a:cs typeface="Times New Roman" panose="02020603050405020304" pitchFamily="18" charset="0"/>
-              </a:rPr>
-              <a:t>I am hoping to further advance and inform health care funding models for mental health</a:t>
-            </a:r>
-            <a:endParaRPr lang="en-CA" sz="2400" dirty="0">
-              <a:latin typeface="Times New Roman" panose="02020603050405020304" pitchFamily="18" charset="0"/>
-              <a:cs typeface="Times New Roman" panose="02020603050405020304" pitchFamily="18" charset="0"/>
-            </a:endParaRPr>
-          </a:p>
-        </p:txBody>
-      </p:sp>
-      <p:sp>
-        <p:nvSpPr>
-          <p:cNvPr id="18" name="TextBox 17">
-            <a:extLst>
-              <a:ext uri="{FF2B5EF4-FFF2-40B4-BE49-F238E27FC236}">
-                <a16:creationId xmlns:a16="http://schemas.microsoft.com/office/drawing/2014/main" id="{9546A42C-7216-1EB0-7D5D-CE6ED6AD65CC}"/>
-              </a:ext>
-            </a:extLst>
-          </p:cNvPr>
-          <p:cNvSpPr txBox="1"/>
-          <p:nvPr/>
-        </p:nvSpPr>
-        <p:spPr>
-          <a:xfrm>
-            <a:off x="914399" y="1143000"/>
-            <a:ext cx="9753601" cy="919401"/>
-          </a:xfrm>
-          <a:prstGeom prst="roundRect">
-            <a:avLst/>
-          </a:prstGeom>
-          <a:solidFill>
-            <a:schemeClr val="accent3">
-              <a:lumMod val="40000"/>
-              <a:lumOff val="60000"/>
-            </a:schemeClr>
-          </a:solidFill>
-          <a:ln>
-            <a:solidFill>
-              <a:schemeClr val="accent3">
-                <a:lumMod val="75000"/>
-              </a:schemeClr>
-            </a:solidFill>
-          </a:ln>
-        </p:spPr>
-        <p:txBody>
-          <a:bodyPr wrap="square" rtlCol="0">
-            <a:spAutoFit/>
-          </a:bodyPr>
-          <a:lstStyle/>
-          <a:p>
-            <a:r>
-              <a:rPr lang="en-US" sz="2400" b="0" i="0" dirty="0">
-                <a:effectLst/>
-                <a:latin typeface="Times New Roman" panose="02020603050405020304" pitchFamily="18" charset="0"/>
-                <a:cs typeface="Times New Roman" panose="02020603050405020304" pitchFamily="18" charset="0"/>
-              </a:rPr>
-              <a:t>I hope to go on to work as a policy analyst for provincial/territorial ministries of health.</a:t>
-            </a:r>
-            <a:endParaRPr lang="en-CA" sz="2400" dirty="0">
-              <a:latin typeface="Times New Roman" panose="02020603050405020304" pitchFamily="18" charset="0"/>
-              <a:cs typeface="Times New Roman" panose="02020603050405020304" pitchFamily="18" charset="0"/>
-            </a:endParaRPr>
-          </a:p>
-        </p:txBody>
-      </p:sp>
-    </p:spTree>
-    <p:extLst>
-      <p:ext uri="{BB962C8B-B14F-4D97-AF65-F5344CB8AC3E}">
-        <p14:creationId xmlns:p14="http://schemas.microsoft.com/office/powerpoint/2010/main" val="3180877132"/>
-      </p:ext>
-    </p:extLst>
-  </p:cSld>
-  <p:clrMapOvr>
-    <a:masterClrMapping/>
-  </p:clrMapOvr>
-</p:sld>
-</file>
-
-<file path=ppt/slides/slide50.xml><?xml version="1.0" encoding="utf-8"?>
+<file path=ppt/slides/slide42.xml><?xml version="1.0" encoding="utf-8"?>
 <p:sld xmlns:a="http://schemas.openxmlformats.org/drawingml/2006/main" xmlns:r="http://schemas.openxmlformats.org/officeDocument/2006/relationships" xmlns:p="http://schemas.openxmlformats.org/presentationml/2006/main">
   <p:cSld>
     <p:spTree>
@@ -28191,8 +25360,8 @@
           </a:p>
         </p:txBody>
       </p:sp>
-      <mc:AlternateContent xmlns:mc="http://schemas.openxmlformats.org/markup-compatibility/2006">
-        <mc:Choice xmlns:a14="http://schemas.microsoft.com/office/drawing/2010/main" Requires="a14">
+      <mc:AlternateContent xmlns:mc="http://schemas.openxmlformats.org/markup-compatibility/2006" xmlns:a14="http://schemas.microsoft.com/office/drawing/2010/main">
+        <mc:Choice Requires="a14">
           <p:sp>
             <p:nvSpPr>
               <p:cNvPr id="2" name="TextBox 1">
@@ -28257,6 +25426,7 @@
                 </a:r>
               </a:p>
               <a:p>
+                <a:pPr/>
                 <a14:m>
                   <m:oMathPara xmlns:m="http://schemas.openxmlformats.org/officeDocument/2006/math">
                     <m:oMathParaPr>
@@ -29180,7 +26350,7 @@
             </p:txBody>
           </p:sp>
         </mc:Choice>
-        <mc:Fallback>
+        <mc:Fallback xmlns="">
           <p:sp>
             <p:nvSpPr>
               <p:cNvPr id="2" name="TextBox 1">
@@ -29238,7 +26408,7 @@
 </p:sld>
 </file>
 
-<file path=ppt/slides/slide51.xml><?xml version="1.0" encoding="utf-8"?>
+<file path=ppt/slides/slide43.xml><?xml version="1.0" encoding="utf-8"?>
 <p:sld xmlns:a="http://schemas.openxmlformats.org/drawingml/2006/main" xmlns:r="http://schemas.openxmlformats.org/officeDocument/2006/relationships" xmlns:p="http://schemas.openxmlformats.org/presentationml/2006/main">
   <p:cSld>
     <p:spTree>
@@ -29346,8 +26516,8 @@
           </a:p>
         </p:txBody>
       </p:sp>
-      <mc:AlternateContent xmlns:mc="http://schemas.openxmlformats.org/markup-compatibility/2006">
-        <mc:Choice xmlns:a14="http://schemas.microsoft.com/office/drawing/2010/main" Requires="a14">
+      <mc:AlternateContent xmlns:mc="http://schemas.openxmlformats.org/markup-compatibility/2006" xmlns:a14="http://schemas.microsoft.com/office/drawing/2010/main">
+        <mc:Choice Requires="a14">
           <p:sp>
             <p:nvSpPr>
               <p:cNvPr id="2" name="TextBox 1">
@@ -29507,7 +26677,7 @@
             </p:txBody>
           </p:sp>
         </mc:Choice>
-        <mc:Fallback>
+        <mc:Fallback xmlns="">
           <p:sp>
             <p:nvSpPr>
               <p:cNvPr id="2" name="TextBox 1">
@@ -29565,7 +26735,7 @@
 </p:sld>
 </file>
 
-<file path=ppt/slides/slide52.xml><?xml version="1.0" encoding="utf-8"?>
+<file path=ppt/slides/slide44.xml><?xml version="1.0" encoding="utf-8"?>
 <p:sld xmlns:a="http://schemas.openxmlformats.org/drawingml/2006/main" xmlns:r="http://schemas.openxmlformats.org/officeDocument/2006/relationships" xmlns:p="http://schemas.openxmlformats.org/presentationml/2006/main">
   <p:cSld>
     <p:spTree>
@@ -29694,7 +26864,7 @@
 </p:sld>
 </file>
 
-<file path=ppt/slides/slide53.xml><?xml version="1.0" encoding="utf-8"?>
+<file path=ppt/slides/slide45.xml><?xml version="1.0" encoding="utf-8"?>
 <p:sld xmlns:a="http://schemas.openxmlformats.org/drawingml/2006/main" xmlns:r="http://schemas.openxmlformats.org/officeDocument/2006/relationships" xmlns:p="http://schemas.openxmlformats.org/presentationml/2006/main">
   <p:cSld>
     <p:spTree>
@@ -29913,7 +27083,7 @@
 </p:sld>
 </file>
 
-<file path=ppt/slides/slide54.xml><?xml version="1.0" encoding="utf-8"?>
+<file path=ppt/slides/slide46.xml><?xml version="1.0" encoding="utf-8"?>
 <p:sld xmlns:a="http://schemas.openxmlformats.org/drawingml/2006/main" xmlns:r="http://schemas.openxmlformats.org/officeDocument/2006/relationships" xmlns:p="http://schemas.openxmlformats.org/presentationml/2006/main">
   <p:cSld>
     <p:spTree>
@@ -30306,7 +27476,7 @@
 </p:sld>
 </file>
 
-<file path=ppt/slides/slide55.xml><?xml version="1.0" encoding="utf-8"?>
+<file path=ppt/slides/slide47.xml><?xml version="1.0" encoding="utf-8"?>
 <p:sld xmlns:a="http://schemas.openxmlformats.org/drawingml/2006/main" xmlns:r="http://schemas.openxmlformats.org/officeDocument/2006/relationships" xmlns:p="http://schemas.openxmlformats.org/presentationml/2006/main">
   <p:cSld>
     <p:spTree>
@@ -30426,8 +27596,8 @@
           </a:p>
         </p:txBody>
       </p:sp>
-      <mc:AlternateContent xmlns:mc="http://schemas.openxmlformats.org/markup-compatibility/2006">
-        <mc:Choice xmlns:a14="http://schemas.microsoft.com/office/drawing/2010/main" Requires="a14">
+      <mc:AlternateContent xmlns:mc="http://schemas.openxmlformats.org/markup-compatibility/2006" xmlns:a14="http://schemas.microsoft.com/office/drawing/2010/main">
+        <mc:Choice Requires="a14">
           <p:sp>
             <p:nvSpPr>
               <p:cNvPr id="3" name="TextBox 2">
@@ -30654,7 +27824,7 @@
             </p:txBody>
           </p:sp>
         </mc:Choice>
-        <mc:Fallback>
+        <mc:Fallback xmlns="">
           <p:sp>
             <p:nvSpPr>
               <p:cNvPr id="3" name="TextBox 2">
@@ -30712,7 +27882,7 @@
 </p:sld>
 </file>
 
-<file path=ppt/slides/slide56.xml><?xml version="1.0" encoding="utf-8"?>
+<file path=ppt/slides/slide48.xml><?xml version="1.0" encoding="utf-8"?>
 <p:sld xmlns:a="http://schemas.openxmlformats.org/drawingml/2006/main" xmlns:r="http://schemas.openxmlformats.org/officeDocument/2006/relationships" xmlns:p="http://schemas.openxmlformats.org/presentationml/2006/main">
   <p:cSld>
     <p:spTree>
@@ -30832,8 +28002,8 @@
           </a:p>
         </p:txBody>
       </p:sp>
-      <mc:AlternateContent xmlns:mc="http://schemas.openxmlformats.org/markup-compatibility/2006">
-        <mc:Choice xmlns:a14="http://schemas.microsoft.com/office/drawing/2010/main" Requires="a14">
+      <mc:AlternateContent xmlns:mc="http://schemas.openxmlformats.org/markup-compatibility/2006" xmlns:a14="http://schemas.microsoft.com/office/drawing/2010/main">
+        <mc:Choice Requires="a14">
           <p:sp>
             <p:nvSpPr>
               <p:cNvPr id="2" name="TextBox 1">
@@ -30973,7 +28143,7 @@
             </p:txBody>
           </p:sp>
         </mc:Choice>
-        <mc:Fallback>
+        <mc:Fallback xmlns="">
           <p:sp>
             <p:nvSpPr>
               <p:cNvPr id="2" name="TextBox 1">
@@ -31174,7 +28344,7 @@
 </p:sld>
 </file>
 
-<file path=ppt/slides/slide57.xml><?xml version="1.0" encoding="utf-8"?>
+<file path=ppt/slides/slide49.xml><?xml version="1.0" encoding="utf-8"?>
 <p:sld xmlns:a="http://schemas.openxmlformats.org/drawingml/2006/main" xmlns:r="http://schemas.openxmlformats.org/officeDocument/2006/relationships" xmlns:p="http://schemas.openxmlformats.org/presentationml/2006/main">
   <p:cSld>
     <p:spTree>
@@ -31294,8 +28464,8 @@
           </a:p>
         </p:txBody>
       </p:sp>
-      <mc:AlternateContent xmlns:mc="http://schemas.openxmlformats.org/markup-compatibility/2006">
-        <mc:Choice xmlns:a14="http://schemas.microsoft.com/office/drawing/2010/main" Requires="a14">
+      <mc:AlternateContent xmlns:mc="http://schemas.openxmlformats.org/markup-compatibility/2006" xmlns:a14="http://schemas.microsoft.com/office/drawing/2010/main">
+        <mc:Choice Requires="a14">
           <p:sp>
             <p:nvSpPr>
               <p:cNvPr id="2" name="TextBox 1">
@@ -31570,7 +28740,7 @@
             </p:txBody>
           </p:sp>
         </mc:Choice>
-        <mc:Fallback>
+        <mc:Fallback xmlns="">
           <p:sp>
             <p:nvSpPr>
               <p:cNvPr id="2" name="TextBox 1">
@@ -31628,7 +28798,7 @@
 </p:sld>
 </file>
 
-<file path=ppt/slides/slide58.xml><?xml version="1.0" encoding="utf-8"?>
+<file path=ppt/slides/slide5.xml><?xml version="1.0" encoding="utf-8"?>
 <p:sld xmlns:a="http://schemas.openxmlformats.org/drawingml/2006/main" xmlns:r="http://schemas.openxmlformats.org/officeDocument/2006/relationships" xmlns:p="http://schemas.openxmlformats.org/presentationml/2006/main">
   <p:cSld>
     <p:spTree>
@@ -31647,7 +28817,13 @@
       </p:grpSpPr>
       <p:sp>
         <p:nvSpPr>
-          <p:cNvPr id="2" name="Title 1"/>
+          <p:cNvPr id="2" name="Title 1">
+            <a:extLst>
+              <a:ext uri="{FF2B5EF4-FFF2-40B4-BE49-F238E27FC236}">
+                <a16:creationId xmlns:a16="http://schemas.microsoft.com/office/drawing/2014/main" id="{E54BD568-A3DE-4D27-9652-A8CF021A9E7A}"/>
+              </a:ext>
+            </a:extLst>
+          </p:cNvPr>
           <p:cNvSpPr>
             <a:spLocks noGrp="1"/>
           </p:cNvSpPr>
@@ -31657,161 +28833,21 @@
         </p:nvSpPr>
         <p:spPr>
           <a:xfrm>
-            <a:off x="609600" y="272077"/>
-            <a:ext cx="10439400" cy="624840"/>
+            <a:off x="2470404" y="337710"/>
+            <a:ext cx="7269480" cy="1325562"/>
           </a:xfrm>
         </p:spPr>
         <p:txBody>
-          <a:bodyPr>
-            <a:noAutofit/>
-          </a:bodyPr>
+          <a:bodyPr/>
           <a:lstStyle/>
           <a:p>
             <a:r>
-              <a:rPr lang="en-US" sz="3600" dirty="0">
-                <a:cs typeface="Times New Roman" panose="02020603050405020304" pitchFamily="18" charset="0"/>
-              </a:rPr>
-              <a:t>Summary</a:t>
-            </a:r>
-            <a:endParaRPr lang="en-US" sz="3600" dirty="0">
-              <a:latin typeface="Times New Roman" panose="02020603050405020304" pitchFamily="18" charset="0"/>
-              <a:cs typeface="Times New Roman" panose="02020603050405020304" pitchFamily="18" charset="0"/>
-            </a:endParaRPr>
+              <a:rPr lang="en-US" dirty="0"/>
+              <a:t> </a:t>
+            </a:r>
           </a:p>
         </p:txBody>
       </p:sp>
-      <p:sp>
-        <p:nvSpPr>
-          <p:cNvPr id="3" name="Content Placeholder 2"/>
-          <p:cNvSpPr>
-            <a:spLocks noGrp="1"/>
-          </p:cNvSpPr>
-          <p:nvPr>
-            <p:ph idx="1"/>
-          </p:nvPr>
-        </p:nvSpPr>
-        <p:spPr>
-          <a:xfrm>
-            <a:off x="609601" y="1066801"/>
-            <a:ext cx="10439400" cy="5141388"/>
-          </a:xfrm>
-        </p:spPr>
-        <p:txBody>
-          <a:bodyPr>
-            <a:noAutofit/>
-          </a:bodyPr>
-          <a:lstStyle/>
-          <a:p>
-            <a:r>
-              <a:rPr lang="en-US" sz="2400" dirty="0">
-                <a:cs typeface="Times New Roman" panose="02020603050405020304" pitchFamily="18" charset="0"/>
-              </a:rPr>
-              <a:t>Health can be modeled as a </a:t>
-            </a:r>
-            <a:r>
-              <a:rPr lang="en-US" sz="2400" b="1" dirty="0">
-                <a:solidFill>
-                  <a:srgbClr val="0070C0"/>
-                </a:solidFill>
-                <a:cs typeface="Times New Roman" panose="02020603050405020304" pitchFamily="18" charset="0"/>
-              </a:rPr>
-              <a:t>choice</a:t>
-            </a:r>
-          </a:p>
-          <a:p>
-            <a:r>
-              <a:rPr lang="en-US" sz="2400" dirty="0">
-                <a:cs typeface="Times New Roman" panose="02020603050405020304" pitchFamily="18" charset="0"/>
-              </a:rPr>
-              <a:t>Health evolves over time in response to investments</a:t>
-            </a:r>
-          </a:p>
-          <a:p>
-            <a:r>
-              <a:rPr lang="en-US" sz="2400" dirty="0">
-                <a:cs typeface="Times New Roman" panose="02020603050405020304" pitchFamily="18" charset="0"/>
-              </a:rPr>
-              <a:t>Small decisions add up to large changes in health</a:t>
-            </a:r>
-          </a:p>
-          <a:p>
-            <a:r>
-              <a:rPr lang="en-US" sz="2400" dirty="0">
-                <a:cs typeface="Times New Roman" panose="02020603050405020304" pitchFamily="18" charset="0"/>
-              </a:rPr>
-              <a:t>Accounting for spillovers within households may explain disparities in investments</a:t>
-            </a:r>
-          </a:p>
-          <a:p>
-            <a:r>
-              <a:rPr lang="en-US" sz="2400" dirty="0">
-                <a:cs typeface="Times New Roman" panose="02020603050405020304" pitchFamily="18" charset="0"/>
-              </a:rPr>
-              <a:t>Is the empirical evidence consistent with these predictions? Meh. </a:t>
-            </a:r>
-          </a:p>
-          <a:p>
-            <a:r>
-              <a:rPr lang="en-US" sz="2400" dirty="0">
-                <a:cs typeface="Times New Roman" panose="02020603050405020304" pitchFamily="18" charset="0"/>
-              </a:rPr>
-              <a:t>Is the model trash? Also meh. </a:t>
-            </a:r>
-          </a:p>
-          <a:p>
-            <a:pPr marL="0" indent="0">
-              <a:buNone/>
-            </a:pPr>
-            <a:r>
-              <a:rPr lang="en-US" sz="2400" b="1" dirty="0">
-                <a:solidFill>
-                  <a:srgbClr val="0070C0"/>
-                </a:solidFill>
-                <a:cs typeface="Times New Roman" panose="02020603050405020304" pitchFamily="18" charset="0"/>
-              </a:rPr>
-              <a:t>Next time: moral hazard in health care</a:t>
-            </a:r>
-          </a:p>
-          <a:p>
-            <a:r>
-              <a:rPr lang="en-US" sz="2400" dirty="0">
-                <a:cs typeface="Times New Roman" panose="02020603050405020304" pitchFamily="18" charset="0"/>
-              </a:rPr>
-              <a:t>How does messing with the price of care affect demand for services? </a:t>
-            </a:r>
-          </a:p>
-        </p:txBody>
-      </p:sp>
-    </p:spTree>
-    <p:extLst>
-      <p:ext uri="{BB962C8B-B14F-4D97-AF65-F5344CB8AC3E}">
-        <p14:creationId xmlns:p14="http://schemas.microsoft.com/office/powerpoint/2010/main" val="2038780387"/>
-      </p:ext>
-    </p:extLst>
-  </p:cSld>
-  <p:clrMapOvr>
-    <a:masterClrMapping/>
-  </p:clrMapOvr>
-</p:sld>
-</file>
-
-<file path=ppt/slides/slide6.xml><?xml version="1.0" encoding="utf-8"?>
-<p:sld xmlns:a="http://schemas.openxmlformats.org/drawingml/2006/main" xmlns:r="http://schemas.openxmlformats.org/officeDocument/2006/relationships" xmlns:p="http://schemas.openxmlformats.org/presentationml/2006/main">
-  <p:cSld>
-    <p:spTree>
-      <p:nvGrpSpPr>
-        <p:cNvPr id="1" name=""/>
-        <p:cNvGrpSpPr/>
-        <p:nvPr/>
-      </p:nvGrpSpPr>
-      <p:grpSpPr>
-        <a:xfrm>
-          <a:off x="0" y="0"/>
-          <a:ext cx="0" cy="0"/>
-          <a:chOff x="0" y="0"/>
-          <a:chExt cx="0" cy="0"/>
-        </a:xfrm>
-      </p:grpSpPr>
       <p:sp>
         <p:nvSpPr>
           <p:cNvPr id="4" name="Content Placeholder 3">
@@ -31830,8 +28866,8 @@
         </p:nvSpPr>
         <p:spPr>
           <a:xfrm>
-            <a:off x="1371600" y="1219200"/>
-            <a:ext cx="10058400" cy="4960939"/>
+            <a:off x="1261872" y="1219200"/>
+            <a:ext cx="9634728" cy="4960939"/>
           </a:xfrm>
         </p:spPr>
         <p:txBody>
@@ -31843,53 +28879,58 @@
             <a:pPr marL="0" indent="0">
               <a:buNone/>
             </a:pPr>
-            <a:r>
-              <a:rPr lang="en-US" sz="2400" b="1" dirty="0">
-                <a:solidFill>
-                  <a:srgbClr val="0070C0"/>
-                </a:solidFill>
-              </a:rPr>
-              <a:t>Booking office hours</a:t>
-            </a:r>
-            <a:r>
-              <a:rPr lang="en-US" sz="2400" dirty="0">
-                <a:solidFill>
-                  <a:srgbClr val="0070C0"/>
-                </a:solidFill>
-              </a:rPr>
-              <a:t>:</a:t>
-            </a:r>
-            <a:r>
-              <a:rPr lang="en-US" sz="2400" dirty="0"/>
-              <a:t> </a:t>
-            </a:r>
-            <a:r>
-              <a:rPr lang="en-US" sz="2400" u="sng" dirty="0">
-                <a:solidFill>
-                  <a:srgbClr val="0000FF"/>
-                </a:solidFill>
-                <a:latin typeface="Times New Roman" panose="02020603050405020304" pitchFamily="18" charset="0"/>
-                <a:ea typeface="Calibri" panose="020F0502020204030204" pitchFamily="34" charset="0"/>
+            <a:endParaRPr lang="en-US" sz="2400" dirty="0">
+              <a:ea typeface="Calibri" panose="020F0502020204030204" pitchFamily="34" charset="0"/>
+              <a:cs typeface="Times New Roman" panose="02020603050405020304" pitchFamily="18" charset="0"/>
+            </a:endParaRPr>
+          </a:p>
+          <a:p>
+            <a:r>
+              <a:rPr lang="en-US" sz="2400" dirty="0" err="1">
                 <a:cs typeface="Times New Roman" panose="02020603050405020304" pitchFamily="18" charset="0"/>
                 <a:hlinkClick r:id="rId3"/>
               </a:rPr>
-              <a:t>calendly.com/Hoagland-office-hours/had5744-2022f</a:t>
+              <a:t>Github</a:t>
+            </a:r>
+            <a:r>
+              <a:rPr lang="en-US" sz="2400" dirty="0">
+                <a:cs typeface="Times New Roman" panose="02020603050405020304" pitchFamily="18" charset="0"/>
+                <a:hlinkClick r:id="rId3"/>
+              </a:rPr>
+              <a:t> repo</a:t>
+            </a:r>
+            <a:endParaRPr lang="en-US" sz="2400" dirty="0">
+              <a:cs typeface="Times New Roman" panose="02020603050405020304" pitchFamily="18" charset="0"/>
+            </a:endParaRPr>
+          </a:p>
+          <a:p>
+            <a:pPr lvl="1"/>
+            <a:r>
+              <a:rPr lang="en-US" sz="2400" dirty="0">
+                <a:cs typeface="Times New Roman" panose="02020603050405020304" pitchFamily="18" charset="0"/>
+              </a:rPr>
+              <a:t>Contains all relevant course materials</a:t>
+            </a:r>
+          </a:p>
+          <a:p>
+            <a:pPr lvl="1"/>
+            <a:r>
+              <a:rPr lang="en-US" sz="2400" dirty="0">
+                <a:cs typeface="Times New Roman" panose="02020603050405020304" pitchFamily="18" charset="0"/>
+              </a:rPr>
+              <a:t>Sample papers</a:t>
+            </a:r>
+          </a:p>
+          <a:p>
+            <a:pPr lvl="1"/>
+            <a:r>
+              <a:rPr lang="en-US" sz="2400" dirty="0">
+                <a:cs typeface="Times New Roman" panose="02020603050405020304" pitchFamily="18" charset="0"/>
+                <a:hlinkClick r:id="rId4"/>
+              </a:rPr>
+              <a:t>Discussion boards</a:t>
             </a:r>
             <a:endParaRPr lang="en-US" sz="2400" dirty="0"/>
-          </a:p>
-          <a:p>
-            <a:pPr lvl="1"/>
-            <a:r>
-              <a:rPr lang="en-US" sz="2400" dirty="0"/>
-              <a:t>In-person: Fridays from 9 to 11</a:t>
-            </a:r>
-          </a:p>
-          <a:p>
-            <a:pPr lvl="1"/>
-            <a:r>
-              <a:rPr lang="en-US" sz="2400" dirty="0"/>
-              <a:t>Zoom: Tuesdays and Wednesdays, 10-10:30</a:t>
-            </a:r>
           </a:p>
           <a:p>
             <a:pPr lvl="1"/>
@@ -31897,42 +28938,12 @@
           </a:p>
         </p:txBody>
       </p:sp>
-      <p:pic>
-        <p:nvPicPr>
-          <p:cNvPr id="7" name="Picture 6">
-            <a:extLst>
-              <a:ext uri="{FF2B5EF4-FFF2-40B4-BE49-F238E27FC236}">
-                <a16:creationId xmlns:a16="http://schemas.microsoft.com/office/drawing/2014/main" id="{FB85D007-138F-4044-AD8A-659E0889A7A9}"/>
-              </a:ext>
-            </a:extLst>
-          </p:cNvPr>
-          <p:cNvPicPr>
-            <a:picLocks noChangeAspect="1"/>
-          </p:cNvPicPr>
-          <p:nvPr/>
-        </p:nvPicPr>
-        <p:blipFill>
-          <a:blip r:embed="rId4"/>
-          <a:stretch>
-            <a:fillRect/>
-          </a:stretch>
-        </p:blipFill>
-        <p:spPr>
-          <a:xfrm>
-            <a:off x="1261872" y="2464814"/>
-            <a:ext cx="7348728" cy="4316986"/>
-          </a:xfrm>
-          <a:prstGeom prst="rect">
-            <a:avLst/>
-          </a:prstGeom>
-        </p:spPr>
-      </p:pic>
       <p:sp>
         <p:nvSpPr>
           <p:cNvPr id="5" name="Title 1">
             <a:extLst>
               <a:ext uri="{FF2B5EF4-FFF2-40B4-BE49-F238E27FC236}">
-                <a16:creationId xmlns:a16="http://schemas.microsoft.com/office/drawing/2014/main" id="{F437DC18-F235-4588-BBC9-31299ECA7DF3}"/>
+                <a16:creationId xmlns:a16="http://schemas.microsoft.com/office/drawing/2014/main" id="{9188A289-910E-45BF-9F49-22ADDCD09BA3}"/>
               </a:ext>
             </a:extLst>
           </p:cNvPr>
@@ -31986,7 +28997,7 @@
     </p:spTree>
     <p:extLst>
       <p:ext uri="{BB962C8B-B14F-4D97-AF65-F5344CB8AC3E}">
-        <p14:creationId xmlns:p14="http://schemas.microsoft.com/office/powerpoint/2010/main" val="162479928"/>
+        <p14:creationId xmlns:p14="http://schemas.microsoft.com/office/powerpoint/2010/main" val="2483131876"/>
       </p:ext>
     </p:extLst>
   </p:cSld>
@@ -31996,7 +29007,7 @@
 </p:sld>
 </file>
 
-<file path=ppt/slides/slide7.xml><?xml version="1.0" encoding="utf-8"?>
+<file path=ppt/slides/slide50.xml><?xml version="1.0" encoding="utf-8"?>
 <p:sld xmlns:a="http://schemas.openxmlformats.org/drawingml/2006/main" xmlns:r="http://schemas.openxmlformats.org/officeDocument/2006/relationships" xmlns:p="http://schemas.openxmlformats.org/presentationml/2006/main">
   <p:cSld>
     <p:spTree>
@@ -32015,6 +29026,173 @@
       </p:grpSpPr>
       <p:sp>
         <p:nvSpPr>
+          <p:cNvPr id="2" name="Title 1"/>
+          <p:cNvSpPr>
+            <a:spLocks noGrp="1"/>
+          </p:cNvSpPr>
+          <p:nvPr>
+            <p:ph type="title"/>
+          </p:nvPr>
+        </p:nvSpPr>
+        <p:spPr>
+          <a:xfrm>
+            <a:off x="609600" y="272077"/>
+            <a:ext cx="10439400" cy="624840"/>
+          </a:xfrm>
+        </p:spPr>
+        <p:txBody>
+          <a:bodyPr>
+            <a:noAutofit/>
+          </a:bodyPr>
+          <a:lstStyle/>
+          <a:p>
+            <a:r>
+              <a:rPr lang="en-US" sz="3600" dirty="0">
+                <a:cs typeface="Times New Roman" panose="02020603050405020304" pitchFamily="18" charset="0"/>
+              </a:rPr>
+              <a:t>Summary</a:t>
+            </a:r>
+            <a:endParaRPr lang="en-US" sz="3600" dirty="0">
+              <a:latin typeface="Times New Roman" panose="02020603050405020304" pitchFamily="18" charset="0"/>
+              <a:cs typeface="Times New Roman" panose="02020603050405020304" pitchFamily="18" charset="0"/>
+            </a:endParaRPr>
+          </a:p>
+        </p:txBody>
+      </p:sp>
+      <p:sp>
+        <p:nvSpPr>
+          <p:cNvPr id="3" name="Content Placeholder 2"/>
+          <p:cNvSpPr>
+            <a:spLocks noGrp="1"/>
+          </p:cNvSpPr>
+          <p:nvPr>
+            <p:ph idx="1"/>
+          </p:nvPr>
+        </p:nvSpPr>
+        <p:spPr>
+          <a:xfrm>
+            <a:off x="609601" y="1066801"/>
+            <a:ext cx="10439400" cy="5141388"/>
+          </a:xfrm>
+        </p:spPr>
+        <p:txBody>
+          <a:bodyPr>
+            <a:noAutofit/>
+          </a:bodyPr>
+          <a:lstStyle/>
+          <a:p>
+            <a:r>
+              <a:rPr lang="en-US" sz="2400" dirty="0">
+                <a:cs typeface="Times New Roman" panose="02020603050405020304" pitchFamily="18" charset="0"/>
+              </a:rPr>
+              <a:t>Health can be modeled as a </a:t>
+            </a:r>
+            <a:r>
+              <a:rPr lang="en-US" sz="2400" b="1" dirty="0">
+                <a:solidFill>
+                  <a:srgbClr val="0070C0"/>
+                </a:solidFill>
+                <a:cs typeface="Times New Roman" panose="02020603050405020304" pitchFamily="18" charset="0"/>
+              </a:rPr>
+              <a:t>choice</a:t>
+            </a:r>
+          </a:p>
+          <a:p>
+            <a:r>
+              <a:rPr lang="en-US" sz="2400" dirty="0">
+                <a:cs typeface="Times New Roman" panose="02020603050405020304" pitchFamily="18" charset="0"/>
+              </a:rPr>
+              <a:t>Health evolves over time in response to investments</a:t>
+            </a:r>
+          </a:p>
+          <a:p>
+            <a:r>
+              <a:rPr lang="en-US" sz="2400" dirty="0">
+                <a:cs typeface="Times New Roman" panose="02020603050405020304" pitchFamily="18" charset="0"/>
+              </a:rPr>
+              <a:t>Small decisions add up to large changes in health</a:t>
+            </a:r>
+          </a:p>
+          <a:p>
+            <a:r>
+              <a:rPr lang="en-US" sz="2400" dirty="0">
+                <a:cs typeface="Times New Roman" panose="02020603050405020304" pitchFamily="18" charset="0"/>
+              </a:rPr>
+              <a:t>Accounting for spillovers within households may explain disparities in investments</a:t>
+            </a:r>
+          </a:p>
+          <a:p>
+            <a:r>
+              <a:rPr lang="en-US" sz="2400" dirty="0">
+                <a:cs typeface="Times New Roman" panose="02020603050405020304" pitchFamily="18" charset="0"/>
+              </a:rPr>
+              <a:t>Is the empirical evidence consistent with these predictions? Meh. </a:t>
+            </a:r>
+          </a:p>
+          <a:p>
+            <a:r>
+              <a:rPr lang="en-US" sz="2400" dirty="0">
+                <a:cs typeface="Times New Roman" panose="02020603050405020304" pitchFamily="18" charset="0"/>
+              </a:rPr>
+              <a:t>Is the model trash? Also meh. </a:t>
+            </a:r>
+          </a:p>
+          <a:p>
+            <a:pPr marL="0" indent="0">
+              <a:buNone/>
+            </a:pPr>
+            <a:r>
+              <a:rPr lang="en-US" sz="2400" b="1" dirty="0">
+                <a:solidFill>
+                  <a:srgbClr val="0070C0"/>
+                </a:solidFill>
+                <a:cs typeface="Times New Roman" panose="02020603050405020304" pitchFamily="18" charset="0"/>
+              </a:rPr>
+              <a:t>Next time: moral hazard in health care</a:t>
+            </a:r>
+          </a:p>
+          <a:p>
+            <a:r>
+              <a:rPr lang="en-US" sz="2400" dirty="0">
+                <a:cs typeface="Times New Roman" panose="02020603050405020304" pitchFamily="18" charset="0"/>
+              </a:rPr>
+              <a:t>How does messing with the price of care affect demand for services? </a:t>
+            </a:r>
+          </a:p>
+        </p:txBody>
+      </p:sp>
+    </p:spTree>
+    <p:extLst>
+      <p:ext uri="{BB962C8B-B14F-4D97-AF65-F5344CB8AC3E}">
+        <p14:creationId xmlns:p14="http://schemas.microsoft.com/office/powerpoint/2010/main" val="2038780387"/>
+      </p:ext>
+    </p:extLst>
+  </p:cSld>
+  <p:clrMapOvr>
+    <a:masterClrMapping/>
+  </p:clrMapOvr>
+</p:sld>
+</file>
+
+<file path=ppt/slides/slide6.xml><?xml version="1.0" encoding="utf-8"?>
+<p:sld xmlns:a="http://schemas.openxmlformats.org/drawingml/2006/main" xmlns:r="http://schemas.openxmlformats.org/officeDocument/2006/relationships" xmlns:p="http://schemas.openxmlformats.org/presentationml/2006/main">
+  <p:cSld>
+    <p:spTree>
+      <p:nvGrpSpPr>
+        <p:cNvPr id="1" name=""/>
+        <p:cNvGrpSpPr/>
+        <p:nvPr/>
+      </p:nvGrpSpPr>
+      <p:grpSpPr>
+        <a:xfrm>
+          <a:off x="0" y="0"/>
+          <a:ext cx="0" cy="0"/>
+          <a:chOff x="0" y="0"/>
+          <a:chExt cx="0" cy="0"/>
+        </a:xfrm>
+      </p:grpSpPr>
+      <p:sp>
+        <p:nvSpPr>
           <p:cNvPr id="4" name="Content Placeholder 3">
             <a:extLst>
               <a:ext uri="{FF2B5EF4-FFF2-40B4-BE49-F238E27FC236}">
@@ -32031,141 +29209,29 @@
         </p:nvSpPr>
         <p:spPr>
           <a:xfrm>
-            <a:off x="1371600" y="1219200"/>
-            <a:ext cx="10058400" cy="4960939"/>
+            <a:off x="2470404" y="1608139"/>
+            <a:ext cx="7359396" cy="4572000"/>
           </a:xfrm>
         </p:spPr>
         <p:txBody>
-          <a:bodyPr>
-            <a:normAutofit/>
-          </a:bodyPr>
+          <a:bodyPr/>
           <a:lstStyle/>
           <a:p>
-            <a:pPr marL="0" indent="0">
-              <a:buNone/>
-            </a:pPr>
-            <a:r>
-              <a:rPr lang="en-US" sz="2400" b="1" dirty="0">
-                <a:solidFill>
-                  <a:srgbClr val="0070C0"/>
-                </a:solidFill>
-              </a:rPr>
-              <a:t>Booking office hours</a:t>
-            </a:r>
-            <a:r>
-              <a:rPr lang="en-US" sz="2400" dirty="0">
-                <a:solidFill>
-                  <a:srgbClr val="0070C0"/>
-                </a:solidFill>
-              </a:rPr>
-              <a:t>:</a:t>
-            </a:r>
-            <a:r>
-              <a:rPr lang="en-US" sz="2400" dirty="0"/>
-              <a:t> </a:t>
-            </a:r>
-            <a:r>
-              <a:rPr lang="en-US" sz="2400" u="sng" dirty="0">
-                <a:solidFill>
-                  <a:srgbClr val="0000FF"/>
-                </a:solidFill>
-                <a:latin typeface="Times New Roman" panose="02020603050405020304" pitchFamily="18" charset="0"/>
-                <a:ea typeface="Calibri" panose="020F0502020204030204" pitchFamily="34" charset="0"/>
-                <a:cs typeface="Times New Roman" panose="02020603050405020304" pitchFamily="18" charset="0"/>
-                <a:hlinkClick r:id="rId3"/>
-              </a:rPr>
-              <a:t>calendly.com/Hoagland-office-hours/had5744-2022f</a:t>
-            </a:r>
-            <a:endParaRPr lang="en-US" sz="2400" dirty="0"/>
-          </a:p>
-          <a:p>
             <a:pPr lvl="1"/>
-            <a:r>
-              <a:rPr lang="en-US" sz="2400" dirty="0"/>
-              <a:t>In-person: </a:t>
-            </a:r>
-            <a:r>
-              <a:rPr lang="en-US" sz="2400" b="1" dirty="0">
-                <a:solidFill>
-                  <a:srgbClr val="FF0000"/>
-                </a:solidFill>
-              </a:rPr>
-              <a:t>Wednesdays, 9:30-10:30; </a:t>
-            </a:r>
-            <a:r>
-              <a:rPr lang="en-US" sz="2400" dirty="0"/>
-              <a:t>Fridays from 9 to </a:t>
-            </a:r>
-            <a:r>
-              <a:rPr lang="en-US" sz="2400" b="1" dirty="0">
-                <a:solidFill>
-                  <a:srgbClr val="FF0000"/>
-                </a:solidFill>
-              </a:rPr>
-              <a:t>10</a:t>
-            </a:r>
+            <a:endParaRPr lang="en-US" dirty="0"/>
           </a:p>
           <a:p>
             <a:pPr lvl="1"/>
-            <a:r>
-              <a:rPr lang="en-US" sz="2400" dirty="0"/>
-              <a:t>Zoom: Tuesdays and Wednesdays, </a:t>
-            </a:r>
-            <a:r>
-              <a:rPr lang="en-US" sz="2400" b="1" dirty="0">
-                <a:solidFill>
-                  <a:srgbClr val="FF0000"/>
-                </a:solidFill>
-              </a:rPr>
-              <a:t>9:30</a:t>
-            </a:r>
-            <a:r>
-              <a:rPr lang="en-US" sz="2400" dirty="0"/>
-              <a:t>-10:30</a:t>
-            </a:r>
-          </a:p>
-          <a:p>
-            <a:pPr lvl="1"/>
-            <a:endParaRPr lang="en-US" sz="2400" dirty="0"/>
+            <a:endParaRPr lang="en-US" dirty="0"/>
           </a:p>
         </p:txBody>
       </p:sp>
-      <p:pic>
-        <p:nvPicPr>
-          <p:cNvPr id="7" name="Picture 6">
+      <p:sp>
+        <p:nvSpPr>
+          <p:cNvPr id="6" name="Title 1">
             <a:extLst>
               <a:ext uri="{FF2B5EF4-FFF2-40B4-BE49-F238E27FC236}">
-                <a16:creationId xmlns:a16="http://schemas.microsoft.com/office/drawing/2014/main" id="{FB85D007-138F-4044-AD8A-659E0889A7A9}"/>
-              </a:ext>
-            </a:extLst>
-          </p:cNvPr>
-          <p:cNvPicPr>
-            <a:picLocks noChangeAspect="1"/>
-          </p:cNvPicPr>
-          <p:nvPr/>
-        </p:nvPicPr>
-        <p:blipFill>
-          <a:blip r:embed="rId4"/>
-          <a:stretch>
-            <a:fillRect/>
-          </a:stretch>
-        </p:blipFill>
-        <p:spPr>
-          <a:xfrm>
-            <a:off x="1261872" y="2464814"/>
-            <a:ext cx="7348728" cy="4316986"/>
-          </a:xfrm>
-          <a:prstGeom prst="rect">
-            <a:avLst/>
-          </a:prstGeom>
-        </p:spPr>
-      </p:pic>
-      <p:sp>
-        <p:nvSpPr>
-          <p:cNvPr id="5" name="Title 1">
-            <a:extLst>
-              <a:ext uri="{FF2B5EF4-FFF2-40B4-BE49-F238E27FC236}">
-                <a16:creationId xmlns:a16="http://schemas.microsoft.com/office/drawing/2014/main" id="{F437DC18-F235-4588-BBC9-31299ECA7DF3}"/>
+                <a16:creationId xmlns:a16="http://schemas.microsoft.com/office/drawing/2014/main" id="{2447C70A-E8CD-4D7B-8C00-FF6EC3DCB236}"/>
               </a:ext>
             </a:extLst>
           </p:cNvPr>
@@ -32216,10 +29282,164 @@
           </a:p>
         </p:txBody>
       </p:sp>
+      <p:sp>
+        <p:nvSpPr>
+          <p:cNvPr id="8" name="Title 7">
+            <a:extLst>
+              <a:ext uri="{FF2B5EF4-FFF2-40B4-BE49-F238E27FC236}">
+                <a16:creationId xmlns:a16="http://schemas.microsoft.com/office/drawing/2014/main" id="{D13B5070-8B01-4C63-9F2E-79CAC4D00929}"/>
+              </a:ext>
+            </a:extLst>
+          </p:cNvPr>
+          <p:cNvSpPr>
+            <a:spLocks noGrp="1"/>
+          </p:cNvSpPr>
+          <p:nvPr>
+            <p:ph type="title"/>
+          </p:nvPr>
+        </p:nvSpPr>
+        <p:spPr/>
+        <p:txBody>
+          <a:bodyPr>
+            <a:normAutofit/>
+          </a:bodyPr>
+          <a:lstStyle/>
+          <a:p>
+            <a:r>
+              <a:rPr lang="en-US" sz="3600" u="sng" dirty="0">
+                <a:solidFill>
+                  <a:schemeClr val="accent3">
+                    <a:lumMod val="75000"/>
+                  </a:schemeClr>
+                </a:solidFill>
+              </a:rPr>
+              <a:t>One Pet Peeve: </a:t>
+            </a:r>
+          </a:p>
+        </p:txBody>
+      </p:sp>
+      <p:pic>
+        <p:nvPicPr>
+          <p:cNvPr id="3" name="Picture 2">
+            <a:extLst>
+              <a:ext uri="{FF2B5EF4-FFF2-40B4-BE49-F238E27FC236}">
+                <a16:creationId xmlns:a16="http://schemas.microsoft.com/office/drawing/2014/main" id="{833370FD-9F6E-44BA-A617-4B97C3866C26}"/>
+              </a:ext>
+            </a:extLst>
+          </p:cNvPr>
+          <p:cNvPicPr>
+            <a:picLocks noChangeAspect="1"/>
+          </p:cNvPicPr>
+          <p:nvPr/>
+        </p:nvPicPr>
+        <p:blipFill>
+          <a:blip r:embed="rId3"/>
+          <a:stretch>
+            <a:fillRect/>
+          </a:stretch>
+        </p:blipFill>
+        <p:spPr>
+          <a:xfrm>
+            <a:off x="1371600" y="1817614"/>
+            <a:ext cx="9000000" cy="3222771"/>
+          </a:xfrm>
+          <a:prstGeom prst="rect">
+            <a:avLst/>
+          </a:prstGeom>
+        </p:spPr>
+      </p:pic>
     </p:spTree>
     <p:extLst>
       <p:ext uri="{BB962C8B-B14F-4D97-AF65-F5344CB8AC3E}">
-        <p14:creationId xmlns:p14="http://schemas.microsoft.com/office/powerpoint/2010/main" val="2380405130"/>
+        <p14:creationId xmlns:p14="http://schemas.microsoft.com/office/powerpoint/2010/main" val="190750474"/>
+      </p:ext>
+    </p:extLst>
+  </p:cSld>
+  <p:clrMapOvr>
+    <a:masterClrMapping/>
+  </p:clrMapOvr>
+</p:sld>
+</file>
+
+<file path=ppt/slides/slide7.xml><?xml version="1.0" encoding="utf-8"?>
+<p:sld xmlns:a="http://schemas.openxmlformats.org/drawingml/2006/main" xmlns:r="http://schemas.openxmlformats.org/officeDocument/2006/relationships" xmlns:p="http://schemas.openxmlformats.org/presentationml/2006/main">
+  <p:cSld>
+    <p:spTree>
+      <p:nvGrpSpPr>
+        <p:cNvPr id="1" name=""/>
+        <p:cNvGrpSpPr/>
+        <p:nvPr/>
+      </p:nvGrpSpPr>
+      <p:grpSpPr>
+        <a:xfrm>
+          <a:off x="0" y="0"/>
+          <a:ext cx="0" cy="0"/>
+          <a:chOff x="0" y="0"/>
+          <a:chExt cx="0" cy="0"/>
+        </a:xfrm>
+      </p:grpSpPr>
+      <p:sp>
+        <p:nvSpPr>
+          <p:cNvPr id="4" name="Title 3">
+            <a:extLst>
+              <a:ext uri="{FF2B5EF4-FFF2-40B4-BE49-F238E27FC236}">
+                <a16:creationId xmlns:a16="http://schemas.microsoft.com/office/drawing/2014/main" id="{3959A64B-5C9A-4A9B-BA45-ADECED2E51D9}"/>
+              </a:ext>
+            </a:extLst>
+          </p:cNvPr>
+          <p:cNvSpPr>
+            <a:spLocks noGrp="1"/>
+          </p:cNvSpPr>
+          <p:nvPr>
+            <p:ph type="ctrTitle"/>
+          </p:nvPr>
+        </p:nvSpPr>
+        <p:spPr>
+          <a:xfrm>
+            <a:off x="1261872" y="758952"/>
+            <a:ext cx="10625328" cy="4041648"/>
+          </a:xfrm>
+        </p:spPr>
+        <p:txBody>
+          <a:bodyPr/>
+          <a:lstStyle/>
+          <a:p>
+            <a:r>
+              <a:rPr lang="en-US" dirty="0"/>
+              <a:t>Economic Modeling</a:t>
+            </a:r>
+          </a:p>
+        </p:txBody>
+      </p:sp>
+      <p:sp>
+        <p:nvSpPr>
+          <p:cNvPr id="3" name="Subtitle 2">
+            <a:extLst>
+              <a:ext uri="{FF2B5EF4-FFF2-40B4-BE49-F238E27FC236}">
+                <a16:creationId xmlns:a16="http://schemas.microsoft.com/office/drawing/2014/main" id="{12575E7B-FD6C-E8A3-F2DF-EE4A2AB1175B}"/>
+              </a:ext>
+            </a:extLst>
+          </p:cNvPr>
+          <p:cNvSpPr>
+            <a:spLocks noGrp="1"/>
+          </p:cNvSpPr>
+          <p:nvPr>
+            <p:ph type="subTitle" idx="1"/>
+          </p:nvPr>
+        </p:nvSpPr>
+        <p:spPr/>
+        <p:txBody>
+          <a:bodyPr/>
+          <a:lstStyle/>
+          <a:p>
+            <a:endParaRPr lang="en-CA"/>
+          </a:p>
+        </p:txBody>
+      </p:sp>
+    </p:spTree>
+    <p:extLst>
+      <p:ext uri="{BB962C8B-B14F-4D97-AF65-F5344CB8AC3E}">
+        <p14:creationId xmlns:p14="http://schemas.microsoft.com/office/powerpoint/2010/main" val="2203230516"/>
       </p:ext>
     </p:extLst>
   </p:cSld>
@@ -32264,424 +29484,29 @@
         </p:nvSpPr>
         <p:spPr>
           <a:xfrm>
-            <a:off x="1295400" y="1295400"/>
-            <a:ext cx="9753600" cy="4884739"/>
+            <a:off x="2470404" y="1608139"/>
+            <a:ext cx="7359396" cy="4572000"/>
           </a:xfrm>
         </p:spPr>
         <p:txBody>
-          <a:bodyPr>
-            <a:normAutofit/>
-          </a:bodyPr>
+          <a:bodyPr/>
           <a:lstStyle/>
           <a:p>
-            <a:pPr marL="0" indent="0" algn="just">
-              <a:spcBef>
-                <a:spcPts val="0"/>
-              </a:spcBef>
-              <a:spcAft>
-                <a:spcPts val="0"/>
-              </a:spcAft>
-              <a:buNone/>
-            </a:pPr>
-            <a:r>
-              <a:rPr lang="en-US" sz="2400" b="1" dirty="0">
-                <a:solidFill>
-                  <a:srgbClr val="0070C0"/>
-                </a:solidFill>
-                <a:effectLst/>
-                <a:latin typeface="Times New Roman" panose="02020603050405020304" pitchFamily="18" charset="0"/>
-                <a:ea typeface="Calibri" panose="020F0502020204030204" pitchFamily="34" charset="0"/>
-                <a:cs typeface="Times New Roman" panose="02020603050405020304" pitchFamily="18" charset="0"/>
-              </a:rPr>
-              <a:t>Evaluation</a:t>
-            </a:r>
-            <a:r>
-              <a:rPr lang="en-US" sz="2400" b="1" spc="-25" dirty="0">
-                <a:solidFill>
-                  <a:srgbClr val="0070C0"/>
-                </a:solidFill>
-                <a:latin typeface="Times New Roman" panose="02020603050405020304" pitchFamily="18" charset="0"/>
-                <a:ea typeface="Calibri" panose="020F0502020204030204" pitchFamily="34" charset="0"/>
-                <a:cs typeface="Times New Roman" panose="02020603050405020304" pitchFamily="18" charset="0"/>
-              </a:rPr>
-              <a:t> </a:t>
-            </a:r>
-            <a:r>
-              <a:rPr lang="en-US" sz="2400" b="1" dirty="0">
-                <a:solidFill>
-                  <a:srgbClr val="0070C0"/>
-                </a:solidFill>
-                <a:effectLst/>
-                <a:latin typeface="Times New Roman" panose="02020603050405020304" pitchFamily="18" charset="0"/>
-                <a:ea typeface="Calibri" panose="020F0502020204030204" pitchFamily="34" charset="0"/>
-                <a:cs typeface="Times New Roman" panose="02020603050405020304" pitchFamily="18" charset="0"/>
-              </a:rPr>
-              <a:t>Criteria</a:t>
-            </a:r>
-            <a:endParaRPr lang="en-US" sz="2400" dirty="0">
-              <a:solidFill>
-                <a:srgbClr val="0070C0"/>
-              </a:solidFill>
-              <a:effectLst/>
-              <a:latin typeface="Times New Roman" panose="02020603050405020304" pitchFamily="18" charset="0"/>
-              <a:ea typeface="Calibri" panose="020F0502020204030204" pitchFamily="34" charset="0"/>
-              <a:cs typeface="Times New Roman" panose="02020603050405020304" pitchFamily="18" charset="0"/>
-            </a:endParaRPr>
-          </a:p>
-          <a:p>
-            <a:pPr marL="0" marR="222250" indent="0" algn="just">
-              <a:spcBef>
-                <a:spcPts val="45"/>
-              </a:spcBef>
-              <a:spcAft>
-                <a:spcPts val="0"/>
-              </a:spcAft>
-              <a:buNone/>
-            </a:pPr>
-            <a:r>
-              <a:rPr lang="en-US" sz="2400" u="sng" dirty="0">
-                <a:effectLst/>
-                <a:latin typeface="Times New Roman" panose="02020603050405020304" pitchFamily="18" charset="0"/>
-                <a:ea typeface="Calibri" panose="020F0502020204030204" pitchFamily="34" charset="0"/>
-                <a:cs typeface="Times New Roman" panose="02020603050405020304" pitchFamily="18" charset="0"/>
-              </a:rPr>
-              <a:t>Assignments</a:t>
-            </a:r>
-            <a:r>
-              <a:rPr lang="en-US" sz="2400" dirty="0">
-                <a:effectLst/>
-                <a:latin typeface="Times New Roman" panose="02020603050405020304" pitchFamily="18" charset="0"/>
-                <a:ea typeface="Calibri" panose="020F0502020204030204" pitchFamily="34" charset="0"/>
-                <a:cs typeface="Times New Roman" panose="02020603050405020304" pitchFamily="18" charset="0"/>
-              </a:rPr>
-              <a:t>:</a:t>
-            </a:r>
-            <a:r>
-              <a:rPr lang="en-US" sz="2400" spc="-50" dirty="0">
-                <a:latin typeface="Times New Roman" panose="02020603050405020304" pitchFamily="18" charset="0"/>
-                <a:ea typeface="Calibri" panose="020F0502020204030204" pitchFamily="34" charset="0"/>
-                <a:cs typeface="Times New Roman" panose="02020603050405020304" pitchFamily="18" charset="0"/>
-              </a:rPr>
-              <a:t> 3 </a:t>
-            </a:r>
-            <a:r>
-              <a:rPr lang="en-US" sz="2400" dirty="0">
-                <a:effectLst/>
-                <a:latin typeface="Times New Roman" panose="02020603050405020304" pitchFamily="18" charset="0"/>
-                <a:ea typeface="Calibri" panose="020F0502020204030204" pitchFamily="34" charset="0"/>
-                <a:cs typeface="Times New Roman" panose="02020603050405020304" pitchFamily="18" charset="0"/>
-              </a:rPr>
-              <a:t>assignments,</a:t>
-            </a:r>
-            <a:r>
-              <a:rPr lang="en-US" sz="2400" spc="-25" dirty="0">
-                <a:latin typeface="Times New Roman" panose="02020603050405020304" pitchFamily="18" charset="0"/>
-                <a:ea typeface="Calibri" panose="020F0502020204030204" pitchFamily="34" charset="0"/>
-                <a:cs typeface="Times New Roman" panose="02020603050405020304" pitchFamily="18" charset="0"/>
-              </a:rPr>
-              <a:t> </a:t>
-            </a:r>
-            <a:r>
-              <a:rPr lang="en-US" sz="2400" dirty="0">
-                <a:effectLst/>
-                <a:latin typeface="Times New Roman" panose="02020603050405020304" pitchFamily="18" charset="0"/>
-                <a:ea typeface="Calibri" panose="020F0502020204030204" pitchFamily="34" charset="0"/>
-                <a:cs typeface="Times New Roman" panose="02020603050405020304" pitchFamily="18" charset="0"/>
-              </a:rPr>
-              <a:t>each</a:t>
-            </a:r>
-            <a:r>
-              <a:rPr lang="en-US" sz="2400" spc="-30" dirty="0">
-                <a:latin typeface="Times New Roman" panose="02020603050405020304" pitchFamily="18" charset="0"/>
-                <a:ea typeface="Calibri" panose="020F0502020204030204" pitchFamily="34" charset="0"/>
-                <a:cs typeface="Times New Roman" panose="02020603050405020304" pitchFamily="18" charset="0"/>
-              </a:rPr>
-              <a:t> </a:t>
-            </a:r>
-            <a:r>
-              <a:rPr lang="en-US" sz="2400" dirty="0">
-                <a:effectLst/>
-                <a:latin typeface="Times New Roman" panose="02020603050405020304" pitchFamily="18" charset="0"/>
-                <a:ea typeface="Calibri" panose="020F0502020204030204" pitchFamily="34" charset="0"/>
-                <a:cs typeface="Times New Roman" panose="02020603050405020304" pitchFamily="18" charset="0"/>
-              </a:rPr>
-              <a:t>worth</a:t>
-            </a:r>
-            <a:r>
-              <a:rPr lang="en-US" sz="2400" spc="-15" dirty="0">
-                <a:latin typeface="Times New Roman" panose="02020603050405020304" pitchFamily="18" charset="0"/>
-                <a:ea typeface="Calibri" panose="020F0502020204030204" pitchFamily="34" charset="0"/>
-                <a:cs typeface="Times New Roman" panose="02020603050405020304" pitchFamily="18" charset="0"/>
-              </a:rPr>
-              <a:t> </a:t>
-            </a:r>
-            <a:r>
-              <a:rPr lang="en-US" sz="2400" dirty="0">
-                <a:effectLst/>
-                <a:latin typeface="Times New Roman" panose="02020603050405020304" pitchFamily="18" charset="0"/>
-                <a:ea typeface="Calibri" panose="020F0502020204030204" pitchFamily="34" charset="0"/>
-                <a:cs typeface="Times New Roman" panose="02020603050405020304" pitchFamily="18" charset="0"/>
-              </a:rPr>
-              <a:t>20%</a:t>
-            </a:r>
-            <a:r>
-              <a:rPr lang="en-US" sz="2400" spc="-20" dirty="0">
-                <a:latin typeface="Times New Roman" panose="02020603050405020304" pitchFamily="18" charset="0"/>
-                <a:ea typeface="Calibri" panose="020F0502020204030204" pitchFamily="34" charset="0"/>
-                <a:cs typeface="Times New Roman" panose="02020603050405020304" pitchFamily="18" charset="0"/>
-              </a:rPr>
-              <a:t> </a:t>
-            </a:r>
-            <a:r>
-              <a:rPr lang="en-US" sz="2400" dirty="0">
-                <a:effectLst/>
-                <a:latin typeface="Times New Roman" panose="02020603050405020304" pitchFamily="18" charset="0"/>
-                <a:ea typeface="Calibri" panose="020F0502020204030204" pitchFamily="34" charset="0"/>
-                <a:cs typeface="Times New Roman" panose="02020603050405020304" pitchFamily="18" charset="0"/>
-              </a:rPr>
-              <a:t>of</a:t>
-            </a:r>
-            <a:r>
-              <a:rPr lang="en-US" sz="2400" spc="-20" dirty="0">
-                <a:latin typeface="Times New Roman" panose="02020603050405020304" pitchFamily="18" charset="0"/>
-                <a:ea typeface="Calibri" panose="020F0502020204030204" pitchFamily="34" charset="0"/>
-                <a:cs typeface="Times New Roman" panose="02020603050405020304" pitchFamily="18" charset="0"/>
-              </a:rPr>
-              <a:t> </a:t>
-            </a:r>
-            <a:r>
-              <a:rPr lang="en-US" sz="2400" dirty="0">
-                <a:effectLst/>
-                <a:latin typeface="Times New Roman" panose="02020603050405020304" pitchFamily="18" charset="0"/>
-                <a:ea typeface="Calibri" panose="020F0502020204030204" pitchFamily="34" charset="0"/>
-                <a:cs typeface="Times New Roman" panose="02020603050405020304" pitchFamily="18" charset="0"/>
-              </a:rPr>
-              <a:t>the</a:t>
-            </a:r>
-            <a:r>
-              <a:rPr lang="en-US" sz="2400" spc="-20" dirty="0">
-                <a:latin typeface="Times New Roman" panose="02020603050405020304" pitchFamily="18" charset="0"/>
-                <a:ea typeface="Calibri" panose="020F0502020204030204" pitchFamily="34" charset="0"/>
-                <a:cs typeface="Times New Roman" panose="02020603050405020304" pitchFamily="18" charset="0"/>
-              </a:rPr>
-              <a:t> </a:t>
-            </a:r>
-            <a:r>
-              <a:rPr lang="en-US" sz="2400" dirty="0">
-                <a:effectLst/>
-                <a:latin typeface="Times New Roman" panose="02020603050405020304" pitchFamily="18" charset="0"/>
-                <a:ea typeface="Calibri" panose="020F0502020204030204" pitchFamily="34" charset="0"/>
-                <a:cs typeface="Times New Roman" panose="02020603050405020304" pitchFamily="18" charset="0"/>
-              </a:rPr>
-              <a:t>final</a:t>
-            </a:r>
-            <a:r>
-              <a:rPr lang="en-US" sz="2400" spc="-15" dirty="0">
-                <a:latin typeface="Times New Roman" panose="02020603050405020304" pitchFamily="18" charset="0"/>
-                <a:ea typeface="Calibri" panose="020F0502020204030204" pitchFamily="34" charset="0"/>
-                <a:cs typeface="Times New Roman" panose="02020603050405020304" pitchFamily="18" charset="0"/>
-              </a:rPr>
-              <a:t> </a:t>
-            </a:r>
-            <a:r>
-              <a:rPr lang="en-US" sz="2400" dirty="0">
-                <a:effectLst/>
-                <a:latin typeface="Times New Roman" panose="02020603050405020304" pitchFamily="18" charset="0"/>
-                <a:ea typeface="Calibri" panose="020F0502020204030204" pitchFamily="34" charset="0"/>
-                <a:cs typeface="Times New Roman" panose="02020603050405020304" pitchFamily="18" charset="0"/>
-              </a:rPr>
-              <a:t>grade.</a:t>
-            </a:r>
-            <a:r>
-              <a:rPr lang="en-US" sz="2400" spc="-20" dirty="0">
-                <a:latin typeface="Times New Roman" panose="02020603050405020304" pitchFamily="18" charset="0"/>
-                <a:ea typeface="Calibri" panose="020F0502020204030204" pitchFamily="34" charset="0"/>
-                <a:cs typeface="Times New Roman" panose="02020603050405020304" pitchFamily="18" charset="0"/>
-              </a:rPr>
-              <a:t> </a:t>
-            </a:r>
-          </a:p>
-          <a:p>
-            <a:pPr marL="0" marR="222250" indent="0" algn="just">
-              <a:spcBef>
-                <a:spcPts val="45"/>
-              </a:spcBef>
-              <a:spcAft>
-                <a:spcPts val="0"/>
-              </a:spcAft>
-              <a:buNone/>
-            </a:pPr>
-            <a:endParaRPr lang="en-US" sz="2400" spc="-20" dirty="0">
-              <a:ea typeface="Calibri" panose="020F0502020204030204" pitchFamily="34" charset="0"/>
-              <a:cs typeface="Times New Roman" panose="02020603050405020304" pitchFamily="18" charset="0"/>
-            </a:endParaRPr>
-          </a:p>
-          <a:p>
-            <a:pPr marR="222250" algn="just">
-              <a:spcBef>
-                <a:spcPts val="45"/>
-              </a:spcBef>
-              <a:spcAft>
-                <a:spcPts val="0"/>
-              </a:spcAft>
-            </a:pPr>
-            <a:r>
-              <a:rPr lang="en-US" sz="2400" spc="-20" dirty="0">
-                <a:ea typeface="Calibri" panose="020F0502020204030204" pitchFamily="34" charset="0"/>
-                <a:cs typeface="Times New Roman" panose="02020603050405020304" pitchFamily="18" charset="0"/>
-              </a:rPr>
-              <a:t>Please submit by email before class on the due date</a:t>
-            </a:r>
-          </a:p>
-          <a:p>
-            <a:pPr marR="222250" algn="just">
-              <a:spcBef>
-                <a:spcPts val="45"/>
-              </a:spcBef>
-              <a:spcAft>
-                <a:spcPts val="0"/>
-              </a:spcAft>
-            </a:pPr>
-            <a:r>
-              <a:rPr lang="en-US" sz="2400" spc="-20" dirty="0">
-                <a:latin typeface="Times New Roman" panose="02020603050405020304" pitchFamily="18" charset="0"/>
-                <a:ea typeface="Calibri" panose="020F0502020204030204" pitchFamily="34" charset="0"/>
-                <a:cs typeface="Times New Roman" panose="02020603050405020304" pitchFamily="18" charset="0"/>
-              </a:rPr>
-              <a:t>Include both your code and your output</a:t>
-            </a:r>
-            <a:endParaRPr lang="en-US" sz="2400" spc="5" dirty="0">
-              <a:ea typeface="Calibri" panose="020F0502020204030204" pitchFamily="34" charset="0"/>
-              <a:cs typeface="Times New Roman" panose="02020603050405020304" pitchFamily="18" charset="0"/>
-            </a:endParaRPr>
-          </a:p>
-          <a:p>
-            <a:pPr marR="222250" algn="just">
-              <a:spcBef>
-                <a:spcPts val="45"/>
-              </a:spcBef>
-              <a:spcAft>
-                <a:spcPts val="0"/>
-              </a:spcAft>
-            </a:pPr>
-            <a:r>
-              <a:rPr lang="en-US" sz="2400" dirty="0">
-                <a:effectLst/>
-                <a:latin typeface="Times New Roman" panose="02020603050405020304" pitchFamily="18" charset="0"/>
-                <a:ea typeface="Calibri" panose="020F0502020204030204" pitchFamily="34" charset="0"/>
-                <a:cs typeface="Times New Roman" panose="02020603050405020304" pitchFamily="18" charset="0"/>
-              </a:rPr>
-              <a:t>Please </a:t>
-            </a:r>
-            <a:r>
-              <a:rPr lang="en-US" sz="2400" spc="-5" dirty="0">
-                <a:latin typeface="Times New Roman" panose="02020603050405020304" pitchFamily="18" charset="0"/>
-                <a:ea typeface="Calibri" panose="020F0502020204030204" pitchFamily="34" charset="0"/>
-                <a:cs typeface="Times New Roman" panose="02020603050405020304" pitchFamily="18" charset="0"/>
-              </a:rPr>
-              <a:t>include</a:t>
-            </a:r>
-            <a:r>
-              <a:rPr lang="en-US" sz="2400" spc="5" dirty="0">
-                <a:latin typeface="Times New Roman" panose="02020603050405020304" pitchFamily="18" charset="0"/>
-                <a:ea typeface="Calibri" panose="020F0502020204030204" pitchFamily="34" charset="0"/>
-                <a:cs typeface="Times New Roman" panose="02020603050405020304" pitchFamily="18" charset="0"/>
-              </a:rPr>
-              <a:t> “</a:t>
-            </a:r>
-            <a:r>
-              <a:rPr lang="en-US" sz="2400" dirty="0" err="1">
-                <a:solidFill>
-                  <a:srgbClr val="0070C0"/>
-                </a:solidFill>
-                <a:effectLst/>
-                <a:latin typeface="Times New Roman" panose="02020603050405020304" pitchFamily="18" charset="0"/>
-                <a:ea typeface="Calibri" panose="020F0502020204030204" pitchFamily="34" charset="0"/>
-                <a:cs typeface="Times New Roman" panose="02020603050405020304" pitchFamily="18" charset="0"/>
-              </a:rPr>
-              <a:t>Econometrics_AssignmentX_LastName</a:t>
-            </a:r>
-            <a:r>
-              <a:rPr lang="en-US" sz="2400" dirty="0">
-                <a:effectLst/>
-                <a:latin typeface="Times New Roman" panose="02020603050405020304" pitchFamily="18" charset="0"/>
-                <a:ea typeface="Calibri" panose="020F0502020204030204" pitchFamily="34" charset="0"/>
-                <a:cs typeface="Times New Roman" panose="02020603050405020304" pitchFamily="18" charset="0"/>
-              </a:rPr>
-              <a:t>”</a:t>
-            </a:r>
-            <a:r>
-              <a:rPr lang="en-US" sz="2400" spc="-45" dirty="0">
-                <a:latin typeface="Times New Roman" panose="02020603050405020304" pitchFamily="18" charset="0"/>
-                <a:ea typeface="Calibri" panose="020F0502020204030204" pitchFamily="34" charset="0"/>
-                <a:cs typeface="Times New Roman" panose="02020603050405020304" pitchFamily="18" charset="0"/>
-              </a:rPr>
-              <a:t> </a:t>
-            </a:r>
-            <a:r>
-              <a:rPr lang="en-US" sz="2400" dirty="0">
-                <a:effectLst/>
-                <a:latin typeface="Times New Roman" panose="02020603050405020304" pitchFamily="18" charset="0"/>
-                <a:ea typeface="Calibri" panose="020F0502020204030204" pitchFamily="34" charset="0"/>
-                <a:cs typeface="Times New Roman" panose="02020603050405020304" pitchFamily="18" charset="0"/>
-              </a:rPr>
-              <a:t>in</a:t>
-            </a:r>
-            <a:r>
-              <a:rPr lang="en-US" sz="2400" spc="-25" dirty="0">
-                <a:latin typeface="Times New Roman" panose="02020603050405020304" pitchFamily="18" charset="0"/>
-                <a:ea typeface="Calibri" panose="020F0502020204030204" pitchFamily="34" charset="0"/>
-                <a:cs typeface="Times New Roman" panose="02020603050405020304" pitchFamily="18" charset="0"/>
-              </a:rPr>
-              <a:t> </a:t>
-            </a:r>
-            <a:r>
-              <a:rPr lang="en-US" sz="2400" spc="-5" dirty="0">
-                <a:latin typeface="Times New Roman" panose="02020603050405020304" pitchFamily="18" charset="0"/>
-                <a:ea typeface="Calibri" panose="020F0502020204030204" pitchFamily="34" charset="0"/>
-                <a:cs typeface="Times New Roman" panose="02020603050405020304" pitchFamily="18" charset="0"/>
-              </a:rPr>
-              <a:t>subject</a:t>
-            </a:r>
-            <a:r>
-              <a:rPr lang="en-US" sz="2400" spc="-25" dirty="0">
-                <a:latin typeface="Times New Roman" panose="02020603050405020304" pitchFamily="18" charset="0"/>
-                <a:ea typeface="Calibri" panose="020F0502020204030204" pitchFamily="34" charset="0"/>
-                <a:cs typeface="Times New Roman" panose="02020603050405020304" pitchFamily="18" charset="0"/>
-              </a:rPr>
-              <a:t> </a:t>
-            </a:r>
-            <a:r>
-              <a:rPr lang="en-US" sz="2400" spc="-5" dirty="0">
-                <a:latin typeface="Times New Roman" panose="02020603050405020304" pitchFamily="18" charset="0"/>
-                <a:ea typeface="Calibri" panose="020F0502020204030204" pitchFamily="34" charset="0"/>
-                <a:cs typeface="Times New Roman" panose="02020603050405020304" pitchFamily="18" charset="0"/>
-              </a:rPr>
-              <a:t>line</a:t>
-            </a:r>
-            <a:r>
-              <a:rPr lang="en-US" sz="2400" spc="-15" dirty="0">
-                <a:latin typeface="Times New Roman" panose="02020603050405020304" pitchFamily="18" charset="0"/>
-                <a:ea typeface="Calibri" panose="020F0502020204030204" pitchFamily="34" charset="0"/>
-                <a:cs typeface="Times New Roman" panose="02020603050405020304" pitchFamily="18" charset="0"/>
-              </a:rPr>
-              <a:t> </a:t>
-            </a:r>
-            <a:endParaRPr lang="en-US" sz="2400" dirty="0">
-              <a:effectLst/>
-              <a:latin typeface="Times New Roman" panose="02020603050405020304" pitchFamily="18" charset="0"/>
-              <a:ea typeface="Calibri" panose="020F0502020204030204" pitchFamily="34" charset="0"/>
-              <a:cs typeface="Times New Roman" panose="02020603050405020304" pitchFamily="18" charset="0"/>
-            </a:endParaRPr>
+            <a:pPr lvl="1"/>
+            <a:endParaRPr lang="en-US" dirty="0"/>
+          </a:p>
+          <a:p>
+            <a:pPr lvl="1"/>
+            <a:endParaRPr lang="en-US" dirty="0"/>
           </a:p>
         </p:txBody>
       </p:sp>
       <p:sp>
         <p:nvSpPr>
-          <p:cNvPr id="5" name="Title 1">
+          <p:cNvPr id="6" name="Title 1">
             <a:extLst>
               <a:ext uri="{FF2B5EF4-FFF2-40B4-BE49-F238E27FC236}">
-                <a16:creationId xmlns:a16="http://schemas.microsoft.com/office/drawing/2014/main" id="{2CBDD2D1-2055-4095-B24C-4E07449F80A0}"/>
+                <a16:creationId xmlns:a16="http://schemas.microsoft.com/office/drawing/2014/main" id="{2447C70A-E8CD-4D7B-8C00-FF6EC3DCB236}"/>
               </a:ext>
             </a:extLst>
           </p:cNvPr>
@@ -32692,8 +29517,8 @@
         </p:nvSpPr>
         <p:spPr>
           <a:xfrm>
-            <a:off x="1261872" y="365760"/>
-            <a:ext cx="9692640" cy="777240"/>
+            <a:off x="381000" y="365760"/>
+            <a:ext cx="10573512" cy="777240"/>
           </a:xfrm>
           <a:prstGeom prst="rect">
             <a:avLst/>
@@ -32727,35 +29552,7 @@
               <a:rPr lang="en-US" dirty="0">
                 <a:latin typeface="Times New Roman" panose="02020603050405020304" pitchFamily="18" charset="0"/>
               </a:rPr>
-              <a:t>Introduction &amp; Syllabus</a:t>
-            </a:r>
-          </a:p>
-        </p:txBody>
-      </p:sp>
-      <p:sp>
-        <p:nvSpPr>
-          <p:cNvPr id="6" name="Title 5">
-            <a:extLst>
-              <a:ext uri="{FF2B5EF4-FFF2-40B4-BE49-F238E27FC236}">
-                <a16:creationId xmlns:a16="http://schemas.microsoft.com/office/drawing/2014/main" id="{7A268CAC-145E-4B1C-89BC-11BEB5C46CAA}"/>
-              </a:ext>
-            </a:extLst>
-          </p:cNvPr>
-          <p:cNvSpPr>
-            <a:spLocks noGrp="1"/>
-          </p:cNvSpPr>
-          <p:nvPr>
-            <p:ph type="title"/>
-          </p:nvPr>
-        </p:nvSpPr>
-        <p:spPr/>
-        <p:txBody>
-          <a:bodyPr/>
-          <a:lstStyle/>
-          <a:p>
-            <a:r>
-              <a:rPr lang="en-US" dirty="0"/>
-              <a:t> </a:t>
+              <a:t>What is economics?</a:t>
             </a:r>
           </a:p>
         </p:txBody>
@@ -32763,7 +29560,7 @@
     </p:spTree>
     <p:extLst>
       <p:ext uri="{BB962C8B-B14F-4D97-AF65-F5344CB8AC3E}">
-        <p14:creationId xmlns:p14="http://schemas.microsoft.com/office/powerpoint/2010/main" val="3234649230"/>
+        <p14:creationId xmlns:p14="http://schemas.microsoft.com/office/powerpoint/2010/main" val="19349082"/>
       </p:ext>
     </p:extLst>
   </p:cSld>
@@ -32792,39 +29589,6 @@
       </p:grpSpPr>
       <p:sp>
         <p:nvSpPr>
-          <p:cNvPr id="2" name="Title 1">
-            <a:extLst>
-              <a:ext uri="{FF2B5EF4-FFF2-40B4-BE49-F238E27FC236}">
-                <a16:creationId xmlns:a16="http://schemas.microsoft.com/office/drawing/2014/main" id="{E54BD568-A3DE-4D27-9652-A8CF021A9E7A}"/>
-              </a:ext>
-            </a:extLst>
-          </p:cNvPr>
-          <p:cNvSpPr>
-            <a:spLocks noGrp="1"/>
-          </p:cNvSpPr>
-          <p:nvPr>
-            <p:ph type="title"/>
-          </p:nvPr>
-        </p:nvSpPr>
-        <p:spPr>
-          <a:xfrm>
-            <a:off x="2470404" y="337710"/>
-            <a:ext cx="7269480" cy="1325562"/>
-          </a:xfrm>
-        </p:spPr>
-        <p:txBody>
-          <a:bodyPr/>
-          <a:lstStyle/>
-          <a:p>
-            <a:r>
-              <a:rPr lang="en-US" dirty="0"/>
-              <a:t> </a:t>
-            </a:r>
-          </a:p>
-        </p:txBody>
-      </p:sp>
-      <p:sp>
-        <p:nvSpPr>
           <p:cNvPr id="4" name="Content Placeholder 3">
             <a:extLst>
               <a:ext uri="{FF2B5EF4-FFF2-40B4-BE49-F238E27FC236}">
@@ -32841,975 +29605,29 @@
         </p:nvSpPr>
         <p:spPr>
           <a:xfrm>
-            <a:off x="1261872" y="1219200"/>
-            <a:ext cx="9787128" cy="5486401"/>
+            <a:off x="2470404" y="1608139"/>
+            <a:ext cx="7359396" cy="4572000"/>
           </a:xfrm>
         </p:spPr>
         <p:txBody>
-          <a:bodyPr>
-            <a:noAutofit/>
-          </a:bodyPr>
+          <a:bodyPr/>
           <a:lstStyle/>
           <a:p>
-            <a:pPr marL="0" indent="0" algn="just">
-              <a:spcBef>
-                <a:spcPts val="0"/>
-              </a:spcBef>
-              <a:spcAft>
-                <a:spcPts val="0"/>
-              </a:spcAft>
-              <a:buNone/>
-            </a:pPr>
-            <a:r>
-              <a:rPr lang="en-US" sz="2400" b="1" dirty="0">
-                <a:solidFill>
-                  <a:srgbClr val="0070C0"/>
-                </a:solidFill>
-                <a:effectLst/>
-                <a:latin typeface="Times New Roman" panose="02020603050405020304" pitchFamily="18" charset="0"/>
-                <a:ea typeface="Calibri" panose="020F0502020204030204" pitchFamily="34" charset="0"/>
-                <a:cs typeface="Times New Roman" panose="02020603050405020304" pitchFamily="18" charset="0"/>
-              </a:rPr>
-              <a:t>Evaluation</a:t>
-            </a:r>
-            <a:r>
-              <a:rPr lang="en-US" sz="2400" b="1" spc="-25" dirty="0">
-                <a:solidFill>
-                  <a:srgbClr val="0070C0"/>
-                </a:solidFill>
-                <a:latin typeface="Times New Roman" panose="02020603050405020304" pitchFamily="18" charset="0"/>
-                <a:ea typeface="Calibri" panose="020F0502020204030204" pitchFamily="34" charset="0"/>
-                <a:cs typeface="Times New Roman" panose="02020603050405020304" pitchFamily="18" charset="0"/>
-              </a:rPr>
-              <a:t> </a:t>
-            </a:r>
-            <a:r>
-              <a:rPr lang="en-US" sz="2400" b="1" dirty="0">
-                <a:solidFill>
-                  <a:srgbClr val="0070C0"/>
-                </a:solidFill>
-                <a:effectLst/>
-                <a:latin typeface="Times New Roman" panose="02020603050405020304" pitchFamily="18" charset="0"/>
-                <a:ea typeface="Calibri" panose="020F0502020204030204" pitchFamily="34" charset="0"/>
-                <a:cs typeface="Times New Roman" panose="02020603050405020304" pitchFamily="18" charset="0"/>
-              </a:rPr>
-              <a:t>Criteria</a:t>
-            </a:r>
-            <a:endParaRPr lang="en-US" sz="2400" dirty="0">
-              <a:solidFill>
-                <a:srgbClr val="0070C0"/>
-              </a:solidFill>
-              <a:effectLst/>
-              <a:latin typeface="Times New Roman" panose="02020603050405020304" pitchFamily="18" charset="0"/>
-              <a:ea typeface="Calibri" panose="020F0502020204030204" pitchFamily="34" charset="0"/>
-              <a:cs typeface="Times New Roman" panose="02020603050405020304" pitchFamily="18" charset="0"/>
-            </a:endParaRPr>
-          </a:p>
-          <a:p>
-            <a:pPr marL="342900" marR="222250" indent="-342900" algn="just">
-              <a:spcBef>
-                <a:spcPts val="45"/>
-              </a:spcBef>
-              <a:spcAft>
-                <a:spcPts val="0"/>
-              </a:spcAft>
-              <a:buFont typeface="Symbol" panose="05050102010706020507" pitchFamily="18" charset="2"/>
-              <a:buChar char=""/>
-            </a:pPr>
-            <a:r>
-              <a:rPr lang="en-US" sz="2400" u="sng" dirty="0">
-                <a:effectLst/>
-                <a:latin typeface="Times New Roman" panose="02020603050405020304" pitchFamily="18" charset="0"/>
-                <a:ea typeface="Calibri" panose="020F0502020204030204" pitchFamily="34" charset="0"/>
-                <a:cs typeface="Times New Roman" panose="02020603050405020304" pitchFamily="18" charset="0"/>
-              </a:rPr>
-              <a:t>Assignments</a:t>
-            </a:r>
-            <a:r>
-              <a:rPr lang="en-US" sz="2400" dirty="0">
-                <a:effectLst/>
-                <a:latin typeface="Times New Roman" panose="02020603050405020304" pitchFamily="18" charset="0"/>
-                <a:ea typeface="Calibri" panose="020F0502020204030204" pitchFamily="34" charset="0"/>
-                <a:cs typeface="Times New Roman" panose="02020603050405020304" pitchFamily="18" charset="0"/>
-              </a:rPr>
-              <a:t>:</a:t>
-            </a:r>
-            <a:r>
-              <a:rPr lang="en-US" sz="2400" spc="-50" dirty="0">
-                <a:latin typeface="Times New Roman" panose="02020603050405020304" pitchFamily="18" charset="0"/>
-                <a:ea typeface="Calibri" panose="020F0502020204030204" pitchFamily="34" charset="0"/>
-                <a:cs typeface="Times New Roman" panose="02020603050405020304" pitchFamily="18" charset="0"/>
-              </a:rPr>
-              <a:t> 3 </a:t>
-            </a:r>
-            <a:r>
-              <a:rPr lang="en-US" sz="2400" dirty="0">
-                <a:effectLst/>
-                <a:latin typeface="Times New Roman" panose="02020603050405020304" pitchFamily="18" charset="0"/>
-                <a:ea typeface="Calibri" panose="020F0502020204030204" pitchFamily="34" charset="0"/>
-                <a:cs typeface="Times New Roman" panose="02020603050405020304" pitchFamily="18" charset="0"/>
-              </a:rPr>
-              <a:t>assignments,</a:t>
-            </a:r>
-            <a:r>
-              <a:rPr lang="en-US" sz="2400" spc="-25" dirty="0">
-                <a:latin typeface="Times New Roman" panose="02020603050405020304" pitchFamily="18" charset="0"/>
-                <a:ea typeface="Calibri" panose="020F0502020204030204" pitchFamily="34" charset="0"/>
-                <a:cs typeface="Times New Roman" panose="02020603050405020304" pitchFamily="18" charset="0"/>
-              </a:rPr>
-              <a:t> </a:t>
-            </a:r>
-            <a:r>
-              <a:rPr lang="en-US" sz="2400" dirty="0">
-                <a:effectLst/>
-                <a:latin typeface="Times New Roman" panose="02020603050405020304" pitchFamily="18" charset="0"/>
-                <a:ea typeface="Calibri" panose="020F0502020204030204" pitchFamily="34" charset="0"/>
-                <a:cs typeface="Times New Roman" panose="02020603050405020304" pitchFamily="18" charset="0"/>
-              </a:rPr>
-              <a:t>each</a:t>
-            </a:r>
-            <a:r>
-              <a:rPr lang="en-US" sz="2400" spc="-30" dirty="0">
-                <a:latin typeface="Times New Roman" panose="02020603050405020304" pitchFamily="18" charset="0"/>
-                <a:ea typeface="Calibri" panose="020F0502020204030204" pitchFamily="34" charset="0"/>
-                <a:cs typeface="Times New Roman" panose="02020603050405020304" pitchFamily="18" charset="0"/>
-              </a:rPr>
-              <a:t> </a:t>
-            </a:r>
-            <a:r>
-              <a:rPr lang="en-US" sz="2400" dirty="0">
-                <a:effectLst/>
-                <a:latin typeface="Times New Roman" panose="02020603050405020304" pitchFamily="18" charset="0"/>
-                <a:ea typeface="Calibri" panose="020F0502020204030204" pitchFamily="34" charset="0"/>
-                <a:cs typeface="Times New Roman" panose="02020603050405020304" pitchFamily="18" charset="0"/>
-              </a:rPr>
-              <a:t>worth</a:t>
-            </a:r>
-            <a:r>
-              <a:rPr lang="en-US" sz="2400" spc="-15" dirty="0">
-                <a:latin typeface="Times New Roman" panose="02020603050405020304" pitchFamily="18" charset="0"/>
-                <a:ea typeface="Calibri" panose="020F0502020204030204" pitchFamily="34" charset="0"/>
-                <a:cs typeface="Times New Roman" panose="02020603050405020304" pitchFamily="18" charset="0"/>
-              </a:rPr>
-              <a:t> </a:t>
-            </a:r>
-            <a:r>
-              <a:rPr lang="en-US" sz="2400" dirty="0">
-                <a:effectLst/>
-                <a:latin typeface="Times New Roman" panose="02020603050405020304" pitchFamily="18" charset="0"/>
-                <a:ea typeface="Calibri" panose="020F0502020204030204" pitchFamily="34" charset="0"/>
-                <a:cs typeface="Times New Roman" panose="02020603050405020304" pitchFamily="18" charset="0"/>
-              </a:rPr>
-              <a:t>20%</a:t>
-            </a:r>
-            <a:r>
-              <a:rPr lang="en-US" sz="2400" spc="-20" dirty="0">
-                <a:latin typeface="Times New Roman" panose="02020603050405020304" pitchFamily="18" charset="0"/>
-                <a:ea typeface="Calibri" panose="020F0502020204030204" pitchFamily="34" charset="0"/>
-                <a:cs typeface="Times New Roman" panose="02020603050405020304" pitchFamily="18" charset="0"/>
-              </a:rPr>
-              <a:t> </a:t>
-            </a:r>
-            <a:r>
-              <a:rPr lang="en-US" sz="2400" dirty="0">
-                <a:effectLst/>
-                <a:latin typeface="Times New Roman" panose="02020603050405020304" pitchFamily="18" charset="0"/>
-                <a:ea typeface="Calibri" panose="020F0502020204030204" pitchFamily="34" charset="0"/>
-                <a:cs typeface="Times New Roman" panose="02020603050405020304" pitchFamily="18" charset="0"/>
-              </a:rPr>
-              <a:t>of</a:t>
-            </a:r>
-            <a:r>
-              <a:rPr lang="en-US" sz="2400" spc="-20" dirty="0">
-                <a:latin typeface="Times New Roman" panose="02020603050405020304" pitchFamily="18" charset="0"/>
-                <a:ea typeface="Calibri" panose="020F0502020204030204" pitchFamily="34" charset="0"/>
-                <a:cs typeface="Times New Roman" panose="02020603050405020304" pitchFamily="18" charset="0"/>
-              </a:rPr>
-              <a:t> </a:t>
-            </a:r>
-            <a:r>
-              <a:rPr lang="en-US" sz="2400" dirty="0">
-                <a:effectLst/>
-                <a:latin typeface="Times New Roman" panose="02020603050405020304" pitchFamily="18" charset="0"/>
-                <a:ea typeface="Calibri" panose="020F0502020204030204" pitchFamily="34" charset="0"/>
-                <a:cs typeface="Times New Roman" panose="02020603050405020304" pitchFamily="18" charset="0"/>
-              </a:rPr>
-              <a:t>the</a:t>
-            </a:r>
-            <a:r>
-              <a:rPr lang="en-US" sz="2400" spc="-20" dirty="0">
-                <a:latin typeface="Times New Roman" panose="02020603050405020304" pitchFamily="18" charset="0"/>
-                <a:ea typeface="Calibri" panose="020F0502020204030204" pitchFamily="34" charset="0"/>
-                <a:cs typeface="Times New Roman" panose="02020603050405020304" pitchFamily="18" charset="0"/>
-              </a:rPr>
-              <a:t> </a:t>
-            </a:r>
-            <a:r>
-              <a:rPr lang="en-US" sz="2400" dirty="0">
-                <a:effectLst/>
-                <a:latin typeface="Times New Roman" panose="02020603050405020304" pitchFamily="18" charset="0"/>
-                <a:ea typeface="Calibri" panose="020F0502020204030204" pitchFamily="34" charset="0"/>
-                <a:cs typeface="Times New Roman" panose="02020603050405020304" pitchFamily="18" charset="0"/>
-              </a:rPr>
-              <a:t>final</a:t>
-            </a:r>
-            <a:r>
-              <a:rPr lang="en-US" sz="2400" spc="-15" dirty="0">
-                <a:latin typeface="Times New Roman" panose="02020603050405020304" pitchFamily="18" charset="0"/>
-                <a:ea typeface="Calibri" panose="020F0502020204030204" pitchFamily="34" charset="0"/>
-                <a:cs typeface="Times New Roman" panose="02020603050405020304" pitchFamily="18" charset="0"/>
-              </a:rPr>
-              <a:t> </a:t>
-            </a:r>
-            <a:r>
-              <a:rPr lang="en-US" sz="2400" dirty="0">
-                <a:effectLst/>
-                <a:latin typeface="Times New Roman" panose="02020603050405020304" pitchFamily="18" charset="0"/>
-                <a:ea typeface="Calibri" panose="020F0502020204030204" pitchFamily="34" charset="0"/>
-                <a:cs typeface="Times New Roman" panose="02020603050405020304" pitchFamily="18" charset="0"/>
-              </a:rPr>
-              <a:t>grade.</a:t>
-            </a:r>
-            <a:r>
-              <a:rPr lang="en-US" sz="2400" spc="-20" dirty="0">
-                <a:latin typeface="Times New Roman" panose="02020603050405020304" pitchFamily="18" charset="0"/>
-                <a:ea typeface="Calibri" panose="020F0502020204030204" pitchFamily="34" charset="0"/>
-                <a:cs typeface="Times New Roman" panose="02020603050405020304" pitchFamily="18" charset="0"/>
-              </a:rPr>
-              <a:t> </a:t>
-            </a:r>
-            <a:endParaRPr lang="en-US" sz="2400" dirty="0">
-              <a:effectLst/>
-              <a:latin typeface="Times New Roman" panose="02020603050405020304" pitchFamily="18" charset="0"/>
-              <a:ea typeface="Calibri" panose="020F0502020204030204" pitchFamily="34" charset="0"/>
-              <a:cs typeface="Times New Roman" panose="02020603050405020304" pitchFamily="18" charset="0"/>
-            </a:endParaRPr>
-          </a:p>
-          <a:p>
-            <a:pPr marL="342900" marR="222250" indent="-342900" algn="just">
-              <a:spcBef>
-                <a:spcPts val="45"/>
-              </a:spcBef>
-              <a:spcAft>
-                <a:spcPts val="0"/>
-              </a:spcAft>
-              <a:buFont typeface="Symbol" panose="05050102010706020507" pitchFamily="18" charset="2"/>
-              <a:buChar char=""/>
-            </a:pPr>
-            <a:r>
-              <a:rPr lang="en-US" sz="2400" u="sng" dirty="0">
-                <a:effectLst/>
-                <a:latin typeface="Times New Roman" panose="02020603050405020304" pitchFamily="18" charset="0"/>
-                <a:ea typeface="Calibri" panose="020F0502020204030204" pitchFamily="34" charset="0"/>
-                <a:cs typeface="Times New Roman" panose="02020603050405020304" pitchFamily="18" charset="0"/>
-              </a:rPr>
-              <a:t>Major Paper</a:t>
-            </a:r>
-            <a:r>
-              <a:rPr lang="en-US" sz="2400" dirty="0">
-                <a:effectLst/>
-                <a:latin typeface="Times New Roman" panose="02020603050405020304" pitchFamily="18" charset="0"/>
-                <a:ea typeface="Calibri" panose="020F0502020204030204" pitchFamily="34" charset="0"/>
-                <a:cs typeface="Times New Roman" panose="02020603050405020304" pitchFamily="18" charset="0"/>
-              </a:rPr>
-              <a:t>: worth 40% of the final grade. </a:t>
-            </a:r>
-          </a:p>
-          <a:p>
-            <a:pPr marL="0" marR="222250" indent="0" algn="just">
-              <a:lnSpc>
-                <a:spcPct val="100000"/>
-              </a:lnSpc>
-              <a:spcBef>
-                <a:spcPts val="45"/>
-              </a:spcBef>
-              <a:spcAft>
-                <a:spcPts val="0"/>
-              </a:spcAft>
-              <a:buNone/>
-            </a:pPr>
-            <a:endParaRPr lang="en-US" sz="2400" dirty="0">
-              <a:latin typeface="Times New Roman" panose="02020603050405020304" pitchFamily="18" charset="0"/>
-              <a:ea typeface="Calibri" panose="020F0502020204030204" pitchFamily="34" charset="0"/>
-              <a:cs typeface="Times New Roman" panose="02020603050405020304" pitchFamily="18" charset="0"/>
-            </a:endParaRPr>
-          </a:p>
-          <a:p>
-            <a:pPr marL="0" marR="73660" indent="0">
-              <a:lnSpc>
-                <a:spcPct val="100000"/>
-              </a:lnSpc>
-              <a:spcBef>
-                <a:spcPts val="0"/>
-              </a:spcBef>
-              <a:spcAft>
-                <a:spcPts val="0"/>
-              </a:spcAft>
-              <a:buNone/>
-            </a:pPr>
-            <a:r>
-              <a:rPr lang="en-US" sz="2400" u="sng" spc="-5" dirty="0">
-                <a:latin typeface="Times New Roman" panose="02020603050405020304" pitchFamily="18" charset="0"/>
-                <a:ea typeface="Calibri" panose="020F0502020204030204" pitchFamily="34" charset="0"/>
-                <a:cs typeface="Times New Roman" panose="02020603050405020304" pitchFamily="18" charset="0"/>
-              </a:rPr>
-              <a:t>Ma</a:t>
-            </a:r>
-            <a:r>
-              <a:rPr lang="en-US" sz="2400" u="sng" spc="-10" dirty="0">
-                <a:latin typeface="Times New Roman" panose="02020603050405020304" pitchFamily="18" charset="0"/>
-                <a:ea typeface="Calibri" panose="020F0502020204030204" pitchFamily="34" charset="0"/>
-                <a:cs typeface="Times New Roman" panose="02020603050405020304" pitchFamily="18" charset="0"/>
-              </a:rPr>
-              <a:t>j</a:t>
-            </a:r>
-            <a:r>
-              <a:rPr lang="en-US" sz="2400" u="sng" spc="-5" dirty="0">
-                <a:latin typeface="Times New Roman" panose="02020603050405020304" pitchFamily="18" charset="0"/>
-                <a:ea typeface="Calibri" panose="020F0502020204030204" pitchFamily="34" charset="0"/>
-                <a:cs typeface="Times New Roman" panose="02020603050405020304" pitchFamily="18" charset="0"/>
-              </a:rPr>
-              <a:t>or</a:t>
-            </a:r>
-            <a:r>
-              <a:rPr lang="en-US" sz="2400" u="sng" spc="-25" dirty="0">
-                <a:latin typeface="Times New Roman" panose="02020603050405020304" pitchFamily="18" charset="0"/>
-                <a:ea typeface="Calibri" panose="020F0502020204030204" pitchFamily="34" charset="0"/>
-                <a:cs typeface="Times New Roman" panose="02020603050405020304" pitchFamily="18" charset="0"/>
-              </a:rPr>
-              <a:t> </a:t>
-            </a:r>
-            <a:r>
-              <a:rPr lang="en-US" sz="2400" u="sng" spc="-5" dirty="0">
-                <a:latin typeface="Times New Roman" panose="02020603050405020304" pitchFamily="18" charset="0"/>
-                <a:ea typeface="Calibri" panose="020F0502020204030204" pitchFamily="34" charset="0"/>
-                <a:cs typeface="Times New Roman" panose="02020603050405020304" pitchFamily="18" charset="0"/>
-              </a:rPr>
-              <a:t>paper</a:t>
-            </a:r>
-            <a:r>
-              <a:rPr lang="en-US" sz="2400" b="1" spc="-5" dirty="0">
-                <a:latin typeface="Times New Roman" panose="02020603050405020304" pitchFamily="18" charset="0"/>
-                <a:ea typeface="Calibri" panose="020F0502020204030204" pitchFamily="34" charset="0"/>
-                <a:cs typeface="Times New Roman" panose="02020603050405020304" pitchFamily="18" charset="0"/>
-              </a:rPr>
-              <a:t>:</a:t>
-            </a:r>
-            <a:r>
-              <a:rPr lang="en-US" sz="2400" spc="-30" dirty="0">
-                <a:latin typeface="Times New Roman" panose="02020603050405020304" pitchFamily="18" charset="0"/>
-                <a:ea typeface="Calibri" panose="020F0502020204030204" pitchFamily="34" charset="0"/>
-                <a:cs typeface="Times New Roman" panose="02020603050405020304" pitchFamily="18" charset="0"/>
-              </a:rPr>
-              <a:t> I</a:t>
-            </a:r>
-            <a:r>
-              <a:rPr lang="en-US" sz="2400" spc="-5" dirty="0">
-                <a:latin typeface="Times New Roman" panose="02020603050405020304" pitchFamily="18" charset="0"/>
-                <a:ea typeface="Calibri" panose="020F0502020204030204" pitchFamily="34" charset="0"/>
-                <a:cs typeface="Times New Roman" panose="02020603050405020304" pitchFamily="18" charset="0"/>
-              </a:rPr>
-              <a:t>nvestigation</a:t>
-            </a:r>
-            <a:r>
-              <a:rPr lang="en-US" sz="2400" spc="415" dirty="0">
-                <a:latin typeface="Times New Roman" panose="02020603050405020304" pitchFamily="18" charset="0"/>
-                <a:ea typeface="Calibri" panose="020F0502020204030204" pitchFamily="34" charset="0"/>
-                <a:cs typeface="Times New Roman" panose="02020603050405020304" pitchFamily="18" charset="0"/>
-              </a:rPr>
-              <a:t> </a:t>
-            </a:r>
-            <a:r>
-              <a:rPr lang="en-US" sz="2400" dirty="0">
-                <a:effectLst/>
-                <a:latin typeface="Times New Roman" panose="02020603050405020304" pitchFamily="18" charset="0"/>
-                <a:ea typeface="Calibri" panose="020F0502020204030204" pitchFamily="34" charset="0"/>
-                <a:cs typeface="Times New Roman" panose="02020603050405020304" pitchFamily="18" charset="0"/>
-              </a:rPr>
-              <a:t>of</a:t>
-            </a:r>
-            <a:r>
-              <a:rPr lang="en-US" sz="2400" spc="-35" dirty="0">
-                <a:latin typeface="Times New Roman" panose="02020603050405020304" pitchFamily="18" charset="0"/>
-                <a:ea typeface="Calibri" panose="020F0502020204030204" pitchFamily="34" charset="0"/>
-                <a:cs typeface="Times New Roman" panose="02020603050405020304" pitchFamily="18" charset="0"/>
-              </a:rPr>
-              <a:t> </a:t>
-            </a:r>
-            <a:r>
-              <a:rPr lang="en-US" sz="2400" dirty="0">
-                <a:effectLst/>
-                <a:latin typeface="Times New Roman" panose="02020603050405020304" pitchFamily="18" charset="0"/>
-                <a:ea typeface="Calibri" panose="020F0502020204030204" pitchFamily="34" charset="0"/>
-                <a:cs typeface="Times New Roman" panose="02020603050405020304" pitchFamily="18" charset="0"/>
-              </a:rPr>
-              <a:t>a</a:t>
-            </a:r>
-            <a:r>
-              <a:rPr lang="en-US" sz="2400" spc="-50" dirty="0">
-                <a:latin typeface="Times New Roman" panose="02020603050405020304" pitchFamily="18" charset="0"/>
-                <a:ea typeface="Calibri" panose="020F0502020204030204" pitchFamily="34" charset="0"/>
-                <a:cs typeface="Times New Roman" panose="02020603050405020304" pitchFamily="18" charset="0"/>
-              </a:rPr>
-              <a:t> </a:t>
-            </a:r>
-            <a:r>
-              <a:rPr lang="en-US" sz="2400" dirty="0">
-                <a:effectLst/>
-                <a:latin typeface="Times New Roman" panose="02020603050405020304" pitchFamily="18" charset="0"/>
-                <a:ea typeface="Calibri" panose="020F0502020204030204" pitchFamily="34" charset="0"/>
-                <a:cs typeface="Times New Roman" panose="02020603050405020304" pitchFamily="18" charset="0"/>
-              </a:rPr>
-              <a:t>research</a:t>
-            </a:r>
-            <a:r>
-              <a:rPr lang="en-US" sz="2400" spc="-45" dirty="0">
-                <a:latin typeface="Times New Roman" panose="02020603050405020304" pitchFamily="18" charset="0"/>
-                <a:ea typeface="Calibri" panose="020F0502020204030204" pitchFamily="34" charset="0"/>
-                <a:cs typeface="Times New Roman" panose="02020603050405020304" pitchFamily="18" charset="0"/>
-              </a:rPr>
-              <a:t> </a:t>
-            </a:r>
-            <a:r>
-              <a:rPr lang="en-US" sz="2400" spc="-5" dirty="0">
-                <a:latin typeface="Times New Roman" panose="02020603050405020304" pitchFamily="18" charset="0"/>
-                <a:ea typeface="Calibri" panose="020F0502020204030204" pitchFamily="34" charset="0"/>
-                <a:cs typeface="Times New Roman" panose="02020603050405020304" pitchFamily="18" charset="0"/>
-              </a:rPr>
-              <a:t>question</a:t>
-            </a:r>
-            <a:r>
-              <a:rPr lang="en-US" sz="2400" spc="-35" dirty="0">
-                <a:latin typeface="Times New Roman" panose="02020603050405020304" pitchFamily="18" charset="0"/>
-                <a:ea typeface="Calibri" panose="020F0502020204030204" pitchFamily="34" charset="0"/>
-                <a:cs typeface="Times New Roman" panose="02020603050405020304" pitchFamily="18" charset="0"/>
-              </a:rPr>
-              <a:t> </a:t>
-            </a:r>
-            <a:r>
-              <a:rPr lang="en-US" sz="2400" dirty="0">
-                <a:effectLst/>
-                <a:latin typeface="Times New Roman" panose="02020603050405020304" pitchFamily="18" charset="0"/>
-                <a:ea typeface="Calibri" panose="020F0502020204030204" pitchFamily="34" charset="0"/>
-                <a:cs typeface="Times New Roman" panose="02020603050405020304" pitchFamily="18" charset="0"/>
-              </a:rPr>
-              <a:t>of</a:t>
-            </a:r>
-            <a:r>
-              <a:rPr lang="en-US" sz="2400" spc="-45" dirty="0">
-                <a:latin typeface="Times New Roman" panose="02020603050405020304" pitchFamily="18" charset="0"/>
-                <a:ea typeface="Calibri" panose="020F0502020204030204" pitchFamily="34" charset="0"/>
-                <a:cs typeface="Times New Roman" panose="02020603050405020304" pitchFamily="18" charset="0"/>
-              </a:rPr>
-              <a:t> </a:t>
-            </a:r>
-            <a:r>
-              <a:rPr lang="en-US" sz="2400" dirty="0">
-                <a:effectLst/>
-                <a:latin typeface="Times New Roman" panose="02020603050405020304" pitchFamily="18" charset="0"/>
-                <a:ea typeface="Calibri" panose="020F0502020204030204" pitchFamily="34" charset="0"/>
-                <a:cs typeface="Times New Roman" panose="02020603050405020304" pitchFamily="18" charset="0"/>
-              </a:rPr>
-              <a:t>your</a:t>
-            </a:r>
-            <a:r>
-              <a:rPr lang="en-US" sz="2400" spc="-40" dirty="0">
-                <a:latin typeface="Times New Roman" panose="02020603050405020304" pitchFamily="18" charset="0"/>
-                <a:ea typeface="Calibri" panose="020F0502020204030204" pitchFamily="34" charset="0"/>
-                <a:cs typeface="Times New Roman" panose="02020603050405020304" pitchFamily="18" charset="0"/>
-              </a:rPr>
-              <a:t> </a:t>
-            </a:r>
-            <a:r>
-              <a:rPr lang="en-US" sz="2400" dirty="0">
-                <a:effectLst/>
-                <a:latin typeface="Times New Roman" panose="02020603050405020304" pitchFamily="18" charset="0"/>
-                <a:ea typeface="Calibri" panose="020F0502020204030204" pitchFamily="34" charset="0"/>
-                <a:cs typeface="Times New Roman" panose="02020603050405020304" pitchFamily="18" charset="0"/>
-              </a:rPr>
-              <a:t>own</a:t>
-            </a:r>
-            <a:r>
-              <a:rPr lang="en-US" sz="2400" spc="-40" dirty="0">
-                <a:latin typeface="Times New Roman" panose="02020603050405020304" pitchFamily="18" charset="0"/>
-                <a:ea typeface="Calibri" panose="020F0502020204030204" pitchFamily="34" charset="0"/>
-                <a:cs typeface="Times New Roman" panose="02020603050405020304" pitchFamily="18" charset="0"/>
-              </a:rPr>
-              <a:t> </a:t>
-            </a:r>
-            <a:r>
-              <a:rPr lang="en-US" sz="2400" dirty="0">
-                <a:effectLst/>
-                <a:latin typeface="Times New Roman" panose="02020603050405020304" pitchFamily="18" charset="0"/>
-                <a:ea typeface="Calibri" panose="020F0502020204030204" pitchFamily="34" charset="0"/>
-                <a:cs typeface="Times New Roman" panose="02020603050405020304" pitchFamily="18" charset="0"/>
-              </a:rPr>
-              <a:t>choosing</a:t>
-            </a:r>
-            <a:r>
-              <a:rPr lang="en-US" sz="2400" spc="-40" dirty="0">
-                <a:latin typeface="Times New Roman" panose="02020603050405020304" pitchFamily="18" charset="0"/>
-                <a:ea typeface="Calibri" panose="020F0502020204030204" pitchFamily="34" charset="0"/>
-                <a:cs typeface="Times New Roman" panose="02020603050405020304" pitchFamily="18" charset="0"/>
-              </a:rPr>
-              <a:t> </a:t>
-            </a:r>
-          </a:p>
-          <a:p>
-            <a:pPr marR="73660">
-              <a:lnSpc>
-                <a:spcPct val="100000"/>
-              </a:lnSpc>
-              <a:spcBef>
-                <a:spcPts val="0"/>
-              </a:spcBef>
-              <a:spcAft>
-                <a:spcPts val="0"/>
-              </a:spcAft>
-            </a:pPr>
-            <a:r>
-              <a:rPr lang="en-US" sz="2400" b="1" u="sng" dirty="0">
-                <a:solidFill>
-                  <a:srgbClr val="0070C0"/>
-                </a:solidFill>
-                <a:effectLst/>
-                <a:latin typeface="Times New Roman" panose="02020603050405020304" pitchFamily="18" charset="0"/>
-                <a:ea typeface="Calibri" panose="020F0502020204030204" pitchFamily="34" charset="0"/>
-                <a:cs typeface="Times New Roman" panose="02020603050405020304" pitchFamily="18" charset="0"/>
-              </a:rPr>
-              <a:t>Pair up in groups of two or three to produce a paper.</a:t>
-            </a:r>
-          </a:p>
-          <a:p>
-            <a:pPr marR="73660">
-              <a:lnSpc>
-                <a:spcPct val="100000"/>
-              </a:lnSpc>
-              <a:spcBef>
-                <a:spcPts val="0"/>
-              </a:spcBef>
-              <a:spcAft>
-                <a:spcPts val="0"/>
-              </a:spcAft>
-            </a:pPr>
-            <a:r>
-              <a:rPr lang="en-US" sz="2400" spc="-5" dirty="0">
-                <a:latin typeface="Times New Roman" panose="02020603050405020304" pitchFamily="18" charset="0"/>
-                <a:ea typeface="Calibri" panose="020F0502020204030204" pitchFamily="34" charset="0"/>
-                <a:cs typeface="Times New Roman" panose="02020603050405020304" pitchFamily="18" charset="0"/>
-              </a:rPr>
-              <a:t>O</a:t>
-            </a:r>
-            <a:r>
-              <a:rPr lang="en-US" sz="2400" dirty="0">
-                <a:effectLst/>
-                <a:latin typeface="Times New Roman" panose="02020603050405020304" pitchFamily="18" charset="0"/>
-                <a:ea typeface="Calibri" panose="020F0502020204030204" pitchFamily="34" charset="0"/>
-                <a:cs typeface="Times New Roman" panose="02020603050405020304" pitchFamily="18" charset="0"/>
-              </a:rPr>
-              <a:t>utline</a:t>
-            </a:r>
-            <a:r>
-              <a:rPr lang="en-US" sz="2400" spc="55" dirty="0">
-                <a:latin typeface="Times New Roman" panose="02020603050405020304" pitchFamily="18" charset="0"/>
-                <a:ea typeface="Calibri" panose="020F0502020204030204" pitchFamily="34" charset="0"/>
-                <a:cs typeface="Times New Roman" panose="02020603050405020304" pitchFamily="18" charset="0"/>
-              </a:rPr>
-              <a:t> </a:t>
-            </a:r>
-            <a:r>
-              <a:rPr lang="en-US" sz="2400" dirty="0">
-                <a:effectLst/>
-                <a:latin typeface="Times New Roman" panose="02020603050405020304" pitchFamily="18" charset="0"/>
-                <a:ea typeface="Calibri" panose="020F0502020204030204" pitchFamily="34" charset="0"/>
-                <a:cs typeface="Times New Roman" panose="02020603050405020304" pitchFamily="18" charset="0"/>
-              </a:rPr>
-              <a:t>of</a:t>
-            </a:r>
-            <a:r>
-              <a:rPr lang="en-US" sz="2400" spc="40" dirty="0">
-                <a:latin typeface="Times New Roman" panose="02020603050405020304" pitchFamily="18" charset="0"/>
-                <a:ea typeface="Calibri" panose="020F0502020204030204" pitchFamily="34" charset="0"/>
-                <a:cs typeface="Times New Roman" panose="02020603050405020304" pitchFamily="18" charset="0"/>
-              </a:rPr>
-              <a:t> </a:t>
-            </a:r>
-            <a:r>
-              <a:rPr lang="en-US" sz="2400" spc="-5" dirty="0">
-                <a:latin typeface="Times New Roman" panose="02020603050405020304" pitchFamily="18" charset="0"/>
-                <a:ea typeface="Calibri" panose="020F0502020204030204" pitchFamily="34" charset="0"/>
-                <a:cs typeface="Times New Roman" panose="02020603050405020304" pitchFamily="18" charset="0"/>
-              </a:rPr>
-              <a:t>major</a:t>
-            </a:r>
-            <a:r>
-              <a:rPr lang="en-US" sz="2400" spc="45" dirty="0">
-                <a:latin typeface="Times New Roman" panose="02020603050405020304" pitchFamily="18" charset="0"/>
-                <a:ea typeface="Calibri" panose="020F0502020204030204" pitchFamily="34" charset="0"/>
-                <a:cs typeface="Times New Roman" panose="02020603050405020304" pitchFamily="18" charset="0"/>
-              </a:rPr>
-              <a:t> </a:t>
-            </a:r>
-            <a:r>
-              <a:rPr lang="en-US" sz="2400" dirty="0">
-                <a:effectLst/>
-                <a:latin typeface="Times New Roman" panose="02020603050405020304" pitchFamily="18" charset="0"/>
-                <a:ea typeface="Calibri" panose="020F0502020204030204" pitchFamily="34" charset="0"/>
-                <a:cs typeface="Times New Roman" panose="02020603050405020304" pitchFamily="18" charset="0"/>
-              </a:rPr>
-              <a:t>paper</a:t>
-            </a:r>
-            <a:r>
-              <a:rPr lang="en-US" sz="2400" spc="65" dirty="0">
-                <a:latin typeface="Times New Roman" panose="02020603050405020304" pitchFamily="18" charset="0"/>
-                <a:ea typeface="Calibri" panose="020F0502020204030204" pitchFamily="34" charset="0"/>
-                <a:cs typeface="Times New Roman" panose="02020603050405020304" pitchFamily="18" charset="0"/>
-              </a:rPr>
-              <a:t> </a:t>
-            </a:r>
-            <a:r>
-              <a:rPr lang="en-US" sz="2400" spc="-5" dirty="0">
-                <a:latin typeface="Times New Roman" panose="02020603050405020304" pitchFamily="18" charset="0"/>
-                <a:ea typeface="Calibri" panose="020F0502020204030204" pitchFamily="34" charset="0"/>
-                <a:cs typeface="Times New Roman" panose="02020603050405020304" pitchFamily="18" charset="0"/>
-              </a:rPr>
-              <a:t>due</a:t>
-            </a:r>
-            <a:r>
-              <a:rPr lang="en-US" sz="2400" spc="75" dirty="0">
-                <a:latin typeface="Times New Roman" panose="02020603050405020304" pitchFamily="18" charset="0"/>
-                <a:ea typeface="Calibri" panose="020F0502020204030204" pitchFamily="34" charset="0"/>
-                <a:cs typeface="Times New Roman" panose="02020603050405020304" pitchFamily="18" charset="0"/>
-              </a:rPr>
-              <a:t> </a:t>
-            </a:r>
-            <a:r>
-              <a:rPr lang="en-US" sz="2400" dirty="0">
-                <a:effectLst/>
-                <a:latin typeface="Times New Roman" panose="02020603050405020304" pitchFamily="18" charset="0"/>
-                <a:ea typeface="Calibri" panose="020F0502020204030204" pitchFamily="34" charset="0"/>
-                <a:cs typeface="Times New Roman" panose="02020603050405020304" pitchFamily="18" charset="0"/>
-              </a:rPr>
-              <a:t>October</a:t>
-            </a:r>
-            <a:r>
-              <a:rPr lang="en-US" sz="2400" spc="15" dirty="0">
-                <a:latin typeface="Times New Roman" panose="02020603050405020304" pitchFamily="18" charset="0"/>
-                <a:ea typeface="Calibri" panose="020F0502020204030204" pitchFamily="34" charset="0"/>
-                <a:cs typeface="Times New Roman" panose="02020603050405020304" pitchFamily="18" charset="0"/>
-              </a:rPr>
-              <a:t> </a:t>
-            </a:r>
-            <a:r>
-              <a:rPr lang="en-US" sz="2400" dirty="0">
-                <a:effectLst/>
-                <a:latin typeface="Times New Roman" panose="02020603050405020304" pitchFamily="18" charset="0"/>
-                <a:ea typeface="Calibri" panose="020F0502020204030204" pitchFamily="34" charset="0"/>
-                <a:cs typeface="Times New Roman" panose="02020603050405020304" pitchFamily="18" charset="0"/>
-              </a:rPr>
-              <a:t>21</a:t>
-            </a:r>
-            <a:r>
-              <a:rPr lang="en-US" sz="2400" baseline="30000" dirty="0">
-                <a:effectLst/>
-                <a:latin typeface="Times New Roman" panose="02020603050405020304" pitchFamily="18" charset="0"/>
-                <a:ea typeface="Calibri" panose="020F0502020204030204" pitchFamily="34" charset="0"/>
-                <a:cs typeface="Times New Roman" panose="02020603050405020304" pitchFamily="18" charset="0"/>
-              </a:rPr>
-              <a:t>st</a:t>
-            </a:r>
-            <a:r>
-              <a:rPr lang="en-US" sz="2400" spc="55" dirty="0">
-                <a:latin typeface="Times New Roman" panose="02020603050405020304" pitchFamily="18" charset="0"/>
-                <a:ea typeface="Calibri" panose="020F0502020204030204" pitchFamily="34" charset="0"/>
-                <a:cs typeface="Times New Roman" panose="02020603050405020304" pitchFamily="18" charset="0"/>
-              </a:rPr>
-              <a:t> :</a:t>
-            </a:r>
-          </a:p>
-          <a:p>
-            <a:pPr marR="73660">
-              <a:lnSpc>
-                <a:spcPct val="100000"/>
-              </a:lnSpc>
-              <a:spcBef>
-                <a:spcPts val="0"/>
-              </a:spcBef>
-              <a:spcAft>
-                <a:spcPts val="0"/>
-              </a:spcAft>
-            </a:pPr>
-            <a:r>
-              <a:rPr lang="en-US" sz="2400" spc="5" dirty="0">
-                <a:latin typeface="Times New Roman" panose="02020603050405020304" pitchFamily="18" charset="0"/>
-                <a:ea typeface="Calibri" panose="020F0502020204030204" pitchFamily="34" charset="0"/>
-                <a:cs typeface="Times New Roman" panose="02020603050405020304" pitchFamily="18" charset="0"/>
-              </a:rPr>
-              <a:t>S</a:t>
-            </a:r>
-            <a:r>
-              <a:rPr lang="en-US" sz="2400" spc="-5" dirty="0">
-                <a:latin typeface="Times New Roman" panose="02020603050405020304" pitchFamily="18" charset="0"/>
-                <a:ea typeface="Calibri" panose="020F0502020204030204" pitchFamily="34" charset="0"/>
-                <a:cs typeface="Times New Roman" panose="02020603050405020304" pitchFamily="18" charset="0"/>
-              </a:rPr>
-              <a:t>hould</a:t>
-            </a:r>
-            <a:r>
-              <a:rPr lang="en-US" sz="2400" spc="15" dirty="0">
-                <a:latin typeface="Times New Roman" panose="02020603050405020304" pitchFamily="18" charset="0"/>
-                <a:ea typeface="Calibri" panose="020F0502020204030204" pitchFamily="34" charset="0"/>
-                <a:cs typeface="Times New Roman" panose="02020603050405020304" pitchFamily="18" charset="0"/>
-              </a:rPr>
-              <a:t> </a:t>
-            </a:r>
-            <a:r>
-              <a:rPr lang="en-US" sz="2400" dirty="0">
-                <a:effectLst/>
-                <a:latin typeface="Times New Roman" panose="02020603050405020304" pitchFamily="18" charset="0"/>
-                <a:ea typeface="Calibri" panose="020F0502020204030204" pitchFamily="34" charset="0"/>
-                <a:cs typeface="Times New Roman" panose="02020603050405020304" pitchFamily="18" charset="0"/>
-              </a:rPr>
-              <a:t>be</a:t>
-            </a:r>
-            <a:r>
-              <a:rPr lang="en-US" sz="2400" spc="15" dirty="0">
-                <a:latin typeface="Times New Roman" panose="02020603050405020304" pitchFamily="18" charset="0"/>
-                <a:ea typeface="Calibri" panose="020F0502020204030204" pitchFamily="34" charset="0"/>
-                <a:cs typeface="Times New Roman" panose="02020603050405020304" pitchFamily="18" charset="0"/>
-              </a:rPr>
-              <a:t> </a:t>
-            </a:r>
-            <a:r>
-              <a:rPr lang="en-US" sz="2400" spc="-5" dirty="0">
-                <a:latin typeface="Times New Roman" panose="02020603050405020304" pitchFamily="18" charset="0"/>
-                <a:ea typeface="Calibri" panose="020F0502020204030204" pitchFamily="34" charset="0"/>
-                <a:cs typeface="Times New Roman" panose="02020603050405020304" pitchFamily="18" charset="0"/>
-              </a:rPr>
-              <a:t>presented</a:t>
-            </a:r>
-            <a:r>
-              <a:rPr lang="en-US" sz="2400" spc="25" dirty="0">
-                <a:latin typeface="Times New Roman" panose="02020603050405020304" pitchFamily="18" charset="0"/>
-                <a:ea typeface="Calibri" panose="020F0502020204030204" pitchFamily="34" charset="0"/>
-                <a:cs typeface="Times New Roman" panose="02020603050405020304" pitchFamily="18" charset="0"/>
-              </a:rPr>
-              <a:t> </a:t>
-            </a:r>
-            <a:r>
-              <a:rPr lang="en-US" sz="2400" spc="-10" dirty="0">
-                <a:latin typeface="Times New Roman" panose="02020603050405020304" pitchFamily="18" charset="0"/>
-                <a:ea typeface="Calibri" panose="020F0502020204030204" pitchFamily="34" charset="0"/>
-                <a:cs typeface="Times New Roman" panose="02020603050405020304" pitchFamily="18" charset="0"/>
-              </a:rPr>
-              <a:t>in</a:t>
-            </a:r>
-            <a:r>
-              <a:rPr lang="en-US" sz="2400" dirty="0">
-                <a:effectLst/>
-                <a:latin typeface="Times New Roman" panose="02020603050405020304" pitchFamily="18" charset="0"/>
-                <a:ea typeface="Calibri" panose="020F0502020204030204" pitchFamily="34" charset="0"/>
-                <a:cs typeface="Times New Roman" panose="02020603050405020304" pitchFamily="18" charset="0"/>
-              </a:rPr>
-              <a:t> </a:t>
-            </a:r>
-            <a:r>
-              <a:rPr lang="en-US" sz="2400" spc="5" dirty="0">
-                <a:latin typeface="Times New Roman" panose="02020603050405020304" pitchFamily="18" charset="0"/>
-                <a:ea typeface="Calibri" panose="020F0502020204030204" pitchFamily="34" charset="0"/>
-                <a:cs typeface="Times New Roman" panose="02020603050405020304" pitchFamily="18" charset="0"/>
-              </a:rPr>
-              <a:t>the </a:t>
-            </a:r>
-            <a:r>
-              <a:rPr lang="en-US" sz="2400" spc="-5" dirty="0">
-                <a:latin typeface="Times New Roman" panose="02020603050405020304" pitchFamily="18" charset="0"/>
-                <a:ea typeface="Calibri" panose="020F0502020204030204" pitchFamily="34" charset="0"/>
-                <a:cs typeface="Times New Roman" panose="02020603050405020304" pitchFamily="18" charset="0"/>
-              </a:rPr>
-              <a:t>form</a:t>
-            </a:r>
-            <a:r>
-              <a:rPr lang="en-US" sz="2400" dirty="0">
-                <a:effectLst/>
-                <a:latin typeface="Times New Roman" panose="02020603050405020304" pitchFamily="18" charset="0"/>
-                <a:ea typeface="Calibri" panose="020F0502020204030204" pitchFamily="34" charset="0"/>
-                <a:cs typeface="Times New Roman" panose="02020603050405020304" pitchFamily="18" charset="0"/>
-              </a:rPr>
-              <a:t> of a</a:t>
-            </a:r>
-            <a:r>
-              <a:rPr lang="en-US" sz="2400" spc="-15" dirty="0">
-                <a:latin typeface="Times New Roman" panose="02020603050405020304" pitchFamily="18" charset="0"/>
-                <a:ea typeface="Calibri" panose="020F0502020204030204" pitchFamily="34" charset="0"/>
-                <a:cs typeface="Times New Roman" panose="02020603050405020304" pitchFamily="18" charset="0"/>
-              </a:rPr>
-              <a:t> </a:t>
-            </a:r>
-            <a:r>
-              <a:rPr lang="en-US" sz="2400" dirty="0">
-                <a:effectLst/>
-                <a:latin typeface="Times New Roman" panose="02020603050405020304" pitchFamily="18" charset="0"/>
-                <a:ea typeface="Calibri" panose="020F0502020204030204" pitchFamily="34" charset="0"/>
-                <a:cs typeface="Times New Roman" panose="02020603050405020304" pitchFamily="18" charset="0"/>
-              </a:rPr>
-              <a:t>journal</a:t>
-            </a:r>
-            <a:r>
-              <a:rPr lang="en-US" sz="2400" spc="-15" dirty="0">
-                <a:latin typeface="Times New Roman" panose="02020603050405020304" pitchFamily="18" charset="0"/>
-                <a:ea typeface="Calibri" panose="020F0502020204030204" pitchFamily="34" charset="0"/>
-                <a:cs typeface="Times New Roman" panose="02020603050405020304" pitchFamily="18" charset="0"/>
-              </a:rPr>
-              <a:t> </a:t>
-            </a:r>
-            <a:r>
-              <a:rPr lang="en-US" sz="2400" dirty="0">
-                <a:effectLst/>
-                <a:latin typeface="Times New Roman" panose="02020603050405020304" pitchFamily="18" charset="0"/>
-                <a:ea typeface="Calibri" panose="020F0502020204030204" pitchFamily="34" charset="0"/>
-                <a:cs typeface="Times New Roman" panose="02020603050405020304" pitchFamily="18" charset="0"/>
-              </a:rPr>
-              <a:t>manuscript</a:t>
-            </a:r>
-            <a:r>
-              <a:rPr lang="en-US" sz="2400" dirty="0">
-                <a:ea typeface="Calibri" panose="020F0502020204030204" pitchFamily="34" charset="0"/>
-                <a:cs typeface="Times New Roman" panose="02020603050405020304" pitchFamily="18" charset="0"/>
-              </a:rPr>
-              <a:t> (econ or policy)</a:t>
-            </a:r>
-            <a:endParaRPr lang="en-US" sz="2400" spc="-5" dirty="0">
-              <a:latin typeface="Times New Roman" panose="02020603050405020304" pitchFamily="18" charset="0"/>
-              <a:ea typeface="Calibri" panose="020F0502020204030204" pitchFamily="34" charset="0"/>
-              <a:cs typeface="Times New Roman" panose="02020603050405020304" pitchFamily="18" charset="0"/>
-            </a:endParaRPr>
-          </a:p>
-          <a:p>
-            <a:pPr marR="73660">
-              <a:lnSpc>
-                <a:spcPct val="100000"/>
-              </a:lnSpc>
-              <a:spcBef>
-                <a:spcPts val="0"/>
-              </a:spcBef>
-              <a:spcAft>
-                <a:spcPts val="0"/>
-              </a:spcAft>
-            </a:pPr>
-            <a:r>
-              <a:rPr lang="en-US" sz="2400" spc="-5" dirty="0">
-                <a:latin typeface="Times New Roman" panose="02020603050405020304" pitchFamily="18" charset="0"/>
-                <a:ea typeface="Calibri" panose="020F0502020204030204" pitchFamily="34" charset="0"/>
-                <a:cs typeface="Times New Roman" panose="02020603050405020304" pitchFamily="18" charset="0"/>
-              </a:rPr>
-              <a:t>Final </a:t>
-            </a:r>
-            <a:r>
-              <a:rPr lang="en-US" sz="2400" dirty="0">
-                <a:effectLst/>
-                <a:latin typeface="Times New Roman" panose="02020603050405020304" pitchFamily="18" charset="0"/>
-                <a:ea typeface="Calibri" panose="020F0502020204030204" pitchFamily="34" charset="0"/>
-                <a:cs typeface="Times New Roman" panose="02020603050405020304" pitchFamily="18" charset="0"/>
-              </a:rPr>
-              <a:t>paper</a:t>
-            </a:r>
-            <a:r>
-              <a:rPr lang="en-US" sz="2400" spc="-5" dirty="0">
-                <a:latin typeface="Times New Roman" panose="02020603050405020304" pitchFamily="18" charset="0"/>
-                <a:ea typeface="Calibri" panose="020F0502020204030204" pitchFamily="34" charset="0"/>
-                <a:cs typeface="Times New Roman" panose="02020603050405020304" pitchFamily="18" charset="0"/>
-              </a:rPr>
-              <a:t> </a:t>
-            </a:r>
-            <a:r>
-              <a:rPr lang="en-US" sz="2400" dirty="0">
-                <a:effectLst/>
-                <a:latin typeface="Times New Roman" panose="02020603050405020304" pitchFamily="18" charset="0"/>
-                <a:ea typeface="Calibri" panose="020F0502020204030204" pitchFamily="34" charset="0"/>
-                <a:cs typeface="Times New Roman" panose="02020603050405020304" pitchFamily="18" charset="0"/>
-              </a:rPr>
-              <a:t>is</a:t>
-            </a:r>
-            <a:r>
-              <a:rPr lang="en-US" sz="2400" spc="-15" dirty="0">
-                <a:latin typeface="Times New Roman" panose="02020603050405020304" pitchFamily="18" charset="0"/>
-                <a:ea typeface="Calibri" panose="020F0502020204030204" pitchFamily="34" charset="0"/>
-                <a:cs typeface="Times New Roman" panose="02020603050405020304" pitchFamily="18" charset="0"/>
-              </a:rPr>
-              <a:t> </a:t>
-            </a:r>
-            <a:r>
-              <a:rPr lang="en-US" sz="2400" spc="5" dirty="0">
-                <a:latin typeface="Times New Roman" panose="02020603050405020304" pitchFamily="18" charset="0"/>
-                <a:ea typeface="Calibri" panose="020F0502020204030204" pitchFamily="34" charset="0"/>
-                <a:cs typeface="Times New Roman" panose="02020603050405020304" pitchFamily="18" charset="0"/>
-              </a:rPr>
-              <a:t>due</a:t>
-            </a:r>
-            <a:r>
-              <a:rPr lang="en-US" sz="2400" spc="15" dirty="0">
-                <a:latin typeface="Times New Roman" panose="02020603050405020304" pitchFamily="18" charset="0"/>
-                <a:ea typeface="Calibri" panose="020F0502020204030204" pitchFamily="34" charset="0"/>
-                <a:cs typeface="Times New Roman" panose="02020603050405020304" pitchFamily="18" charset="0"/>
-              </a:rPr>
-              <a:t> </a:t>
-            </a:r>
-            <a:r>
-              <a:rPr lang="en-US" sz="2400" spc="-10" dirty="0">
-                <a:latin typeface="Times New Roman" panose="02020603050405020304" pitchFamily="18" charset="0"/>
-                <a:ea typeface="Calibri" panose="020F0502020204030204" pitchFamily="34" charset="0"/>
-                <a:cs typeface="Times New Roman" panose="02020603050405020304" pitchFamily="18" charset="0"/>
-              </a:rPr>
-              <a:t>D</a:t>
-            </a:r>
-            <a:r>
-              <a:rPr lang="en-US" sz="2400" spc="-5" dirty="0">
-                <a:latin typeface="Times New Roman" panose="02020603050405020304" pitchFamily="18" charset="0"/>
-                <a:ea typeface="Calibri" panose="020F0502020204030204" pitchFamily="34" charset="0"/>
-                <a:cs typeface="Times New Roman" panose="02020603050405020304" pitchFamily="18" charset="0"/>
-              </a:rPr>
-              <a:t>e</a:t>
-            </a:r>
-            <a:r>
-              <a:rPr lang="en-US" sz="2400" spc="-10" dirty="0">
-                <a:latin typeface="Times New Roman" panose="02020603050405020304" pitchFamily="18" charset="0"/>
-                <a:ea typeface="Calibri" panose="020F0502020204030204" pitchFamily="34" charset="0"/>
-                <a:cs typeface="Times New Roman" panose="02020603050405020304" pitchFamily="18" charset="0"/>
-              </a:rPr>
-              <a:t>c</a:t>
-            </a:r>
-            <a:r>
-              <a:rPr lang="en-US" sz="2400" spc="-5" dirty="0">
-                <a:latin typeface="Times New Roman" panose="02020603050405020304" pitchFamily="18" charset="0"/>
-                <a:ea typeface="Calibri" panose="020F0502020204030204" pitchFamily="34" charset="0"/>
-                <a:cs typeface="Times New Roman" panose="02020603050405020304" pitchFamily="18" charset="0"/>
-              </a:rPr>
-              <a:t>ember</a:t>
-            </a:r>
-            <a:r>
-              <a:rPr lang="en-US" sz="2400" spc="-35" dirty="0">
-                <a:latin typeface="Times New Roman" panose="02020603050405020304" pitchFamily="18" charset="0"/>
-                <a:ea typeface="Calibri" panose="020F0502020204030204" pitchFamily="34" charset="0"/>
-                <a:cs typeface="Times New Roman" panose="02020603050405020304" pitchFamily="18" charset="0"/>
-              </a:rPr>
-              <a:t> 8</a:t>
-            </a:r>
-            <a:endParaRPr lang="en-US" sz="2400" dirty="0">
-              <a:effectLst/>
-              <a:latin typeface="Times New Roman" panose="02020603050405020304" pitchFamily="18" charset="0"/>
-              <a:ea typeface="Calibri" panose="020F0502020204030204" pitchFamily="34" charset="0"/>
-              <a:cs typeface="Times New Roman" panose="02020603050405020304" pitchFamily="18" charset="0"/>
-            </a:endParaRPr>
+            <a:pPr lvl="1"/>
+            <a:endParaRPr lang="en-US" dirty="0"/>
+          </a:p>
+          <a:p>
+            <a:pPr lvl="1"/>
+            <a:endParaRPr lang="en-US" dirty="0"/>
           </a:p>
         </p:txBody>
       </p:sp>
       <p:sp>
         <p:nvSpPr>
-          <p:cNvPr id="5" name="Title 1">
+          <p:cNvPr id="6" name="Title 1">
             <a:extLst>
               <a:ext uri="{FF2B5EF4-FFF2-40B4-BE49-F238E27FC236}">
-                <a16:creationId xmlns:a16="http://schemas.microsoft.com/office/drawing/2014/main" id="{AB9CABD2-957B-4662-975E-DA68FC464FE1}"/>
+                <a16:creationId xmlns:a16="http://schemas.microsoft.com/office/drawing/2014/main" id="{2447C70A-E8CD-4D7B-8C00-FF6EC3DCB236}"/>
               </a:ext>
             </a:extLst>
           </p:cNvPr>
@@ -33820,8 +29638,8 @@
         </p:nvSpPr>
         <p:spPr>
           <a:xfrm>
-            <a:off x="1261872" y="365760"/>
-            <a:ext cx="9692640" cy="777240"/>
+            <a:off x="381000" y="365760"/>
+            <a:ext cx="10573512" cy="777240"/>
           </a:xfrm>
           <a:prstGeom prst="rect">
             <a:avLst/>
@@ -33855,15 +29673,147 @@
               <a:rPr lang="en-US" dirty="0">
                 <a:latin typeface="Times New Roman" panose="02020603050405020304" pitchFamily="18" charset="0"/>
               </a:rPr>
-              <a:t>Introduction &amp; Syllabus</a:t>
+              <a:t>Tradeoffs and Incentives</a:t>
             </a:r>
           </a:p>
         </p:txBody>
       </p:sp>
+      <p:pic>
+        <p:nvPicPr>
+          <p:cNvPr id="3" name="Picture 2">
+            <a:extLst>
+              <a:ext uri="{FF2B5EF4-FFF2-40B4-BE49-F238E27FC236}">
+                <a16:creationId xmlns:a16="http://schemas.microsoft.com/office/drawing/2014/main" id="{B67B4D7E-7A22-2977-DC06-CF3B30A263A6}"/>
+              </a:ext>
+            </a:extLst>
+          </p:cNvPr>
+          <p:cNvPicPr>
+            <a:picLocks noChangeAspect="1"/>
+          </p:cNvPicPr>
+          <p:nvPr/>
+        </p:nvPicPr>
+        <p:blipFill>
+          <a:blip r:embed="rId3"/>
+          <a:stretch>
+            <a:fillRect/>
+          </a:stretch>
+        </p:blipFill>
+        <p:spPr>
+          <a:xfrm>
+            <a:off x="358903" y="1395401"/>
+            <a:ext cx="9623298" cy="575848"/>
+          </a:xfrm>
+          <a:prstGeom prst="rect">
+            <a:avLst/>
+          </a:prstGeom>
+        </p:spPr>
+      </p:pic>
+      <p:pic>
+        <p:nvPicPr>
+          <p:cNvPr id="7" name="Picture 6">
+            <a:extLst>
+              <a:ext uri="{FF2B5EF4-FFF2-40B4-BE49-F238E27FC236}">
+                <a16:creationId xmlns:a16="http://schemas.microsoft.com/office/drawing/2014/main" id="{74347E21-2276-2D1B-6DD2-0C1308A3AE30}"/>
+              </a:ext>
+            </a:extLst>
+          </p:cNvPr>
+          <p:cNvPicPr>
+            <a:picLocks noChangeAspect="1"/>
+          </p:cNvPicPr>
+          <p:nvPr/>
+        </p:nvPicPr>
+        <p:blipFill>
+          <a:blip r:embed="rId4"/>
+          <a:stretch>
+            <a:fillRect/>
+          </a:stretch>
+        </p:blipFill>
+        <p:spPr>
+          <a:xfrm>
+            <a:off x="228600" y="2334359"/>
+            <a:ext cx="6979009" cy="844593"/>
+          </a:xfrm>
+          <a:prstGeom prst="rect">
+            <a:avLst/>
+          </a:prstGeom>
+        </p:spPr>
+      </p:pic>
+      <p:pic>
+        <p:nvPicPr>
+          <p:cNvPr id="9" name="Picture 8">
+            <a:extLst>
+              <a:ext uri="{FF2B5EF4-FFF2-40B4-BE49-F238E27FC236}">
+                <a16:creationId xmlns:a16="http://schemas.microsoft.com/office/drawing/2014/main" id="{3DFA79D5-9070-FA54-8BDD-6CBF8E0870B3}"/>
+              </a:ext>
+            </a:extLst>
+          </p:cNvPr>
+          <p:cNvPicPr>
+            <a:picLocks noChangeAspect="1"/>
+          </p:cNvPicPr>
+          <p:nvPr/>
+        </p:nvPicPr>
+        <p:blipFill>
+          <a:blip r:embed="rId5"/>
+          <a:stretch>
+            <a:fillRect/>
+          </a:stretch>
+        </p:blipFill>
+        <p:spPr>
+          <a:xfrm>
+            <a:off x="4140612" y="5105400"/>
+            <a:ext cx="6813900" cy="958899"/>
+          </a:xfrm>
+          <a:prstGeom prst="rect">
+            <a:avLst/>
+          </a:prstGeom>
+        </p:spPr>
+      </p:pic>
+      <p:cxnSp>
+        <p:nvCxnSpPr>
+          <p:cNvPr id="11" name="Straight Connector 10">
+            <a:extLst>
+              <a:ext uri="{FF2B5EF4-FFF2-40B4-BE49-F238E27FC236}">
+                <a16:creationId xmlns:a16="http://schemas.microsoft.com/office/drawing/2014/main" id="{A17431D1-E0A9-9326-1020-320BA2307DCC}"/>
+              </a:ext>
+            </a:extLst>
+          </p:cNvPr>
+          <p:cNvCxnSpPr/>
+          <p:nvPr/>
+        </p:nvCxnSpPr>
+        <p:spPr>
+          <a:xfrm flipH="1">
+            <a:off x="381000" y="2514600"/>
+            <a:ext cx="10668000" cy="3429000"/>
+          </a:xfrm>
+          <a:prstGeom prst="line">
+            <a:avLst/>
+          </a:prstGeom>
+          <a:ln w="76200">
+            <a:solidFill>
+              <a:srgbClr val="FF0000"/>
+            </a:solidFill>
+            <a:prstDash val="sysDash"/>
+          </a:ln>
+        </p:spPr>
+        <p:style>
+          <a:lnRef idx="1">
+            <a:schemeClr val="accent1"/>
+          </a:lnRef>
+          <a:fillRef idx="0">
+            <a:schemeClr val="accent1"/>
+          </a:fillRef>
+          <a:effectRef idx="0">
+            <a:schemeClr val="accent1"/>
+          </a:effectRef>
+          <a:fontRef idx="minor">
+            <a:schemeClr val="tx1"/>
+          </a:fontRef>
+        </p:style>
+      </p:cxnSp>
     </p:spTree>
     <p:extLst>
       <p:ext uri="{BB962C8B-B14F-4D97-AF65-F5344CB8AC3E}">
-        <p14:creationId xmlns:p14="http://schemas.microsoft.com/office/powerpoint/2010/main" val="434969725"/>
+        <p14:creationId xmlns:p14="http://schemas.microsoft.com/office/powerpoint/2010/main" val="4196582526"/>
       </p:ext>
     </p:extLst>
   </p:cSld>

--- a/Lecture01_Introduction/L1Slides_DemandforHealth_2023W.pptx
+++ b/Lecture01_Introduction/L1Slides_DemandforHealth_2023W.pptx
@@ -1453,7 +1453,7 @@
           <a:p>
             <a:fld id="{EF911157-0FC2-4F06-8D61-FD647FE4E19D}" type="datetimeFigureOut">
               <a:rPr lang="en-US" smtClean="0"/>
-              <a:t>1/10/2023</a:t>
+              <a:t>1/11/2023</a:t>
             </a:fld>
             <a:endParaRPr lang="en-US"/>
           </a:p>
@@ -1775,8 +1775,21 @@
             </a:pPr>
             <a:r>
               <a:rPr lang="en-US" dirty="0"/>
-              <a:t>Update syllabus</a:t>
-            </a:r>
+              <a:t>Update syllabus. To add for next time – how does Grossman model vary </a:t>
+            </a:r>
+            <a:r>
+              <a:rPr lang="en-US" dirty="0" err="1"/>
+              <a:t>preditions</a:t>
+            </a:r>
+            <a:r>
+              <a:rPr lang="en-US" dirty="0"/>
+              <a:t> over </a:t>
+            </a:r>
+            <a:r>
+              <a:rPr lang="en-US"/>
+              <a:t>the life-cycle?</a:t>
+            </a:r>
+            <a:endParaRPr lang="en-US" dirty="0"/>
           </a:p>
         </p:txBody>
       </p:sp>
@@ -4803,7 +4816,7 @@
           <a:p>
             <a:r>
               <a:rPr lang="en-CA" dirty="0"/>
-              <a:t>The change in H in each period is the investment in each period minus depreciation (at rate \delta). This treats health as a durable good, part of human capital.</a:t>
+              <a:t>The change in H in each period is the investment in each period minus depreciation (at rate \delta). This treats health as a durable good, part of human capital. One way to get varying predictions over life-cycle—let delta be a function of age. </a:t>
             </a:r>
           </a:p>
         </p:txBody>
@@ -5331,9 +5344,14 @@
           <a:bodyPr/>
           <a:lstStyle/>
           <a:p>
-            <a:endParaRPr lang="en-CA" dirty="0"/>
-          </a:p>
-          <a:p>
+            <a:r>
+              <a:rPr lang="en-CA" dirty="0"/>
+              <a:t>Also note that as a person gets sicker, the PPF </a:t>
+            </a:r>
+            <a:r>
+              <a:rPr lang="en-CA"/>
+              <a:t>shrinks inward (or at least, to the left0</a:t>
+            </a:r>
             <a:endParaRPr lang="en-CA" dirty="0"/>
           </a:p>
         </p:txBody>
@@ -5789,7 +5807,7 @@
           <a:p>
             <a:r>
               <a:rPr lang="en-CA" dirty="0"/>
-              <a:t>Changes in wages over time, completely forward-looking decision-making (this is the biggest drawback in my book), no uncertainty.</a:t>
+              <a:t>Changes in wages over time, completely forward-looking decision-making (this is the biggest drawback in my book), no uncertainty. Talk a little bit more about how to use he model to look at variations across individuals but also across time (aging)</a:t>
             </a:r>
           </a:p>
         </p:txBody>
@@ -7878,7 +7896,7 @@
             <a:fld id="{0972D05C-DCFB-4BB6-B49C-AC126BF3ED2C}" type="datetimeFigureOut">
               <a:rPr lang="en-US" smtClean="0"/>
               <a:pPr/>
-              <a:t>1/10/2023</a:t>
+              <a:t>1/11/2023</a:t>
             </a:fld>
             <a:endParaRPr lang="en-US"/>
           </a:p>
@@ -8108,7 +8126,7 @@
             <a:fld id="{0972D05C-DCFB-4BB6-B49C-AC126BF3ED2C}" type="datetimeFigureOut">
               <a:rPr lang="en-US" smtClean="0"/>
               <a:pPr/>
-              <a:t>1/10/2023</a:t>
+              <a:t>1/11/2023</a:t>
             </a:fld>
             <a:endParaRPr lang="en-US"/>
           </a:p>
@@ -8290,7 +8308,7 @@
             <a:fld id="{0972D05C-DCFB-4BB6-B49C-AC126BF3ED2C}" type="datetimeFigureOut">
               <a:rPr lang="en-US" smtClean="0"/>
               <a:pPr/>
-              <a:t>1/10/2023</a:t>
+              <a:t>1/11/2023</a:t>
             </a:fld>
             <a:endParaRPr lang="en-US"/>
           </a:p>
@@ -8462,7 +8480,7 @@
             <a:fld id="{0972D05C-DCFB-4BB6-B49C-AC126BF3ED2C}" type="datetimeFigureOut">
               <a:rPr lang="en-US" smtClean="0"/>
               <a:pPr/>
-              <a:t>1/10/2023</a:t>
+              <a:t>1/11/2023</a:t>
             </a:fld>
             <a:endParaRPr lang="en-US"/>
           </a:p>
@@ -8718,7 +8736,7 @@
             <a:fld id="{0972D05C-DCFB-4BB6-B49C-AC126BF3ED2C}" type="datetimeFigureOut">
               <a:rPr lang="en-US" smtClean="0"/>
               <a:pPr/>
-              <a:t>1/10/2023</a:t>
+              <a:t>1/11/2023</a:t>
             </a:fld>
             <a:endParaRPr lang="en-US"/>
           </a:p>
@@ -9046,7 +9064,7 @@
             <a:fld id="{0972D05C-DCFB-4BB6-B49C-AC126BF3ED2C}" type="datetimeFigureOut">
               <a:rPr lang="en-US" smtClean="0"/>
               <a:pPr/>
-              <a:t>1/10/2023</a:t>
+              <a:t>1/11/2023</a:t>
             </a:fld>
             <a:endParaRPr lang="en-US"/>
           </a:p>
@@ -9499,7 +9517,7 @@
             <a:fld id="{0972D05C-DCFB-4BB6-B49C-AC126BF3ED2C}" type="datetimeFigureOut">
               <a:rPr lang="en-US" smtClean="0"/>
               <a:pPr/>
-              <a:t>1/10/2023</a:t>
+              <a:t>1/11/2023</a:t>
             </a:fld>
             <a:endParaRPr lang="en-US"/>
           </a:p>
@@ -9619,7 +9637,7 @@
             <a:fld id="{0972D05C-DCFB-4BB6-B49C-AC126BF3ED2C}" type="datetimeFigureOut">
               <a:rPr lang="en-US" smtClean="0"/>
               <a:pPr/>
-              <a:t>1/10/2023</a:t>
+              <a:t>1/11/2023</a:t>
             </a:fld>
             <a:endParaRPr lang="en-US"/>
           </a:p>
@@ -9716,7 +9734,7 @@
             <a:fld id="{0972D05C-DCFB-4BB6-B49C-AC126BF3ED2C}" type="datetimeFigureOut">
               <a:rPr lang="en-US" smtClean="0"/>
               <a:pPr/>
-              <a:t>1/10/2023</a:t>
+              <a:t>1/11/2023</a:t>
             </a:fld>
             <a:endParaRPr lang="en-US"/>
           </a:p>
@@ -10005,7 +10023,7 @@
             <a:fld id="{0972D05C-DCFB-4BB6-B49C-AC126BF3ED2C}" type="datetimeFigureOut">
               <a:rPr lang="en-US" smtClean="0"/>
               <a:pPr/>
-              <a:t>1/10/2023</a:t>
+              <a:t>1/11/2023</a:t>
             </a:fld>
             <a:endParaRPr lang="en-US"/>
           </a:p>
@@ -10329,7 +10347,7 @@
             <a:fld id="{0972D05C-DCFB-4BB6-B49C-AC126BF3ED2C}" type="datetimeFigureOut">
               <a:rPr lang="en-US" smtClean="0"/>
               <a:pPr/>
-              <a:t>1/10/2023</a:t>
+              <a:t>1/11/2023</a:t>
             </a:fld>
             <a:endParaRPr lang="en-US"/>
           </a:p>
@@ -10584,7 +10602,7 @@
             <a:fld id="{0972D05C-DCFB-4BB6-B49C-AC126BF3ED2C}" type="datetimeFigureOut">
               <a:rPr lang="en-US" smtClean="0"/>
               <a:pPr/>
-              <a:t>1/10/2023</a:t>
+              <a:t>1/11/2023</a:t>
             </a:fld>
             <a:endParaRPr lang="en-US" dirty="0"/>
           </a:p>
@@ -21687,8 +21705,8 @@
           </a:p>
         </p:txBody>
       </p:sp>
-      <mc:AlternateContent xmlns:mc="http://schemas.openxmlformats.org/markup-compatibility/2006">
-        <mc:Choice xmlns:a14="http://schemas.microsoft.com/office/drawing/2010/main" Requires="a14">
+      <mc:AlternateContent xmlns:mc="http://schemas.openxmlformats.org/markup-compatibility/2006" xmlns:a14="http://schemas.microsoft.com/office/drawing/2010/main">
+        <mc:Choice Requires="a14">
           <p:sp>
             <p:nvSpPr>
               <p:cNvPr id="2" name="TextBox 1">
@@ -22341,7 +22359,7 @@
             </p:txBody>
           </p:sp>
         </mc:Choice>
-        <mc:Fallback>
+        <mc:Fallback xmlns="">
           <p:sp>
             <p:nvSpPr>
               <p:cNvPr id="2" name="TextBox 1">
@@ -29125,8 +29143,8 @@
           </a:p>
         </p:txBody>
       </p:sp>
-      <mc:AlternateContent xmlns:mc="http://schemas.openxmlformats.org/markup-compatibility/2006">
-        <mc:Choice xmlns:a14="http://schemas.microsoft.com/office/drawing/2010/main" Requires="a14">
+      <mc:AlternateContent xmlns:mc="http://schemas.openxmlformats.org/markup-compatibility/2006" xmlns:a14="http://schemas.microsoft.com/office/drawing/2010/main">
+        <mc:Choice Requires="a14">
           <p:sp>
             <p:nvSpPr>
               <p:cNvPr id="3" name="TextBox 2">
@@ -29410,7 +29428,7 @@
             </p:txBody>
           </p:sp>
         </mc:Choice>
-        <mc:Fallback>
+        <mc:Fallback xmlns="">
           <p:sp>
             <p:nvSpPr>
               <p:cNvPr id="3" name="TextBox 2">
@@ -29588,8 +29606,8 @@
           </a:p>
         </p:txBody>
       </p:sp>
-      <mc:AlternateContent xmlns:mc="http://schemas.openxmlformats.org/markup-compatibility/2006">
-        <mc:Choice xmlns:a14="http://schemas.microsoft.com/office/drawing/2010/main" Requires="a14">
+      <mc:AlternateContent xmlns:mc="http://schemas.openxmlformats.org/markup-compatibility/2006" xmlns:a14="http://schemas.microsoft.com/office/drawing/2010/main">
+        <mc:Choice Requires="a14">
           <p:sp>
             <p:nvSpPr>
               <p:cNvPr id="2" name="TextBox 1">
@@ -29736,7 +29754,7 @@
             </p:txBody>
           </p:sp>
         </mc:Choice>
-        <mc:Fallback>
+        <mc:Fallback xmlns="">
           <p:sp>
             <p:nvSpPr>
               <p:cNvPr id="2" name="TextBox 1">
@@ -30376,8 +30394,8 @@
           </a:p>
         </p:txBody>
       </p:sp>
-      <mc:AlternateContent xmlns:mc="http://schemas.openxmlformats.org/markup-compatibility/2006">
-        <mc:Choice xmlns:a14="http://schemas.microsoft.com/office/drawing/2010/main" Requires="a14">
+      <mc:AlternateContent xmlns:mc="http://schemas.openxmlformats.org/markup-compatibility/2006" xmlns:a14="http://schemas.microsoft.com/office/drawing/2010/main">
+        <mc:Choice Requires="a14">
           <p:sp>
             <p:nvSpPr>
               <p:cNvPr id="2" name="TextBox 1">
@@ -30804,7 +30822,7 @@
             </p:txBody>
           </p:sp>
         </mc:Choice>
-        <mc:Fallback>
+        <mc:Fallback xmlns="">
           <p:sp>
             <p:nvSpPr>
               <p:cNvPr id="2" name="TextBox 1">
@@ -35096,8 +35114,8 @@
           </a:p>
         </p:txBody>
       </p:sp>
-      <mc:AlternateContent xmlns:mc="http://schemas.openxmlformats.org/markup-compatibility/2006">
-        <mc:Choice xmlns:a14="http://schemas.microsoft.com/office/drawing/2010/main" Requires="a14">
+      <mc:AlternateContent xmlns:mc="http://schemas.openxmlformats.org/markup-compatibility/2006" xmlns:a14="http://schemas.microsoft.com/office/drawing/2010/main">
+        <mc:Choice Requires="a14">
           <p:sp>
             <p:nvSpPr>
               <p:cNvPr id="2" name="TextBox 1">
@@ -35872,7 +35890,7 @@
             </p:txBody>
           </p:sp>
         </mc:Choice>
-        <mc:Fallback>
+        <mc:Fallback xmlns="">
           <p:sp>
             <p:nvSpPr>
               <p:cNvPr id="2" name="TextBox 1">
@@ -36038,8 +36056,8 @@
           </a:p>
         </p:txBody>
       </p:sp>
-      <mc:AlternateContent xmlns:mc="http://schemas.openxmlformats.org/markup-compatibility/2006">
-        <mc:Choice xmlns:a14="http://schemas.microsoft.com/office/drawing/2010/main" Requires="a14">
+      <mc:AlternateContent xmlns:mc="http://schemas.openxmlformats.org/markup-compatibility/2006" xmlns:a14="http://schemas.microsoft.com/office/drawing/2010/main">
+        <mc:Choice Requires="a14">
           <p:sp>
             <p:nvSpPr>
               <p:cNvPr id="2" name="TextBox 1">
@@ -37026,7 +37044,7 @@
             </p:txBody>
           </p:sp>
         </mc:Choice>
-        <mc:Fallback>
+        <mc:Fallback xmlns="">
           <p:sp>
             <p:nvSpPr>
               <p:cNvPr id="2" name="TextBox 1">

--- a/Lecture01_Introduction/L1Slides_DemandforHealth_2023W.pptx
+++ b/Lecture01_Introduction/L1Slides_DemandforHealth_2023W.pptx
@@ -1453,7 +1453,7 @@
           <a:p>
             <a:fld id="{EF911157-0FC2-4F06-8D61-FD647FE4E19D}" type="datetimeFigureOut">
               <a:rPr lang="en-US" smtClean="0"/>
-              <a:t>1/11/2023</a:t>
+              <a:t>1/16/2023</a:t>
             </a:fld>
             <a:endParaRPr lang="en-US"/>
           </a:p>
@@ -1783,13 +1783,8 @@
             </a:r>
             <a:r>
               <a:rPr lang="en-US" dirty="0"/>
-              <a:t> over </a:t>
-            </a:r>
-            <a:r>
-              <a:rPr lang="en-US"/>
-              <a:t>the life-cycle?</a:t>
-            </a:r>
-            <a:endParaRPr lang="en-US" dirty="0"/>
+              <a:t> over the life-cycle? Slides were a little bit long (didn’t get to discussion on model) and the integral was surprising to students – walk through it more. </a:t>
+            </a:r>
           </a:p>
         </p:txBody>
       </p:sp>
@@ -7896,7 +7891,7 @@
             <a:fld id="{0972D05C-DCFB-4BB6-B49C-AC126BF3ED2C}" type="datetimeFigureOut">
               <a:rPr lang="en-US" smtClean="0"/>
               <a:pPr/>
-              <a:t>1/11/2023</a:t>
+              <a:t>1/16/2023</a:t>
             </a:fld>
             <a:endParaRPr lang="en-US"/>
           </a:p>
@@ -8126,7 +8121,7 @@
             <a:fld id="{0972D05C-DCFB-4BB6-B49C-AC126BF3ED2C}" type="datetimeFigureOut">
               <a:rPr lang="en-US" smtClean="0"/>
               <a:pPr/>
-              <a:t>1/11/2023</a:t>
+              <a:t>1/16/2023</a:t>
             </a:fld>
             <a:endParaRPr lang="en-US"/>
           </a:p>
@@ -8308,7 +8303,7 @@
             <a:fld id="{0972D05C-DCFB-4BB6-B49C-AC126BF3ED2C}" type="datetimeFigureOut">
               <a:rPr lang="en-US" smtClean="0"/>
               <a:pPr/>
-              <a:t>1/11/2023</a:t>
+              <a:t>1/16/2023</a:t>
             </a:fld>
             <a:endParaRPr lang="en-US"/>
           </a:p>
@@ -8480,7 +8475,7 @@
             <a:fld id="{0972D05C-DCFB-4BB6-B49C-AC126BF3ED2C}" type="datetimeFigureOut">
               <a:rPr lang="en-US" smtClean="0"/>
               <a:pPr/>
-              <a:t>1/11/2023</a:t>
+              <a:t>1/16/2023</a:t>
             </a:fld>
             <a:endParaRPr lang="en-US"/>
           </a:p>
@@ -8736,7 +8731,7 @@
             <a:fld id="{0972D05C-DCFB-4BB6-B49C-AC126BF3ED2C}" type="datetimeFigureOut">
               <a:rPr lang="en-US" smtClean="0"/>
               <a:pPr/>
-              <a:t>1/11/2023</a:t>
+              <a:t>1/16/2023</a:t>
             </a:fld>
             <a:endParaRPr lang="en-US"/>
           </a:p>
@@ -9064,7 +9059,7 @@
             <a:fld id="{0972D05C-DCFB-4BB6-B49C-AC126BF3ED2C}" type="datetimeFigureOut">
               <a:rPr lang="en-US" smtClean="0"/>
               <a:pPr/>
-              <a:t>1/11/2023</a:t>
+              <a:t>1/16/2023</a:t>
             </a:fld>
             <a:endParaRPr lang="en-US"/>
           </a:p>
@@ -9517,7 +9512,7 @@
             <a:fld id="{0972D05C-DCFB-4BB6-B49C-AC126BF3ED2C}" type="datetimeFigureOut">
               <a:rPr lang="en-US" smtClean="0"/>
               <a:pPr/>
-              <a:t>1/11/2023</a:t>
+              <a:t>1/16/2023</a:t>
             </a:fld>
             <a:endParaRPr lang="en-US"/>
           </a:p>
@@ -9637,7 +9632,7 @@
             <a:fld id="{0972D05C-DCFB-4BB6-B49C-AC126BF3ED2C}" type="datetimeFigureOut">
               <a:rPr lang="en-US" smtClean="0"/>
               <a:pPr/>
-              <a:t>1/11/2023</a:t>
+              <a:t>1/16/2023</a:t>
             </a:fld>
             <a:endParaRPr lang="en-US"/>
           </a:p>
@@ -9734,7 +9729,7 @@
             <a:fld id="{0972D05C-DCFB-4BB6-B49C-AC126BF3ED2C}" type="datetimeFigureOut">
               <a:rPr lang="en-US" smtClean="0"/>
               <a:pPr/>
-              <a:t>1/11/2023</a:t>
+              <a:t>1/16/2023</a:t>
             </a:fld>
             <a:endParaRPr lang="en-US"/>
           </a:p>
@@ -10023,7 +10018,7 @@
             <a:fld id="{0972D05C-DCFB-4BB6-B49C-AC126BF3ED2C}" type="datetimeFigureOut">
               <a:rPr lang="en-US" smtClean="0"/>
               <a:pPr/>
-              <a:t>1/11/2023</a:t>
+              <a:t>1/16/2023</a:t>
             </a:fld>
             <a:endParaRPr lang="en-US"/>
           </a:p>
@@ -10347,7 +10342,7 @@
             <a:fld id="{0972D05C-DCFB-4BB6-B49C-AC126BF3ED2C}" type="datetimeFigureOut">
               <a:rPr lang="en-US" smtClean="0"/>
               <a:pPr/>
-              <a:t>1/11/2023</a:t>
+              <a:t>1/16/2023</a:t>
             </a:fld>
             <a:endParaRPr lang="en-US"/>
           </a:p>
@@ -10602,7 +10597,7 @@
             <a:fld id="{0972D05C-DCFB-4BB6-B49C-AC126BF3ED2C}" type="datetimeFigureOut">
               <a:rPr lang="en-US" smtClean="0"/>
               <a:pPr/>
-              <a:t>1/11/2023</a:t>
+              <a:t>1/16/2023</a:t>
             </a:fld>
             <a:endParaRPr lang="en-US" dirty="0"/>
           </a:p>

--- a/Lecture01_Introduction/L1Slides_DemandforHealth_2023W.pptx
+++ b/Lecture01_Introduction/L1Slides_DemandforHealth_2023W.pptx
@@ -1453,7 +1453,7 @@
           <a:p>
             <a:fld id="{EF911157-0FC2-4F06-8D61-FD647FE4E19D}" type="datetimeFigureOut">
               <a:rPr lang="en-US" smtClean="0"/>
-              <a:t>1/16/2023</a:t>
+              <a:t>10/5/2023</a:t>
             </a:fld>
             <a:endParaRPr lang="en-US"/>
           </a:p>
@@ -1783,8 +1783,13 @@
             </a:r>
             <a:r>
               <a:rPr lang="en-US" dirty="0"/>
-              <a:t> over the life-cycle? Slides were a little bit long (didn’t get to discussion on model) and the integral was surprising to students – walk through it more. </a:t>
-            </a:r>
+              <a:t> over the life-cycle? Slides were a little bit long (didn’t get to discussion on model) and the integral was surprising to students – walk through it more. Another thing to add for next time: notes from the Darden et al. </a:t>
+            </a:r>
+            <a:r>
+              <a:rPr lang="en-US"/>
+              <a:t>paper? </a:t>
+            </a:r>
+            <a:endParaRPr lang="en-US" dirty="0"/>
           </a:p>
         </p:txBody>
       </p:sp>
@@ -7891,7 +7896,7 @@
             <a:fld id="{0972D05C-DCFB-4BB6-B49C-AC126BF3ED2C}" type="datetimeFigureOut">
               <a:rPr lang="en-US" smtClean="0"/>
               <a:pPr/>
-              <a:t>1/16/2023</a:t>
+              <a:t>10/5/2023</a:t>
             </a:fld>
             <a:endParaRPr lang="en-US"/>
           </a:p>
@@ -8121,7 +8126,7 @@
             <a:fld id="{0972D05C-DCFB-4BB6-B49C-AC126BF3ED2C}" type="datetimeFigureOut">
               <a:rPr lang="en-US" smtClean="0"/>
               <a:pPr/>
-              <a:t>1/16/2023</a:t>
+              <a:t>10/5/2023</a:t>
             </a:fld>
             <a:endParaRPr lang="en-US"/>
           </a:p>
@@ -8303,7 +8308,7 @@
             <a:fld id="{0972D05C-DCFB-4BB6-B49C-AC126BF3ED2C}" type="datetimeFigureOut">
               <a:rPr lang="en-US" smtClean="0"/>
               <a:pPr/>
-              <a:t>1/16/2023</a:t>
+              <a:t>10/5/2023</a:t>
             </a:fld>
             <a:endParaRPr lang="en-US"/>
           </a:p>
@@ -8475,7 +8480,7 @@
             <a:fld id="{0972D05C-DCFB-4BB6-B49C-AC126BF3ED2C}" type="datetimeFigureOut">
               <a:rPr lang="en-US" smtClean="0"/>
               <a:pPr/>
-              <a:t>1/16/2023</a:t>
+              <a:t>10/5/2023</a:t>
             </a:fld>
             <a:endParaRPr lang="en-US"/>
           </a:p>
@@ -8731,7 +8736,7 @@
             <a:fld id="{0972D05C-DCFB-4BB6-B49C-AC126BF3ED2C}" type="datetimeFigureOut">
               <a:rPr lang="en-US" smtClean="0"/>
               <a:pPr/>
-              <a:t>1/16/2023</a:t>
+              <a:t>10/5/2023</a:t>
             </a:fld>
             <a:endParaRPr lang="en-US"/>
           </a:p>
@@ -9059,7 +9064,7 @@
             <a:fld id="{0972D05C-DCFB-4BB6-B49C-AC126BF3ED2C}" type="datetimeFigureOut">
               <a:rPr lang="en-US" smtClean="0"/>
               <a:pPr/>
-              <a:t>1/16/2023</a:t>
+              <a:t>10/5/2023</a:t>
             </a:fld>
             <a:endParaRPr lang="en-US"/>
           </a:p>
@@ -9512,7 +9517,7 @@
             <a:fld id="{0972D05C-DCFB-4BB6-B49C-AC126BF3ED2C}" type="datetimeFigureOut">
               <a:rPr lang="en-US" smtClean="0"/>
               <a:pPr/>
-              <a:t>1/16/2023</a:t>
+              <a:t>10/5/2023</a:t>
             </a:fld>
             <a:endParaRPr lang="en-US"/>
           </a:p>
@@ -9632,7 +9637,7 @@
             <a:fld id="{0972D05C-DCFB-4BB6-B49C-AC126BF3ED2C}" type="datetimeFigureOut">
               <a:rPr lang="en-US" smtClean="0"/>
               <a:pPr/>
-              <a:t>1/16/2023</a:t>
+              <a:t>10/5/2023</a:t>
             </a:fld>
             <a:endParaRPr lang="en-US"/>
           </a:p>
@@ -9729,7 +9734,7 @@
             <a:fld id="{0972D05C-DCFB-4BB6-B49C-AC126BF3ED2C}" type="datetimeFigureOut">
               <a:rPr lang="en-US" smtClean="0"/>
               <a:pPr/>
-              <a:t>1/16/2023</a:t>
+              <a:t>10/5/2023</a:t>
             </a:fld>
             <a:endParaRPr lang="en-US"/>
           </a:p>
@@ -10018,7 +10023,7 @@
             <a:fld id="{0972D05C-DCFB-4BB6-B49C-AC126BF3ED2C}" type="datetimeFigureOut">
               <a:rPr lang="en-US" smtClean="0"/>
               <a:pPr/>
-              <a:t>1/16/2023</a:t>
+              <a:t>10/5/2023</a:t>
             </a:fld>
             <a:endParaRPr lang="en-US"/>
           </a:p>
@@ -10342,7 +10347,7 @@
             <a:fld id="{0972D05C-DCFB-4BB6-B49C-AC126BF3ED2C}" type="datetimeFigureOut">
               <a:rPr lang="en-US" smtClean="0"/>
               <a:pPr/>
-              <a:t>1/16/2023</a:t>
+              <a:t>10/5/2023</a:t>
             </a:fld>
             <a:endParaRPr lang="en-US"/>
           </a:p>
@@ -10597,7 +10602,7 @@
             <a:fld id="{0972D05C-DCFB-4BB6-B49C-AC126BF3ED2C}" type="datetimeFigureOut">
               <a:rPr lang="en-US" smtClean="0"/>
               <a:pPr/>
-              <a:t>1/16/2023</a:t>
+              <a:t>10/5/2023</a:t>
             </a:fld>
             <a:endParaRPr lang="en-US" dirty="0"/>
           </a:p>

--- a/Lecture01_Introduction/L1Slides_DemandforHealth_2023W.pptx
+++ b/Lecture01_Introduction/L1Slides_DemandforHealth_2023W.pptx
@@ -5,76 +5,77 @@
     <p:sldMasterId id="2147483738" r:id="rId1"/>
   </p:sldMasterIdLst>
   <p:notesMasterIdLst>
-    <p:notesMasterId r:id="rId69"/>
+    <p:notesMasterId r:id="rId70"/>
   </p:notesMasterIdLst>
   <p:sldIdLst>
     <p:sldId id="256" r:id="rId2"/>
     <p:sldId id="285" r:id="rId3"/>
     <p:sldId id="346" r:id="rId4"/>
     <p:sldId id="338" r:id="rId5"/>
-    <p:sldId id="314" r:id="rId6"/>
-    <p:sldId id="457" r:id="rId7"/>
-    <p:sldId id="473" r:id="rId8"/>
-    <p:sldId id="458" r:id="rId9"/>
-    <p:sldId id="459" r:id="rId10"/>
-    <p:sldId id="341" r:id="rId11"/>
-    <p:sldId id="417" r:id="rId12"/>
-    <p:sldId id="466" r:id="rId13"/>
-    <p:sldId id="472" r:id="rId14"/>
-    <p:sldId id="465" r:id="rId15"/>
-    <p:sldId id="467" r:id="rId16"/>
-    <p:sldId id="454" r:id="rId17"/>
-    <p:sldId id="474" r:id="rId18"/>
-    <p:sldId id="455" r:id="rId19"/>
-    <p:sldId id="456" r:id="rId20"/>
-    <p:sldId id="462" r:id="rId21"/>
-    <p:sldId id="463" r:id="rId22"/>
-    <p:sldId id="464" r:id="rId23"/>
-    <p:sldId id="468" r:id="rId24"/>
-    <p:sldId id="449" r:id="rId25"/>
-    <p:sldId id="469" r:id="rId26"/>
-    <p:sldId id="470" r:id="rId27"/>
-    <p:sldId id="471" r:id="rId28"/>
-    <p:sldId id="460" r:id="rId29"/>
-    <p:sldId id="450" r:id="rId30"/>
-    <p:sldId id="414" r:id="rId31"/>
-    <p:sldId id="447" r:id="rId32"/>
-    <p:sldId id="418" r:id="rId33"/>
-    <p:sldId id="419" r:id="rId34"/>
-    <p:sldId id="420" r:id="rId35"/>
-    <p:sldId id="461" r:id="rId36"/>
-    <p:sldId id="421" r:id="rId37"/>
-    <p:sldId id="422" r:id="rId38"/>
-    <p:sldId id="423" r:id="rId39"/>
-    <p:sldId id="424" r:id="rId40"/>
-    <p:sldId id="425" r:id="rId41"/>
-    <p:sldId id="426" r:id="rId42"/>
-    <p:sldId id="427" r:id="rId43"/>
-    <p:sldId id="428" r:id="rId44"/>
-    <p:sldId id="431" r:id="rId45"/>
-    <p:sldId id="432" r:id="rId46"/>
-    <p:sldId id="433" r:id="rId47"/>
-    <p:sldId id="429" r:id="rId48"/>
-    <p:sldId id="430" r:id="rId49"/>
-    <p:sldId id="434" r:id="rId50"/>
-    <p:sldId id="438" r:id="rId51"/>
-    <p:sldId id="416" r:id="rId52"/>
-    <p:sldId id="435" r:id="rId53"/>
-    <p:sldId id="452" r:id="rId54"/>
-    <p:sldId id="451" r:id="rId55"/>
-    <p:sldId id="436" r:id="rId56"/>
-    <p:sldId id="475" r:id="rId57"/>
-    <p:sldId id="453" r:id="rId58"/>
-    <p:sldId id="415" r:id="rId59"/>
-    <p:sldId id="439" r:id="rId60"/>
-    <p:sldId id="440" r:id="rId61"/>
-    <p:sldId id="442" r:id="rId62"/>
-    <p:sldId id="443" r:id="rId63"/>
-    <p:sldId id="444" r:id="rId64"/>
-    <p:sldId id="445" r:id="rId65"/>
-    <p:sldId id="446" r:id="rId66"/>
-    <p:sldId id="441" r:id="rId67"/>
-    <p:sldId id="413" r:id="rId68"/>
+    <p:sldId id="476" r:id="rId6"/>
+    <p:sldId id="314" r:id="rId7"/>
+    <p:sldId id="457" r:id="rId8"/>
+    <p:sldId id="473" r:id="rId9"/>
+    <p:sldId id="458" r:id="rId10"/>
+    <p:sldId id="459" r:id="rId11"/>
+    <p:sldId id="341" r:id="rId12"/>
+    <p:sldId id="417" r:id="rId13"/>
+    <p:sldId id="466" r:id="rId14"/>
+    <p:sldId id="472" r:id="rId15"/>
+    <p:sldId id="465" r:id="rId16"/>
+    <p:sldId id="467" r:id="rId17"/>
+    <p:sldId id="454" r:id="rId18"/>
+    <p:sldId id="474" r:id="rId19"/>
+    <p:sldId id="455" r:id="rId20"/>
+    <p:sldId id="456" r:id="rId21"/>
+    <p:sldId id="462" r:id="rId22"/>
+    <p:sldId id="463" r:id="rId23"/>
+    <p:sldId id="464" r:id="rId24"/>
+    <p:sldId id="468" r:id="rId25"/>
+    <p:sldId id="449" r:id="rId26"/>
+    <p:sldId id="469" r:id="rId27"/>
+    <p:sldId id="470" r:id="rId28"/>
+    <p:sldId id="471" r:id="rId29"/>
+    <p:sldId id="460" r:id="rId30"/>
+    <p:sldId id="450" r:id="rId31"/>
+    <p:sldId id="414" r:id="rId32"/>
+    <p:sldId id="447" r:id="rId33"/>
+    <p:sldId id="418" r:id="rId34"/>
+    <p:sldId id="419" r:id="rId35"/>
+    <p:sldId id="420" r:id="rId36"/>
+    <p:sldId id="461" r:id="rId37"/>
+    <p:sldId id="421" r:id="rId38"/>
+    <p:sldId id="422" r:id="rId39"/>
+    <p:sldId id="423" r:id="rId40"/>
+    <p:sldId id="424" r:id="rId41"/>
+    <p:sldId id="425" r:id="rId42"/>
+    <p:sldId id="426" r:id="rId43"/>
+    <p:sldId id="427" r:id="rId44"/>
+    <p:sldId id="428" r:id="rId45"/>
+    <p:sldId id="431" r:id="rId46"/>
+    <p:sldId id="432" r:id="rId47"/>
+    <p:sldId id="433" r:id="rId48"/>
+    <p:sldId id="429" r:id="rId49"/>
+    <p:sldId id="430" r:id="rId50"/>
+    <p:sldId id="434" r:id="rId51"/>
+    <p:sldId id="438" r:id="rId52"/>
+    <p:sldId id="416" r:id="rId53"/>
+    <p:sldId id="435" r:id="rId54"/>
+    <p:sldId id="452" r:id="rId55"/>
+    <p:sldId id="451" r:id="rId56"/>
+    <p:sldId id="436" r:id="rId57"/>
+    <p:sldId id="475" r:id="rId58"/>
+    <p:sldId id="453" r:id="rId59"/>
+    <p:sldId id="415" r:id="rId60"/>
+    <p:sldId id="439" r:id="rId61"/>
+    <p:sldId id="440" r:id="rId62"/>
+    <p:sldId id="442" r:id="rId63"/>
+    <p:sldId id="443" r:id="rId64"/>
+    <p:sldId id="444" r:id="rId65"/>
+    <p:sldId id="445" r:id="rId66"/>
+    <p:sldId id="446" r:id="rId67"/>
+    <p:sldId id="441" r:id="rId68"/>
+    <p:sldId id="413" r:id="rId69"/>
   </p:sldIdLst>
   <p:sldSz cx="12192000" cy="6858000"/>
   <p:notesSz cx="7010400" cy="9296400"/>
@@ -1453,7 +1454,7 @@
           <a:p>
             <a:fld id="{EF911157-0FC2-4F06-8D61-FD647FE4E19D}" type="datetimeFigureOut">
               <a:rPr lang="en-US" smtClean="0"/>
-              <a:t>10/5/2023</a:t>
+              <a:t>10/12/2023</a:t>
             </a:fld>
             <a:endParaRPr lang="en-US"/>
           </a:p>
@@ -1774,22 +1775,13 @@
               <a:buNone/>
             </a:pPr>
             <a:r>
+              <a:rPr lang="en-US"/>
+              <a:t>To </a:t>
+            </a:r>
+            <a:r>
               <a:rPr lang="en-US" dirty="0"/>
-              <a:t>Update syllabus. To add for next time – how does Grossman model vary </a:t>
-            </a:r>
-            <a:r>
-              <a:rPr lang="en-US" dirty="0" err="1"/>
-              <a:t>preditions</a:t>
-            </a:r>
-            <a:r>
-              <a:rPr lang="en-US" dirty="0"/>
-              <a:t> over the life-cycle? Slides were a little bit long (didn’t get to discussion on model) and the integral was surprising to students – walk through it more. Another thing to add for next time: notes from the Darden et al. </a:t>
-            </a:r>
-            <a:r>
-              <a:rPr lang="en-US"/>
-              <a:t>paper? </a:t>
-            </a:r>
-            <a:endParaRPr lang="en-US" dirty="0"/>
+              <a:t>add for next time – how does Grossman model vary predictions over the life-cycle? Slides were a little bit long (didn’t get to discussion on model) and the integral was surprising to students – walk through it more. Another thing to add for next time: notes from the Darden et al. paper? </a:t>
+            </a:r>
           </a:p>
         </p:txBody>
       </p:sp>
@@ -1873,10 +1865,41 @@
           <a:bodyPr/>
           <a:lstStyle/>
           <a:p>
-            <a:r>
-              <a:rPr lang="en-CA" dirty="0"/>
-              <a:t>Pause for any other syllabus / logistics questions?</a:t>
-            </a:r>
+            <a:pPr marL="0" marR="0" lvl="0" indent="0" algn="l" defTabSz="914400" rtl="0" eaLnBrk="1" fontAlgn="auto" latinLnBrk="0" hangingPunct="1">
+              <a:lnSpc>
+                <a:spcPct val="100000"/>
+              </a:lnSpc>
+              <a:spcBef>
+                <a:spcPts val="0"/>
+              </a:spcBef>
+              <a:spcAft>
+                <a:spcPts val="0"/>
+              </a:spcAft>
+              <a:buClrTx/>
+              <a:buSzTx/>
+              <a:buFontTx/>
+              <a:buNone/>
+              <a:tabLst/>
+              <a:defRPr/>
+            </a:pPr>
+            <a:r>
+              <a:rPr lang="en-US" sz="1200" dirty="0">
+                <a:effectLst/>
+                <a:latin typeface="Times New Roman" panose="02020603050405020304" pitchFamily="18" charset="0"/>
+                <a:ea typeface="Calibri" panose="020F0502020204030204" pitchFamily="34" charset="0"/>
+                <a:cs typeface="Times New Roman" panose="02020603050405020304" pitchFamily="18" charset="0"/>
+              </a:rPr>
+              <a:t>Late proposals will be discounted by 10 percentage points per day late. Presentations will be given during the last two lectures of the semester.</a:t>
+            </a:r>
+            <a:endParaRPr lang="en-CA" sz="1200" dirty="0">
+              <a:effectLst/>
+              <a:latin typeface="Calibri" panose="020F0502020204030204" pitchFamily="34" charset="0"/>
+              <a:ea typeface="Calibri" panose="020F0502020204030204" pitchFamily="34" charset="0"/>
+              <a:cs typeface="Times New Roman" panose="02020603050405020304" pitchFamily="18" charset="0"/>
+            </a:endParaRPr>
+          </a:p>
+          <a:p>
+            <a:endParaRPr lang="en-US" dirty="0"/>
           </a:p>
         </p:txBody>
       </p:sp>
@@ -1906,7 +1929,7 @@
     </p:spTree>
     <p:extLst>
       <p:ext uri="{BB962C8B-B14F-4D97-AF65-F5344CB8AC3E}">
-        <p14:creationId xmlns:p14="http://schemas.microsoft.com/office/powerpoint/2010/main" val="1883598164"/>
+        <p14:creationId xmlns:p14="http://schemas.microsoft.com/office/powerpoint/2010/main" val="2465645055"/>
       </p:ext>
     </p:extLst>
   </p:cSld>
@@ -1962,15 +1985,7 @@
           <a:p>
             <a:r>
               <a:rPr lang="en-CA" dirty="0"/>
-              <a:t>Open discussion. Some thoughts: optimization subject to constraints. Thinking carefully about all sides of a </a:t>
-            </a:r>
-            <a:r>
-              <a:rPr lang="en-CA" dirty="0" err="1"/>
-              <a:t>tradeoff</a:t>
-            </a:r>
-            <a:r>
-              <a:rPr lang="en-CA" dirty="0"/>
-              <a:t>. Thinking through how people make choices, and what kinds of preferences/incentives lead to that choice (this is all built into modeling)</a:t>
+              <a:t>Pause for any other syllabus / logistics questions?</a:t>
             </a:r>
           </a:p>
         </p:txBody>
@@ -2001,7 +2016,7 @@
     </p:spTree>
     <p:extLst>
       <p:ext uri="{BB962C8B-B14F-4D97-AF65-F5344CB8AC3E}">
-        <p14:creationId xmlns:p14="http://schemas.microsoft.com/office/powerpoint/2010/main" val="647924768"/>
+        <p14:creationId xmlns:p14="http://schemas.microsoft.com/office/powerpoint/2010/main" val="1883598164"/>
       </p:ext>
     </p:extLst>
   </p:cSld>
@@ -2057,7 +2072,15 @@
           <a:p>
             <a:r>
               <a:rPr lang="en-CA" dirty="0"/>
-              <a:t>Some thoughts: optimization subject to constraints</a:t>
+              <a:t>Open discussion. Some thoughts: optimization subject to constraints. Thinking carefully about all sides of a </a:t>
+            </a:r>
+            <a:r>
+              <a:rPr lang="en-CA" dirty="0" err="1"/>
+              <a:t>tradeoff</a:t>
+            </a:r>
+            <a:r>
+              <a:rPr lang="en-CA" dirty="0"/>
+              <a:t>. Thinking through how people make choices, and what kinds of preferences/incentives lead to that choice (this is all built into modeling)</a:t>
             </a:r>
           </a:p>
         </p:txBody>
@@ -2088,7 +2111,7 @@
     </p:spTree>
     <p:extLst>
       <p:ext uri="{BB962C8B-B14F-4D97-AF65-F5344CB8AC3E}">
-        <p14:creationId xmlns:p14="http://schemas.microsoft.com/office/powerpoint/2010/main" val="723145485"/>
+        <p14:creationId xmlns:p14="http://schemas.microsoft.com/office/powerpoint/2010/main" val="647924768"/>
       </p:ext>
     </p:extLst>
   </p:cSld>
@@ -2144,15 +2167,7 @@
           <a:p>
             <a:r>
               <a:rPr lang="en-CA" dirty="0"/>
-              <a:t>Video – none of this will be new to you, but I want us to (a) see some real health economists talking (we’ll read papers by all of these people!) and (b) see how they talk about things differently than non-</a:t>
-            </a:r>
-            <a:r>
-              <a:rPr lang="en-CA" dirty="0" err="1"/>
-              <a:t>econs</a:t>
-            </a:r>
-            <a:r>
-              <a:rPr lang="en-CA" dirty="0"/>
-              <a:t>. Think about what is surprising to you? What casts things in a new light, what lines up with your priors, what ruffles your feathers? It’s from a US perspective but I don’t think that matters much here (or does it to you? Why? ) </a:t>
+              <a:t>Some thoughts: optimization subject to constraints</a:t>
             </a:r>
           </a:p>
         </p:txBody>
@@ -2183,7 +2198,7 @@
     </p:spTree>
     <p:extLst>
       <p:ext uri="{BB962C8B-B14F-4D97-AF65-F5344CB8AC3E}">
-        <p14:creationId xmlns:p14="http://schemas.microsoft.com/office/powerpoint/2010/main" val="738780515"/>
+        <p14:creationId xmlns:p14="http://schemas.microsoft.com/office/powerpoint/2010/main" val="723145485"/>
       </p:ext>
     </p:extLst>
   </p:cSld>
@@ -2239,7 +2254,15 @@
           <a:p>
             <a:r>
               <a:rPr lang="en-CA" dirty="0"/>
-              <a:t>Think carefully about patient/provider behaviors, clarify incentives, causal impacts + distributional effects</a:t>
+              <a:t>Video – none of this will be new to you, but I want us to (a) see some real health economists talking (we’ll read papers by all of these people!) and (b) see how they talk about things differently than non-</a:t>
+            </a:r>
+            <a:r>
+              <a:rPr lang="en-CA" dirty="0" err="1"/>
+              <a:t>econs</a:t>
+            </a:r>
+            <a:r>
+              <a:rPr lang="en-CA" dirty="0"/>
+              <a:t>. Think about what is surprising to you? What casts things in a new light, what lines up with your priors, what ruffles your feathers? It’s from a US perspective but I don’t think that matters much here (or does it to you? Why? ) </a:t>
             </a:r>
           </a:p>
         </p:txBody>
@@ -2270,7 +2293,7 @@
     </p:spTree>
     <p:extLst>
       <p:ext uri="{BB962C8B-B14F-4D97-AF65-F5344CB8AC3E}">
-        <p14:creationId xmlns:p14="http://schemas.microsoft.com/office/powerpoint/2010/main" val="4073403938"/>
+        <p14:creationId xmlns:p14="http://schemas.microsoft.com/office/powerpoint/2010/main" val="738780515"/>
       </p:ext>
     </p:extLst>
   </p:cSld>
@@ -2326,15 +2349,7 @@
           <a:p>
             <a:r>
               <a:rPr lang="en-CA" dirty="0"/>
-              <a:t>Think carefully about patient/provider behaviors, clarify incentives, causal impacts + distributional effects. </a:t>
-            </a:r>
-            <a:r>
-              <a:rPr lang="en-CA" dirty="0" err="1"/>
-              <a:t>Tradeoffs</a:t>
-            </a:r>
-            <a:r>
-              <a:rPr lang="en-CA" dirty="0"/>
-              <a:t> highlighted in next slide.</a:t>
+              <a:t>Think carefully about patient/provider behaviors, clarify incentives, causal impacts + distributional effects</a:t>
             </a:r>
           </a:p>
         </p:txBody>
@@ -2365,7 +2380,7 @@
     </p:spTree>
     <p:extLst>
       <p:ext uri="{BB962C8B-B14F-4D97-AF65-F5344CB8AC3E}">
-        <p14:creationId xmlns:p14="http://schemas.microsoft.com/office/powerpoint/2010/main" val="1296914462"/>
+        <p14:creationId xmlns:p14="http://schemas.microsoft.com/office/powerpoint/2010/main" val="4073403938"/>
       </p:ext>
     </p:extLst>
   </p:cSld>
@@ -2421,7 +2436,15 @@
           <a:p>
             <a:r>
               <a:rPr lang="en-CA" dirty="0"/>
-              <a:t>Here’s the problem: expensive gas prices. Solution: a proposed price freeze.</a:t>
+              <a:t>Think carefully about patient/provider behaviors, clarify incentives, causal impacts + distributional effects. </a:t>
+            </a:r>
+            <a:r>
+              <a:rPr lang="en-CA" dirty="0" err="1"/>
+              <a:t>Tradeoffs</a:t>
+            </a:r>
+            <a:r>
+              <a:rPr lang="en-CA" dirty="0"/>
+              <a:t> highlighted in next slide.</a:t>
             </a:r>
           </a:p>
         </p:txBody>
@@ -2452,7 +2475,7 @@
     </p:spTree>
     <p:extLst>
       <p:ext uri="{BB962C8B-B14F-4D97-AF65-F5344CB8AC3E}">
-        <p14:creationId xmlns:p14="http://schemas.microsoft.com/office/powerpoint/2010/main" val="1551403357"/>
+        <p14:creationId xmlns:p14="http://schemas.microsoft.com/office/powerpoint/2010/main" val="1296914462"/>
       </p:ext>
     </p:extLst>
   </p:cSld>
@@ -2508,7 +2531,7 @@
           <a:p>
             <a:r>
               <a:rPr lang="en-CA" dirty="0"/>
-              <a:t>How do we think about this? Two sides of the story – do we help people now, or do we think about dynamic incentives? </a:t>
+              <a:t>Here’s the problem: expensive gas prices. Solution: a proposed price freeze.</a:t>
             </a:r>
           </a:p>
         </p:txBody>
@@ -2539,7 +2562,7 @@
     </p:spTree>
     <p:extLst>
       <p:ext uri="{BB962C8B-B14F-4D97-AF65-F5344CB8AC3E}">
-        <p14:creationId xmlns:p14="http://schemas.microsoft.com/office/powerpoint/2010/main" val="1817426667"/>
+        <p14:creationId xmlns:p14="http://schemas.microsoft.com/office/powerpoint/2010/main" val="1551403357"/>
       </p:ext>
     </p:extLst>
   </p:cSld>
@@ -2595,7 +2618,7 @@
           <a:p>
             <a:r>
               <a:rPr lang="en-CA" dirty="0"/>
-              <a:t>Frequent political discussions involve “head in the sand” </a:t>
+              <a:t>How do we think about this? Two sides of the story – do we help people now, or do we think about dynamic incentives? </a:t>
             </a:r>
           </a:p>
         </p:txBody>
@@ -2626,7 +2649,7 @@
     </p:spTree>
     <p:extLst>
       <p:ext uri="{BB962C8B-B14F-4D97-AF65-F5344CB8AC3E}">
-        <p14:creationId xmlns:p14="http://schemas.microsoft.com/office/powerpoint/2010/main" val="3634697929"/>
+        <p14:creationId xmlns:p14="http://schemas.microsoft.com/office/powerpoint/2010/main" val="1817426667"/>
       </p:ext>
     </p:extLst>
   </p:cSld>
@@ -2682,7 +2705,7 @@
           <a:p>
             <a:r>
               <a:rPr lang="en-CA" dirty="0"/>
-              <a:t>So a toy model here would have what? Some notion of time, with actions today affecting states tomorrow.  Some measure of externalities from natural gas production. Some way to think about welfare across time.</a:t>
+              <a:t>Frequent political discussions involve “head in the sand” </a:t>
             </a:r>
           </a:p>
         </p:txBody>
@@ -2713,7 +2736,7 @@
     </p:spTree>
     <p:extLst>
       <p:ext uri="{BB962C8B-B14F-4D97-AF65-F5344CB8AC3E}">
-        <p14:creationId xmlns:p14="http://schemas.microsoft.com/office/powerpoint/2010/main" val="3990075886"/>
+        <p14:creationId xmlns:p14="http://schemas.microsoft.com/office/powerpoint/2010/main" val="3634697929"/>
       </p:ext>
     </p:extLst>
   </p:cSld>
@@ -2853,13 +2876,8 @@
           <a:p>
             <a:r>
               <a:rPr lang="en-CA" dirty="0"/>
-              <a:t>Models will help us formalize the economic concepts coming into play in our settings. So like </a:t>
-            </a:r>
-            <a:r>
-              <a:rPr lang="en-CA" dirty="0" err="1"/>
-              <a:t>Lagrangians</a:t>
-            </a:r>
-            <a:endParaRPr lang="en-CA" dirty="0"/>
+              <a:t>So a toy model here would have what? Some notion of time, with actions today affecting states tomorrow.  Some measure of externalities from natural gas production. Some way to think about welfare across time.</a:t>
+            </a:r>
           </a:p>
         </p:txBody>
       </p:sp>
@@ -2889,7 +2907,7 @@
     </p:spTree>
     <p:extLst>
       <p:ext uri="{BB962C8B-B14F-4D97-AF65-F5344CB8AC3E}">
-        <p14:creationId xmlns:p14="http://schemas.microsoft.com/office/powerpoint/2010/main" val="1249480252"/>
+        <p14:creationId xmlns:p14="http://schemas.microsoft.com/office/powerpoint/2010/main" val="3990075886"/>
       </p:ext>
     </p:extLst>
   </p:cSld>
@@ -2945,8 +2963,13 @@
           <a:p>
             <a:r>
               <a:rPr lang="en-CA" dirty="0"/>
-              <a:t>We’ll do less of 3, but there is a continuum, not dichotomy here </a:t>
-            </a:r>
+              <a:t>Models will help us formalize the economic concepts coming into play in our settings. So like </a:t>
+            </a:r>
+            <a:r>
+              <a:rPr lang="en-CA" dirty="0" err="1"/>
+              <a:t>Lagrangians</a:t>
+            </a:r>
+            <a:endParaRPr lang="en-CA" dirty="0"/>
           </a:p>
         </p:txBody>
       </p:sp>
@@ -2976,7 +2999,7 @@
     </p:spTree>
     <p:extLst>
       <p:ext uri="{BB962C8B-B14F-4D97-AF65-F5344CB8AC3E}">
-        <p14:creationId xmlns:p14="http://schemas.microsoft.com/office/powerpoint/2010/main" val="264471471"/>
+        <p14:creationId xmlns:p14="http://schemas.microsoft.com/office/powerpoint/2010/main" val="1249480252"/>
       </p:ext>
     </p:extLst>
   </p:cSld>
@@ -3063,7 +3086,7 @@
     </p:spTree>
     <p:extLst>
       <p:ext uri="{BB962C8B-B14F-4D97-AF65-F5344CB8AC3E}">
-        <p14:creationId xmlns:p14="http://schemas.microsoft.com/office/powerpoint/2010/main" val="755493441"/>
+        <p14:creationId xmlns:p14="http://schemas.microsoft.com/office/powerpoint/2010/main" val="264471471"/>
       </p:ext>
     </p:extLst>
   </p:cSld>
@@ -3119,7 +3142,7 @@
           <a:p>
             <a:r>
               <a:rPr lang="en-CA" dirty="0"/>
-              <a:t>Basically, what we’re doing in this class is discussing optimization – that’s what models show for us</a:t>
+              <a:t>We’ll do less of 3, but there is a continuum, not dichotomy here </a:t>
             </a:r>
           </a:p>
         </p:txBody>
@@ -3150,7 +3173,7 @@
     </p:spTree>
     <p:extLst>
       <p:ext uri="{BB962C8B-B14F-4D97-AF65-F5344CB8AC3E}">
-        <p14:creationId xmlns:p14="http://schemas.microsoft.com/office/powerpoint/2010/main" val="3458559002"/>
+        <p14:creationId xmlns:p14="http://schemas.microsoft.com/office/powerpoint/2010/main" val="755493441"/>
       </p:ext>
     </p:extLst>
   </p:cSld>
@@ -3206,7 +3229,7 @@
           <a:p>
             <a:r>
               <a:rPr lang="en-CA" dirty="0"/>
-              <a:t>This is a readings class, so we’ll be doing a deep dive into each model. </a:t>
+              <a:t>Basically, what we’re doing in this class is discussing optimization – that’s what models show for us</a:t>
             </a:r>
           </a:p>
         </p:txBody>
@@ -3237,7 +3260,7 @@
     </p:spTree>
     <p:extLst>
       <p:ext uri="{BB962C8B-B14F-4D97-AF65-F5344CB8AC3E}">
-        <p14:creationId xmlns:p14="http://schemas.microsoft.com/office/powerpoint/2010/main" val="3088364379"/>
+        <p14:creationId xmlns:p14="http://schemas.microsoft.com/office/powerpoint/2010/main" val="3458559002"/>
       </p:ext>
     </p:extLst>
   </p:cSld>
@@ -3324,7 +3347,7 @@
     </p:spTree>
     <p:extLst>
       <p:ext uri="{BB962C8B-B14F-4D97-AF65-F5344CB8AC3E}">
-        <p14:creationId xmlns:p14="http://schemas.microsoft.com/office/powerpoint/2010/main" val="1145051947"/>
+        <p14:creationId xmlns:p14="http://schemas.microsoft.com/office/powerpoint/2010/main" val="3088364379"/>
       </p:ext>
     </p:extLst>
   </p:cSld>
@@ -3411,7 +3434,7 @@
     </p:spTree>
     <p:extLst>
       <p:ext uri="{BB962C8B-B14F-4D97-AF65-F5344CB8AC3E}">
-        <p14:creationId xmlns:p14="http://schemas.microsoft.com/office/powerpoint/2010/main" val="1540448008"/>
+        <p14:creationId xmlns:p14="http://schemas.microsoft.com/office/powerpoint/2010/main" val="1145051947"/>
       </p:ext>
     </p:extLst>
   </p:cSld>
@@ -3498,7 +3521,7 @@
     </p:spTree>
     <p:extLst>
       <p:ext uri="{BB962C8B-B14F-4D97-AF65-F5344CB8AC3E}">
-        <p14:creationId xmlns:p14="http://schemas.microsoft.com/office/powerpoint/2010/main" val="3862093067"/>
+        <p14:creationId xmlns:p14="http://schemas.microsoft.com/office/powerpoint/2010/main" val="1540448008"/>
       </p:ext>
     </p:extLst>
   </p:cSld>
@@ -3552,7 +3575,10 @@
           <a:bodyPr/>
           <a:lstStyle/>
           <a:p>
-            <a:endParaRPr lang="en-CA" dirty="0"/>
+            <a:r>
+              <a:rPr lang="en-CA" dirty="0"/>
+              <a:t>This is a readings class, so we’ll be doing a deep dive into each model. </a:t>
+            </a:r>
           </a:p>
         </p:txBody>
       </p:sp>
@@ -3582,7 +3608,7 @@
     </p:spTree>
     <p:extLst>
       <p:ext uri="{BB962C8B-B14F-4D97-AF65-F5344CB8AC3E}">
-        <p14:creationId xmlns:p14="http://schemas.microsoft.com/office/powerpoint/2010/main" val="2877033810"/>
+        <p14:creationId xmlns:p14="http://schemas.microsoft.com/office/powerpoint/2010/main" val="3862093067"/>
       </p:ext>
     </p:extLst>
   </p:cSld>
@@ -3636,18 +3662,7 @@
           <a:bodyPr/>
           <a:lstStyle/>
           <a:p>
-            <a:r>
-              <a:rPr lang="en-CA" dirty="0"/>
-              <a:t>Notes on the intuition behind </a:t>
-            </a:r>
-            <a:r>
-              <a:rPr lang="en-CA" dirty="0" err="1"/>
-              <a:t>Lagrangians</a:t>
-            </a:r>
-            <a:r>
-              <a:rPr lang="en-CA" dirty="0"/>
-              <a:t>: https://medium.com/@andrew.chamberlain/a-simple-explanation-of-why-lagrange-multipliers-works-253e2cdcbf74</a:t>
-            </a:r>
+            <a:endParaRPr lang="en-CA" dirty="0"/>
           </a:p>
         </p:txBody>
       </p:sp>
@@ -3677,7 +3692,7 @@
     </p:spTree>
     <p:extLst>
       <p:ext uri="{BB962C8B-B14F-4D97-AF65-F5344CB8AC3E}">
-        <p14:creationId xmlns:p14="http://schemas.microsoft.com/office/powerpoint/2010/main" val="1620923742"/>
+        <p14:creationId xmlns:p14="http://schemas.microsoft.com/office/powerpoint/2010/main" val="2877033810"/>
       </p:ext>
     </p:extLst>
   </p:cSld>
@@ -3818,7 +3833,18 @@
           <a:bodyPr/>
           <a:lstStyle/>
           <a:p>
-            <a:endParaRPr lang="en-CA" dirty="0"/>
+            <a:r>
+              <a:rPr lang="en-CA" dirty="0"/>
+              <a:t>Notes on the intuition behind </a:t>
+            </a:r>
+            <a:r>
+              <a:rPr lang="en-CA" dirty="0" err="1"/>
+              <a:t>Lagrangians</a:t>
+            </a:r>
+            <a:r>
+              <a:rPr lang="en-CA" dirty="0"/>
+              <a:t>: https://medium.com/@andrew.chamberlain/a-simple-explanation-of-why-lagrange-multipliers-works-253e2cdcbf74</a:t>
+            </a:r>
           </a:p>
         </p:txBody>
       </p:sp>
@@ -3848,7 +3874,7 @@
     </p:spTree>
     <p:extLst>
       <p:ext uri="{BB962C8B-B14F-4D97-AF65-F5344CB8AC3E}">
-        <p14:creationId xmlns:p14="http://schemas.microsoft.com/office/powerpoint/2010/main" val="2864384626"/>
+        <p14:creationId xmlns:p14="http://schemas.microsoft.com/office/powerpoint/2010/main" val="1620923742"/>
       </p:ext>
     </p:extLst>
   </p:cSld>
@@ -3902,14 +3928,6 @@
           <a:bodyPr/>
           <a:lstStyle/>
           <a:p>
-            <a:r>
-              <a:rPr lang="en-CA" dirty="0"/>
-              <a:t>So we’re going to expand a model of demand and think about demand for health </a:t>
-            </a:r>
-            <a:r>
-              <a:rPr lang="en-CA" i="1" dirty="0"/>
-              <a:t>states</a:t>
-            </a:r>
             <a:endParaRPr lang="en-CA" dirty="0"/>
           </a:p>
         </p:txBody>
@@ -3940,7 +3958,7 @@
     </p:spTree>
     <p:extLst>
       <p:ext uri="{BB962C8B-B14F-4D97-AF65-F5344CB8AC3E}">
-        <p14:creationId xmlns:p14="http://schemas.microsoft.com/office/powerpoint/2010/main" val="2354601980"/>
+        <p14:creationId xmlns:p14="http://schemas.microsoft.com/office/powerpoint/2010/main" val="2864384626"/>
       </p:ext>
     </p:extLst>
   </p:cSld>
@@ -3996,24 +4014,13 @@
           <a:p>
             <a:r>
               <a:rPr lang="en-CA" dirty="0"/>
-              <a:t>Little u is our index. </a:t>
-            </a:r>
-            <a:r>
-              <a:rPr lang="en-CA" dirty="0" err="1"/>
-              <a:t>H_i</a:t>
-            </a:r>
-            <a:r>
-              <a:rPr lang="en-CA" dirty="0"/>
-              <a:t> is health status and </a:t>
-            </a:r>
-            <a:r>
-              <a:rPr lang="en-CA" dirty="0" err="1"/>
-              <a:t>Z_i</a:t>
-            </a:r>
-            <a:r>
-              <a:rPr lang="en-CA" dirty="0"/>
-              <a:t> is consumption of everything else (food, opera, etc.). For now we are starting with one period. The central question is (a) why do different people make different choices about health? (Answer is, unsurprisingly, different preferences)</a:t>
-            </a:r>
+              <a:t>So we’re going to expand a model of demand and think about demand for health </a:t>
+            </a:r>
+            <a:r>
+              <a:rPr lang="en-CA" i="1" dirty="0"/>
+              <a:t>states</a:t>
+            </a:r>
+            <a:endParaRPr lang="en-CA" dirty="0"/>
           </a:p>
         </p:txBody>
       </p:sp>
@@ -4043,7 +4050,7 @@
     </p:spTree>
     <p:extLst>
       <p:ext uri="{BB962C8B-B14F-4D97-AF65-F5344CB8AC3E}">
-        <p14:creationId xmlns:p14="http://schemas.microsoft.com/office/powerpoint/2010/main" val="1141811495"/>
+        <p14:creationId xmlns:p14="http://schemas.microsoft.com/office/powerpoint/2010/main" val="2354601980"/>
       </p:ext>
     </p:extLst>
   </p:cSld>
@@ -4099,15 +4106,23 @@
           <a:p>
             <a:r>
               <a:rPr lang="en-CA" dirty="0"/>
-              <a:t>Health care (vaccines </a:t>
+              <a:t>Little u is our index. </a:t>
             </a:r>
             <a:r>
               <a:rPr lang="en-CA" dirty="0" err="1"/>
-              <a:t>etc</a:t>
+              <a:t>H_i</a:t>
             </a:r>
             <a:r>
               <a:rPr lang="en-CA" dirty="0"/>
-              <a:t>) only appear as they influence H. So you could write H as a function of all health services. This is one of Grossman’s points: people don’t consume cardiac stress tests, they consume good health – how does that change the model? </a:t>
+              <a:t> is health status and </a:t>
+            </a:r>
+            <a:r>
+              <a:rPr lang="en-CA" dirty="0" err="1"/>
+              <a:t>Z_i</a:t>
+            </a:r>
+            <a:r>
+              <a:rPr lang="en-CA" dirty="0"/>
+              <a:t> is consumption of everything else (food, opera, etc.). For now we are starting with one period. The central question is (a) why do different people make different choices about health? (Answer is, unsurprisingly, different preferences)</a:t>
             </a:r>
           </a:p>
         </p:txBody>
@@ -4138,7 +4153,7 @@
     </p:spTree>
     <p:extLst>
       <p:ext uri="{BB962C8B-B14F-4D97-AF65-F5344CB8AC3E}">
-        <p14:creationId xmlns:p14="http://schemas.microsoft.com/office/powerpoint/2010/main" val="3812566867"/>
+        <p14:creationId xmlns:p14="http://schemas.microsoft.com/office/powerpoint/2010/main" val="1141811495"/>
       </p:ext>
     </p:extLst>
   </p:cSld>
@@ -4192,7 +4207,18 @@
           <a:bodyPr/>
           <a:lstStyle/>
           <a:p>
-            <a:endParaRPr lang="en-CA" dirty="0"/>
+            <a:r>
+              <a:rPr lang="en-CA" dirty="0"/>
+              <a:t>Health care (vaccines </a:t>
+            </a:r>
+            <a:r>
+              <a:rPr lang="en-CA" dirty="0" err="1"/>
+              <a:t>etc</a:t>
+            </a:r>
+            <a:r>
+              <a:rPr lang="en-CA" dirty="0"/>
+              <a:t>) only appear as they influence H. So you could write H as a function of all health services. This is one of Grossman’s points: people don’t consume cardiac stress tests, they consume good health – how does that change the model? </a:t>
+            </a:r>
           </a:p>
         </p:txBody>
       </p:sp>
@@ -4222,7 +4248,7 @@
     </p:spTree>
     <p:extLst>
       <p:ext uri="{BB962C8B-B14F-4D97-AF65-F5344CB8AC3E}">
-        <p14:creationId xmlns:p14="http://schemas.microsoft.com/office/powerpoint/2010/main" val="1492508342"/>
+        <p14:creationId xmlns:p14="http://schemas.microsoft.com/office/powerpoint/2010/main" val="3812566867"/>
       </p:ext>
     </p:extLst>
   </p:cSld>
@@ -4276,18 +4302,7 @@
           <a:bodyPr/>
           <a:lstStyle/>
           <a:p>
-            <a:r>
-              <a:rPr lang="en-CA" dirty="0"/>
-              <a:t>How do we make a model like this realistic? Diminishing returns to investment, </a:t>
-            </a:r>
-            <a:r>
-              <a:rPr lang="en-CA" dirty="0" err="1"/>
-              <a:t>tradeoffs</a:t>
-            </a:r>
-            <a:r>
-              <a:rPr lang="en-CA" dirty="0"/>
-              <a:t> between consumption of health and other goods. </a:t>
-            </a:r>
+            <a:endParaRPr lang="en-CA" dirty="0"/>
           </a:p>
         </p:txBody>
       </p:sp>
@@ -4317,7 +4332,7 @@
     </p:spTree>
     <p:extLst>
       <p:ext uri="{BB962C8B-B14F-4D97-AF65-F5344CB8AC3E}">
-        <p14:creationId xmlns:p14="http://schemas.microsoft.com/office/powerpoint/2010/main" val="433104896"/>
+        <p14:creationId xmlns:p14="http://schemas.microsoft.com/office/powerpoint/2010/main" val="1492508342"/>
       </p:ext>
     </p:extLst>
   </p:cSld>
@@ -4373,15 +4388,15 @@
           <a:p>
             <a:r>
               <a:rPr lang="en-CA" dirty="0"/>
-              <a:t>Health care (vaccines </a:t>
+              <a:t>How do we make a model like this realistic? Diminishing returns to investment, </a:t>
             </a:r>
             <a:r>
               <a:rPr lang="en-CA" dirty="0" err="1"/>
-              <a:t>etc</a:t>
+              <a:t>tradeoffs</a:t>
             </a:r>
             <a:r>
               <a:rPr lang="en-CA" dirty="0"/>
-              <a:t>) only appear as they influence H. So you could write H as a function of all health services. </a:t>
+              <a:t> between consumption of health and other goods. </a:t>
             </a:r>
           </a:p>
         </p:txBody>
@@ -4412,7 +4427,7 @@
     </p:spTree>
     <p:extLst>
       <p:ext uri="{BB962C8B-B14F-4D97-AF65-F5344CB8AC3E}">
-        <p14:creationId xmlns:p14="http://schemas.microsoft.com/office/powerpoint/2010/main" val="208389733"/>
+        <p14:creationId xmlns:p14="http://schemas.microsoft.com/office/powerpoint/2010/main" val="433104896"/>
       </p:ext>
     </p:extLst>
   </p:cSld>
@@ -4468,7 +4483,15 @@
           <a:p>
             <a:r>
               <a:rPr lang="en-CA" dirty="0"/>
-              <a:t>Also what other kinds of constraints could exist? Note that there is still no relationship between health production and these obscure time components. How do we link them? </a:t>
+              <a:t>Health care (vaccines </a:t>
+            </a:r>
+            <a:r>
+              <a:rPr lang="en-CA" dirty="0" err="1"/>
+              <a:t>etc</a:t>
+            </a:r>
+            <a:r>
+              <a:rPr lang="en-CA" dirty="0"/>
+              <a:t>) only appear as they influence H. So you could write H as a function of all health services. </a:t>
             </a:r>
           </a:p>
         </p:txBody>
@@ -4499,7 +4522,7 @@
     </p:spTree>
     <p:extLst>
       <p:ext uri="{BB962C8B-B14F-4D97-AF65-F5344CB8AC3E}">
-        <p14:creationId xmlns:p14="http://schemas.microsoft.com/office/powerpoint/2010/main" val="1242610883"/>
+        <p14:creationId xmlns:p14="http://schemas.microsoft.com/office/powerpoint/2010/main" val="208389733"/>
       </p:ext>
     </p:extLst>
   </p:cSld>
@@ -4555,7 +4578,7 @@
           <a:p>
             <a:r>
               <a:rPr lang="en-CA" dirty="0"/>
-              <a:t>Time sick is this model’s “outside option” – the base that all other model characteristics are related to (kind of like omitted category in dummy variables) </a:t>
+              <a:t>Also what other kinds of constraints could exist? Note that there is still no relationship between health production and these obscure time components. How do we link them? </a:t>
             </a:r>
           </a:p>
         </p:txBody>
@@ -4586,7 +4609,7 @@
     </p:spTree>
     <p:extLst>
       <p:ext uri="{BB962C8B-B14F-4D97-AF65-F5344CB8AC3E}">
-        <p14:creationId xmlns:p14="http://schemas.microsoft.com/office/powerpoint/2010/main" val="1676677793"/>
+        <p14:creationId xmlns:p14="http://schemas.microsoft.com/office/powerpoint/2010/main" val="1242610883"/>
       </p:ext>
     </p:extLst>
   </p:cSld>
@@ -4642,7 +4665,7 @@
           <a:p>
             <a:r>
               <a:rPr lang="en-CA" dirty="0"/>
-              <a:t>Here, lower case variables indicate inputs into big variables H and Z. Since health influences time sick, you can allow H to influence total income (by reducing sick time) </a:t>
+              <a:t>Time sick is this model’s “outside option” – the base that all other model characteristics are related to (kind of like omitted category in dummy variables) </a:t>
             </a:r>
           </a:p>
         </p:txBody>
@@ -4673,7 +4696,7 @@
     </p:spTree>
     <p:extLst>
       <p:ext uri="{BB962C8B-B14F-4D97-AF65-F5344CB8AC3E}">
-        <p14:creationId xmlns:p14="http://schemas.microsoft.com/office/powerpoint/2010/main" val="3006703071"/>
+        <p14:creationId xmlns:p14="http://schemas.microsoft.com/office/powerpoint/2010/main" val="1676677793"/>
       </p:ext>
     </p:extLst>
   </p:cSld>
@@ -4816,7 +4839,7 @@
           <a:p>
             <a:r>
               <a:rPr lang="en-CA" dirty="0"/>
-              <a:t>The change in H in each period is the investment in each period minus depreciation (at rate \delta). This treats health as a durable good, part of human capital. One way to get varying predictions over life-cycle—let delta be a function of age. </a:t>
+              <a:t>Here, lower case variables indicate inputs into big variables H and Z. Since health influences time sick, you can allow H to influence total income (by reducing sick time) </a:t>
             </a:r>
           </a:p>
         </p:txBody>
@@ -4847,7 +4870,7 @@
     </p:spTree>
     <p:extLst>
       <p:ext uri="{BB962C8B-B14F-4D97-AF65-F5344CB8AC3E}">
-        <p14:creationId xmlns:p14="http://schemas.microsoft.com/office/powerpoint/2010/main" val="3472013028"/>
+        <p14:creationId xmlns:p14="http://schemas.microsoft.com/office/powerpoint/2010/main" val="3006703071"/>
       </p:ext>
     </p:extLst>
   </p:cSld>
@@ -4903,7 +4926,7 @@
           <a:p>
             <a:r>
               <a:rPr lang="en-CA" dirty="0"/>
-              <a:t>Assume individuals live for T periods. Little u is our index. What do each of these assumptions on u mean? </a:t>
+              <a:t>The change in H in each period is the investment in each period minus depreciation (at rate \delta). This treats health as a durable good, part of human capital. One way to get varying predictions over life-cycle—let delta be a function of age. </a:t>
             </a:r>
           </a:p>
         </p:txBody>
@@ -4934,7 +4957,7 @@
     </p:spTree>
     <p:extLst>
       <p:ext uri="{BB962C8B-B14F-4D97-AF65-F5344CB8AC3E}">
-        <p14:creationId xmlns:p14="http://schemas.microsoft.com/office/powerpoint/2010/main" val="3324439952"/>
+        <p14:creationId xmlns:p14="http://schemas.microsoft.com/office/powerpoint/2010/main" val="3472013028"/>
       </p:ext>
     </p:extLst>
   </p:cSld>
@@ -4990,15 +5013,7 @@
           <a:p>
             <a:r>
               <a:rPr lang="en-CA" dirty="0"/>
-              <a:t>Note that we assume no savings, so budget constraint is met </a:t>
-            </a:r>
-            <a:r>
-              <a:rPr lang="en-CA" dirty="0" err="1"/>
-              <a:t>ni</a:t>
-            </a:r>
-            <a:r>
-              <a:rPr lang="en-CA" dirty="0"/>
-              <a:t> each period. Can endogenize the</a:t>
+              <a:t>Assume individuals live for T periods. Little u is our index. What do each of these assumptions on u mean? </a:t>
             </a:r>
           </a:p>
         </p:txBody>
@@ -5029,7 +5044,7 @@
     </p:spTree>
     <p:extLst>
       <p:ext uri="{BB962C8B-B14F-4D97-AF65-F5344CB8AC3E}">
-        <p14:creationId xmlns:p14="http://schemas.microsoft.com/office/powerpoint/2010/main" val="757725753"/>
+        <p14:creationId xmlns:p14="http://schemas.microsoft.com/office/powerpoint/2010/main" val="3324439952"/>
       </p:ext>
     </p:extLst>
   </p:cSld>
@@ -5085,7 +5100,15 @@
           <a:p>
             <a:r>
               <a:rPr lang="en-CA" dirty="0"/>
-              <a:t>This is a typical PPF, without complementarities – is it different? Not WLOG, but let’s see this --given complementarities between H and Z – as H gets lower, your income will fall, and hence you can’t just increase Z (Z will be limited as well)</a:t>
+              <a:t>Note that we assume no savings, so budget constraint is met </a:t>
+            </a:r>
+            <a:r>
+              <a:rPr lang="en-CA" dirty="0" err="1"/>
+              <a:t>ni</a:t>
+            </a:r>
+            <a:r>
+              <a:rPr lang="en-CA" dirty="0"/>
+              <a:t> each period. Can endogenize the</a:t>
             </a:r>
           </a:p>
         </p:txBody>
@@ -5116,7 +5139,7 @@
     </p:spTree>
     <p:extLst>
       <p:ext uri="{BB962C8B-B14F-4D97-AF65-F5344CB8AC3E}">
-        <p14:creationId xmlns:p14="http://schemas.microsoft.com/office/powerpoint/2010/main" val="3224468241"/>
+        <p14:creationId xmlns:p14="http://schemas.microsoft.com/office/powerpoint/2010/main" val="757725753"/>
       </p:ext>
     </p:extLst>
   </p:cSld>
@@ -5172,7 +5195,7 @@
           <a:p>
             <a:r>
               <a:rPr lang="en-CA" dirty="0"/>
-              <a:t>Instead, this is the PPF – low H means low consumption. So what part of this shape will be used (where is the free lunch region) ? </a:t>
+              <a:t>This is a typical PPF, without complementarities – is it different? Not WLOG, but let’s see this --given complementarities between H and Z – as H gets lower, your income will fall, and hence you can’t just increase Z (Z will be limited as well)</a:t>
             </a:r>
           </a:p>
         </p:txBody>
@@ -5203,7 +5226,7 @@
     </p:spTree>
     <p:extLst>
       <p:ext uri="{BB962C8B-B14F-4D97-AF65-F5344CB8AC3E}">
-        <p14:creationId xmlns:p14="http://schemas.microsoft.com/office/powerpoint/2010/main" val="617295837"/>
+        <p14:creationId xmlns:p14="http://schemas.microsoft.com/office/powerpoint/2010/main" val="3224468241"/>
       </p:ext>
     </p:extLst>
   </p:cSld>
@@ -5259,7 +5282,7 @@
           <a:p>
             <a:r>
               <a:rPr lang="en-CA" dirty="0"/>
-              <a:t>Instead, this is the PPF – low H means low consumption. So what part of this shape will be used (where is the free lunch region) ? Is this WLOG different from initial (not really). If you were to make assumptions about complementarities, this shape could be different, but we’re not that in the weeds here. </a:t>
+              <a:t>Instead, this is the PPF – low H means low consumption. So what part of this shape will be used (where is the free lunch region) ? </a:t>
             </a:r>
           </a:p>
         </p:txBody>
@@ -5290,7 +5313,7 @@
     </p:spTree>
     <p:extLst>
       <p:ext uri="{BB962C8B-B14F-4D97-AF65-F5344CB8AC3E}">
-        <p14:creationId xmlns:p14="http://schemas.microsoft.com/office/powerpoint/2010/main" val="3234504138"/>
+        <p14:creationId xmlns:p14="http://schemas.microsoft.com/office/powerpoint/2010/main" val="617295837"/>
       </p:ext>
     </p:extLst>
   </p:cSld>
@@ -5346,13 +5369,8 @@
           <a:p>
             <a:r>
               <a:rPr lang="en-CA" dirty="0"/>
-              <a:t>Also note that as a person gets sicker, the PPF </a:t>
-            </a:r>
-            <a:r>
-              <a:rPr lang="en-CA"/>
-              <a:t>shrinks inward (or at least, to the left0</a:t>
-            </a:r>
-            <a:endParaRPr lang="en-CA" dirty="0"/>
+              <a:t>Instead, this is the PPF – low H means low consumption. So what part of this shape will be used (where is the free lunch region) ? Is this WLOG different from initial (not really). If you were to make assumptions about complementarities, this shape could be different, but we’re not that in the weeds here. </a:t>
+            </a:r>
           </a:p>
         </p:txBody>
       </p:sp>
@@ -5382,7 +5400,7 @@
     </p:spTree>
     <p:extLst>
       <p:ext uri="{BB962C8B-B14F-4D97-AF65-F5344CB8AC3E}">
-        <p14:creationId xmlns:p14="http://schemas.microsoft.com/office/powerpoint/2010/main" val="28332943"/>
+        <p14:creationId xmlns:p14="http://schemas.microsoft.com/office/powerpoint/2010/main" val="3234504138"/>
       </p:ext>
     </p:extLst>
   </p:cSld>
@@ -5438,16 +5456,13 @@
           <a:p>
             <a:r>
               <a:rPr lang="en-CA" dirty="0"/>
-              <a:t>Note that we assume no savings, so budget constraint is met </a:t>
-            </a:r>
-            <a:r>
-              <a:rPr lang="en-CA" dirty="0" err="1"/>
-              <a:t>ni</a:t>
-            </a:r>
-            <a:r>
-              <a:rPr lang="en-CA" dirty="0"/>
-              <a:t> each period. Can endogenize the</a:t>
-            </a:r>
+              <a:t>Also note that as a person gets sicker, the PPF </a:t>
+            </a:r>
+            <a:r>
+              <a:rPr lang="en-CA"/>
+              <a:t>shrinks inward (or at least, to the left0</a:t>
+            </a:r>
+            <a:endParaRPr lang="en-CA" dirty="0"/>
           </a:p>
         </p:txBody>
       </p:sp>
@@ -5477,7 +5492,7 @@
     </p:spTree>
     <p:extLst>
       <p:ext uri="{BB962C8B-B14F-4D97-AF65-F5344CB8AC3E}">
-        <p14:creationId xmlns:p14="http://schemas.microsoft.com/office/powerpoint/2010/main" val="2782824856"/>
+        <p14:creationId xmlns:p14="http://schemas.microsoft.com/office/powerpoint/2010/main" val="28332943"/>
       </p:ext>
     </p:extLst>
   </p:cSld>
@@ -5533,15 +5548,15 @@
           <a:p>
             <a:r>
               <a:rPr lang="en-CA" dirty="0"/>
-              <a:t>Now we solved the budget constraint for Z and plugged it in (forgot to scale by </a:t>
+              <a:t>Note that we assume no savings, so budget constraint is met </a:t>
             </a:r>
             <a:r>
               <a:rPr lang="en-CA" dirty="0" err="1"/>
-              <a:t>pz</a:t>
+              <a:t>ni</a:t>
             </a:r>
             <a:r>
               <a:rPr lang="en-CA" dirty="0"/>
-              <a:t>). lambda incorporates the constraint that health investment must be nonnegative. How many choice variables are there now? </a:t>
+              <a:t> each period. Can endogenize the</a:t>
             </a:r>
           </a:p>
         </p:txBody>
@@ -5572,7 +5587,7 @@
     </p:spTree>
     <p:extLst>
       <p:ext uri="{BB962C8B-B14F-4D97-AF65-F5344CB8AC3E}">
-        <p14:creationId xmlns:p14="http://schemas.microsoft.com/office/powerpoint/2010/main" val="2138045672"/>
+        <p14:creationId xmlns:p14="http://schemas.microsoft.com/office/powerpoint/2010/main" val="2782824856"/>
       </p:ext>
     </p:extLst>
   </p:cSld>
@@ -5628,15 +5643,15 @@
           <a:p>
             <a:r>
               <a:rPr lang="en-CA" dirty="0"/>
-              <a:t>Marginal benefit = marginal cost! G() is the marginal benefit and </a:t>
+              <a:t>Now we solved the budget constraint for Z and plugged it in (forgot to scale by </a:t>
             </a:r>
             <a:r>
               <a:rPr lang="en-CA" dirty="0" err="1"/>
-              <a:t>U_z</a:t>
+              <a:t>pz</a:t>
             </a:r>
             <a:r>
               <a:rPr lang="en-CA" dirty="0"/>
-              <a:t> is the cost of not consuming z</a:t>
+              <a:t>). lambda incorporates the constraint that health investment must be nonnegative. How many choice variables are there now? </a:t>
             </a:r>
           </a:p>
         </p:txBody>
@@ -5667,7 +5682,7 @@
     </p:spTree>
     <p:extLst>
       <p:ext uri="{BB962C8B-B14F-4D97-AF65-F5344CB8AC3E}">
-        <p14:creationId xmlns:p14="http://schemas.microsoft.com/office/powerpoint/2010/main" val="459669102"/>
+        <p14:creationId xmlns:p14="http://schemas.microsoft.com/office/powerpoint/2010/main" val="2138045672"/>
       </p:ext>
     </p:extLst>
   </p:cSld>
@@ -5721,7 +5736,7 @@
           <a:bodyPr/>
           <a:lstStyle/>
           <a:p>
-            <a:endParaRPr lang="en-US" dirty="0"/>
+            <a:endParaRPr lang="en-CA" dirty="0"/>
           </a:p>
         </p:txBody>
       </p:sp>
@@ -5751,7 +5766,7 @@
     </p:spTree>
     <p:extLst>
       <p:ext uri="{BB962C8B-B14F-4D97-AF65-F5344CB8AC3E}">
-        <p14:creationId xmlns:p14="http://schemas.microsoft.com/office/powerpoint/2010/main" val="3111868064"/>
+        <p14:creationId xmlns:p14="http://schemas.microsoft.com/office/powerpoint/2010/main" val="701680147"/>
       </p:ext>
     </p:extLst>
   </p:cSld>
@@ -5807,7 +5822,15 @@
           <a:p>
             <a:r>
               <a:rPr lang="en-CA" dirty="0"/>
-              <a:t>Changes in wages over time, completely forward-looking decision-making (this is the biggest drawback in my book), no uncertainty. Talk a little bit more about how to use he model to look at variations across individuals but also across time (aging)</a:t>
+              <a:t>Marginal benefit = marginal cost! G() is the marginal benefit and </a:t>
+            </a:r>
+            <a:r>
+              <a:rPr lang="en-CA" dirty="0" err="1"/>
+              <a:t>U_z</a:t>
+            </a:r>
+            <a:r>
+              <a:rPr lang="en-CA" dirty="0"/>
+              <a:t> is the cost of not consuming z</a:t>
             </a:r>
           </a:p>
         </p:txBody>
@@ -5838,7 +5861,7 @@
     </p:spTree>
     <p:extLst>
       <p:ext uri="{BB962C8B-B14F-4D97-AF65-F5344CB8AC3E}">
-        <p14:creationId xmlns:p14="http://schemas.microsoft.com/office/powerpoint/2010/main" val="1289770260"/>
+        <p14:creationId xmlns:p14="http://schemas.microsoft.com/office/powerpoint/2010/main" val="459669102"/>
       </p:ext>
     </p:extLst>
   </p:cSld>
@@ -5892,7 +5915,10 @@
           <a:bodyPr/>
           <a:lstStyle/>
           <a:p>
-            <a:endParaRPr lang="en-CA" dirty="0"/>
+            <a:r>
+              <a:rPr lang="en-CA" dirty="0"/>
+              <a:t>Changes in wages over time, completely forward-looking decision-making (this is the biggest drawback in my book), no uncertainty. Talk a little bit more about how to use he model to look at variations across individuals but also across time (aging)</a:t>
+            </a:r>
           </a:p>
         </p:txBody>
       </p:sp>
@@ -5922,7 +5948,7 @@
     </p:spTree>
     <p:extLst>
       <p:ext uri="{BB962C8B-B14F-4D97-AF65-F5344CB8AC3E}">
-        <p14:creationId xmlns:p14="http://schemas.microsoft.com/office/powerpoint/2010/main" val="17806775"/>
+        <p14:creationId xmlns:p14="http://schemas.microsoft.com/office/powerpoint/2010/main" val="1289770260"/>
       </p:ext>
     </p:extLst>
   </p:cSld>
@@ -5976,10 +6002,7 @@
           <a:bodyPr/>
           <a:lstStyle/>
           <a:p>
-            <a:r>
-              <a:rPr lang="en-CA" dirty="0"/>
-              <a:t>Is this a critique we care about (multiple answers here)? Note the style of the critique – addresses core assumptions of the model. Can we weaken these assumptions? What would be the benefit of doing so? Note that critique 2 is broken out into multiple parts in the paper. </a:t>
-            </a:r>
+            <a:endParaRPr lang="en-CA" dirty="0"/>
           </a:p>
         </p:txBody>
       </p:sp>
@@ -6009,7 +6032,7 @@
     </p:spTree>
     <p:extLst>
       <p:ext uri="{BB962C8B-B14F-4D97-AF65-F5344CB8AC3E}">
-        <p14:creationId xmlns:p14="http://schemas.microsoft.com/office/powerpoint/2010/main" val="4025150694"/>
+        <p14:creationId xmlns:p14="http://schemas.microsoft.com/office/powerpoint/2010/main" val="17806775"/>
       </p:ext>
     </p:extLst>
   </p:cSld>
@@ -6065,7 +6088,7 @@
           <a:p>
             <a:r>
               <a:rPr lang="en-CA" dirty="0"/>
-              <a:t>He’s clearly got a bone to pick here – he had a kind of longstanding animosity here. </a:t>
+              <a:t>Is this a critique we care about (multiple answers here)? Note the style of the critique – addresses core assumptions of the model. Can we weaken these assumptions? What would be the benefit of doing so? Note that critique 2 is broken out into multiple parts in the paper. </a:t>
             </a:r>
           </a:p>
         </p:txBody>
@@ -6096,7 +6119,7 @@
     </p:spTree>
     <p:extLst>
       <p:ext uri="{BB962C8B-B14F-4D97-AF65-F5344CB8AC3E}">
-        <p14:creationId xmlns:p14="http://schemas.microsoft.com/office/powerpoint/2010/main" val="2898854852"/>
+        <p14:creationId xmlns:p14="http://schemas.microsoft.com/office/powerpoint/2010/main" val="4025150694"/>
       </p:ext>
     </p:extLst>
   </p:cSld>
@@ -6152,19 +6175,8 @@
           <a:p>
             <a:r>
               <a:rPr lang="en-CA" dirty="0"/>
-              <a:t>Basically, he says, the model doesn’t match the empirics. This is a pretty common critique of modeling. </a:t>
-            </a:r>
-            <a:r>
-              <a:rPr lang="en-CA" dirty="0" err="1"/>
-              <a:t>Zweifel’s</a:t>
-            </a:r>
-            <a:r>
-              <a:rPr lang="en-CA" dirty="0"/>
-              <a:t> model matches the empirics and has similar results to the MGM otherwise, so is a plausible candidate for a new model. </a:t>
-            </a:r>
-          </a:p>
-          <a:p>
-            <a:endParaRPr lang="en-CA" dirty="0"/>
+              <a:t>He’s clearly got a bone to pick here – he had a kind of longstanding animosity here. </a:t>
+            </a:r>
           </a:p>
         </p:txBody>
       </p:sp>
@@ -6194,7 +6206,7 @@
     </p:spTree>
     <p:extLst>
       <p:ext uri="{BB962C8B-B14F-4D97-AF65-F5344CB8AC3E}">
-        <p14:creationId xmlns:p14="http://schemas.microsoft.com/office/powerpoint/2010/main" val="2476314470"/>
+        <p14:creationId xmlns:p14="http://schemas.microsoft.com/office/powerpoint/2010/main" val="2898854852"/>
       </p:ext>
     </p:extLst>
   </p:cSld>
@@ -6250,8 +6262,19 @@
           <a:p>
             <a:r>
               <a:rPr lang="en-CA" dirty="0"/>
-              <a:t>Sure you go to the dentist if you have cavities but this doesn’t mean brushing your teeth is bad</a:t>
-            </a:r>
+              <a:t>Basically, he says, the model doesn’t match the empirics. This is a pretty common critique of modeling. </a:t>
+            </a:r>
+            <a:r>
+              <a:rPr lang="en-CA" dirty="0" err="1"/>
+              <a:t>Zweifel’s</a:t>
+            </a:r>
+            <a:r>
+              <a:rPr lang="en-CA" dirty="0"/>
+              <a:t> model matches the empirics and has similar results to the MGM otherwise, so is a plausible candidate for a new model. </a:t>
+            </a:r>
+          </a:p>
+          <a:p>
+            <a:endParaRPr lang="en-CA" dirty="0"/>
           </a:p>
         </p:txBody>
       </p:sp>
@@ -6281,7 +6304,7 @@
     </p:spTree>
     <p:extLst>
       <p:ext uri="{BB962C8B-B14F-4D97-AF65-F5344CB8AC3E}">
-        <p14:creationId xmlns:p14="http://schemas.microsoft.com/office/powerpoint/2010/main" val="1395695257"/>
+        <p14:creationId xmlns:p14="http://schemas.microsoft.com/office/powerpoint/2010/main" val="2476314470"/>
       </p:ext>
     </p:extLst>
   </p:cSld>
@@ -6368,7 +6391,7 @@
     </p:spTree>
     <p:extLst>
       <p:ext uri="{BB962C8B-B14F-4D97-AF65-F5344CB8AC3E}">
-        <p14:creationId xmlns:p14="http://schemas.microsoft.com/office/powerpoint/2010/main" val="1149374103"/>
+        <p14:creationId xmlns:p14="http://schemas.microsoft.com/office/powerpoint/2010/main" val="1395695257"/>
       </p:ext>
     </p:extLst>
   </p:cSld>
@@ -6424,7 +6447,7 @@
           <a:p>
             <a:r>
               <a:rPr lang="en-CA" dirty="0"/>
-              <a:t>e.g., if you regress h on H, you treat H as a flow (non-durable) not a stock (durable). If you have time, you can show this: go to page 6 of Audrey’s paper and walk through the math on the whiteboard</a:t>
+              <a:t>Sure you go to the dentist if you have cavities but this doesn’t mean brushing your teeth is bad</a:t>
             </a:r>
           </a:p>
         </p:txBody>
@@ -6455,7 +6478,7 @@
     </p:spTree>
     <p:extLst>
       <p:ext uri="{BB962C8B-B14F-4D97-AF65-F5344CB8AC3E}">
-        <p14:creationId xmlns:p14="http://schemas.microsoft.com/office/powerpoint/2010/main" val="2968159198"/>
+        <p14:creationId xmlns:p14="http://schemas.microsoft.com/office/powerpoint/2010/main" val="1149374103"/>
       </p:ext>
     </p:extLst>
   </p:cSld>
@@ -6511,7 +6534,7 @@
           <a:p>
             <a:r>
               <a:rPr lang="en-CA" dirty="0"/>
-              <a:t>Now we’ll look briefly at some extensions of the model and some critiques, just to get the ideas flowing. </a:t>
+              <a:t>e.g., if you regress h on H, you treat H as a flow (non-durable) not a stock (durable). If you have time, you can show this: go to page 6 of Audrey’s paper and walk through the math on the whiteboard</a:t>
             </a:r>
           </a:p>
         </p:txBody>
@@ -6542,7 +6565,7 @@
     </p:spTree>
     <p:extLst>
       <p:ext uri="{BB962C8B-B14F-4D97-AF65-F5344CB8AC3E}">
-        <p14:creationId xmlns:p14="http://schemas.microsoft.com/office/powerpoint/2010/main" val="3822799886"/>
+        <p14:creationId xmlns:p14="http://schemas.microsoft.com/office/powerpoint/2010/main" val="2968159198"/>
       </p:ext>
     </p:extLst>
   </p:cSld>
@@ -6598,17 +6621,8 @@
           <a:p>
             <a:r>
               <a:rPr lang="en-CA" dirty="0"/>
-              <a:t>Specifically, what if families produce health </a:t>
-            </a:r>
-            <a:r>
-              <a:rPr lang="en-CA" i="1" dirty="0"/>
-              <a:t>for </a:t>
-            </a:r>
-            <a:r>
-              <a:rPr lang="en-CA" i="0" dirty="0"/>
-              <a:t>each other? Mechanism is the same: investment benefits affect future time for earning income and consumption. </a:t>
-            </a:r>
-            <a:endParaRPr lang="en-CA" dirty="0"/>
+              <a:t>Now we’ll look briefly at some extensions of the model and some critiques, just to get the ideas flowing. </a:t>
+            </a:r>
           </a:p>
         </p:txBody>
       </p:sp>
@@ -6638,7 +6652,7 @@
     </p:spTree>
     <p:extLst>
       <p:ext uri="{BB962C8B-B14F-4D97-AF65-F5344CB8AC3E}">
-        <p14:creationId xmlns:p14="http://schemas.microsoft.com/office/powerpoint/2010/main" val="3232562922"/>
+        <p14:creationId xmlns:p14="http://schemas.microsoft.com/office/powerpoint/2010/main" val="3822799886"/>
       </p:ext>
     </p:extLst>
   </p:cSld>
@@ -6722,7 +6736,7 @@
     </p:spTree>
     <p:extLst>
       <p:ext uri="{BB962C8B-B14F-4D97-AF65-F5344CB8AC3E}">
-        <p14:creationId xmlns:p14="http://schemas.microsoft.com/office/powerpoint/2010/main" val="2222447086"/>
+        <p14:creationId xmlns:p14="http://schemas.microsoft.com/office/powerpoint/2010/main" val="3111868064"/>
       </p:ext>
     </p:extLst>
   </p:cSld>
@@ -6778,8 +6792,17 @@
           <a:p>
             <a:r>
               <a:rPr lang="en-CA" dirty="0"/>
-              <a:t>Why is this model extension useful? Should we do it just for its own sake? No! But we can consider something new: how families value health within households (who gets to go to the doctor when budgets are tight)</a:t>
-            </a:r>
+              <a:t>Specifically, what if families produce health </a:t>
+            </a:r>
+            <a:r>
+              <a:rPr lang="en-CA" i="1" dirty="0"/>
+              <a:t>for </a:t>
+            </a:r>
+            <a:r>
+              <a:rPr lang="en-CA" i="0" dirty="0"/>
+              <a:t>each other? Mechanism is the same: investment benefits affect future time for earning income and consumption. </a:t>
+            </a:r>
+            <a:endParaRPr lang="en-CA" dirty="0"/>
           </a:p>
         </p:txBody>
       </p:sp>
@@ -6809,7 +6832,7 @@
     </p:spTree>
     <p:extLst>
       <p:ext uri="{BB962C8B-B14F-4D97-AF65-F5344CB8AC3E}">
-        <p14:creationId xmlns:p14="http://schemas.microsoft.com/office/powerpoint/2010/main" val="2114837961"/>
+        <p14:creationId xmlns:p14="http://schemas.microsoft.com/office/powerpoint/2010/main" val="3232562922"/>
       </p:ext>
     </p:extLst>
   </p:cSld>
@@ -6865,7 +6888,7 @@
           <a:p>
             <a:r>
               <a:rPr lang="en-CA" dirty="0"/>
-              <a:t>We can bundle Z at the household level – why does this simplification make sense? </a:t>
+              <a:t>Why is this model extension useful? Should we do it just for its own sake? No! But we can consider something new: how families value health within households (who gets to go to the doctor when budgets are tight)</a:t>
             </a:r>
           </a:p>
         </p:txBody>
@@ -6896,7 +6919,7 @@
     </p:spTree>
     <p:extLst>
       <p:ext uri="{BB962C8B-B14F-4D97-AF65-F5344CB8AC3E}">
-        <p14:creationId xmlns:p14="http://schemas.microsoft.com/office/powerpoint/2010/main" val="1489458147"/>
+        <p14:creationId xmlns:p14="http://schemas.microsoft.com/office/powerpoint/2010/main" val="2114837961"/>
       </p:ext>
     </p:extLst>
   </p:cSld>
@@ -6952,15 +6975,7 @@
           <a:p>
             <a:r>
               <a:rPr lang="en-CA" dirty="0"/>
-              <a:t>Here, E variables indicate relative productivity of household members in producing health (in old model, we could just normalize this to 1, but want to model potential comparative advantages in health production). Note that </a:t>
-            </a:r>
-            <a:r>
-              <a:rPr lang="en-CA" dirty="0" err="1"/>
-              <a:t>E_c</a:t>
-            </a:r>
-            <a:r>
-              <a:rPr lang="en-CA" dirty="0"/>
-              <a:t> is normalized to be 1 or 0 (depending on if child produces health or not). This could be measured empirically (Grossman suggested education, hence the E, but there are obviously problems with that).</a:t>
+              <a:t>We can bundle Z at the household level – why does this simplification make sense? </a:t>
             </a:r>
           </a:p>
         </p:txBody>
@@ -6991,7 +7006,7 @@
     </p:spTree>
     <p:extLst>
       <p:ext uri="{BB962C8B-B14F-4D97-AF65-F5344CB8AC3E}">
-        <p14:creationId xmlns:p14="http://schemas.microsoft.com/office/powerpoint/2010/main" val="369252143"/>
+        <p14:creationId xmlns:p14="http://schemas.microsoft.com/office/powerpoint/2010/main" val="1489458147"/>
       </p:ext>
     </p:extLst>
   </p:cSld>
@@ -7045,7 +7060,18 @@
           <a:bodyPr/>
           <a:lstStyle/>
           <a:p>
-            <a:endParaRPr lang="en-CA" dirty="0"/>
+            <a:r>
+              <a:rPr lang="en-CA" dirty="0"/>
+              <a:t>Here, E variables indicate relative productivity of household members in producing health (in old model, we could just normalize this to 1, but want to model potential comparative advantages in health production). Note that </a:t>
+            </a:r>
+            <a:r>
+              <a:rPr lang="en-CA" dirty="0" err="1"/>
+              <a:t>E_c</a:t>
+            </a:r>
+            <a:r>
+              <a:rPr lang="en-CA" dirty="0"/>
+              <a:t> is normalized to be 1 or 0 (depending on if child produces health or not). This could be measured empirically (Grossman suggested education, hence the E, but there are obviously problems with that).</a:t>
+            </a:r>
           </a:p>
         </p:txBody>
       </p:sp>
@@ -7075,7 +7101,7 @@
     </p:spTree>
     <p:extLst>
       <p:ext uri="{BB962C8B-B14F-4D97-AF65-F5344CB8AC3E}">
-        <p14:creationId xmlns:p14="http://schemas.microsoft.com/office/powerpoint/2010/main" val="2492458701"/>
+        <p14:creationId xmlns:p14="http://schemas.microsoft.com/office/powerpoint/2010/main" val="369252143"/>
       </p:ext>
     </p:extLst>
   </p:cSld>
@@ -7129,79 +7155,7 @@
           <a:bodyPr/>
           <a:lstStyle/>
           <a:p>
-            <a:pPr marL="0" indent="0" algn="l">
-              <a:buFont typeface="Arial" panose="020B0604020202020204" pitchFamily="34" charset="0"/>
-              <a:buNone/>
-            </a:pPr>
-            <a:r>
-              <a:rPr lang="en-CA" sz="1600" b="0" i="0" u="none" strike="noStrike" baseline="0" dirty="0">
-                <a:latin typeface="Times New Roman" panose="02020603050405020304" pitchFamily="18" charset="0"/>
-                <a:cs typeface="Times New Roman" panose="02020603050405020304" pitchFamily="18" charset="0"/>
-              </a:rPr>
-              <a:t>Solution requires optimal control theory, which we won’t touch. Hence, </a:t>
-            </a:r>
-            <a:r>
-              <a:rPr lang="en-US" sz="1200" b="0" i="0" u="none" strike="noStrike" baseline="0" dirty="0">
-                <a:latin typeface="Times New Roman" panose="02020603050405020304" pitchFamily="18" charset="0"/>
-              </a:rPr>
-              <a:t>family invests in health until the rate of marginal utilities of (lifetime</a:t>
-            </a:r>
-            <a:r>
-              <a:rPr lang="en-US" sz="1200" b="0" i="0" u="none" strike="noStrike" baseline="0" dirty="0">
-                <a:latin typeface="SizedSym151"/>
-              </a:rPr>
-              <a:t>) </a:t>
-            </a:r>
-            <a:r>
-              <a:rPr lang="en-US" sz="1200" b="0" i="0" u="none" strike="noStrike" baseline="0" dirty="0">
-                <a:latin typeface="Times New Roman" panose="02020603050405020304" pitchFamily="18" charset="0"/>
-              </a:rPr>
-              <a:t>health to effective price of health for all family members is equal and equal to the marginal utility of wealth – this is how goods are divided up in micro theory of demand. Health stock need not be equal for family members depending on productivity! </a:t>
-            </a:r>
-          </a:p>
-          <a:p>
-            <a:pPr marL="0" indent="0" algn="l">
-              <a:buFont typeface="Arial" panose="020B0604020202020204" pitchFamily="34" charset="0"/>
-              <a:buNone/>
-            </a:pPr>
-            <a:endParaRPr lang="en-US" sz="1200" b="0" i="0" u="none" strike="noStrike" baseline="0" dirty="0">
-              <a:latin typeface="Times New Roman" panose="02020603050405020304" pitchFamily="18" charset="0"/>
-            </a:endParaRPr>
-          </a:p>
-          <a:p>
-            <a:pPr marL="0" indent="0" algn="l">
-              <a:buFont typeface="Arial" panose="020B0604020202020204" pitchFamily="34" charset="0"/>
-              <a:buNone/>
-            </a:pPr>
-            <a:r>
-              <a:rPr lang="en-US" sz="1200" b="0" i="0" u="none" strike="noStrike" baseline="0" dirty="0">
-                <a:latin typeface="Times New Roman" panose="02020603050405020304" pitchFamily="18" charset="0"/>
-              </a:rPr>
-              <a:t>Findings: 1. So those who value health more or produce it more efficiently will end up with more health (does this make sense? I can see it either way)</a:t>
-            </a:r>
-          </a:p>
-          <a:p>
-            <a:pPr marL="0" indent="0" algn="l">
-              <a:buFont typeface="Arial" panose="020B0604020202020204" pitchFamily="34" charset="0"/>
-              <a:buNone/>
-            </a:pPr>
-            <a:r>
-              <a:rPr lang="en-US" sz="1200" b="0" i="0" u="none" strike="noStrike" baseline="0" dirty="0">
-                <a:solidFill>
-                  <a:schemeClr val="tx1"/>
-                </a:solidFill>
-                <a:latin typeface="Times New Roman" panose="02020603050405020304" pitchFamily="18" charset="0"/>
-                <a:cs typeface="Times New Roman" panose="02020603050405020304" pitchFamily="18" charset="0"/>
-              </a:rPr>
-              <a:t>2. Health spills over across homes – parents with higher health will have children with higher health than parents with lower health (intergenerational spillovers)</a:t>
-            </a:r>
-            <a:endParaRPr lang="en-CA" sz="1600" dirty="0">
-              <a:solidFill>
-                <a:schemeClr val="tx1"/>
-              </a:solidFill>
-              <a:latin typeface="Times New Roman" panose="02020603050405020304" pitchFamily="18" charset="0"/>
-              <a:cs typeface="Times New Roman" panose="02020603050405020304" pitchFamily="18" charset="0"/>
-            </a:endParaRPr>
+            <a:endParaRPr lang="en-CA" dirty="0"/>
           </a:p>
         </p:txBody>
       </p:sp>
@@ -7231,7 +7185,7 @@
     </p:spTree>
     <p:extLst>
       <p:ext uri="{BB962C8B-B14F-4D97-AF65-F5344CB8AC3E}">
-        <p14:creationId xmlns:p14="http://schemas.microsoft.com/office/powerpoint/2010/main" val="1766092225"/>
+        <p14:creationId xmlns:p14="http://schemas.microsoft.com/office/powerpoint/2010/main" val="2492458701"/>
       </p:ext>
     </p:extLst>
   </p:cSld>
@@ -7294,7 +7248,62 @@
                 <a:latin typeface="Times New Roman" panose="02020603050405020304" pitchFamily="18" charset="0"/>
                 <a:cs typeface="Times New Roman" panose="02020603050405020304" pitchFamily="18" charset="0"/>
               </a:rPr>
-              <a:t>The main punch from the extension: think about liquidity constrained households. More $ has to be spent to bring up parents’ health to meet equation (1) , so less resources for child. But not true that households that are poorer seek out greater health interventions (why not?) </a:t>
+              <a:t>Solution requires optimal control theory, which we won’t touch. Hence, </a:t>
+            </a:r>
+            <a:r>
+              <a:rPr lang="en-US" sz="1200" b="0" i="0" u="none" strike="noStrike" baseline="0" dirty="0">
+                <a:latin typeface="Times New Roman" panose="02020603050405020304" pitchFamily="18" charset="0"/>
+              </a:rPr>
+              <a:t>family invests in health until the rate of marginal utilities of (lifetime</a:t>
+            </a:r>
+            <a:r>
+              <a:rPr lang="en-US" sz="1200" b="0" i="0" u="none" strike="noStrike" baseline="0" dirty="0">
+                <a:latin typeface="SizedSym151"/>
+              </a:rPr>
+              <a:t>) </a:t>
+            </a:r>
+            <a:r>
+              <a:rPr lang="en-US" sz="1200" b="0" i="0" u="none" strike="noStrike" baseline="0" dirty="0">
+                <a:latin typeface="Times New Roman" panose="02020603050405020304" pitchFamily="18" charset="0"/>
+              </a:rPr>
+              <a:t>health to effective price of health for all family members is equal and equal to the marginal utility of wealth – this is how goods are divided up in micro theory of demand. Health stock need not be equal for family members depending on productivity! </a:t>
+            </a:r>
+          </a:p>
+          <a:p>
+            <a:pPr marL="0" indent="0" algn="l">
+              <a:buFont typeface="Arial" panose="020B0604020202020204" pitchFamily="34" charset="0"/>
+              <a:buNone/>
+            </a:pPr>
+            <a:endParaRPr lang="en-US" sz="1200" b="0" i="0" u="none" strike="noStrike" baseline="0" dirty="0">
+              <a:latin typeface="Times New Roman" panose="02020603050405020304" pitchFamily="18" charset="0"/>
+            </a:endParaRPr>
+          </a:p>
+          <a:p>
+            <a:pPr marL="0" indent="0" algn="l">
+              <a:buFont typeface="Arial" panose="020B0604020202020204" pitchFamily="34" charset="0"/>
+              <a:buNone/>
+            </a:pPr>
+            <a:r>
+              <a:rPr lang="en-US" sz="1200" b="0" i="0" u="none" strike="noStrike" baseline="0" dirty="0">
+                <a:latin typeface="Times New Roman" panose="02020603050405020304" pitchFamily="18" charset="0"/>
+              </a:rPr>
+              <a:t>Findings: 1. So those who value health more or produce it more efficiently will end up with more health (does this make sense? I can see it either way)</a:t>
+            </a:r>
+          </a:p>
+          <a:p>
+            <a:pPr marL="0" indent="0" algn="l">
+              <a:buFont typeface="Arial" panose="020B0604020202020204" pitchFamily="34" charset="0"/>
+              <a:buNone/>
+            </a:pPr>
+            <a:r>
+              <a:rPr lang="en-US" sz="1200" b="0" i="0" u="none" strike="noStrike" baseline="0" dirty="0">
+                <a:solidFill>
+                  <a:schemeClr val="tx1"/>
+                </a:solidFill>
+                <a:latin typeface="Times New Roman" panose="02020603050405020304" pitchFamily="18" charset="0"/>
+                <a:cs typeface="Times New Roman" panose="02020603050405020304" pitchFamily="18" charset="0"/>
+              </a:rPr>
+              <a:t>2. Health spills over across homes – parents with higher health will have children with higher health than parents with lower health (intergenerational spillovers)</a:t>
             </a:r>
             <a:endParaRPr lang="en-CA" sz="1600" dirty="0">
               <a:solidFill>
@@ -7332,7 +7341,7 @@
     </p:spTree>
     <p:extLst>
       <p:ext uri="{BB962C8B-B14F-4D97-AF65-F5344CB8AC3E}">
-        <p14:creationId xmlns:p14="http://schemas.microsoft.com/office/powerpoint/2010/main" val="2314660175"/>
+        <p14:creationId xmlns:p14="http://schemas.microsoft.com/office/powerpoint/2010/main" val="1766092225"/>
       </p:ext>
     </p:extLst>
   </p:cSld>
@@ -7386,10 +7395,24 @@
           <a:bodyPr/>
           <a:lstStyle/>
           <a:p>
-            <a:r>
-              <a:rPr lang="en-CA" dirty="0"/>
-              <a:t>We’ll get to talking about disparities. </a:t>
-            </a:r>
+            <a:pPr marL="0" indent="0" algn="l">
+              <a:buFont typeface="Arial" panose="020B0604020202020204" pitchFamily="34" charset="0"/>
+              <a:buNone/>
+            </a:pPr>
+            <a:r>
+              <a:rPr lang="en-CA" sz="1600" b="0" i="0" u="none" strike="noStrike" baseline="0" dirty="0">
+                <a:latin typeface="Times New Roman" panose="02020603050405020304" pitchFamily="18" charset="0"/>
+                <a:cs typeface="Times New Roman" panose="02020603050405020304" pitchFamily="18" charset="0"/>
+              </a:rPr>
+              <a:t>The main punch from the extension: think about liquidity constrained households. More $ has to be spent to bring up parents’ health to meet equation (1) , so less resources for child. But not true that households that are poorer seek out greater health interventions (why not?) </a:t>
+            </a:r>
+            <a:endParaRPr lang="en-CA" sz="1600" dirty="0">
+              <a:solidFill>
+                <a:schemeClr val="tx1"/>
+              </a:solidFill>
+              <a:latin typeface="Times New Roman" panose="02020603050405020304" pitchFamily="18" charset="0"/>
+              <a:cs typeface="Times New Roman" panose="02020603050405020304" pitchFamily="18" charset="0"/>
+            </a:endParaRPr>
           </a:p>
         </p:txBody>
       </p:sp>
@@ -7411,6 +7434,93 @@
             <a:fld id="{4AF79E1B-2C51-4B9B-8EA4-26DE9E345AFF}" type="slidenum">
               <a:rPr lang="en-US" smtClean="0"/>
               <a:t>66</a:t>
+            </a:fld>
+            <a:endParaRPr lang="en-US"/>
+          </a:p>
+        </p:txBody>
+      </p:sp>
+    </p:spTree>
+    <p:extLst>
+      <p:ext uri="{BB962C8B-B14F-4D97-AF65-F5344CB8AC3E}">
+        <p14:creationId xmlns:p14="http://schemas.microsoft.com/office/powerpoint/2010/main" val="2314660175"/>
+      </p:ext>
+    </p:extLst>
+  </p:cSld>
+  <p:clrMapOvr>
+    <a:masterClrMapping/>
+  </p:clrMapOvr>
+</p:notes>
+</file>
+
+<file path=ppt/notesSlides/notesSlide67.xml><?xml version="1.0" encoding="utf-8"?>
+<p:notes xmlns:a="http://schemas.openxmlformats.org/drawingml/2006/main" xmlns:r="http://schemas.openxmlformats.org/officeDocument/2006/relationships" xmlns:p="http://schemas.openxmlformats.org/presentationml/2006/main">
+  <p:cSld>
+    <p:spTree>
+      <p:nvGrpSpPr>
+        <p:cNvPr id="1" name=""/>
+        <p:cNvGrpSpPr/>
+        <p:nvPr/>
+      </p:nvGrpSpPr>
+      <p:grpSpPr>
+        <a:xfrm>
+          <a:off x="0" y="0"/>
+          <a:ext cx="0" cy="0"/>
+          <a:chOff x="0" y="0"/>
+          <a:chExt cx="0" cy="0"/>
+        </a:xfrm>
+      </p:grpSpPr>
+      <p:sp>
+        <p:nvSpPr>
+          <p:cNvPr id="2" name="Slide Image Placeholder 1"/>
+          <p:cNvSpPr>
+            <a:spLocks noGrp="1" noRot="1" noChangeAspect="1"/>
+          </p:cNvSpPr>
+          <p:nvPr>
+            <p:ph type="sldImg"/>
+          </p:nvPr>
+        </p:nvSpPr>
+        <p:spPr/>
+      </p:sp>
+      <p:sp>
+        <p:nvSpPr>
+          <p:cNvPr id="3" name="Notes Placeholder 2"/>
+          <p:cNvSpPr>
+            <a:spLocks noGrp="1"/>
+          </p:cNvSpPr>
+          <p:nvPr>
+            <p:ph type="body" idx="1"/>
+          </p:nvPr>
+        </p:nvSpPr>
+        <p:spPr/>
+        <p:txBody>
+          <a:bodyPr/>
+          <a:lstStyle/>
+          <a:p>
+            <a:r>
+              <a:rPr lang="en-CA" dirty="0"/>
+              <a:t>We’ll get to talking about disparities. </a:t>
+            </a:r>
+          </a:p>
+        </p:txBody>
+      </p:sp>
+      <p:sp>
+        <p:nvSpPr>
+          <p:cNvPr id="4" name="Slide Number Placeholder 3"/>
+          <p:cNvSpPr>
+            <a:spLocks noGrp="1"/>
+          </p:cNvSpPr>
+          <p:nvPr>
+            <p:ph type="sldNum" sz="quarter" idx="5"/>
+          </p:nvPr>
+        </p:nvSpPr>
+        <p:spPr/>
+        <p:txBody>
+          <a:bodyPr/>
+          <a:lstStyle/>
+          <a:p>
+            <a:fld id="{4AF79E1B-2C51-4B9B-8EA4-26DE9E345AFF}" type="slidenum">
+              <a:rPr lang="en-US" smtClean="0"/>
+              <a:t>67</a:t>
             </a:fld>
             <a:endParaRPr lang="en-US"/>
           </a:p>
@@ -7473,10 +7583,7 @@
           <a:bodyPr/>
           <a:lstStyle/>
           <a:p>
-            <a:r>
-              <a:rPr lang="en-US" dirty="0"/>
-              <a:t>Note about auditing students – please present! </a:t>
-            </a:r>
+            <a:endParaRPr lang="en-US" dirty="0"/>
           </a:p>
         </p:txBody>
       </p:sp>
@@ -7506,7 +7613,7 @@
     </p:spTree>
     <p:extLst>
       <p:ext uri="{BB962C8B-B14F-4D97-AF65-F5344CB8AC3E}">
-        <p14:creationId xmlns:p14="http://schemas.microsoft.com/office/powerpoint/2010/main" val="4140860693"/>
+        <p14:creationId xmlns:p14="http://schemas.microsoft.com/office/powerpoint/2010/main" val="2222447086"/>
       </p:ext>
     </p:extLst>
   </p:cSld>
@@ -7561,15 +7668,9 @@
           <a:lstStyle/>
           <a:p>
             <a:r>
-              <a:rPr lang="en-US" sz="1200" dirty="0">
-                <a:effectLst/>
-                <a:latin typeface="Times New Roman" panose="02020603050405020304" pitchFamily="18" charset="0"/>
-                <a:ea typeface="Calibri" panose="020F0502020204030204" pitchFamily="34" charset="0"/>
-                <a:cs typeface="Times New Roman" panose="02020603050405020304" pitchFamily="18" charset="0"/>
-              </a:rPr>
-              <a:t>Late reports will be discounted by 10 percentage points per day late. Show sample in class next time. Don’t have to tell me ahead of time (no commitment)</a:t>
-            </a:r>
-            <a:endParaRPr lang="en-US" dirty="0"/>
+              <a:rPr lang="en-US" dirty="0"/>
+              <a:t>Note about auditing students – please present! </a:t>
+            </a:r>
           </a:p>
         </p:txBody>
       </p:sp>
@@ -7599,7 +7700,7 @@
     </p:spTree>
     <p:extLst>
       <p:ext uri="{BB962C8B-B14F-4D97-AF65-F5344CB8AC3E}">
-        <p14:creationId xmlns:p14="http://schemas.microsoft.com/office/powerpoint/2010/main" val="1716875708"/>
+        <p14:creationId xmlns:p14="http://schemas.microsoft.com/office/powerpoint/2010/main" val="4140860693"/>
       </p:ext>
     </p:extLst>
   </p:cSld>
@@ -7653,23 +7754,6 @@
           <a:bodyPr/>
           <a:lstStyle/>
           <a:p>
-            <a:pPr marL="0" marR="0" lvl="0" indent="0" algn="l" defTabSz="914400" rtl="0" eaLnBrk="1" fontAlgn="auto" latinLnBrk="0" hangingPunct="1">
-              <a:lnSpc>
-                <a:spcPct val="100000"/>
-              </a:lnSpc>
-              <a:spcBef>
-                <a:spcPts val="0"/>
-              </a:spcBef>
-              <a:spcAft>
-                <a:spcPts val="0"/>
-              </a:spcAft>
-              <a:buClrTx/>
-              <a:buSzTx/>
-              <a:buFontTx/>
-              <a:buNone/>
-              <a:tabLst/>
-              <a:defRPr/>
-            </a:pPr>
             <a:r>
               <a:rPr lang="en-US" sz="1200" dirty="0">
                 <a:effectLst/>
@@ -7677,16 +7761,8 @@
                 <a:ea typeface="Calibri" panose="020F0502020204030204" pitchFamily="34" charset="0"/>
                 <a:cs typeface="Times New Roman" panose="02020603050405020304" pitchFamily="18" charset="0"/>
               </a:rPr>
-              <a:t>Late proposals will be discounted by 10 percentage points per day late. Presentations will be given during the last two lectures of the semester.</a:t>
-            </a:r>
-            <a:endParaRPr lang="en-CA" sz="1200" dirty="0">
-              <a:effectLst/>
-              <a:latin typeface="Calibri" panose="020F0502020204030204" pitchFamily="34" charset="0"/>
-              <a:ea typeface="Calibri" panose="020F0502020204030204" pitchFamily="34" charset="0"/>
-              <a:cs typeface="Times New Roman" panose="02020603050405020304" pitchFamily="18" charset="0"/>
-            </a:endParaRPr>
-          </a:p>
-          <a:p>
+              <a:t>Late reports will be discounted by 10 percentage points per day late. Show sample in class next time. Don’t have to tell me ahead of time (no commitment)</a:t>
+            </a:r>
             <a:endParaRPr lang="en-US" dirty="0"/>
           </a:p>
         </p:txBody>
@@ -7717,7 +7793,7 @@
     </p:spTree>
     <p:extLst>
       <p:ext uri="{BB962C8B-B14F-4D97-AF65-F5344CB8AC3E}">
-        <p14:creationId xmlns:p14="http://schemas.microsoft.com/office/powerpoint/2010/main" val="2465645055"/>
+        <p14:creationId xmlns:p14="http://schemas.microsoft.com/office/powerpoint/2010/main" val="1716875708"/>
       </p:ext>
     </p:extLst>
   </p:cSld>
@@ -7896,7 +7972,7 @@
             <a:fld id="{0972D05C-DCFB-4BB6-B49C-AC126BF3ED2C}" type="datetimeFigureOut">
               <a:rPr lang="en-US" smtClean="0"/>
               <a:pPr/>
-              <a:t>10/5/2023</a:t>
+              <a:t>10/12/2023</a:t>
             </a:fld>
             <a:endParaRPr lang="en-US"/>
           </a:p>
@@ -8126,7 +8202,7 @@
             <a:fld id="{0972D05C-DCFB-4BB6-B49C-AC126BF3ED2C}" type="datetimeFigureOut">
               <a:rPr lang="en-US" smtClean="0"/>
               <a:pPr/>
-              <a:t>10/5/2023</a:t>
+              <a:t>10/12/2023</a:t>
             </a:fld>
             <a:endParaRPr lang="en-US"/>
           </a:p>
@@ -8308,7 +8384,7 @@
             <a:fld id="{0972D05C-DCFB-4BB6-B49C-AC126BF3ED2C}" type="datetimeFigureOut">
               <a:rPr lang="en-US" smtClean="0"/>
               <a:pPr/>
-              <a:t>10/5/2023</a:t>
+              <a:t>10/12/2023</a:t>
             </a:fld>
             <a:endParaRPr lang="en-US"/>
           </a:p>
@@ -8480,7 +8556,7 @@
             <a:fld id="{0972D05C-DCFB-4BB6-B49C-AC126BF3ED2C}" type="datetimeFigureOut">
               <a:rPr lang="en-US" smtClean="0"/>
               <a:pPr/>
-              <a:t>10/5/2023</a:t>
+              <a:t>10/12/2023</a:t>
             </a:fld>
             <a:endParaRPr lang="en-US"/>
           </a:p>
@@ -8736,7 +8812,7 @@
             <a:fld id="{0972D05C-DCFB-4BB6-B49C-AC126BF3ED2C}" type="datetimeFigureOut">
               <a:rPr lang="en-US" smtClean="0"/>
               <a:pPr/>
-              <a:t>10/5/2023</a:t>
+              <a:t>10/12/2023</a:t>
             </a:fld>
             <a:endParaRPr lang="en-US"/>
           </a:p>
@@ -9064,7 +9140,7 @@
             <a:fld id="{0972D05C-DCFB-4BB6-B49C-AC126BF3ED2C}" type="datetimeFigureOut">
               <a:rPr lang="en-US" smtClean="0"/>
               <a:pPr/>
-              <a:t>10/5/2023</a:t>
+              <a:t>10/12/2023</a:t>
             </a:fld>
             <a:endParaRPr lang="en-US"/>
           </a:p>
@@ -9517,7 +9593,7 @@
             <a:fld id="{0972D05C-DCFB-4BB6-B49C-AC126BF3ED2C}" type="datetimeFigureOut">
               <a:rPr lang="en-US" smtClean="0"/>
               <a:pPr/>
-              <a:t>10/5/2023</a:t>
+              <a:t>10/12/2023</a:t>
             </a:fld>
             <a:endParaRPr lang="en-US"/>
           </a:p>
@@ -9637,7 +9713,7 @@
             <a:fld id="{0972D05C-DCFB-4BB6-B49C-AC126BF3ED2C}" type="datetimeFigureOut">
               <a:rPr lang="en-US" smtClean="0"/>
               <a:pPr/>
-              <a:t>10/5/2023</a:t>
+              <a:t>10/12/2023</a:t>
             </a:fld>
             <a:endParaRPr lang="en-US"/>
           </a:p>
@@ -9734,7 +9810,7 @@
             <a:fld id="{0972D05C-DCFB-4BB6-B49C-AC126BF3ED2C}" type="datetimeFigureOut">
               <a:rPr lang="en-US" smtClean="0"/>
               <a:pPr/>
-              <a:t>10/5/2023</a:t>
+              <a:t>10/12/2023</a:t>
             </a:fld>
             <a:endParaRPr lang="en-US"/>
           </a:p>
@@ -10023,7 +10099,7 @@
             <a:fld id="{0972D05C-DCFB-4BB6-B49C-AC126BF3ED2C}" type="datetimeFigureOut">
               <a:rPr lang="en-US" smtClean="0"/>
               <a:pPr/>
-              <a:t>10/5/2023</a:t>
+              <a:t>10/12/2023</a:t>
             </a:fld>
             <a:endParaRPr lang="en-US"/>
           </a:p>
@@ -10347,7 +10423,7 @@
             <a:fld id="{0972D05C-DCFB-4BB6-B49C-AC126BF3ED2C}" type="datetimeFigureOut">
               <a:rPr lang="en-US" smtClean="0"/>
               <a:pPr/>
-              <a:t>10/5/2023</a:t>
+              <a:t>10/12/2023</a:t>
             </a:fld>
             <a:endParaRPr lang="en-US"/>
           </a:p>
@@ -10602,7 +10678,7 @@
             <a:fld id="{0972D05C-DCFB-4BB6-B49C-AC126BF3ED2C}" type="datetimeFigureOut">
               <a:rPr lang="en-US" smtClean="0"/>
               <a:pPr/>
-              <a:t>10/5/2023</a:t>
+              <a:t>10/12/2023</a:t>
             </a:fld>
             <a:endParaRPr lang="en-US" dirty="0"/>
           </a:p>
@@ -11203,6 +11279,439 @@
       </p:grpSpPr>
       <p:sp>
         <p:nvSpPr>
+          <p:cNvPr id="4" name="Content Placeholder 3">
+            <a:extLst>
+              <a:ext uri="{FF2B5EF4-FFF2-40B4-BE49-F238E27FC236}">
+                <a16:creationId xmlns:a16="http://schemas.microsoft.com/office/drawing/2014/main" id="{AE68E5BA-C675-4302-ABDA-3EFDD6418FDE}"/>
+              </a:ext>
+            </a:extLst>
+          </p:cNvPr>
+          <p:cNvSpPr>
+            <a:spLocks noGrp="1"/>
+          </p:cNvSpPr>
+          <p:nvPr>
+            <p:ph idx="1"/>
+          </p:nvPr>
+        </p:nvSpPr>
+        <p:spPr>
+          <a:xfrm>
+            <a:off x="1295400" y="1295400"/>
+            <a:ext cx="9753600" cy="4884739"/>
+          </a:xfrm>
+        </p:spPr>
+        <p:txBody>
+          <a:bodyPr>
+            <a:normAutofit/>
+          </a:bodyPr>
+          <a:lstStyle/>
+          <a:p>
+            <a:pPr marL="0" indent="0" algn="just">
+              <a:spcBef>
+                <a:spcPts val="0"/>
+              </a:spcBef>
+              <a:spcAft>
+                <a:spcPts val="0"/>
+              </a:spcAft>
+              <a:buNone/>
+            </a:pPr>
+            <a:r>
+              <a:rPr lang="en-US" sz="2400" b="1" dirty="0">
+                <a:solidFill>
+                  <a:srgbClr val="0070C0"/>
+                </a:solidFill>
+                <a:effectLst/>
+                <a:latin typeface="Times New Roman" panose="02020603050405020304" pitchFamily="18" charset="0"/>
+                <a:ea typeface="Calibri" panose="020F0502020204030204" pitchFamily="34" charset="0"/>
+                <a:cs typeface="Times New Roman" panose="02020603050405020304" pitchFamily="18" charset="0"/>
+              </a:rPr>
+              <a:t>Evaluation</a:t>
+            </a:r>
+            <a:r>
+              <a:rPr lang="en-US" sz="2400" b="1" spc="-25" dirty="0">
+                <a:solidFill>
+                  <a:srgbClr val="0070C0"/>
+                </a:solidFill>
+                <a:latin typeface="Times New Roman" panose="02020603050405020304" pitchFamily="18" charset="0"/>
+                <a:ea typeface="Calibri" panose="020F0502020204030204" pitchFamily="34" charset="0"/>
+                <a:cs typeface="Times New Roman" panose="02020603050405020304" pitchFamily="18" charset="0"/>
+              </a:rPr>
+              <a:t> </a:t>
+            </a:r>
+            <a:r>
+              <a:rPr lang="en-US" sz="2400" b="1" dirty="0">
+                <a:solidFill>
+                  <a:srgbClr val="0070C0"/>
+                </a:solidFill>
+                <a:effectLst/>
+                <a:latin typeface="Times New Roman" panose="02020603050405020304" pitchFamily="18" charset="0"/>
+                <a:ea typeface="Calibri" panose="020F0502020204030204" pitchFamily="34" charset="0"/>
+                <a:cs typeface="Times New Roman" panose="02020603050405020304" pitchFamily="18" charset="0"/>
+              </a:rPr>
+              <a:t>Criteria</a:t>
+            </a:r>
+          </a:p>
+          <a:p>
+            <a:pPr marL="457200" indent="-457200" algn="just">
+              <a:spcBef>
+                <a:spcPts val="0"/>
+              </a:spcBef>
+              <a:spcAft>
+                <a:spcPts val="0"/>
+              </a:spcAft>
+              <a:buFont typeface="+mj-lt"/>
+              <a:buAutoNum type="arabicPeriod" startAt="3"/>
+            </a:pPr>
+            <a:r>
+              <a:rPr lang="en-US" sz="2400" b="1" dirty="0">
+                <a:solidFill>
+                  <a:srgbClr val="0070C0"/>
+                </a:solidFill>
+                <a:effectLst/>
+                <a:latin typeface="Times New Roman" panose="02020603050405020304" pitchFamily="18" charset="0"/>
+                <a:ea typeface="Calibri" panose="020F0502020204030204" pitchFamily="34" charset="0"/>
+                <a:cs typeface="Times New Roman" panose="02020603050405020304" pitchFamily="18" charset="0"/>
+              </a:rPr>
+              <a:t>Paper Proposal: </a:t>
+            </a:r>
+            <a:r>
+              <a:rPr lang="en-US" sz="2400" dirty="0">
+                <a:effectLst/>
+                <a:latin typeface="Times New Roman" panose="02020603050405020304" pitchFamily="18" charset="0"/>
+                <a:ea typeface="Calibri" panose="020F0502020204030204" pitchFamily="34" charset="0"/>
+                <a:cs typeface="Times New Roman" panose="02020603050405020304" pitchFamily="18" charset="0"/>
+              </a:rPr>
+              <a:t>worth 50% of the final grade. </a:t>
+            </a:r>
+          </a:p>
+          <a:p>
+            <a:pPr lvl="2" algn="just">
+              <a:spcBef>
+                <a:spcPts val="0"/>
+              </a:spcBef>
+              <a:spcAft>
+                <a:spcPts val="0"/>
+              </a:spcAft>
+            </a:pPr>
+            <a:r>
+              <a:rPr lang="en-US" sz="2200" dirty="0">
+                <a:effectLst/>
+                <a:latin typeface="Times New Roman" panose="02020603050405020304" pitchFamily="18" charset="0"/>
+                <a:ea typeface="Calibri" panose="020F0502020204030204" pitchFamily="34" charset="0"/>
+                <a:cs typeface="Times New Roman" panose="02020603050405020304" pitchFamily="18" charset="0"/>
+              </a:rPr>
+              <a:t>Project should be purely theoretical or use theory to ground empirical work</a:t>
+            </a:r>
+          </a:p>
+          <a:p>
+            <a:pPr lvl="2" algn="just">
+              <a:spcBef>
+                <a:spcPts val="0"/>
+              </a:spcBef>
+              <a:spcAft>
+                <a:spcPts val="0"/>
+              </a:spcAft>
+            </a:pPr>
+            <a:r>
+              <a:rPr lang="en-US" sz="2200" u="sng" dirty="0">
+                <a:ea typeface="Calibri" panose="020F0502020204030204" pitchFamily="34" charset="0"/>
+                <a:cs typeface="Times New Roman" panose="02020603050405020304" pitchFamily="18" charset="0"/>
+              </a:rPr>
+              <a:t>Must have a model! </a:t>
+            </a:r>
+          </a:p>
+          <a:p>
+            <a:pPr lvl="2" algn="just">
+              <a:spcBef>
+                <a:spcPts val="0"/>
+              </a:spcBef>
+              <a:spcAft>
+                <a:spcPts val="0"/>
+              </a:spcAft>
+            </a:pPr>
+            <a:r>
+              <a:rPr lang="en-US" sz="2200" dirty="0">
+                <a:effectLst/>
+                <a:latin typeface="Times New Roman" panose="02020603050405020304" pitchFamily="18" charset="0"/>
+                <a:ea typeface="Calibri" panose="020F0502020204030204" pitchFamily="34" charset="0"/>
+                <a:cs typeface="Times New Roman" panose="02020603050405020304" pitchFamily="18" charset="0"/>
+              </a:rPr>
+              <a:t>Your proposal should: </a:t>
+            </a:r>
+          </a:p>
+          <a:p>
+            <a:pPr lvl="3" algn="just">
+              <a:spcBef>
+                <a:spcPts val="0"/>
+              </a:spcBef>
+              <a:spcAft>
+                <a:spcPts val="0"/>
+              </a:spcAft>
+            </a:pPr>
+            <a:r>
+              <a:rPr lang="en-US" sz="2200" dirty="0">
+                <a:ea typeface="Calibri" panose="020F0502020204030204" pitchFamily="34" charset="0"/>
+                <a:cs typeface="Times New Roman" panose="02020603050405020304" pitchFamily="18" charset="0"/>
+              </a:rPr>
+              <a:t>1. Po</a:t>
+            </a:r>
+            <a:r>
+              <a:rPr lang="en-US" sz="2200" dirty="0">
+                <a:effectLst/>
+                <a:latin typeface="Times New Roman" panose="02020603050405020304" pitchFamily="18" charset="0"/>
+                <a:ea typeface="Calibri" panose="020F0502020204030204" pitchFamily="34" charset="0"/>
+                <a:cs typeface="Times New Roman" panose="02020603050405020304" pitchFamily="18" charset="0"/>
+              </a:rPr>
+              <a:t>se an academic research question</a:t>
+            </a:r>
+          </a:p>
+          <a:p>
+            <a:pPr lvl="3" algn="just">
+              <a:spcBef>
+                <a:spcPts val="0"/>
+              </a:spcBef>
+              <a:spcAft>
+                <a:spcPts val="0"/>
+              </a:spcAft>
+            </a:pPr>
+            <a:r>
+              <a:rPr lang="en-US" sz="2200" dirty="0">
+                <a:ea typeface="Calibri" panose="020F0502020204030204" pitchFamily="34" charset="0"/>
+                <a:cs typeface="Times New Roman" panose="02020603050405020304" pitchFamily="18" charset="0"/>
+              </a:rPr>
+              <a:t>2. C</a:t>
+            </a:r>
+            <a:r>
+              <a:rPr lang="en-US" sz="2200" dirty="0">
+                <a:effectLst/>
+                <a:latin typeface="Times New Roman" panose="02020603050405020304" pitchFamily="18" charset="0"/>
+                <a:ea typeface="Calibri" panose="020F0502020204030204" pitchFamily="34" charset="0"/>
+                <a:cs typeface="Times New Roman" panose="02020603050405020304" pitchFamily="18" charset="0"/>
+              </a:rPr>
+              <a:t>onduct a thorough literature review</a:t>
+            </a:r>
+          </a:p>
+          <a:p>
+            <a:pPr lvl="3" algn="just">
+              <a:spcBef>
+                <a:spcPts val="0"/>
+              </a:spcBef>
+              <a:spcAft>
+                <a:spcPts val="0"/>
+              </a:spcAft>
+            </a:pPr>
+            <a:r>
+              <a:rPr lang="en-US" sz="2200" dirty="0">
+                <a:effectLst/>
+                <a:latin typeface="Times New Roman" panose="02020603050405020304" pitchFamily="18" charset="0"/>
+                <a:ea typeface="Calibri" panose="020F0502020204030204" pitchFamily="34" charset="0"/>
+                <a:cs typeface="Times New Roman" panose="02020603050405020304" pitchFamily="18" charset="0"/>
+              </a:rPr>
+              <a:t>3. Present a stylized model (note: you do not have to solve your model or incorporate all complexity)</a:t>
+            </a:r>
+          </a:p>
+          <a:p>
+            <a:pPr lvl="3" algn="just">
+              <a:spcBef>
+                <a:spcPts val="0"/>
+              </a:spcBef>
+              <a:spcAft>
+                <a:spcPts val="0"/>
+              </a:spcAft>
+            </a:pPr>
+            <a:r>
+              <a:rPr lang="en-US" sz="2200" dirty="0">
+                <a:effectLst/>
+                <a:latin typeface="Times New Roman" panose="02020603050405020304" pitchFamily="18" charset="0"/>
+                <a:ea typeface="Calibri" panose="020F0502020204030204" pitchFamily="34" charset="0"/>
+                <a:cs typeface="Times New Roman" panose="02020603050405020304" pitchFamily="18" charset="0"/>
+              </a:rPr>
+              <a:t>4. If applicable, carefully describe the ideal data and empirical strategy you would use for empirically testing your model. </a:t>
+            </a:r>
+          </a:p>
+          <a:p>
+            <a:pPr lvl="2" algn="just">
+              <a:spcBef>
+                <a:spcPts val="0"/>
+              </a:spcBef>
+              <a:spcAft>
+                <a:spcPts val="0"/>
+              </a:spcAft>
+            </a:pPr>
+            <a:r>
+              <a:rPr lang="en-US" sz="2200" dirty="0">
+                <a:effectLst/>
+                <a:latin typeface="Times New Roman" panose="02020603050405020304" pitchFamily="18" charset="0"/>
+                <a:ea typeface="Calibri" panose="020F0502020204030204" pitchFamily="34" charset="0"/>
+                <a:cs typeface="Times New Roman" panose="02020603050405020304" pitchFamily="18" charset="0"/>
+              </a:rPr>
+              <a:t>This proposal could become a part of your thesis or a publishable paper! </a:t>
+            </a:r>
+          </a:p>
+          <a:p>
+            <a:pPr lvl="1" algn="just">
+              <a:spcBef>
+                <a:spcPts val="0"/>
+              </a:spcBef>
+              <a:spcAft>
+                <a:spcPts val="0"/>
+              </a:spcAft>
+            </a:pPr>
+            <a:r>
+              <a:rPr lang="en-US" sz="2400" b="1" dirty="0">
+                <a:effectLst/>
+                <a:latin typeface="Times New Roman" panose="02020603050405020304" pitchFamily="18" charset="0"/>
+                <a:ea typeface="Calibri" panose="020F0502020204030204" pitchFamily="34" charset="0"/>
+                <a:cs typeface="Times New Roman" panose="02020603050405020304" pitchFamily="18" charset="0"/>
+              </a:rPr>
+              <a:t>Proposals are due on the last day of class. </a:t>
+            </a:r>
+          </a:p>
+          <a:p>
+            <a:pPr lvl="1" algn="just">
+              <a:spcBef>
+                <a:spcPts val="0"/>
+              </a:spcBef>
+              <a:spcAft>
+                <a:spcPts val="0"/>
+              </a:spcAft>
+            </a:pPr>
+            <a:r>
+              <a:rPr lang="en-US" sz="2400" b="1" dirty="0">
+                <a:effectLst/>
+                <a:latin typeface="Times New Roman" panose="02020603050405020304" pitchFamily="18" charset="0"/>
+                <a:ea typeface="Calibri" panose="020F0502020204030204" pitchFamily="34" charset="0"/>
+                <a:cs typeface="Times New Roman" panose="02020603050405020304" pitchFamily="18" charset="0"/>
+              </a:rPr>
+              <a:t>Please prepare a 20-30-minute presentation detailing your proposal</a:t>
+            </a:r>
+            <a:endParaRPr lang="en-US" sz="2400" dirty="0">
+              <a:solidFill>
+                <a:srgbClr val="0070C0"/>
+              </a:solidFill>
+              <a:effectLst/>
+              <a:latin typeface="Times New Roman" panose="02020603050405020304" pitchFamily="18" charset="0"/>
+              <a:ea typeface="Calibri" panose="020F0502020204030204" pitchFamily="34" charset="0"/>
+              <a:cs typeface="Times New Roman" panose="02020603050405020304" pitchFamily="18" charset="0"/>
+            </a:endParaRPr>
+          </a:p>
+        </p:txBody>
+      </p:sp>
+      <p:sp>
+        <p:nvSpPr>
+          <p:cNvPr id="5" name="Title 1">
+            <a:extLst>
+              <a:ext uri="{FF2B5EF4-FFF2-40B4-BE49-F238E27FC236}">
+                <a16:creationId xmlns:a16="http://schemas.microsoft.com/office/drawing/2014/main" id="{2CBDD2D1-2055-4095-B24C-4E07449F80A0}"/>
+              </a:ext>
+            </a:extLst>
+          </p:cNvPr>
+          <p:cNvSpPr txBox="1">
+            <a:spLocks/>
+          </p:cNvSpPr>
+          <p:nvPr/>
+        </p:nvSpPr>
+        <p:spPr>
+          <a:xfrm>
+            <a:off x="1261872" y="365760"/>
+            <a:ext cx="9692640" cy="777240"/>
+          </a:xfrm>
+          <a:prstGeom prst="rect">
+            <a:avLst/>
+          </a:prstGeom>
+        </p:spPr>
+        <p:txBody>
+          <a:bodyPr vert="horz" lIns="91440" tIns="45720" rIns="91440" bIns="45720" rtlCol="0" anchor="b">
+            <a:normAutofit/>
+          </a:bodyPr>
+          <a:lstStyle>
+            <a:lvl1pPr algn="l" defTabSz="914400" rtl="0" eaLnBrk="1" latinLnBrk="0" hangingPunct="1">
+              <a:lnSpc>
+                <a:spcPct val="90000"/>
+              </a:lnSpc>
+              <a:spcBef>
+                <a:spcPct val="0"/>
+              </a:spcBef>
+              <a:buNone/>
+              <a:defRPr sz="4400" kern="1200" spc="-50" baseline="0">
+                <a:solidFill>
+                  <a:schemeClr val="tx1"/>
+                </a:solidFill>
+                <a:latin typeface="+mj-lt"/>
+                <a:ea typeface="+mj-ea"/>
+                <a:cs typeface="+mj-cs"/>
+              </a:defRPr>
+            </a:lvl1pPr>
+          </a:lstStyle>
+          <a:p>
+            <a:r>
+              <a:rPr lang="en-US" dirty="0">
+                <a:latin typeface="Times New Roman" panose="02020603050405020304" pitchFamily="18" charset="0"/>
+              </a:rPr>
+              <a:t>Introduction &amp; Syllabus</a:t>
+            </a:r>
+          </a:p>
+        </p:txBody>
+      </p:sp>
+      <p:sp>
+        <p:nvSpPr>
+          <p:cNvPr id="6" name="Title 5">
+            <a:extLst>
+              <a:ext uri="{FF2B5EF4-FFF2-40B4-BE49-F238E27FC236}">
+                <a16:creationId xmlns:a16="http://schemas.microsoft.com/office/drawing/2014/main" id="{7A268CAC-145E-4B1C-89BC-11BEB5C46CAA}"/>
+              </a:ext>
+            </a:extLst>
+          </p:cNvPr>
+          <p:cNvSpPr>
+            <a:spLocks noGrp="1"/>
+          </p:cNvSpPr>
+          <p:nvPr>
+            <p:ph type="title"/>
+          </p:nvPr>
+        </p:nvSpPr>
+        <p:spPr/>
+        <p:txBody>
+          <a:bodyPr/>
+          <a:lstStyle/>
+          <a:p>
+            <a:r>
+              <a:rPr lang="en-US" dirty="0"/>
+              <a:t> </a:t>
+            </a:r>
+          </a:p>
+        </p:txBody>
+      </p:sp>
+    </p:spTree>
+    <p:extLst>
+      <p:ext uri="{BB962C8B-B14F-4D97-AF65-F5344CB8AC3E}">
+        <p14:creationId xmlns:p14="http://schemas.microsoft.com/office/powerpoint/2010/main" val="3762109386"/>
+      </p:ext>
+    </p:extLst>
+  </p:cSld>
+  <p:clrMapOvr>
+    <a:masterClrMapping/>
+  </p:clrMapOvr>
+</p:sld>
+</file>
+
+<file path=ppt/slides/slide11.xml><?xml version="1.0" encoding="utf-8"?>
+<p:sld xmlns:a="http://schemas.openxmlformats.org/drawingml/2006/main" xmlns:r="http://schemas.openxmlformats.org/officeDocument/2006/relationships" xmlns:p="http://schemas.openxmlformats.org/presentationml/2006/main">
+  <p:cSld>
+    <p:spTree>
+      <p:nvGrpSpPr>
+        <p:cNvPr id="1" name=""/>
+        <p:cNvGrpSpPr/>
+        <p:nvPr/>
+      </p:nvGrpSpPr>
+      <p:grpSpPr>
+        <a:xfrm>
+          <a:off x="0" y="0"/>
+          <a:ext cx="0" cy="0"/>
+          <a:chOff x="0" y="0"/>
+          <a:chExt cx="0" cy="0"/>
+        </a:xfrm>
+      </p:grpSpPr>
+      <p:sp>
+        <p:nvSpPr>
           <p:cNvPr id="4" name="Title 3">
             <a:extLst>
               <a:ext uri="{FF2B5EF4-FFF2-40B4-BE49-F238E27FC236}">
@@ -11272,7 +11781,7 @@
 </p:sld>
 </file>
 
-<file path=ppt/slides/slide11.xml><?xml version="1.0" encoding="utf-8"?>
+<file path=ppt/slides/slide12.xml><?xml version="1.0" encoding="utf-8"?>
 <p:sld xmlns:a="http://schemas.openxmlformats.org/drawingml/2006/main" xmlns:r="http://schemas.openxmlformats.org/officeDocument/2006/relationships" xmlns:p="http://schemas.openxmlformats.org/presentationml/2006/main">
   <p:cSld>
     <p:spTree>
@@ -11452,7 +11961,7 @@
 </p:sld>
 </file>
 
-<file path=ppt/slides/slide12.xml><?xml version="1.0" encoding="utf-8"?>
+<file path=ppt/slides/slide13.xml><?xml version="1.0" encoding="utf-8"?>
 <p:sld xmlns:a="http://schemas.openxmlformats.org/drawingml/2006/main" xmlns:r="http://schemas.openxmlformats.org/officeDocument/2006/relationships" xmlns:p="http://schemas.openxmlformats.org/presentationml/2006/main">
   <p:cSld>
     <p:spTree>
@@ -11643,7 +12152,7 @@
 </p:sld>
 </file>
 
-<file path=ppt/slides/slide13.xml><?xml version="1.0" encoding="utf-8"?>
+<file path=ppt/slides/slide14.xml><?xml version="1.0" encoding="utf-8"?>
 <p:sld xmlns:a="http://schemas.openxmlformats.org/drawingml/2006/main" xmlns:r="http://schemas.openxmlformats.org/officeDocument/2006/relationships" xmlns:p="http://schemas.openxmlformats.org/presentationml/2006/main">
   <p:cSld>
     <p:spTree>
@@ -12002,7 +12511,7 @@
 </p:sld>
 </file>
 
-<file path=ppt/slides/slide14.xml><?xml version="1.0" encoding="utf-8"?>
+<file path=ppt/slides/slide15.xml><?xml version="1.0" encoding="utf-8"?>
 <p:sld xmlns:a="http://schemas.openxmlformats.org/drawingml/2006/main" xmlns:r="http://schemas.openxmlformats.org/officeDocument/2006/relationships" xmlns:p="http://schemas.openxmlformats.org/presentationml/2006/main">
   <p:cSld>
     <p:spTree>
@@ -12123,7 +12632,7 @@
 </p:sld>
 </file>
 
-<file path=ppt/slides/slide15.xml><?xml version="1.0" encoding="utf-8"?>
+<file path=ppt/slides/slide16.xml><?xml version="1.0" encoding="utf-8"?>
 <p:sld xmlns:a="http://schemas.openxmlformats.org/drawingml/2006/main" xmlns:r="http://schemas.openxmlformats.org/officeDocument/2006/relationships" xmlns:p="http://schemas.openxmlformats.org/presentationml/2006/main">
   <p:cSld>
     <p:spTree>
@@ -12358,7 +12867,7 @@
 </p:sld>
 </file>
 
-<file path=ppt/slides/slide16.xml><?xml version="1.0" encoding="utf-8"?>
+<file path=ppt/slides/slide17.xml><?xml version="1.0" encoding="utf-8"?>
 <p:sld xmlns:a="http://schemas.openxmlformats.org/drawingml/2006/main" xmlns:r="http://schemas.openxmlformats.org/officeDocument/2006/relationships" xmlns:p="http://schemas.openxmlformats.org/presentationml/2006/main">
   <p:cSld>
     <p:spTree>
@@ -12509,7 +13018,7 @@
 </p:sld>
 </file>
 
-<file path=ppt/slides/slide17.xml><?xml version="1.0" encoding="utf-8"?>
+<file path=ppt/slides/slide18.xml><?xml version="1.0" encoding="utf-8"?>
 <p:sld xmlns:a="http://schemas.openxmlformats.org/drawingml/2006/main" xmlns:r="http://schemas.openxmlformats.org/officeDocument/2006/relationships" xmlns:p="http://schemas.openxmlformats.org/presentationml/2006/main">
   <p:cSld>
     <p:spTree>
@@ -12762,7 +13271,7 @@
 </p:sld>
 </file>
 
-<file path=ppt/slides/slide18.xml><?xml version="1.0" encoding="utf-8"?>
+<file path=ppt/slides/slide19.xml><?xml version="1.0" encoding="utf-8"?>
 <p:sld xmlns:a="http://schemas.openxmlformats.org/drawingml/2006/main" xmlns:r="http://schemas.openxmlformats.org/officeDocument/2006/relationships" xmlns:p="http://schemas.openxmlformats.org/presentationml/2006/main">
   <p:cSld>
     <p:spTree>
@@ -12928,309 +13437,6 @@
 </p:sld>
 </file>
 
-<file path=ppt/slides/slide19.xml><?xml version="1.0" encoding="utf-8"?>
-<p:sld xmlns:a="http://schemas.openxmlformats.org/drawingml/2006/main" xmlns:r="http://schemas.openxmlformats.org/officeDocument/2006/relationships" xmlns:p="http://schemas.openxmlformats.org/presentationml/2006/main">
-  <p:cSld>
-    <p:spTree>
-      <p:nvGrpSpPr>
-        <p:cNvPr id="1" name=""/>
-        <p:cNvGrpSpPr/>
-        <p:nvPr/>
-      </p:nvGrpSpPr>
-      <p:grpSpPr>
-        <a:xfrm>
-          <a:off x="0" y="0"/>
-          <a:ext cx="0" cy="0"/>
-          <a:chOff x="0" y="0"/>
-          <a:chExt cx="0" cy="0"/>
-        </a:xfrm>
-      </p:grpSpPr>
-      <p:sp>
-        <p:nvSpPr>
-          <p:cNvPr id="4" name="Content Placeholder 3">
-            <a:extLst>
-              <a:ext uri="{FF2B5EF4-FFF2-40B4-BE49-F238E27FC236}">
-                <a16:creationId xmlns:a16="http://schemas.microsoft.com/office/drawing/2014/main" id="{AE68E5BA-C675-4302-ABDA-3EFDD6418FDE}"/>
-              </a:ext>
-            </a:extLst>
-          </p:cNvPr>
-          <p:cNvSpPr>
-            <a:spLocks noGrp="1"/>
-          </p:cNvSpPr>
-          <p:nvPr>
-            <p:ph idx="1"/>
-          </p:nvPr>
-        </p:nvSpPr>
-        <p:spPr>
-          <a:xfrm>
-            <a:off x="2470404" y="1608139"/>
-            <a:ext cx="7359396" cy="4572000"/>
-          </a:xfrm>
-        </p:spPr>
-        <p:txBody>
-          <a:bodyPr/>
-          <a:lstStyle/>
-          <a:p>
-            <a:pPr lvl="1"/>
-            <a:endParaRPr lang="en-US" dirty="0"/>
-          </a:p>
-          <a:p>
-            <a:pPr lvl="1"/>
-            <a:endParaRPr lang="en-US" dirty="0"/>
-          </a:p>
-        </p:txBody>
-      </p:sp>
-      <p:sp>
-        <p:nvSpPr>
-          <p:cNvPr id="6" name="Title 1">
-            <a:extLst>
-              <a:ext uri="{FF2B5EF4-FFF2-40B4-BE49-F238E27FC236}">
-                <a16:creationId xmlns:a16="http://schemas.microsoft.com/office/drawing/2014/main" id="{2447C70A-E8CD-4D7B-8C00-FF6EC3DCB236}"/>
-              </a:ext>
-            </a:extLst>
-          </p:cNvPr>
-          <p:cNvSpPr txBox="1">
-            <a:spLocks/>
-          </p:cNvSpPr>
-          <p:nvPr/>
-        </p:nvSpPr>
-        <p:spPr>
-          <a:xfrm>
-            <a:off x="381000" y="365760"/>
-            <a:ext cx="10573512" cy="777240"/>
-          </a:xfrm>
-          <a:prstGeom prst="rect">
-            <a:avLst/>
-          </a:prstGeom>
-        </p:spPr>
-        <p:txBody>
-          <a:bodyPr vert="horz" lIns="91440" tIns="45720" rIns="91440" bIns="45720" rtlCol="0" anchor="b">
-            <a:normAutofit/>
-          </a:bodyPr>
-          <a:lstStyle>
-            <a:lvl1pPr algn="l" defTabSz="914400" rtl="0" eaLnBrk="1" latinLnBrk="0" hangingPunct="1">
-              <a:lnSpc>
-                <a:spcPct val="90000"/>
-              </a:lnSpc>
-              <a:spcBef>
-                <a:spcPct val="0"/>
-              </a:spcBef>
-              <a:buNone/>
-              <a:defRPr sz="4400" kern="1200" spc="-50" baseline="0">
-                <a:solidFill>
-                  <a:schemeClr val="tx1"/>
-                </a:solidFill>
-                <a:latin typeface="+mj-lt"/>
-                <a:ea typeface="+mj-ea"/>
-                <a:cs typeface="+mj-cs"/>
-              </a:defRPr>
-            </a:lvl1pPr>
-          </a:lstStyle>
-          <a:p>
-            <a:r>
-              <a:rPr lang="en-US" dirty="0">
-                <a:latin typeface="Times New Roman" panose="02020603050405020304" pitchFamily="18" charset="0"/>
-              </a:rPr>
-              <a:t>Tradeoffs and Incentives</a:t>
-            </a:r>
-          </a:p>
-        </p:txBody>
-      </p:sp>
-      <p:sp>
-        <p:nvSpPr>
-          <p:cNvPr id="2" name="TextBox 1">
-            <a:extLst>
-              <a:ext uri="{FF2B5EF4-FFF2-40B4-BE49-F238E27FC236}">
-                <a16:creationId xmlns:a16="http://schemas.microsoft.com/office/drawing/2014/main" id="{B684055C-A8A7-700F-ED8F-81DF1ABEB552}"/>
-              </a:ext>
-            </a:extLst>
-          </p:cNvPr>
-          <p:cNvSpPr txBox="1"/>
-          <p:nvPr/>
-        </p:nvSpPr>
-        <p:spPr>
-          <a:xfrm>
-            <a:off x="533401" y="1143000"/>
-            <a:ext cx="10134600" cy="3816429"/>
-          </a:xfrm>
-          <a:prstGeom prst="rect">
-            <a:avLst/>
-          </a:prstGeom>
-          <a:noFill/>
-        </p:spPr>
-        <p:txBody>
-          <a:bodyPr wrap="square" rtlCol="0">
-            <a:spAutoFit/>
-          </a:bodyPr>
-          <a:lstStyle/>
-          <a:p>
-            <a:r>
-              <a:rPr lang="en-US" sz="2200" dirty="0">
-                <a:latin typeface="Times New Roman" panose="02020603050405020304" pitchFamily="18" charset="0"/>
-                <a:cs typeface="Times New Roman" panose="02020603050405020304" pitchFamily="18" charset="0"/>
-              </a:rPr>
-              <a:t>Economic modeling allows us to think about: </a:t>
-            </a:r>
-          </a:p>
-          <a:p>
-            <a:pPr marL="285750" indent="-285750">
-              <a:buFont typeface="Arial" panose="020B0604020202020204" pitchFamily="34" charset="0"/>
-              <a:buChar char="•"/>
-            </a:pPr>
-            <a:r>
-              <a:rPr lang="en-US" sz="2200" dirty="0">
-                <a:latin typeface="Times New Roman" panose="02020603050405020304" pitchFamily="18" charset="0"/>
-                <a:cs typeface="Times New Roman" panose="02020603050405020304" pitchFamily="18" charset="0"/>
-              </a:rPr>
-              <a:t>Tradeoffs in a formal setting</a:t>
-            </a:r>
-          </a:p>
-          <a:p>
-            <a:pPr marL="285750" indent="-285750">
-              <a:buFont typeface="Arial" panose="020B0604020202020204" pitchFamily="34" charset="0"/>
-              <a:buChar char="•"/>
-            </a:pPr>
-            <a:r>
-              <a:rPr lang="en-US" sz="2200" dirty="0">
-                <a:latin typeface="Times New Roman" panose="02020603050405020304" pitchFamily="18" charset="0"/>
-                <a:cs typeface="Times New Roman" panose="02020603050405020304" pitchFamily="18" charset="0"/>
-              </a:rPr>
-              <a:t>How incentives change behavior</a:t>
-            </a:r>
-          </a:p>
-          <a:p>
-            <a:pPr marL="285750" indent="-285750">
-              <a:buFont typeface="Arial" panose="020B0604020202020204" pitchFamily="34" charset="0"/>
-              <a:buChar char="•"/>
-            </a:pPr>
-            <a:r>
-              <a:rPr lang="en-US" sz="2200" dirty="0">
-                <a:latin typeface="Times New Roman" panose="02020603050405020304" pitchFamily="18" charset="0"/>
-                <a:cs typeface="Times New Roman" panose="02020603050405020304" pitchFamily="18" charset="0"/>
-              </a:rPr>
-              <a:t>Short- versus long-run impacts</a:t>
-            </a:r>
-          </a:p>
-          <a:p>
-            <a:pPr marL="285750" indent="-285750">
-              <a:buFont typeface="Arial" panose="020B0604020202020204" pitchFamily="34" charset="0"/>
-              <a:buChar char="•"/>
-            </a:pPr>
-            <a:endParaRPr lang="en-US" sz="2200" dirty="0">
-              <a:latin typeface="Times New Roman" panose="02020603050405020304" pitchFamily="18" charset="0"/>
-              <a:cs typeface="Times New Roman" panose="02020603050405020304" pitchFamily="18" charset="0"/>
-            </a:endParaRPr>
-          </a:p>
-          <a:p>
-            <a:r>
-              <a:rPr lang="en-US" sz="2200" dirty="0">
-                <a:latin typeface="Times New Roman" panose="02020603050405020304" pitchFamily="18" charset="0"/>
-                <a:cs typeface="Times New Roman" panose="02020603050405020304" pitchFamily="18" charset="0"/>
-              </a:rPr>
-              <a:t>Typically, models allow us to say something about: </a:t>
-            </a:r>
-          </a:p>
-          <a:p>
-            <a:pPr marL="342900" indent="-342900">
-              <a:buFont typeface="+mj-lt"/>
-              <a:buAutoNum type="arabicPeriod"/>
-            </a:pPr>
-            <a:r>
-              <a:rPr lang="en-US" sz="2200" b="1" dirty="0">
-                <a:solidFill>
-                  <a:schemeClr val="accent2">
-                    <a:lumMod val="75000"/>
-                  </a:schemeClr>
-                </a:solidFill>
-                <a:latin typeface="Times New Roman" panose="02020603050405020304" pitchFamily="18" charset="0"/>
-                <a:cs typeface="Times New Roman" panose="02020603050405020304" pitchFamily="18" charset="0"/>
-              </a:rPr>
-              <a:t>Equilibrium Concepts:</a:t>
-            </a:r>
-            <a:r>
-              <a:rPr lang="en-US" sz="2200" b="1" dirty="0">
-                <a:latin typeface="Times New Roman" panose="02020603050405020304" pitchFamily="18" charset="0"/>
-                <a:cs typeface="Times New Roman" panose="02020603050405020304" pitchFamily="18" charset="0"/>
-              </a:rPr>
-              <a:t> </a:t>
-            </a:r>
-            <a:r>
-              <a:rPr lang="en-US" sz="2200" dirty="0">
-                <a:latin typeface="Times New Roman" panose="02020603050405020304" pitchFamily="18" charset="0"/>
-                <a:cs typeface="Times New Roman" panose="02020603050405020304" pitchFamily="18" charset="0"/>
-              </a:rPr>
-              <a:t>how does the game “shake out” when all incentives are modeled formally?</a:t>
-            </a:r>
-            <a:endParaRPr lang="en-US" sz="2200" b="1" dirty="0">
-              <a:latin typeface="Times New Roman" panose="02020603050405020304" pitchFamily="18" charset="0"/>
-              <a:cs typeface="Times New Roman" panose="02020603050405020304" pitchFamily="18" charset="0"/>
-            </a:endParaRPr>
-          </a:p>
-          <a:p>
-            <a:pPr marL="342900" indent="-342900">
-              <a:buFont typeface="+mj-lt"/>
-              <a:buAutoNum type="arabicPeriod"/>
-            </a:pPr>
-            <a:r>
-              <a:rPr lang="en-US" sz="2200" b="1" dirty="0">
-                <a:solidFill>
-                  <a:schemeClr val="accent2">
-                    <a:lumMod val="75000"/>
-                  </a:schemeClr>
-                </a:solidFill>
-                <a:latin typeface="Times New Roman" panose="02020603050405020304" pitchFamily="18" charset="0"/>
-                <a:cs typeface="Times New Roman" panose="02020603050405020304" pitchFamily="18" charset="0"/>
-              </a:rPr>
-              <a:t>Comparative Statics: </a:t>
-            </a:r>
-            <a:r>
-              <a:rPr lang="en-US" sz="2200" dirty="0">
-                <a:latin typeface="Times New Roman" panose="02020603050405020304" pitchFamily="18" charset="0"/>
-                <a:cs typeface="Times New Roman" panose="02020603050405020304" pitchFamily="18" charset="0"/>
-              </a:rPr>
-              <a:t>how does solution depend based on (causal) pathways?</a:t>
-            </a:r>
-          </a:p>
-          <a:p>
-            <a:pPr marL="342900" indent="-342900">
-              <a:buFont typeface="+mj-lt"/>
-              <a:buAutoNum type="arabicPeriod"/>
-            </a:pPr>
-            <a:r>
-              <a:rPr lang="en-US" sz="2200" b="1" dirty="0">
-                <a:solidFill>
-                  <a:schemeClr val="accent2">
-                    <a:lumMod val="75000"/>
-                  </a:schemeClr>
-                </a:solidFill>
-                <a:latin typeface="Times New Roman" panose="02020603050405020304" pitchFamily="18" charset="0"/>
-                <a:cs typeface="Times New Roman" panose="02020603050405020304" pitchFamily="18" charset="0"/>
-              </a:rPr>
-              <a:t>Counterfactuals:</a:t>
-            </a:r>
-            <a:r>
-              <a:rPr lang="en-US" sz="2200" dirty="0">
-                <a:latin typeface="Times New Roman" panose="02020603050405020304" pitchFamily="18" charset="0"/>
-                <a:cs typeface="Times New Roman" panose="02020603050405020304" pitchFamily="18" charset="0"/>
-              </a:rPr>
-              <a:t> how would we predict world to change based on alternative values for exogenous variables?</a:t>
-            </a:r>
-          </a:p>
-        </p:txBody>
-      </p:sp>
-    </p:spTree>
-    <p:extLst>
-      <p:ext uri="{BB962C8B-B14F-4D97-AF65-F5344CB8AC3E}">
-        <p14:creationId xmlns:p14="http://schemas.microsoft.com/office/powerpoint/2010/main" val="3657674817"/>
-      </p:ext>
-    </p:extLst>
-  </p:cSld>
-  <p:clrMapOvr>
-    <a:masterClrMapping/>
-  </p:clrMapOvr>
-</p:sld>
-</file>
-
 <file path=ppt/slides/slide2.xml><?xml version="1.0" encoding="utf-8"?>
 <p:sld xmlns:a="http://schemas.openxmlformats.org/drawingml/2006/main" xmlns:r="http://schemas.openxmlformats.org/officeDocument/2006/relationships" xmlns:p="http://schemas.openxmlformats.org/presentationml/2006/main">
   <p:cSld>
@@ -13328,6 +13534,309 @@
 </file>
 
 <file path=ppt/slides/slide20.xml><?xml version="1.0" encoding="utf-8"?>
+<p:sld xmlns:a="http://schemas.openxmlformats.org/drawingml/2006/main" xmlns:r="http://schemas.openxmlformats.org/officeDocument/2006/relationships" xmlns:p="http://schemas.openxmlformats.org/presentationml/2006/main">
+  <p:cSld>
+    <p:spTree>
+      <p:nvGrpSpPr>
+        <p:cNvPr id="1" name=""/>
+        <p:cNvGrpSpPr/>
+        <p:nvPr/>
+      </p:nvGrpSpPr>
+      <p:grpSpPr>
+        <a:xfrm>
+          <a:off x="0" y="0"/>
+          <a:ext cx="0" cy="0"/>
+          <a:chOff x="0" y="0"/>
+          <a:chExt cx="0" cy="0"/>
+        </a:xfrm>
+      </p:grpSpPr>
+      <p:sp>
+        <p:nvSpPr>
+          <p:cNvPr id="4" name="Content Placeholder 3">
+            <a:extLst>
+              <a:ext uri="{FF2B5EF4-FFF2-40B4-BE49-F238E27FC236}">
+                <a16:creationId xmlns:a16="http://schemas.microsoft.com/office/drawing/2014/main" id="{AE68E5BA-C675-4302-ABDA-3EFDD6418FDE}"/>
+              </a:ext>
+            </a:extLst>
+          </p:cNvPr>
+          <p:cNvSpPr>
+            <a:spLocks noGrp="1"/>
+          </p:cNvSpPr>
+          <p:nvPr>
+            <p:ph idx="1"/>
+          </p:nvPr>
+        </p:nvSpPr>
+        <p:spPr>
+          <a:xfrm>
+            <a:off x="2470404" y="1608139"/>
+            <a:ext cx="7359396" cy="4572000"/>
+          </a:xfrm>
+        </p:spPr>
+        <p:txBody>
+          <a:bodyPr/>
+          <a:lstStyle/>
+          <a:p>
+            <a:pPr lvl="1"/>
+            <a:endParaRPr lang="en-US" dirty="0"/>
+          </a:p>
+          <a:p>
+            <a:pPr lvl="1"/>
+            <a:endParaRPr lang="en-US" dirty="0"/>
+          </a:p>
+        </p:txBody>
+      </p:sp>
+      <p:sp>
+        <p:nvSpPr>
+          <p:cNvPr id="6" name="Title 1">
+            <a:extLst>
+              <a:ext uri="{FF2B5EF4-FFF2-40B4-BE49-F238E27FC236}">
+                <a16:creationId xmlns:a16="http://schemas.microsoft.com/office/drawing/2014/main" id="{2447C70A-E8CD-4D7B-8C00-FF6EC3DCB236}"/>
+              </a:ext>
+            </a:extLst>
+          </p:cNvPr>
+          <p:cNvSpPr txBox="1">
+            <a:spLocks/>
+          </p:cNvSpPr>
+          <p:nvPr/>
+        </p:nvSpPr>
+        <p:spPr>
+          <a:xfrm>
+            <a:off x="381000" y="365760"/>
+            <a:ext cx="10573512" cy="777240"/>
+          </a:xfrm>
+          <a:prstGeom prst="rect">
+            <a:avLst/>
+          </a:prstGeom>
+        </p:spPr>
+        <p:txBody>
+          <a:bodyPr vert="horz" lIns="91440" tIns="45720" rIns="91440" bIns="45720" rtlCol="0" anchor="b">
+            <a:normAutofit/>
+          </a:bodyPr>
+          <a:lstStyle>
+            <a:lvl1pPr algn="l" defTabSz="914400" rtl="0" eaLnBrk="1" latinLnBrk="0" hangingPunct="1">
+              <a:lnSpc>
+                <a:spcPct val="90000"/>
+              </a:lnSpc>
+              <a:spcBef>
+                <a:spcPct val="0"/>
+              </a:spcBef>
+              <a:buNone/>
+              <a:defRPr sz="4400" kern="1200" spc="-50" baseline="0">
+                <a:solidFill>
+                  <a:schemeClr val="tx1"/>
+                </a:solidFill>
+                <a:latin typeface="+mj-lt"/>
+                <a:ea typeface="+mj-ea"/>
+                <a:cs typeface="+mj-cs"/>
+              </a:defRPr>
+            </a:lvl1pPr>
+          </a:lstStyle>
+          <a:p>
+            <a:r>
+              <a:rPr lang="en-US" dirty="0">
+                <a:latin typeface="Times New Roman" panose="02020603050405020304" pitchFamily="18" charset="0"/>
+              </a:rPr>
+              <a:t>Tradeoffs and Incentives</a:t>
+            </a:r>
+          </a:p>
+        </p:txBody>
+      </p:sp>
+      <p:sp>
+        <p:nvSpPr>
+          <p:cNvPr id="2" name="TextBox 1">
+            <a:extLst>
+              <a:ext uri="{FF2B5EF4-FFF2-40B4-BE49-F238E27FC236}">
+                <a16:creationId xmlns:a16="http://schemas.microsoft.com/office/drawing/2014/main" id="{B684055C-A8A7-700F-ED8F-81DF1ABEB552}"/>
+              </a:ext>
+            </a:extLst>
+          </p:cNvPr>
+          <p:cNvSpPr txBox="1"/>
+          <p:nvPr/>
+        </p:nvSpPr>
+        <p:spPr>
+          <a:xfrm>
+            <a:off x="533401" y="1143000"/>
+            <a:ext cx="10134600" cy="3816429"/>
+          </a:xfrm>
+          <a:prstGeom prst="rect">
+            <a:avLst/>
+          </a:prstGeom>
+          <a:noFill/>
+        </p:spPr>
+        <p:txBody>
+          <a:bodyPr wrap="square" rtlCol="0">
+            <a:spAutoFit/>
+          </a:bodyPr>
+          <a:lstStyle/>
+          <a:p>
+            <a:r>
+              <a:rPr lang="en-US" sz="2200" dirty="0">
+                <a:latin typeface="Times New Roman" panose="02020603050405020304" pitchFamily="18" charset="0"/>
+                <a:cs typeface="Times New Roman" panose="02020603050405020304" pitchFamily="18" charset="0"/>
+              </a:rPr>
+              <a:t>Economic modeling allows us to think about: </a:t>
+            </a:r>
+          </a:p>
+          <a:p>
+            <a:pPr marL="285750" indent="-285750">
+              <a:buFont typeface="Arial" panose="020B0604020202020204" pitchFamily="34" charset="0"/>
+              <a:buChar char="•"/>
+            </a:pPr>
+            <a:r>
+              <a:rPr lang="en-US" sz="2200" dirty="0">
+                <a:latin typeface="Times New Roman" panose="02020603050405020304" pitchFamily="18" charset="0"/>
+                <a:cs typeface="Times New Roman" panose="02020603050405020304" pitchFamily="18" charset="0"/>
+              </a:rPr>
+              <a:t>Tradeoffs in a formal setting</a:t>
+            </a:r>
+          </a:p>
+          <a:p>
+            <a:pPr marL="285750" indent="-285750">
+              <a:buFont typeface="Arial" panose="020B0604020202020204" pitchFamily="34" charset="0"/>
+              <a:buChar char="•"/>
+            </a:pPr>
+            <a:r>
+              <a:rPr lang="en-US" sz="2200" dirty="0">
+                <a:latin typeface="Times New Roman" panose="02020603050405020304" pitchFamily="18" charset="0"/>
+                <a:cs typeface="Times New Roman" panose="02020603050405020304" pitchFamily="18" charset="0"/>
+              </a:rPr>
+              <a:t>How incentives change behavior</a:t>
+            </a:r>
+          </a:p>
+          <a:p>
+            <a:pPr marL="285750" indent="-285750">
+              <a:buFont typeface="Arial" panose="020B0604020202020204" pitchFamily="34" charset="0"/>
+              <a:buChar char="•"/>
+            </a:pPr>
+            <a:r>
+              <a:rPr lang="en-US" sz="2200" dirty="0">
+                <a:latin typeface="Times New Roman" panose="02020603050405020304" pitchFamily="18" charset="0"/>
+                <a:cs typeface="Times New Roman" panose="02020603050405020304" pitchFamily="18" charset="0"/>
+              </a:rPr>
+              <a:t>Short- versus long-run impacts</a:t>
+            </a:r>
+          </a:p>
+          <a:p>
+            <a:pPr marL="285750" indent="-285750">
+              <a:buFont typeface="Arial" panose="020B0604020202020204" pitchFamily="34" charset="0"/>
+              <a:buChar char="•"/>
+            </a:pPr>
+            <a:endParaRPr lang="en-US" sz="2200" dirty="0">
+              <a:latin typeface="Times New Roman" panose="02020603050405020304" pitchFamily="18" charset="0"/>
+              <a:cs typeface="Times New Roman" panose="02020603050405020304" pitchFamily="18" charset="0"/>
+            </a:endParaRPr>
+          </a:p>
+          <a:p>
+            <a:r>
+              <a:rPr lang="en-US" sz="2200" dirty="0">
+                <a:latin typeface="Times New Roman" panose="02020603050405020304" pitchFamily="18" charset="0"/>
+                <a:cs typeface="Times New Roman" panose="02020603050405020304" pitchFamily="18" charset="0"/>
+              </a:rPr>
+              <a:t>Typically, models allow us to say something about: </a:t>
+            </a:r>
+          </a:p>
+          <a:p>
+            <a:pPr marL="342900" indent="-342900">
+              <a:buFont typeface="+mj-lt"/>
+              <a:buAutoNum type="arabicPeriod"/>
+            </a:pPr>
+            <a:r>
+              <a:rPr lang="en-US" sz="2200" b="1" dirty="0">
+                <a:solidFill>
+                  <a:schemeClr val="accent2">
+                    <a:lumMod val="75000"/>
+                  </a:schemeClr>
+                </a:solidFill>
+                <a:latin typeface="Times New Roman" panose="02020603050405020304" pitchFamily="18" charset="0"/>
+                <a:cs typeface="Times New Roman" panose="02020603050405020304" pitchFamily="18" charset="0"/>
+              </a:rPr>
+              <a:t>Equilibrium Concepts:</a:t>
+            </a:r>
+            <a:r>
+              <a:rPr lang="en-US" sz="2200" b="1" dirty="0">
+                <a:latin typeface="Times New Roman" panose="02020603050405020304" pitchFamily="18" charset="0"/>
+                <a:cs typeface="Times New Roman" panose="02020603050405020304" pitchFamily="18" charset="0"/>
+              </a:rPr>
+              <a:t> </a:t>
+            </a:r>
+            <a:r>
+              <a:rPr lang="en-US" sz="2200" dirty="0">
+                <a:latin typeface="Times New Roman" panose="02020603050405020304" pitchFamily="18" charset="0"/>
+                <a:cs typeface="Times New Roman" panose="02020603050405020304" pitchFamily="18" charset="0"/>
+              </a:rPr>
+              <a:t>how does the game “shake out” when all incentives are modeled formally?</a:t>
+            </a:r>
+            <a:endParaRPr lang="en-US" sz="2200" b="1" dirty="0">
+              <a:latin typeface="Times New Roman" panose="02020603050405020304" pitchFamily="18" charset="0"/>
+              <a:cs typeface="Times New Roman" panose="02020603050405020304" pitchFamily="18" charset="0"/>
+            </a:endParaRPr>
+          </a:p>
+          <a:p>
+            <a:pPr marL="342900" indent="-342900">
+              <a:buFont typeface="+mj-lt"/>
+              <a:buAutoNum type="arabicPeriod"/>
+            </a:pPr>
+            <a:r>
+              <a:rPr lang="en-US" sz="2200" b="1" dirty="0">
+                <a:solidFill>
+                  <a:schemeClr val="accent2">
+                    <a:lumMod val="75000"/>
+                  </a:schemeClr>
+                </a:solidFill>
+                <a:latin typeface="Times New Roman" panose="02020603050405020304" pitchFamily="18" charset="0"/>
+                <a:cs typeface="Times New Roman" panose="02020603050405020304" pitchFamily="18" charset="0"/>
+              </a:rPr>
+              <a:t>Comparative Statics: </a:t>
+            </a:r>
+            <a:r>
+              <a:rPr lang="en-US" sz="2200" dirty="0">
+                <a:latin typeface="Times New Roman" panose="02020603050405020304" pitchFamily="18" charset="0"/>
+                <a:cs typeface="Times New Roman" panose="02020603050405020304" pitchFamily="18" charset="0"/>
+              </a:rPr>
+              <a:t>how does solution depend based on (causal) pathways?</a:t>
+            </a:r>
+          </a:p>
+          <a:p>
+            <a:pPr marL="342900" indent="-342900">
+              <a:buFont typeface="+mj-lt"/>
+              <a:buAutoNum type="arabicPeriod"/>
+            </a:pPr>
+            <a:r>
+              <a:rPr lang="en-US" sz="2200" b="1" dirty="0">
+                <a:solidFill>
+                  <a:schemeClr val="accent2">
+                    <a:lumMod val="75000"/>
+                  </a:schemeClr>
+                </a:solidFill>
+                <a:latin typeface="Times New Roman" panose="02020603050405020304" pitchFamily="18" charset="0"/>
+                <a:cs typeface="Times New Roman" panose="02020603050405020304" pitchFamily="18" charset="0"/>
+              </a:rPr>
+              <a:t>Counterfactuals:</a:t>
+            </a:r>
+            <a:r>
+              <a:rPr lang="en-US" sz="2200" dirty="0">
+                <a:latin typeface="Times New Roman" panose="02020603050405020304" pitchFamily="18" charset="0"/>
+                <a:cs typeface="Times New Roman" panose="02020603050405020304" pitchFamily="18" charset="0"/>
+              </a:rPr>
+              <a:t> how would we predict world to change based on alternative values for exogenous variables?</a:t>
+            </a:r>
+          </a:p>
+        </p:txBody>
+      </p:sp>
+    </p:spTree>
+    <p:extLst>
+      <p:ext uri="{BB962C8B-B14F-4D97-AF65-F5344CB8AC3E}">
+        <p14:creationId xmlns:p14="http://schemas.microsoft.com/office/powerpoint/2010/main" val="3657674817"/>
+      </p:ext>
+    </p:extLst>
+  </p:cSld>
+  <p:clrMapOvr>
+    <a:masterClrMapping/>
+  </p:clrMapOvr>
+</p:sld>
+</file>
+
+<file path=ppt/slides/slide21.xml><?xml version="1.0" encoding="utf-8"?>
 <p:sld xmlns:a="http://schemas.openxmlformats.org/drawingml/2006/main" xmlns:r="http://schemas.openxmlformats.org/officeDocument/2006/relationships" xmlns:p="http://schemas.openxmlformats.org/presentationml/2006/main">
   <p:cSld>
     <p:spTree>
@@ -13817,7 +14326,7 @@
 </p:sld>
 </file>
 
-<file path=ppt/slides/slide21.xml><?xml version="1.0" encoding="utf-8"?>
+<file path=ppt/slides/slide22.xml><?xml version="1.0" encoding="utf-8"?>
 <p:sld xmlns:a="http://schemas.openxmlformats.org/drawingml/2006/main" xmlns:r="http://schemas.openxmlformats.org/officeDocument/2006/relationships" xmlns:p="http://schemas.openxmlformats.org/presentationml/2006/main">
   <p:cSld>
     <p:spTree>
@@ -14331,7 +14840,7 @@
 </p:sld>
 </file>
 
-<file path=ppt/slides/slide22.xml><?xml version="1.0" encoding="utf-8"?>
+<file path=ppt/slides/slide23.xml><?xml version="1.0" encoding="utf-8"?>
 <p:sld xmlns:a="http://schemas.openxmlformats.org/drawingml/2006/main" xmlns:r="http://schemas.openxmlformats.org/officeDocument/2006/relationships" xmlns:p="http://schemas.openxmlformats.org/presentationml/2006/main">
   <p:cSld>
     <p:spTree>
@@ -14869,7 +15378,7 @@
 </p:sld>
 </file>
 
-<file path=ppt/slides/slide23.xml><?xml version="1.0" encoding="utf-8"?>
+<file path=ppt/slides/slide24.xml><?xml version="1.0" encoding="utf-8"?>
 <p:sld xmlns:a="http://schemas.openxmlformats.org/drawingml/2006/main" xmlns:r="http://schemas.openxmlformats.org/officeDocument/2006/relationships" xmlns:p="http://schemas.openxmlformats.org/presentationml/2006/main">
   <p:cSld>
     <p:spTree>
@@ -14964,7 +15473,7 @@
 </p:sld>
 </file>
 
-<file path=ppt/slides/slide24.xml><?xml version="1.0" encoding="utf-8"?>
+<file path=ppt/slides/slide25.xml><?xml version="1.0" encoding="utf-8"?>
 <p:sld xmlns:a="http://schemas.openxmlformats.org/drawingml/2006/main" xmlns:r="http://schemas.openxmlformats.org/officeDocument/2006/relationships" xmlns:p="http://schemas.openxmlformats.org/presentationml/2006/main">
   <p:cSld>
     <p:spTree>
@@ -15192,7 +15701,7 @@
 </p:sld>
 </file>
 
-<file path=ppt/slides/slide25.xml><?xml version="1.0" encoding="utf-8"?>
+<file path=ppt/slides/slide26.xml><?xml version="1.0" encoding="utf-8"?>
 <p:sld xmlns:a="http://schemas.openxmlformats.org/drawingml/2006/main" xmlns:r="http://schemas.openxmlformats.org/officeDocument/2006/relationships" xmlns:p="http://schemas.openxmlformats.org/presentationml/2006/main">
   <p:cSld>
     <p:spTree>
@@ -15460,7 +15969,7 @@
 </p:sld>
 </file>
 
-<file path=ppt/slides/slide26.xml><?xml version="1.0" encoding="utf-8"?>
+<file path=ppt/slides/slide27.xml><?xml version="1.0" encoding="utf-8"?>
 <p:sld xmlns:a="http://schemas.openxmlformats.org/drawingml/2006/main" xmlns:r="http://schemas.openxmlformats.org/officeDocument/2006/relationships" xmlns:p="http://schemas.openxmlformats.org/presentationml/2006/main">
   <p:cSld>
     <p:spTree>
@@ -15769,7 +16278,7 @@
 </p:sld>
 </file>
 
-<file path=ppt/slides/slide27.xml><?xml version="1.0" encoding="utf-8"?>
+<file path=ppt/slides/slide28.xml><?xml version="1.0" encoding="utf-8"?>
 <p:sld xmlns:a="http://schemas.openxmlformats.org/drawingml/2006/main" xmlns:r="http://schemas.openxmlformats.org/officeDocument/2006/relationships" xmlns:p="http://schemas.openxmlformats.org/presentationml/2006/main">
   <p:cSld>
     <p:spTree>
@@ -16126,7 +16635,7 @@
 </p:sld>
 </file>
 
-<file path=ppt/slides/slide28.xml><?xml version="1.0" encoding="utf-8"?>
+<file path=ppt/slides/slide29.xml><?xml version="1.0" encoding="utf-8"?>
 <p:sld xmlns:a="http://schemas.openxmlformats.org/drawingml/2006/main" xmlns:r="http://schemas.openxmlformats.org/officeDocument/2006/relationships" xmlns:p="http://schemas.openxmlformats.org/presentationml/2006/main">
   <p:cSld>
     <p:bg>
@@ -16310,7 +16819,213 @@
 </p:sld>
 </file>
 
-<file path=ppt/slides/slide29.xml><?xml version="1.0" encoding="utf-8"?>
+<file path=ppt/slides/slide3.xml><?xml version="1.0" encoding="utf-8"?>
+<p:sld xmlns:a="http://schemas.openxmlformats.org/drawingml/2006/main" xmlns:r="http://schemas.openxmlformats.org/officeDocument/2006/relationships" xmlns:p="http://schemas.openxmlformats.org/presentationml/2006/main">
+  <p:cSld>
+    <p:spTree>
+      <p:nvGrpSpPr>
+        <p:cNvPr id="1" name=""/>
+        <p:cNvGrpSpPr/>
+        <p:nvPr/>
+      </p:nvGrpSpPr>
+      <p:grpSpPr>
+        <a:xfrm>
+          <a:off x="0" y="0"/>
+          <a:ext cx="0" cy="0"/>
+          <a:chOff x="0" y="0"/>
+          <a:chExt cx="0" cy="0"/>
+        </a:xfrm>
+      </p:grpSpPr>
+      <p:sp>
+        <p:nvSpPr>
+          <p:cNvPr id="4" name="Content Placeholder 3">
+            <a:extLst>
+              <a:ext uri="{FF2B5EF4-FFF2-40B4-BE49-F238E27FC236}">
+                <a16:creationId xmlns:a16="http://schemas.microsoft.com/office/drawing/2014/main" id="{AE68E5BA-C675-4302-ABDA-3EFDD6418FDE}"/>
+              </a:ext>
+            </a:extLst>
+          </p:cNvPr>
+          <p:cNvSpPr>
+            <a:spLocks noGrp="1"/>
+          </p:cNvSpPr>
+          <p:nvPr>
+            <p:ph idx="1"/>
+          </p:nvPr>
+        </p:nvSpPr>
+        <p:spPr>
+          <a:xfrm>
+            <a:off x="1371600" y="1219200"/>
+            <a:ext cx="10058400" cy="4960939"/>
+          </a:xfrm>
+        </p:spPr>
+        <p:txBody>
+          <a:bodyPr>
+            <a:normAutofit/>
+          </a:bodyPr>
+          <a:lstStyle/>
+          <a:p>
+            <a:pPr marL="0" indent="0">
+              <a:buNone/>
+            </a:pPr>
+            <a:r>
+              <a:rPr lang="en-US" sz="2400" b="1" dirty="0">
+                <a:solidFill>
+                  <a:srgbClr val="0070C0"/>
+                </a:solidFill>
+              </a:rPr>
+              <a:t>Booking office hours</a:t>
+            </a:r>
+            <a:r>
+              <a:rPr lang="en-US" sz="2400" dirty="0">
+                <a:solidFill>
+                  <a:srgbClr val="0070C0"/>
+                </a:solidFill>
+              </a:rPr>
+              <a:t>:</a:t>
+            </a:r>
+            <a:r>
+              <a:rPr lang="en-US" sz="2400" dirty="0"/>
+              <a:t> </a:t>
+            </a:r>
+            <a:r>
+              <a:rPr lang="en-US" sz="2400" u="sng" dirty="0">
+                <a:solidFill>
+                  <a:srgbClr val="0000FF"/>
+                </a:solidFill>
+                <a:latin typeface="Times New Roman" panose="02020603050405020304" pitchFamily="18" charset="0"/>
+                <a:ea typeface="Calibri" panose="020F0502020204030204" pitchFamily="34" charset="0"/>
+                <a:cs typeface="Times New Roman" panose="02020603050405020304" pitchFamily="18" charset="0"/>
+                <a:hlinkClick r:id="rId3"/>
+              </a:rPr>
+              <a:t>calendly.com/Hoagland-office-hours/had5744-2022f</a:t>
+            </a:r>
+            <a:endParaRPr lang="en-US" sz="2400" dirty="0"/>
+          </a:p>
+          <a:p>
+            <a:pPr lvl="1"/>
+            <a:r>
+              <a:rPr lang="en-US" sz="2400" dirty="0"/>
+              <a:t>In-person/Zoom: T/W/F: 10:00 to 11:00</a:t>
+            </a:r>
+          </a:p>
+          <a:p>
+            <a:pPr lvl="1"/>
+            <a:r>
+              <a:rPr lang="en-US" sz="2400" dirty="0"/>
+              <a:t>Note that Tuesdays are </a:t>
+            </a:r>
+            <a:r>
+              <a:rPr lang="en-US" sz="2400" b="1" dirty="0"/>
+              <a:t>by Zoom only</a:t>
+            </a:r>
+            <a:endParaRPr lang="en-US" sz="2400" dirty="0"/>
+          </a:p>
+          <a:p>
+            <a:pPr lvl="1"/>
+            <a:endParaRPr lang="en-US" sz="2400" dirty="0"/>
+          </a:p>
+        </p:txBody>
+      </p:sp>
+      <p:pic>
+        <p:nvPicPr>
+          <p:cNvPr id="7" name="Picture 6">
+            <a:extLst>
+              <a:ext uri="{FF2B5EF4-FFF2-40B4-BE49-F238E27FC236}">
+                <a16:creationId xmlns:a16="http://schemas.microsoft.com/office/drawing/2014/main" id="{FB85D007-138F-4044-AD8A-659E0889A7A9}"/>
+              </a:ext>
+            </a:extLst>
+          </p:cNvPr>
+          <p:cNvPicPr>
+            <a:picLocks noChangeAspect="1"/>
+          </p:cNvPicPr>
+          <p:nvPr/>
+        </p:nvPicPr>
+        <p:blipFill>
+          <a:blip r:embed="rId4"/>
+          <a:stretch>
+            <a:fillRect/>
+          </a:stretch>
+        </p:blipFill>
+        <p:spPr>
+          <a:xfrm>
+            <a:off x="1261872" y="2464814"/>
+            <a:ext cx="7348728" cy="4316986"/>
+          </a:xfrm>
+          <a:prstGeom prst="rect">
+            <a:avLst/>
+          </a:prstGeom>
+        </p:spPr>
+      </p:pic>
+      <p:sp>
+        <p:nvSpPr>
+          <p:cNvPr id="5" name="Title 1">
+            <a:extLst>
+              <a:ext uri="{FF2B5EF4-FFF2-40B4-BE49-F238E27FC236}">
+                <a16:creationId xmlns:a16="http://schemas.microsoft.com/office/drawing/2014/main" id="{F437DC18-F235-4588-BBC9-31299ECA7DF3}"/>
+              </a:ext>
+            </a:extLst>
+          </p:cNvPr>
+          <p:cNvSpPr txBox="1">
+            <a:spLocks/>
+          </p:cNvSpPr>
+          <p:nvPr/>
+        </p:nvSpPr>
+        <p:spPr>
+          <a:xfrm>
+            <a:off x="1261872" y="365760"/>
+            <a:ext cx="9692640" cy="777240"/>
+          </a:xfrm>
+          <a:prstGeom prst="rect">
+            <a:avLst/>
+          </a:prstGeom>
+        </p:spPr>
+        <p:txBody>
+          <a:bodyPr vert="horz" lIns="91440" tIns="45720" rIns="91440" bIns="45720" rtlCol="0" anchor="b">
+            <a:normAutofit/>
+          </a:bodyPr>
+          <a:lstStyle>
+            <a:lvl1pPr algn="l" defTabSz="914400" rtl="0" eaLnBrk="1" latinLnBrk="0" hangingPunct="1">
+              <a:lnSpc>
+                <a:spcPct val="90000"/>
+              </a:lnSpc>
+              <a:spcBef>
+                <a:spcPct val="0"/>
+              </a:spcBef>
+              <a:buNone/>
+              <a:defRPr sz="4400" kern="1200" spc="-50" baseline="0">
+                <a:solidFill>
+                  <a:schemeClr val="tx1"/>
+                </a:solidFill>
+                <a:latin typeface="+mj-lt"/>
+                <a:ea typeface="+mj-ea"/>
+                <a:cs typeface="+mj-cs"/>
+              </a:defRPr>
+            </a:lvl1pPr>
+          </a:lstStyle>
+          <a:p>
+            <a:r>
+              <a:rPr lang="en-US" dirty="0">
+                <a:latin typeface="Times New Roman" panose="02020603050405020304" pitchFamily="18" charset="0"/>
+              </a:rPr>
+              <a:t>Introduction &amp; Syllabus</a:t>
+            </a:r>
+          </a:p>
+        </p:txBody>
+      </p:sp>
+    </p:spTree>
+    <p:extLst>
+      <p:ext uri="{BB962C8B-B14F-4D97-AF65-F5344CB8AC3E}">
+        <p14:creationId xmlns:p14="http://schemas.microsoft.com/office/powerpoint/2010/main" val="2380405130"/>
+      </p:ext>
+    </p:extLst>
+  </p:cSld>
+  <p:clrMapOvr>
+    <a:masterClrMapping/>
+  </p:clrMapOvr>
+</p:sld>
+</file>
+
+<file path=ppt/slides/slide30.xml><?xml version="1.0" encoding="utf-8"?>
 <p:sld xmlns:a="http://schemas.openxmlformats.org/drawingml/2006/main" xmlns:r="http://schemas.openxmlformats.org/officeDocument/2006/relationships" xmlns:p="http://schemas.openxmlformats.org/presentationml/2006/main">
   <p:cSld>
     <p:spTree>
@@ -16440,7 +17155,7 @@
 </p:sld>
 </file>
 
-<file path=ppt/slides/slide3.xml><?xml version="1.0" encoding="utf-8"?>
+<file path=ppt/slides/slide31.xml><?xml version="1.0" encoding="utf-8"?>
 <p:sld xmlns:a="http://schemas.openxmlformats.org/drawingml/2006/main" xmlns:r="http://schemas.openxmlformats.org/officeDocument/2006/relationships" xmlns:p="http://schemas.openxmlformats.org/presentationml/2006/main">
   <p:cSld>
     <p:spTree>
@@ -16459,212 +17174,6 @@
       </p:grpSpPr>
       <p:sp>
         <p:nvSpPr>
-          <p:cNvPr id="4" name="Content Placeholder 3">
-            <a:extLst>
-              <a:ext uri="{FF2B5EF4-FFF2-40B4-BE49-F238E27FC236}">
-                <a16:creationId xmlns:a16="http://schemas.microsoft.com/office/drawing/2014/main" id="{AE68E5BA-C675-4302-ABDA-3EFDD6418FDE}"/>
-              </a:ext>
-            </a:extLst>
-          </p:cNvPr>
-          <p:cNvSpPr>
-            <a:spLocks noGrp="1"/>
-          </p:cNvSpPr>
-          <p:nvPr>
-            <p:ph idx="1"/>
-          </p:nvPr>
-        </p:nvSpPr>
-        <p:spPr>
-          <a:xfrm>
-            <a:off x="1371600" y="1219200"/>
-            <a:ext cx="10058400" cy="4960939"/>
-          </a:xfrm>
-        </p:spPr>
-        <p:txBody>
-          <a:bodyPr>
-            <a:normAutofit/>
-          </a:bodyPr>
-          <a:lstStyle/>
-          <a:p>
-            <a:pPr marL="0" indent="0">
-              <a:buNone/>
-            </a:pPr>
-            <a:r>
-              <a:rPr lang="en-US" sz="2400" b="1" dirty="0">
-                <a:solidFill>
-                  <a:srgbClr val="0070C0"/>
-                </a:solidFill>
-              </a:rPr>
-              <a:t>Booking office hours</a:t>
-            </a:r>
-            <a:r>
-              <a:rPr lang="en-US" sz="2400" dirty="0">
-                <a:solidFill>
-                  <a:srgbClr val="0070C0"/>
-                </a:solidFill>
-              </a:rPr>
-              <a:t>:</a:t>
-            </a:r>
-            <a:r>
-              <a:rPr lang="en-US" sz="2400" dirty="0"/>
-              <a:t> </a:t>
-            </a:r>
-            <a:r>
-              <a:rPr lang="en-US" sz="2400" u="sng" dirty="0">
-                <a:solidFill>
-                  <a:srgbClr val="0000FF"/>
-                </a:solidFill>
-                <a:latin typeface="Times New Roman" panose="02020603050405020304" pitchFamily="18" charset="0"/>
-                <a:ea typeface="Calibri" panose="020F0502020204030204" pitchFamily="34" charset="0"/>
-                <a:cs typeface="Times New Roman" panose="02020603050405020304" pitchFamily="18" charset="0"/>
-                <a:hlinkClick r:id="rId3"/>
-              </a:rPr>
-              <a:t>calendly.com/Hoagland-office-hours/had5744-2022f</a:t>
-            </a:r>
-            <a:endParaRPr lang="en-US" sz="2400" dirty="0"/>
-          </a:p>
-          <a:p>
-            <a:pPr lvl="1"/>
-            <a:r>
-              <a:rPr lang="en-US" sz="2400" dirty="0"/>
-              <a:t>In-person/Zoom: T/W/F: 10:00 to 11:00</a:t>
-            </a:r>
-          </a:p>
-          <a:p>
-            <a:pPr lvl="1"/>
-            <a:r>
-              <a:rPr lang="en-US" sz="2400" dirty="0"/>
-              <a:t>Note that Tuesdays are </a:t>
-            </a:r>
-            <a:r>
-              <a:rPr lang="en-US" sz="2400" b="1" dirty="0"/>
-              <a:t>by Zoom only</a:t>
-            </a:r>
-            <a:endParaRPr lang="en-US" sz="2400" dirty="0"/>
-          </a:p>
-          <a:p>
-            <a:pPr lvl="1"/>
-            <a:endParaRPr lang="en-US" sz="2400" dirty="0"/>
-          </a:p>
-        </p:txBody>
-      </p:sp>
-      <p:pic>
-        <p:nvPicPr>
-          <p:cNvPr id="7" name="Picture 6">
-            <a:extLst>
-              <a:ext uri="{FF2B5EF4-FFF2-40B4-BE49-F238E27FC236}">
-                <a16:creationId xmlns:a16="http://schemas.microsoft.com/office/drawing/2014/main" id="{FB85D007-138F-4044-AD8A-659E0889A7A9}"/>
-              </a:ext>
-            </a:extLst>
-          </p:cNvPr>
-          <p:cNvPicPr>
-            <a:picLocks noChangeAspect="1"/>
-          </p:cNvPicPr>
-          <p:nvPr/>
-        </p:nvPicPr>
-        <p:blipFill>
-          <a:blip r:embed="rId4"/>
-          <a:stretch>
-            <a:fillRect/>
-          </a:stretch>
-        </p:blipFill>
-        <p:spPr>
-          <a:xfrm>
-            <a:off x="1261872" y="2464814"/>
-            <a:ext cx="7348728" cy="4316986"/>
-          </a:xfrm>
-          <a:prstGeom prst="rect">
-            <a:avLst/>
-          </a:prstGeom>
-        </p:spPr>
-      </p:pic>
-      <p:sp>
-        <p:nvSpPr>
-          <p:cNvPr id="5" name="Title 1">
-            <a:extLst>
-              <a:ext uri="{FF2B5EF4-FFF2-40B4-BE49-F238E27FC236}">
-                <a16:creationId xmlns:a16="http://schemas.microsoft.com/office/drawing/2014/main" id="{F437DC18-F235-4588-BBC9-31299ECA7DF3}"/>
-              </a:ext>
-            </a:extLst>
-          </p:cNvPr>
-          <p:cNvSpPr txBox="1">
-            <a:spLocks/>
-          </p:cNvSpPr>
-          <p:nvPr/>
-        </p:nvSpPr>
-        <p:spPr>
-          <a:xfrm>
-            <a:off x="1261872" y="365760"/>
-            <a:ext cx="9692640" cy="777240"/>
-          </a:xfrm>
-          <a:prstGeom prst="rect">
-            <a:avLst/>
-          </a:prstGeom>
-        </p:spPr>
-        <p:txBody>
-          <a:bodyPr vert="horz" lIns="91440" tIns="45720" rIns="91440" bIns="45720" rtlCol="0" anchor="b">
-            <a:normAutofit/>
-          </a:bodyPr>
-          <a:lstStyle>
-            <a:lvl1pPr algn="l" defTabSz="914400" rtl="0" eaLnBrk="1" latinLnBrk="0" hangingPunct="1">
-              <a:lnSpc>
-                <a:spcPct val="90000"/>
-              </a:lnSpc>
-              <a:spcBef>
-                <a:spcPct val="0"/>
-              </a:spcBef>
-              <a:buNone/>
-              <a:defRPr sz="4400" kern="1200" spc="-50" baseline="0">
-                <a:solidFill>
-                  <a:schemeClr val="tx1"/>
-                </a:solidFill>
-                <a:latin typeface="+mj-lt"/>
-                <a:ea typeface="+mj-ea"/>
-                <a:cs typeface="+mj-cs"/>
-              </a:defRPr>
-            </a:lvl1pPr>
-          </a:lstStyle>
-          <a:p>
-            <a:r>
-              <a:rPr lang="en-US" dirty="0">
-                <a:latin typeface="Times New Roman" panose="02020603050405020304" pitchFamily="18" charset="0"/>
-              </a:rPr>
-              <a:t>Introduction &amp; Syllabus</a:t>
-            </a:r>
-          </a:p>
-        </p:txBody>
-      </p:sp>
-    </p:spTree>
-    <p:extLst>
-      <p:ext uri="{BB962C8B-B14F-4D97-AF65-F5344CB8AC3E}">
-        <p14:creationId xmlns:p14="http://schemas.microsoft.com/office/powerpoint/2010/main" val="2380405130"/>
-      </p:ext>
-    </p:extLst>
-  </p:cSld>
-  <p:clrMapOvr>
-    <a:masterClrMapping/>
-  </p:clrMapOvr>
-</p:sld>
-</file>
-
-<file path=ppt/slides/slide30.xml><?xml version="1.0" encoding="utf-8"?>
-<p:sld xmlns:a="http://schemas.openxmlformats.org/drawingml/2006/main" xmlns:r="http://schemas.openxmlformats.org/officeDocument/2006/relationships" xmlns:p="http://schemas.openxmlformats.org/presentationml/2006/main">
-  <p:cSld>
-    <p:spTree>
-      <p:nvGrpSpPr>
-        <p:cNvPr id="1" name=""/>
-        <p:cNvGrpSpPr/>
-        <p:nvPr/>
-      </p:nvGrpSpPr>
-      <p:grpSpPr>
-        <a:xfrm>
-          <a:off x="0" y="0"/>
-          <a:ext cx="0" cy="0"/>
-          <a:chOff x="0" y="0"/>
-          <a:chExt cx="0" cy="0"/>
-        </a:xfrm>
-      </p:grpSpPr>
-      <p:sp>
-        <p:nvSpPr>
           <p:cNvPr id="4" name="Title 3">
             <a:extLst>
               <a:ext uri="{FF2B5EF4-FFF2-40B4-BE49-F238E27FC236}">
@@ -16745,7 +17254,7 @@
 </p:sld>
 </file>
 
-<file path=ppt/slides/slide31.xml><?xml version="1.0" encoding="utf-8"?>
+<file path=ppt/slides/slide32.xml><?xml version="1.0" encoding="utf-8"?>
 <p:sld xmlns:a="http://schemas.openxmlformats.org/drawingml/2006/main" xmlns:r="http://schemas.openxmlformats.org/officeDocument/2006/relationships" xmlns:p="http://schemas.openxmlformats.org/presentationml/2006/main">
   <p:cSld>
     <p:spTree>
@@ -16986,7 +17495,7 @@
 </p:sld>
 </file>
 
-<file path=ppt/slides/slide32.xml><?xml version="1.0" encoding="utf-8"?>
+<file path=ppt/slides/slide33.xml><?xml version="1.0" encoding="utf-8"?>
 <p:sld xmlns:a="http://schemas.openxmlformats.org/drawingml/2006/main" xmlns:r="http://schemas.openxmlformats.org/officeDocument/2006/relationships" xmlns:p="http://schemas.openxmlformats.org/presentationml/2006/main">
   <p:cSld>
     <p:spTree>
@@ -17494,7 +18003,7 @@
 </p:sld>
 </file>
 
-<file path=ppt/slides/slide33.xml><?xml version="1.0" encoding="utf-8"?>
+<file path=ppt/slides/slide34.xml><?xml version="1.0" encoding="utf-8"?>
 <p:sld xmlns:a="http://schemas.openxmlformats.org/drawingml/2006/main" xmlns:r="http://schemas.openxmlformats.org/officeDocument/2006/relationships" xmlns:p="http://schemas.openxmlformats.org/presentationml/2006/main">
   <p:cSld>
     <p:spTree>
@@ -18039,7 +18548,7 @@
 </p:sld>
 </file>
 
-<file path=ppt/slides/slide34.xml><?xml version="1.0" encoding="utf-8"?>
+<file path=ppt/slides/slide35.xml><?xml version="1.0" encoding="utf-8"?>
 <p:sld xmlns:a="http://schemas.openxmlformats.org/drawingml/2006/main" xmlns:r="http://schemas.openxmlformats.org/officeDocument/2006/relationships" xmlns:p="http://schemas.openxmlformats.org/presentationml/2006/main">
   <p:cSld>
     <p:spTree>
@@ -18212,7 +18721,7 @@
 </p:sld>
 </file>
 
-<file path=ppt/slides/slide35.xml><?xml version="1.0" encoding="utf-8"?>
+<file path=ppt/slides/slide36.xml><?xml version="1.0" encoding="utf-8"?>
 <p:sld xmlns:a="http://schemas.openxmlformats.org/drawingml/2006/main" xmlns:r="http://schemas.openxmlformats.org/officeDocument/2006/relationships" xmlns:p="http://schemas.openxmlformats.org/presentationml/2006/main">
   <p:cSld>
     <p:bg>
@@ -18431,7 +18940,7 @@
 </p:sld>
 </file>
 
-<file path=ppt/slides/slide36.xml><?xml version="1.0" encoding="utf-8"?>
+<file path=ppt/slides/slide37.xml><?xml version="1.0" encoding="utf-8"?>
 <p:sld xmlns:a="http://schemas.openxmlformats.org/drawingml/2006/main" xmlns:r="http://schemas.openxmlformats.org/officeDocument/2006/relationships" xmlns:p="http://schemas.openxmlformats.org/presentationml/2006/main">
   <p:cSld>
     <p:spTree>
@@ -18607,7 +19116,7 @@
 </p:sld>
 </file>
 
-<file path=ppt/slides/slide37.xml><?xml version="1.0" encoding="utf-8"?>
+<file path=ppt/slides/slide38.xml><?xml version="1.0" encoding="utf-8"?>
 <p:sld xmlns:a="http://schemas.openxmlformats.org/drawingml/2006/main" xmlns:r="http://schemas.openxmlformats.org/officeDocument/2006/relationships" xmlns:p="http://schemas.openxmlformats.org/presentationml/2006/main">
   <p:cSld>
     <p:spTree>
@@ -19256,7 +19765,7 @@
 </p:sld>
 </file>
 
-<file path=ppt/slides/slide38.xml><?xml version="1.0" encoding="utf-8"?>
+<file path=ppt/slides/slide39.xml><?xml version="1.0" encoding="utf-8"?>
 <p:sld xmlns:a="http://schemas.openxmlformats.org/drawingml/2006/main" xmlns:r="http://schemas.openxmlformats.org/officeDocument/2006/relationships" xmlns:p="http://schemas.openxmlformats.org/presentationml/2006/main">
   <p:cSld>
     <p:spTree>
@@ -19671,7 +20180,193 @@
 </p:sld>
 </file>
 
-<file path=ppt/slides/slide39.xml><?xml version="1.0" encoding="utf-8"?>
+<file path=ppt/slides/slide4.xml><?xml version="1.0" encoding="utf-8"?>
+<p:sld xmlns:a="http://schemas.openxmlformats.org/drawingml/2006/main" xmlns:r="http://schemas.openxmlformats.org/officeDocument/2006/relationships" xmlns:p="http://schemas.openxmlformats.org/presentationml/2006/main">
+  <p:cSld>
+    <p:spTree>
+      <p:nvGrpSpPr>
+        <p:cNvPr id="1" name=""/>
+        <p:cNvGrpSpPr/>
+        <p:nvPr/>
+      </p:nvGrpSpPr>
+      <p:grpSpPr>
+        <a:xfrm>
+          <a:off x="0" y="0"/>
+          <a:ext cx="0" cy="0"/>
+          <a:chOff x="0" y="0"/>
+          <a:chExt cx="0" cy="0"/>
+        </a:xfrm>
+      </p:grpSpPr>
+      <p:sp>
+        <p:nvSpPr>
+          <p:cNvPr id="2" name="Title 1">
+            <a:extLst>
+              <a:ext uri="{FF2B5EF4-FFF2-40B4-BE49-F238E27FC236}">
+                <a16:creationId xmlns:a16="http://schemas.microsoft.com/office/drawing/2014/main" id="{E54BD568-A3DE-4D27-9652-A8CF021A9E7A}"/>
+              </a:ext>
+            </a:extLst>
+          </p:cNvPr>
+          <p:cNvSpPr>
+            <a:spLocks noGrp="1"/>
+          </p:cNvSpPr>
+          <p:nvPr>
+            <p:ph type="title"/>
+          </p:nvPr>
+        </p:nvSpPr>
+        <p:spPr>
+          <a:xfrm>
+            <a:off x="2470404" y="337710"/>
+            <a:ext cx="7269480" cy="1325562"/>
+          </a:xfrm>
+        </p:spPr>
+        <p:txBody>
+          <a:bodyPr/>
+          <a:lstStyle/>
+          <a:p>
+            <a:r>
+              <a:rPr lang="en-US" dirty="0"/>
+              <a:t> </a:t>
+            </a:r>
+          </a:p>
+        </p:txBody>
+      </p:sp>
+      <p:sp>
+        <p:nvSpPr>
+          <p:cNvPr id="4" name="Content Placeholder 3">
+            <a:extLst>
+              <a:ext uri="{FF2B5EF4-FFF2-40B4-BE49-F238E27FC236}">
+                <a16:creationId xmlns:a16="http://schemas.microsoft.com/office/drawing/2014/main" id="{AE68E5BA-C675-4302-ABDA-3EFDD6418FDE}"/>
+              </a:ext>
+            </a:extLst>
+          </p:cNvPr>
+          <p:cNvSpPr>
+            <a:spLocks noGrp="1"/>
+          </p:cNvSpPr>
+          <p:nvPr>
+            <p:ph idx="1"/>
+          </p:nvPr>
+        </p:nvSpPr>
+        <p:spPr>
+          <a:xfrm>
+            <a:off x="1261872" y="1219200"/>
+            <a:ext cx="9634728" cy="4960939"/>
+          </a:xfrm>
+        </p:spPr>
+        <p:txBody>
+          <a:bodyPr>
+            <a:normAutofit/>
+          </a:bodyPr>
+          <a:lstStyle/>
+          <a:p>
+            <a:r>
+              <a:rPr lang="en-US" sz="2400" dirty="0" err="1">
+                <a:cs typeface="Times New Roman" panose="02020603050405020304" pitchFamily="18" charset="0"/>
+                <a:hlinkClick r:id="rId3"/>
+              </a:rPr>
+              <a:t>Github</a:t>
+            </a:r>
+            <a:r>
+              <a:rPr lang="en-US" sz="2400" dirty="0">
+                <a:cs typeface="Times New Roman" panose="02020603050405020304" pitchFamily="18" charset="0"/>
+                <a:hlinkClick r:id="rId3"/>
+              </a:rPr>
+              <a:t> repo</a:t>
+            </a:r>
+            <a:endParaRPr lang="en-US" sz="2400" dirty="0">
+              <a:cs typeface="Times New Roman" panose="02020603050405020304" pitchFamily="18" charset="0"/>
+            </a:endParaRPr>
+          </a:p>
+          <a:p>
+            <a:pPr lvl="1"/>
+            <a:r>
+              <a:rPr lang="en-US" sz="2400" dirty="0">
+                <a:cs typeface="Times New Roman" panose="02020603050405020304" pitchFamily="18" charset="0"/>
+              </a:rPr>
+              <a:t>Contains all relevant course materials</a:t>
+            </a:r>
+          </a:p>
+          <a:p>
+            <a:pPr lvl="1"/>
+            <a:r>
+              <a:rPr lang="en-US" sz="2400" dirty="0">
+                <a:cs typeface="Times New Roman" panose="02020603050405020304" pitchFamily="18" charset="0"/>
+              </a:rPr>
+              <a:t>Readings, presentation options, some slides</a:t>
+            </a:r>
+            <a:endParaRPr lang="en-US" sz="2400" dirty="0"/>
+          </a:p>
+        </p:txBody>
+      </p:sp>
+      <p:sp>
+        <p:nvSpPr>
+          <p:cNvPr id="5" name="Title 1">
+            <a:extLst>
+              <a:ext uri="{FF2B5EF4-FFF2-40B4-BE49-F238E27FC236}">
+                <a16:creationId xmlns:a16="http://schemas.microsoft.com/office/drawing/2014/main" id="{9188A289-910E-45BF-9F49-22ADDCD09BA3}"/>
+              </a:ext>
+            </a:extLst>
+          </p:cNvPr>
+          <p:cNvSpPr txBox="1">
+            <a:spLocks/>
+          </p:cNvSpPr>
+          <p:nvPr/>
+        </p:nvSpPr>
+        <p:spPr>
+          <a:xfrm>
+            <a:off x="1261872" y="365760"/>
+            <a:ext cx="9692640" cy="777240"/>
+          </a:xfrm>
+          <a:prstGeom prst="rect">
+            <a:avLst/>
+          </a:prstGeom>
+        </p:spPr>
+        <p:txBody>
+          <a:bodyPr vert="horz" lIns="91440" tIns="45720" rIns="91440" bIns="45720" rtlCol="0" anchor="b">
+            <a:normAutofit/>
+          </a:bodyPr>
+          <a:lstStyle>
+            <a:lvl1pPr algn="l" defTabSz="914400" rtl="0" eaLnBrk="1" latinLnBrk="0" hangingPunct="1">
+              <a:lnSpc>
+                <a:spcPct val="90000"/>
+              </a:lnSpc>
+              <a:spcBef>
+                <a:spcPct val="0"/>
+              </a:spcBef>
+              <a:buNone/>
+              <a:defRPr sz="4400" kern="1200" spc="-50" baseline="0">
+                <a:solidFill>
+                  <a:schemeClr val="tx1"/>
+                </a:solidFill>
+                <a:latin typeface="+mj-lt"/>
+                <a:ea typeface="+mj-ea"/>
+                <a:cs typeface="+mj-cs"/>
+              </a:defRPr>
+            </a:lvl1pPr>
+          </a:lstStyle>
+          <a:p>
+            <a:r>
+              <a:rPr lang="en-US" dirty="0">
+                <a:latin typeface="Times New Roman" panose="02020603050405020304" pitchFamily="18" charset="0"/>
+              </a:rPr>
+              <a:t>Introduction &amp; Syllabus</a:t>
+            </a:r>
+          </a:p>
+        </p:txBody>
+      </p:sp>
+    </p:spTree>
+    <p:extLst>
+      <p:ext uri="{BB962C8B-B14F-4D97-AF65-F5344CB8AC3E}">
+        <p14:creationId xmlns:p14="http://schemas.microsoft.com/office/powerpoint/2010/main" val="2483131876"/>
+      </p:ext>
+    </p:extLst>
+  </p:cSld>
+  <p:clrMapOvr>
+    <a:masterClrMapping/>
+  </p:clrMapOvr>
+</p:sld>
+</file>
+
+<file path=ppt/slides/slide40.xml><?xml version="1.0" encoding="utf-8"?>
 <p:sld xmlns:a="http://schemas.openxmlformats.org/drawingml/2006/main" xmlns:r="http://schemas.openxmlformats.org/officeDocument/2006/relationships" xmlns:p="http://schemas.openxmlformats.org/presentationml/2006/main">
   <p:cSld>
     <p:spTree>
@@ -20463,193 +21158,7 @@
 </p:sld>
 </file>
 
-<file path=ppt/slides/slide4.xml><?xml version="1.0" encoding="utf-8"?>
-<p:sld xmlns:a="http://schemas.openxmlformats.org/drawingml/2006/main" xmlns:r="http://schemas.openxmlformats.org/officeDocument/2006/relationships" xmlns:p="http://schemas.openxmlformats.org/presentationml/2006/main">
-  <p:cSld>
-    <p:spTree>
-      <p:nvGrpSpPr>
-        <p:cNvPr id="1" name=""/>
-        <p:cNvGrpSpPr/>
-        <p:nvPr/>
-      </p:nvGrpSpPr>
-      <p:grpSpPr>
-        <a:xfrm>
-          <a:off x="0" y="0"/>
-          <a:ext cx="0" cy="0"/>
-          <a:chOff x="0" y="0"/>
-          <a:chExt cx="0" cy="0"/>
-        </a:xfrm>
-      </p:grpSpPr>
-      <p:sp>
-        <p:nvSpPr>
-          <p:cNvPr id="2" name="Title 1">
-            <a:extLst>
-              <a:ext uri="{FF2B5EF4-FFF2-40B4-BE49-F238E27FC236}">
-                <a16:creationId xmlns:a16="http://schemas.microsoft.com/office/drawing/2014/main" id="{E54BD568-A3DE-4D27-9652-A8CF021A9E7A}"/>
-              </a:ext>
-            </a:extLst>
-          </p:cNvPr>
-          <p:cNvSpPr>
-            <a:spLocks noGrp="1"/>
-          </p:cNvSpPr>
-          <p:nvPr>
-            <p:ph type="title"/>
-          </p:nvPr>
-        </p:nvSpPr>
-        <p:spPr>
-          <a:xfrm>
-            <a:off x="2470404" y="337710"/>
-            <a:ext cx="7269480" cy="1325562"/>
-          </a:xfrm>
-        </p:spPr>
-        <p:txBody>
-          <a:bodyPr/>
-          <a:lstStyle/>
-          <a:p>
-            <a:r>
-              <a:rPr lang="en-US" dirty="0"/>
-              <a:t> </a:t>
-            </a:r>
-          </a:p>
-        </p:txBody>
-      </p:sp>
-      <p:sp>
-        <p:nvSpPr>
-          <p:cNvPr id="4" name="Content Placeholder 3">
-            <a:extLst>
-              <a:ext uri="{FF2B5EF4-FFF2-40B4-BE49-F238E27FC236}">
-                <a16:creationId xmlns:a16="http://schemas.microsoft.com/office/drawing/2014/main" id="{AE68E5BA-C675-4302-ABDA-3EFDD6418FDE}"/>
-              </a:ext>
-            </a:extLst>
-          </p:cNvPr>
-          <p:cNvSpPr>
-            <a:spLocks noGrp="1"/>
-          </p:cNvSpPr>
-          <p:nvPr>
-            <p:ph idx="1"/>
-          </p:nvPr>
-        </p:nvSpPr>
-        <p:spPr>
-          <a:xfrm>
-            <a:off x="1261872" y="1219200"/>
-            <a:ext cx="9634728" cy="4960939"/>
-          </a:xfrm>
-        </p:spPr>
-        <p:txBody>
-          <a:bodyPr>
-            <a:normAutofit/>
-          </a:bodyPr>
-          <a:lstStyle/>
-          <a:p>
-            <a:r>
-              <a:rPr lang="en-US" sz="2400" dirty="0" err="1">
-                <a:cs typeface="Times New Roman" panose="02020603050405020304" pitchFamily="18" charset="0"/>
-                <a:hlinkClick r:id="rId3"/>
-              </a:rPr>
-              <a:t>Github</a:t>
-            </a:r>
-            <a:r>
-              <a:rPr lang="en-US" sz="2400" dirty="0">
-                <a:cs typeface="Times New Roman" panose="02020603050405020304" pitchFamily="18" charset="0"/>
-                <a:hlinkClick r:id="rId3"/>
-              </a:rPr>
-              <a:t> repo</a:t>
-            </a:r>
-            <a:endParaRPr lang="en-US" sz="2400" dirty="0">
-              <a:cs typeface="Times New Roman" panose="02020603050405020304" pitchFamily="18" charset="0"/>
-            </a:endParaRPr>
-          </a:p>
-          <a:p>
-            <a:pPr lvl="1"/>
-            <a:r>
-              <a:rPr lang="en-US" sz="2400" dirty="0">
-                <a:cs typeface="Times New Roman" panose="02020603050405020304" pitchFamily="18" charset="0"/>
-              </a:rPr>
-              <a:t>Contains all relevant course materials</a:t>
-            </a:r>
-          </a:p>
-          <a:p>
-            <a:pPr lvl="1"/>
-            <a:r>
-              <a:rPr lang="en-US" sz="2400" dirty="0">
-                <a:cs typeface="Times New Roman" panose="02020603050405020304" pitchFamily="18" charset="0"/>
-              </a:rPr>
-              <a:t>Readings, presentation options, some slides</a:t>
-            </a:r>
-            <a:endParaRPr lang="en-US" sz="2400" dirty="0"/>
-          </a:p>
-        </p:txBody>
-      </p:sp>
-      <p:sp>
-        <p:nvSpPr>
-          <p:cNvPr id="5" name="Title 1">
-            <a:extLst>
-              <a:ext uri="{FF2B5EF4-FFF2-40B4-BE49-F238E27FC236}">
-                <a16:creationId xmlns:a16="http://schemas.microsoft.com/office/drawing/2014/main" id="{9188A289-910E-45BF-9F49-22ADDCD09BA3}"/>
-              </a:ext>
-            </a:extLst>
-          </p:cNvPr>
-          <p:cNvSpPr txBox="1">
-            <a:spLocks/>
-          </p:cNvSpPr>
-          <p:nvPr/>
-        </p:nvSpPr>
-        <p:spPr>
-          <a:xfrm>
-            <a:off x="1261872" y="365760"/>
-            <a:ext cx="9692640" cy="777240"/>
-          </a:xfrm>
-          <a:prstGeom prst="rect">
-            <a:avLst/>
-          </a:prstGeom>
-        </p:spPr>
-        <p:txBody>
-          <a:bodyPr vert="horz" lIns="91440" tIns="45720" rIns="91440" bIns="45720" rtlCol="0" anchor="b">
-            <a:normAutofit/>
-          </a:bodyPr>
-          <a:lstStyle>
-            <a:lvl1pPr algn="l" defTabSz="914400" rtl="0" eaLnBrk="1" latinLnBrk="0" hangingPunct="1">
-              <a:lnSpc>
-                <a:spcPct val="90000"/>
-              </a:lnSpc>
-              <a:spcBef>
-                <a:spcPct val="0"/>
-              </a:spcBef>
-              <a:buNone/>
-              <a:defRPr sz="4400" kern="1200" spc="-50" baseline="0">
-                <a:solidFill>
-                  <a:schemeClr val="tx1"/>
-                </a:solidFill>
-                <a:latin typeface="+mj-lt"/>
-                <a:ea typeface="+mj-ea"/>
-                <a:cs typeface="+mj-cs"/>
-              </a:defRPr>
-            </a:lvl1pPr>
-          </a:lstStyle>
-          <a:p>
-            <a:r>
-              <a:rPr lang="en-US" dirty="0">
-                <a:latin typeface="Times New Roman" panose="02020603050405020304" pitchFamily="18" charset="0"/>
-              </a:rPr>
-              <a:t>Introduction &amp; Syllabus</a:t>
-            </a:r>
-          </a:p>
-        </p:txBody>
-      </p:sp>
-    </p:spTree>
-    <p:extLst>
-      <p:ext uri="{BB962C8B-B14F-4D97-AF65-F5344CB8AC3E}">
-        <p14:creationId xmlns:p14="http://schemas.microsoft.com/office/powerpoint/2010/main" val="2483131876"/>
-      </p:ext>
-    </p:extLst>
-  </p:cSld>
-  <p:clrMapOvr>
-    <a:masterClrMapping/>
-  </p:clrMapOvr>
-</p:sld>
-</file>
-
-<file path=ppt/slides/slide40.xml><?xml version="1.0" encoding="utf-8"?>
+<file path=ppt/slides/slide41.xml><?xml version="1.0" encoding="utf-8"?>
 <p:sld xmlns:a="http://schemas.openxmlformats.org/drawingml/2006/main" xmlns:r="http://schemas.openxmlformats.org/officeDocument/2006/relationships" xmlns:p="http://schemas.openxmlformats.org/presentationml/2006/main">
   <p:cSld>
     <p:spTree>
@@ -21597,7 +22106,7 @@
 </p:sld>
 </file>
 
-<file path=ppt/slides/slide41.xml><?xml version="1.0" encoding="utf-8"?>
+<file path=ppt/slides/slide42.xml><?xml version="1.0" encoding="utf-8"?>
 <p:sld xmlns:a="http://schemas.openxmlformats.org/drawingml/2006/main" xmlns:r="http://schemas.openxmlformats.org/officeDocument/2006/relationships" xmlns:p="http://schemas.openxmlformats.org/presentationml/2006/main">
   <p:cSld>
     <p:spTree>
@@ -22417,7 +22926,7 @@
 </p:sld>
 </file>
 
-<file path=ppt/slides/slide42.xml><?xml version="1.0" encoding="utf-8"?>
+<file path=ppt/slides/slide43.xml><?xml version="1.0" encoding="utf-8"?>
 <p:sld xmlns:a="http://schemas.openxmlformats.org/drawingml/2006/main" xmlns:r="http://schemas.openxmlformats.org/officeDocument/2006/relationships" xmlns:p="http://schemas.openxmlformats.org/presentationml/2006/main">
   <p:cSld>
     <p:spTree>
@@ -23731,7 +24240,7 @@
 </p:sld>
 </file>
 
-<file path=ppt/slides/slide43.xml><?xml version="1.0" encoding="utf-8"?>
+<file path=ppt/slides/slide44.xml><?xml version="1.0" encoding="utf-8"?>
 <p:sld xmlns:a="http://schemas.openxmlformats.org/drawingml/2006/main" xmlns:r="http://schemas.openxmlformats.org/officeDocument/2006/relationships" xmlns:p="http://schemas.openxmlformats.org/presentationml/2006/main">
   <p:cSld>
     <p:spTree>
@@ -24016,7 +24525,7 @@
 </p:sld>
 </file>
 
-<file path=ppt/slides/slide44.xml><?xml version="1.0" encoding="utf-8"?>
+<file path=ppt/slides/slide45.xml><?xml version="1.0" encoding="utf-8"?>
 <p:sld xmlns:a="http://schemas.openxmlformats.org/drawingml/2006/main" xmlns:r="http://schemas.openxmlformats.org/officeDocument/2006/relationships" xmlns:p="http://schemas.openxmlformats.org/presentationml/2006/main">
   <p:cSld>
     <p:spTree>
@@ -24457,7 +24966,7 @@
 </p:sld>
 </file>
 
-<file path=ppt/slides/slide45.xml><?xml version="1.0" encoding="utf-8"?>
+<file path=ppt/slides/slide46.xml><?xml version="1.0" encoding="utf-8"?>
 <p:sld xmlns:a="http://schemas.openxmlformats.org/drawingml/2006/main" xmlns:r="http://schemas.openxmlformats.org/officeDocument/2006/relationships" xmlns:p="http://schemas.openxmlformats.org/presentationml/2006/main">
   <p:cSld>
     <p:spTree>
@@ -24941,7 +25450,7 @@
 </p:sld>
 </file>
 
-<file path=ppt/slides/slide46.xml><?xml version="1.0" encoding="utf-8"?>
+<file path=ppt/slides/slide47.xml><?xml version="1.0" encoding="utf-8"?>
 <p:sld xmlns:a="http://schemas.openxmlformats.org/drawingml/2006/main" xmlns:r="http://schemas.openxmlformats.org/officeDocument/2006/relationships" xmlns:p="http://schemas.openxmlformats.org/presentationml/2006/main">
   <p:cSld>
     <p:spTree>
@@ -25793,7 +26302,7 @@
 </p:sld>
 </file>
 
-<file path=ppt/slides/slide47.xml><?xml version="1.0" encoding="utf-8"?>
+<file path=ppt/slides/slide48.xml><?xml version="1.0" encoding="utf-8"?>
 <p:sld xmlns:a="http://schemas.openxmlformats.org/drawingml/2006/main" xmlns:r="http://schemas.openxmlformats.org/officeDocument/2006/relationships" xmlns:p="http://schemas.openxmlformats.org/presentationml/2006/main">
   <p:cSld>
     <p:spTree>
@@ -25980,7 +26489,7 @@
 </p:sld>
 </file>
 
-<file path=ppt/slides/slide48.xml><?xml version="1.0" encoding="utf-8"?>
+<file path=ppt/slides/slide49.xml><?xml version="1.0" encoding="utf-8"?>
 <p:sld xmlns:a="http://schemas.openxmlformats.org/drawingml/2006/main" xmlns:r="http://schemas.openxmlformats.org/officeDocument/2006/relationships" xmlns:p="http://schemas.openxmlformats.org/presentationml/2006/main">
   <p:cSld>
     <p:spTree>
@@ -26688,7 +27197,211 @@
 </p:sld>
 </file>
 
-<file path=ppt/slides/slide49.xml><?xml version="1.0" encoding="utf-8"?>
+<file path=ppt/slides/slide5.xml><?xml version="1.0" encoding="utf-8"?>
+<p:sld xmlns:a="http://schemas.openxmlformats.org/drawingml/2006/main" xmlns:r="http://schemas.openxmlformats.org/officeDocument/2006/relationships" xmlns:p="http://schemas.openxmlformats.org/presentationml/2006/main">
+  <p:cSld>
+    <p:spTree>
+      <p:nvGrpSpPr>
+        <p:cNvPr id="1" name=""/>
+        <p:cNvGrpSpPr/>
+        <p:nvPr/>
+      </p:nvGrpSpPr>
+      <p:grpSpPr>
+        <a:xfrm>
+          <a:off x="0" y="0"/>
+          <a:ext cx="0" cy="0"/>
+          <a:chOff x="0" y="0"/>
+          <a:chExt cx="0" cy="0"/>
+        </a:xfrm>
+      </p:grpSpPr>
+      <p:sp>
+        <p:nvSpPr>
+          <p:cNvPr id="2" name="Title 1">
+            <a:extLst>
+              <a:ext uri="{FF2B5EF4-FFF2-40B4-BE49-F238E27FC236}">
+                <a16:creationId xmlns:a16="http://schemas.microsoft.com/office/drawing/2014/main" id="{E54BD568-A3DE-4D27-9652-A8CF021A9E7A}"/>
+              </a:ext>
+            </a:extLst>
+          </p:cNvPr>
+          <p:cNvSpPr>
+            <a:spLocks noGrp="1"/>
+          </p:cNvSpPr>
+          <p:nvPr>
+            <p:ph type="title"/>
+          </p:nvPr>
+        </p:nvSpPr>
+        <p:spPr>
+          <a:xfrm>
+            <a:off x="2470404" y="337710"/>
+            <a:ext cx="7269480" cy="1325562"/>
+          </a:xfrm>
+        </p:spPr>
+        <p:txBody>
+          <a:bodyPr/>
+          <a:lstStyle/>
+          <a:p>
+            <a:r>
+              <a:rPr lang="en-US" dirty="0"/>
+              <a:t> </a:t>
+            </a:r>
+          </a:p>
+        </p:txBody>
+      </p:sp>
+      <p:sp>
+        <p:nvSpPr>
+          <p:cNvPr id="4" name="Content Placeholder 3">
+            <a:extLst>
+              <a:ext uri="{FF2B5EF4-FFF2-40B4-BE49-F238E27FC236}">
+                <a16:creationId xmlns:a16="http://schemas.microsoft.com/office/drawing/2014/main" id="{AE68E5BA-C675-4302-ABDA-3EFDD6418FDE}"/>
+              </a:ext>
+            </a:extLst>
+          </p:cNvPr>
+          <p:cNvSpPr>
+            <a:spLocks noGrp="1"/>
+          </p:cNvSpPr>
+          <p:nvPr>
+            <p:ph idx="1"/>
+          </p:nvPr>
+        </p:nvSpPr>
+        <p:spPr>
+          <a:xfrm>
+            <a:off x="1261872" y="1219200"/>
+            <a:ext cx="9634728" cy="4960939"/>
+          </a:xfrm>
+        </p:spPr>
+        <p:txBody>
+          <a:bodyPr>
+            <a:normAutofit/>
+          </a:bodyPr>
+          <a:lstStyle/>
+          <a:p>
+            <a:r>
+              <a:rPr lang="en-US" sz="2400" dirty="0" err="1">
+                <a:cs typeface="Times New Roman" panose="02020603050405020304" pitchFamily="18" charset="0"/>
+                <a:hlinkClick r:id="rId3"/>
+              </a:rPr>
+              <a:t>Github</a:t>
+            </a:r>
+            <a:r>
+              <a:rPr lang="en-US" sz="2400" dirty="0">
+                <a:cs typeface="Times New Roman" panose="02020603050405020304" pitchFamily="18" charset="0"/>
+                <a:hlinkClick r:id="rId3"/>
+              </a:rPr>
+              <a:t> repo</a:t>
+            </a:r>
+            <a:endParaRPr lang="en-US" sz="2400" dirty="0">
+              <a:cs typeface="Times New Roman" panose="02020603050405020304" pitchFamily="18" charset="0"/>
+            </a:endParaRPr>
+          </a:p>
+          <a:p>
+            <a:pPr lvl="1"/>
+            <a:r>
+              <a:rPr lang="en-US" sz="2400" dirty="0">
+                <a:cs typeface="Times New Roman" panose="02020603050405020304" pitchFamily="18" charset="0"/>
+              </a:rPr>
+              <a:t>Contains all relevant course materials</a:t>
+            </a:r>
+          </a:p>
+          <a:p>
+            <a:pPr lvl="1"/>
+            <a:r>
+              <a:rPr lang="en-US" sz="2400" dirty="0">
+                <a:cs typeface="Times New Roman" panose="02020603050405020304" pitchFamily="18" charset="0"/>
+              </a:rPr>
+              <a:t>Readings, presentation options, some slides</a:t>
+            </a:r>
+          </a:p>
+          <a:p>
+            <a:pPr lvl="1"/>
+            <a:endParaRPr lang="en-US" sz="2400" dirty="0">
+              <a:cs typeface="Times New Roman" panose="02020603050405020304" pitchFamily="18" charset="0"/>
+            </a:endParaRPr>
+          </a:p>
+          <a:p>
+            <a:pPr marL="274320" lvl="1" indent="0">
+              <a:buNone/>
+            </a:pPr>
+            <a:r>
+              <a:rPr lang="en-US" sz="2400" b="1" dirty="0"/>
+              <a:t>Hypothesis for group annotation</a:t>
+            </a:r>
+            <a:r>
+              <a:rPr lang="en-US" sz="2400" dirty="0"/>
+              <a:t>: tutorial on Quercus</a:t>
+            </a:r>
+          </a:p>
+        </p:txBody>
+      </p:sp>
+      <p:sp>
+        <p:nvSpPr>
+          <p:cNvPr id="5" name="Title 1">
+            <a:extLst>
+              <a:ext uri="{FF2B5EF4-FFF2-40B4-BE49-F238E27FC236}">
+                <a16:creationId xmlns:a16="http://schemas.microsoft.com/office/drawing/2014/main" id="{9188A289-910E-45BF-9F49-22ADDCD09BA3}"/>
+              </a:ext>
+            </a:extLst>
+          </p:cNvPr>
+          <p:cNvSpPr txBox="1">
+            <a:spLocks/>
+          </p:cNvSpPr>
+          <p:nvPr/>
+        </p:nvSpPr>
+        <p:spPr>
+          <a:xfrm>
+            <a:off x="1261872" y="365760"/>
+            <a:ext cx="9692640" cy="777240"/>
+          </a:xfrm>
+          <a:prstGeom prst="rect">
+            <a:avLst/>
+          </a:prstGeom>
+        </p:spPr>
+        <p:txBody>
+          <a:bodyPr vert="horz" lIns="91440" tIns="45720" rIns="91440" bIns="45720" rtlCol="0" anchor="b">
+            <a:normAutofit/>
+          </a:bodyPr>
+          <a:lstStyle>
+            <a:lvl1pPr algn="l" defTabSz="914400" rtl="0" eaLnBrk="1" latinLnBrk="0" hangingPunct="1">
+              <a:lnSpc>
+                <a:spcPct val="90000"/>
+              </a:lnSpc>
+              <a:spcBef>
+                <a:spcPct val="0"/>
+              </a:spcBef>
+              <a:buNone/>
+              <a:defRPr sz="4400" kern="1200" spc="-50" baseline="0">
+                <a:solidFill>
+                  <a:schemeClr val="tx1"/>
+                </a:solidFill>
+                <a:latin typeface="+mj-lt"/>
+                <a:ea typeface="+mj-ea"/>
+                <a:cs typeface="+mj-cs"/>
+              </a:defRPr>
+            </a:lvl1pPr>
+          </a:lstStyle>
+          <a:p>
+            <a:r>
+              <a:rPr lang="en-US" dirty="0">
+                <a:latin typeface="Times New Roman" panose="02020603050405020304" pitchFamily="18" charset="0"/>
+              </a:rPr>
+              <a:t>Introduction &amp; Syllabus</a:t>
+            </a:r>
+          </a:p>
+        </p:txBody>
+      </p:sp>
+    </p:spTree>
+    <p:extLst>
+      <p:ext uri="{BB962C8B-B14F-4D97-AF65-F5344CB8AC3E}">
+        <p14:creationId xmlns:p14="http://schemas.microsoft.com/office/powerpoint/2010/main" val="285837284"/>
+      </p:ext>
+    </p:extLst>
+  </p:cSld>
+  <p:clrMapOvr>
+    <a:masterClrMapping/>
+  </p:clrMapOvr>
+</p:sld>
+</file>
+
+<file path=ppt/slides/slide50.xml><?xml version="1.0" encoding="utf-8"?>
 <p:sld xmlns:a="http://schemas.openxmlformats.org/drawingml/2006/main" xmlns:r="http://schemas.openxmlformats.org/officeDocument/2006/relationships" xmlns:p="http://schemas.openxmlformats.org/presentationml/2006/main">
   <p:cSld>
     <p:spTree>
@@ -27604,279 +28317,7 @@
 </p:sld>
 </file>
 
-<file path=ppt/slides/slide5.xml><?xml version="1.0" encoding="utf-8"?>
-<p:sld xmlns:a="http://schemas.openxmlformats.org/drawingml/2006/main" xmlns:r="http://schemas.openxmlformats.org/officeDocument/2006/relationships" xmlns:p="http://schemas.openxmlformats.org/presentationml/2006/main">
-  <p:cSld>
-    <p:spTree>
-      <p:nvGrpSpPr>
-        <p:cNvPr id="1" name=""/>
-        <p:cNvGrpSpPr/>
-        <p:nvPr/>
-      </p:nvGrpSpPr>
-      <p:grpSpPr>
-        <a:xfrm>
-          <a:off x="0" y="0"/>
-          <a:ext cx="0" cy="0"/>
-          <a:chOff x="0" y="0"/>
-          <a:chExt cx="0" cy="0"/>
-        </a:xfrm>
-      </p:grpSpPr>
-      <p:sp>
-        <p:nvSpPr>
-          <p:cNvPr id="4" name="Content Placeholder 3">
-            <a:extLst>
-              <a:ext uri="{FF2B5EF4-FFF2-40B4-BE49-F238E27FC236}">
-                <a16:creationId xmlns:a16="http://schemas.microsoft.com/office/drawing/2014/main" id="{AE68E5BA-C675-4302-ABDA-3EFDD6418FDE}"/>
-              </a:ext>
-            </a:extLst>
-          </p:cNvPr>
-          <p:cNvSpPr>
-            <a:spLocks noGrp="1"/>
-          </p:cNvSpPr>
-          <p:nvPr>
-            <p:ph idx="1"/>
-          </p:nvPr>
-        </p:nvSpPr>
-        <p:spPr>
-          <a:xfrm>
-            <a:off x="1295400" y="1295400"/>
-            <a:ext cx="9753600" cy="4884739"/>
-          </a:xfrm>
-        </p:spPr>
-        <p:txBody>
-          <a:bodyPr>
-            <a:normAutofit/>
-          </a:bodyPr>
-          <a:lstStyle/>
-          <a:p>
-            <a:pPr marL="0" indent="0" algn="just">
-              <a:spcBef>
-                <a:spcPts val="0"/>
-              </a:spcBef>
-              <a:spcAft>
-                <a:spcPts val="0"/>
-              </a:spcAft>
-              <a:buNone/>
-            </a:pPr>
-            <a:r>
-              <a:rPr lang="en-US" sz="2400" b="1" dirty="0">
-                <a:solidFill>
-                  <a:srgbClr val="0070C0"/>
-                </a:solidFill>
-                <a:effectLst/>
-                <a:latin typeface="Times New Roman" panose="02020603050405020304" pitchFamily="18" charset="0"/>
-                <a:ea typeface="Calibri" panose="020F0502020204030204" pitchFamily="34" charset="0"/>
-                <a:cs typeface="Times New Roman" panose="02020603050405020304" pitchFamily="18" charset="0"/>
-              </a:rPr>
-              <a:t>Evaluation</a:t>
-            </a:r>
-            <a:r>
-              <a:rPr lang="en-US" sz="2400" b="1" spc="-25" dirty="0">
-                <a:solidFill>
-                  <a:srgbClr val="0070C0"/>
-                </a:solidFill>
-                <a:latin typeface="Times New Roman" panose="02020603050405020304" pitchFamily="18" charset="0"/>
-                <a:ea typeface="Calibri" panose="020F0502020204030204" pitchFamily="34" charset="0"/>
-                <a:cs typeface="Times New Roman" panose="02020603050405020304" pitchFamily="18" charset="0"/>
-              </a:rPr>
-              <a:t> </a:t>
-            </a:r>
-            <a:r>
-              <a:rPr lang="en-US" sz="2400" b="1" dirty="0">
-                <a:solidFill>
-                  <a:srgbClr val="0070C0"/>
-                </a:solidFill>
-                <a:effectLst/>
-                <a:latin typeface="Times New Roman" panose="02020603050405020304" pitchFamily="18" charset="0"/>
-                <a:ea typeface="Calibri" panose="020F0502020204030204" pitchFamily="34" charset="0"/>
-                <a:cs typeface="Times New Roman" panose="02020603050405020304" pitchFamily="18" charset="0"/>
-              </a:rPr>
-              <a:t>Criteria</a:t>
-            </a:r>
-          </a:p>
-          <a:p>
-            <a:pPr marL="457200" indent="-457200" algn="just">
-              <a:spcBef>
-                <a:spcPts val="0"/>
-              </a:spcBef>
-              <a:spcAft>
-                <a:spcPts val="0"/>
-              </a:spcAft>
-              <a:buFont typeface="+mj-lt"/>
-              <a:buAutoNum type="arabicPeriod"/>
-            </a:pPr>
-            <a:r>
-              <a:rPr lang="en-US" sz="2400" dirty="0">
-                <a:effectLst/>
-                <a:latin typeface="Times New Roman" panose="02020603050405020304" pitchFamily="18" charset="0"/>
-                <a:ea typeface="Calibri" panose="020F0502020204030204" pitchFamily="34" charset="0"/>
-                <a:cs typeface="Times New Roman" panose="02020603050405020304" pitchFamily="18" charset="0"/>
-              </a:rPr>
-              <a:t>Presentation: 1 presentation, worth 30% of the final grade</a:t>
-            </a:r>
-          </a:p>
-          <a:p>
-            <a:pPr marL="457200" indent="-457200" algn="just">
-              <a:spcBef>
-                <a:spcPts val="0"/>
-              </a:spcBef>
-              <a:spcAft>
-                <a:spcPts val="0"/>
-              </a:spcAft>
-              <a:buFont typeface="+mj-lt"/>
-              <a:buAutoNum type="arabicPeriod"/>
-            </a:pPr>
-            <a:r>
-              <a:rPr lang="en-US" sz="2400" dirty="0">
-                <a:effectLst/>
-                <a:latin typeface="Times New Roman" panose="02020603050405020304" pitchFamily="18" charset="0"/>
-                <a:ea typeface="Calibri" panose="020F0502020204030204" pitchFamily="34" charset="0"/>
-                <a:cs typeface="Times New Roman" panose="02020603050405020304" pitchFamily="18" charset="0"/>
-              </a:rPr>
-              <a:t>Referee Report: 1 referee report, worth 20% of the final grade </a:t>
-            </a:r>
-          </a:p>
-          <a:p>
-            <a:pPr marL="457200" indent="-457200" algn="just">
-              <a:spcBef>
-                <a:spcPts val="0"/>
-              </a:spcBef>
-              <a:spcAft>
-                <a:spcPts val="0"/>
-              </a:spcAft>
-              <a:buFont typeface="+mj-lt"/>
-              <a:buAutoNum type="arabicPeriod"/>
-            </a:pPr>
-            <a:r>
-              <a:rPr lang="en-US" sz="2400" dirty="0">
-                <a:effectLst/>
-                <a:latin typeface="Times New Roman" panose="02020603050405020304" pitchFamily="18" charset="0"/>
-                <a:ea typeface="Calibri" panose="020F0502020204030204" pitchFamily="34" charset="0"/>
-                <a:cs typeface="Times New Roman" panose="02020603050405020304" pitchFamily="18" charset="0"/>
-              </a:rPr>
-              <a:t>Paper Proposal: worth 50% of the final grade. </a:t>
-            </a:r>
-          </a:p>
-          <a:p>
-            <a:pPr marL="0" indent="0" algn="just">
-              <a:spcBef>
-                <a:spcPts val="0"/>
-              </a:spcBef>
-              <a:spcAft>
-                <a:spcPts val="0"/>
-              </a:spcAft>
-              <a:buNone/>
-            </a:pPr>
-            <a:endParaRPr lang="en-US" sz="2400" dirty="0">
-              <a:solidFill>
-                <a:srgbClr val="0070C0"/>
-              </a:solidFill>
-              <a:effectLst/>
-              <a:latin typeface="Times New Roman" panose="02020603050405020304" pitchFamily="18" charset="0"/>
-              <a:ea typeface="Calibri" panose="020F0502020204030204" pitchFamily="34" charset="0"/>
-              <a:cs typeface="Times New Roman" panose="02020603050405020304" pitchFamily="18" charset="0"/>
-            </a:endParaRPr>
-          </a:p>
-        </p:txBody>
-      </p:sp>
-      <p:sp>
-        <p:nvSpPr>
-          <p:cNvPr id="5" name="Title 1">
-            <a:extLst>
-              <a:ext uri="{FF2B5EF4-FFF2-40B4-BE49-F238E27FC236}">
-                <a16:creationId xmlns:a16="http://schemas.microsoft.com/office/drawing/2014/main" id="{2CBDD2D1-2055-4095-B24C-4E07449F80A0}"/>
-              </a:ext>
-            </a:extLst>
-          </p:cNvPr>
-          <p:cNvSpPr txBox="1">
-            <a:spLocks/>
-          </p:cNvSpPr>
-          <p:nvPr/>
-        </p:nvSpPr>
-        <p:spPr>
-          <a:xfrm>
-            <a:off x="1261872" y="365760"/>
-            <a:ext cx="9692640" cy="777240"/>
-          </a:xfrm>
-          <a:prstGeom prst="rect">
-            <a:avLst/>
-          </a:prstGeom>
-        </p:spPr>
-        <p:txBody>
-          <a:bodyPr vert="horz" lIns="91440" tIns="45720" rIns="91440" bIns="45720" rtlCol="0" anchor="b">
-            <a:normAutofit/>
-          </a:bodyPr>
-          <a:lstStyle>
-            <a:lvl1pPr algn="l" defTabSz="914400" rtl="0" eaLnBrk="1" latinLnBrk="0" hangingPunct="1">
-              <a:lnSpc>
-                <a:spcPct val="90000"/>
-              </a:lnSpc>
-              <a:spcBef>
-                <a:spcPct val="0"/>
-              </a:spcBef>
-              <a:buNone/>
-              <a:defRPr sz="4400" kern="1200" spc="-50" baseline="0">
-                <a:solidFill>
-                  <a:schemeClr val="tx1"/>
-                </a:solidFill>
-                <a:latin typeface="+mj-lt"/>
-                <a:ea typeface="+mj-ea"/>
-                <a:cs typeface="+mj-cs"/>
-              </a:defRPr>
-            </a:lvl1pPr>
-          </a:lstStyle>
-          <a:p>
-            <a:r>
-              <a:rPr lang="en-US" dirty="0">
-                <a:latin typeface="Times New Roman" panose="02020603050405020304" pitchFamily="18" charset="0"/>
-              </a:rPr>
-              <a:t>Introduction &amp; Syllabus</a:t>
-            </a:r>
-          </a:p>
-        </p:txBody>
-      </p:sp>
-      <p:sp>
-        <p:nvSpPr>
-          <p:cNvPr id="6" name="Title 5">
-            <a:extLst>
-              <a:ext uri="{FF2B5EF4-FFF2-40B4-BE49-F238E27FC236}">
-                <a16:creationId xmlns:a16="http://schemas.microsoft.com/office/drawing/2014/main" id="{7A268CAC-145E-4B1C-89BC-11BEB5C46CAA}"/>
-              </a:ext>
-            </a:extLst>
-          </p:cNvPr>
-          <p:cNvSpPr>
-            <a:spLocks noGrp="1"/>
-          </p:cNvSpPr>
-          <p:nvPr>
-            <p:ph type="title"/>
-          </p:nvPr>
-        </p:nvSpPr>
-        <p:spPr/>
-        <p:txBody>
-          <a:bodyPr/>
-          <a:lstStyle/>
-          <a:p>
-            <a:r>
-              <a:rPr lang="en-US" dirty="0"/>
-              <a:t> </a:t>
-            </a:r>
-          </a:p>
-        </p:txBody>
-      </p:sp>
-    </p:spTree>
-    <p:extLst>
-      <p:ext uri="{BB962C8B-B14F-4D97-AF65-F5344CB8AC3E}">
-        <p14:creationId xmlns:p14="http://schemas.microsoft.com/office/powerpoint/2010/main" val="3234649230"/>
-      </p:ext>
-    </p:extLst>
-  </p:cSld>
-  <p:clrMapOvr>
-    <a:masterClrMapping/>
-  </p:clrMapOvr>
-</p:sld>
-</file>
-
-<file path=ppt/slides/slide50.xml><?xml version="1.0" encoding="utf-8"?>
+<file path=ppt/slides/slide51.xml><?xml version="1.0" encoding="utf-8"?>
 <p:sld xmlns:a="http://schemas.openxmlformats.org/drawingml/2006/main" xmlns:r="http://schemas.openxmlformats.org/officeDocument/2006/relationships" xmlns:p="http://schemas.openxmlformats.org/presentationml/2006/main">
   <p:cSld>
     <p:spTree>
@@ -28282,7 +28723,7 @@
 </p:sld>
 </file>
 
-<file path=ppt/slides/slide51.xml><?xml version="1.0" encoding="utf-8"?>
+<file path=ppt/slides/slide52.xml><?xml version="1.0" encoding="utf-8"?>
 <p:sld xmlns:a="http://schemas.openxmlformats.org/drawingml/2006/main" xmlns:r="http://schemas.openxmlformats.org/officeDocument/2006/relationships" xmlns:p="http://schemas.openxmlformats.org/presentationml/2006/main">
   <p:cSld>
     <p:spTree>
@@ -28411,7 +28852,7 @@
 </p:sld>
 </file>
 
-<file path=ppt/slides/slide52.xml><?xml version="1.0" encoding="utf-8"?>
+<file path=ppt/slides/slide53.xml><?xml version="1.0" encoding="utf-8"?>
 <p:sld xmlns:a="http://schemas.openxmlformats.org/drawingml/2006/main" xmlns:r="http://schemas.openxmlformats.org/officeDocument/2006/relationships" xmlns:p="http://schemas.openxmlformats.org/presentationml/2006/main">
   <p:cSld>
     <p:spTree>
@@ -28630,7 +29071,7 @@
 </p:sld>
 </file>
 
-<file path=ppt/slides/slide53.xml><?xml version="1.0" encoding="utf-8"?>
+<file path=ppt/slides/slide54.xml><?xml version="1.0" encoding="utf-8"?>
 <p:sld xmlns:a="http://schemas.openxmlformats.org/drawingml/2006/main" xmlns:r="http://schemas.openxmlformats.org/officeDocument/2006/relationships" xmlns:p="http://schemas.openxmlformats.org/presentationml/2006/main">
   <p:cSld>
     <p:spTree>
@@ -29023,7 +29464,7 @@
 </p:sld>
 </file>
 
-<file path=ppt/slides/slide54.xml><?xml version="1.0" encoding="utf-8"?>
+<file path=ppt/slides/slide55.xml><?xml version="1.0" encoding="utf-8"?>
 <p:sld xmlns:a="http://schemas.openxmlformats.org/drawingml/2006/main" xmlns:r="http://schemas.openxmlformats.org/officeDocument/2006/relationships" xmlns:p="http://schemas.openxmlformats.org/presentationml/2006/main">
   <p:cSld>
     <p:spTree>
@@ -29486,7 +29927,7 @@
 </p:sld>
 </file>
 
-<file path=ppt/slides/slide55.xml><?xml version="1.0" encoding="utf-8"?>
+<file path=ppt/slides/slide56.xml><?xml version="1.0" encoding="utf-8"?>
 <p:sld xmlns:a="http://schemas.openxmlformats.org/drawingml/2006/main" xmlns:r="http://schemas.openxmlformats.org/officeDocument/2006/relationships" xmlns:p="http://schemas.openxmlformats.org/presentationml/2006/main">
   <p:cSld>
     <p:spTree>
@@ -29812,7 +30253,7 @@
 </p:sld>
 </file>
 
-<file path=ppt/slides/slide56.xml><?xml version="1.0" encoding="utf-8"?>
+<file path=ppt/slides/slide57.xml><?xml version="1.0" encoding="utf-8"?>
 <p:sld xmlns:a="http://schemas.openxmlformats.org/drawingml/2006/main" xmlns:r="http://schemas.openxmlformats.org/officeDocument/2006/relationships" xmlns:p="http://schemas.openxmlformats.org/presentationml/2006/main">
   <p:cSld>
     <p:spTree>
@@ -30274,7 +30715,7 @@
 </p:sld>
 </file>
 
-<file path=ppt/slides/slide57.xml><?xml version="1.0" encoding="utf-8"?>
+<file path=ppt/slides/slide58.xml><?xml version="1.0" encoding="utf-8"?>
 <p:sld xmlns:a="http://schemas.openxmlformats.org/drawingml/2006/main" xmlns:r="http://schemas.openxmlformats.org/officeDocument/2006/relationships" xmlns:p="http://schemas.openxmlformats.org/presentationml/2006/main">
   <p:cSld>
     <p:spTree>
@@ -30880,7 +31321,7 @@
 </p:sld>
 </file>
 
-<file path=ppt/slides/slide58.xml><?xml version="1.0" encoding="utf-8"?>
+<file path=ppt/slides/slide59.xml><?xml version="1.0" encoding="utf-8"?>
 <p:sld xmlns:a="http://schemas.openxmlformats.org/drawingml/2006/main" xmlns:r="http://schemas.openxmlformats.org/officeDocument/2006/relationships" xmlns:p="http://schemas.openxmlformats.org/presentationml/2006/main">
   <p:cSld>
     <p:spTree>
@@ -30975,7 +31416,279 @@
 </p:sld>
 </file>
 
-<file path=ppt/slides/slide59.xml><?xml version="1.0" encoding="utf-8"?>
+<file path=ppt/slides/slide6.xml><?xml version="1.0" encoding="utf-8"?>
+<p:sld xmlns:a="http://schemas.openxmlformats.org/drawingml/2006/main" xmlns:r="http://schemas.openxmlformats.org/officeDocument/2006/relationships" xmlns:p="http://schemas.openxmlformats.org/presentationml/2006/main">
+  <p:cSld>
+    <p:spTree>
+      <p:nvGrpSpPr>
+        <p:cNvPr id="1" name=""/>
+        <p:cNvGrpSpPr/>
+        <p:nvPr/>
+      </p:nvGrpSpPr>
+      <p:grpSpPr>
+        <a:xfrm>
+          <a:off x="0" y="0"/>
+          <a:ext cx="0" cy="0"/>
+          <a:chOff x="0" y="0"/>
+          <a:chExt cx="0" cy="0"/>
+        </a:xfrm>
+      </p:grpSpPr>
+      <p:sp>
+        <p:nvSpPr>
+          <p:cNvPr id="4" name="Content Placeholder 3">
+            <a:extLst>
+              <a:ext uri="{FF2B5EF4-FFF2-40B4-BE49-F238E27FC236}">
+                <a16:creationId xmlns:a16="http://schemas.microsoft.com/office/drawing/2014/main" id="{AE68E5BA-C675-4302-ABDA-3EFDD6418FDE}"/>
+              </a:ext>
+            </a:extLst>
+          </p:cNvPr>
+          <p:cNvSpPr>
+            <a:spLocks noGrp="1"/>
+          </p:cNvSpPr>
+          <p:nvPr>
+            <p:ph idx="1"/>
+          </p:nvPr>
+        </p:nvSpPr>
+        <p:spPr>
+          <a:xfrm>
+            <a:off x="1295400" y="1295400"/>
+            <a:ext cx="9753600" cy="4884739"/>
+          </a:xfrm>
+        </p:spPr>
+        <p:txBody>
+          <a:bodyPr>
+            <a:normAutofit/>
+          </a:bodyPr>
+          <a:lstStyle/>
+          <a:p>
+            <a:pPr marL="0" indent="0" algn="just">
+              <a:spcBef>
+                <a:spcPts val="0"/>
+              </a:spcBef>
+              <a:spcAft>
+                <a:spcPts val="0"/>
+              </a:spcAft>
+              <a:buNone/>
+            </a:pPr>
+            <a:r>
+              <a:rPr lang="en-US" sz="2400" b="1" dirty="0">
+                <a:solidFill>
+                  <a:srgbClr val="0070C0"/>
+                </a:solidFill>
+                <a:effectLst/>
+                <a:latin typeface="Times New Roman" panose="02020603050405020304" pitchFamily="18" charset="0"/>
+                <a:ea typeface="Calibri" panose="020F0502020204030204" pitchFamily="34" charset="0"/>
+                <a:cs typeface="Times New Roman" panose="02020603050405020304" pitchFamily="18" charset="0"/>
+              </a:rPr>
+              <a:t>Evaluation</a:t>
+            </a:r>
+            <a:r>
+              <a:rPr lang="en-US" sz="2400" b="1" spc="-25" dirty="0">
+                <a:solidFill>
+                  <a:srgbClr val="0070C0"/>
+                </a:solidFill>
+                <a:latin typeface="Times New Roman" panose="02020603050405020304" pitchFamily="18" charset="0"/>
+                <a:ea typeface="Calibri" panose="020F0502020204030204" pitchFamily="34" charset="0"/>
+                <a:cs typeface="Times New Roman" panose="02020603050405020304" pitchFamily="18" charset="0"/>
+              </a:rPr>
+              <a:t> </a:t>
+            </a:r>
+            <a:r>
+              <a:rPr lang="en-US" sz="2400" b="1" dirty="0">
+                <a:solidFill>
+                  <a:srgbClr val="0070C0"/>
+                </a:solidFill>
+                <a:effectLst/>
+                <a:latin typeface="Times New Roman" panose="02020603050405020304" pitchFamily="18" charset="0"/>
+                <a:ea typeface="Calibri" panose="020F0502020204030204" pitchFamily="34" charset="0"/>
+                <a:cs typeface="Times New Roman" panose="02020603050405020304" pitchFamily="18" charset="0"/>
+              </a:rPr>
+              <a:t>Criteria</a:t>
+            </a:r>
+          </a:p>
+          <a:p>
+            <a:pPr marL="457200" indent="-457200" algn="just">
+              <a:spcBef>
+                <a:spcPts val="0"/>
+              </a:spcBef>
+              <a:spcAft>
+                <a:spcPts val="0"/>
+              </a:spcAft>
+              <a:buFont typeface="+mj-lt"/>
+              <a:buAutoNum type="arabicPeriod"/>
+            </a:pPr>
+            <a:r>
+              <a:rPr lang="en-US" sz="2400" dirty="0">
+                <a:effectLst/>
+                <a:latin typeface="Times New Roman" panose="02020603050405020304" pitchFamily="18" charset="0"/>
+                <a:ea typeface="Calibri" panose="020F0502020204030204" pitchFamily="34" charset="0"/>
+                <a:cs typeface="Times New Roman" panose="02020603050405020304" pitchFamily="18" charset="0"/>
+              </a:rPr>
+              <a:t>Presentation: 1 presentation, worth 30% of the final grade</a:t>
+            </a:r>
+          </a:p>
+          <a:p>
+            <a:pPr marL="457200" indent="-457200" algn="just">
+              <a:spcBef>
+                <a:spcPts val="0"/>
+              </a:spcBef>
+              <a:spcAft>
+                <a:spcPts val="0"/>
+              </a:spcAft>
+              <a:buFont typeface="+mj-lt"/>
+              <a:buAutoNum type="arabicPeriod"/>
+            </a:pPr>
+            <a:r>
+              <a:rPr lang="en-US" sz="2400" dirty="0">
+                <a:effectLst/>
+                <a:latin typeface="Times New Roman" panose="02020603050405020304" pitchFamily="18" charset="0"/>
+                <a:ea typeface="Calibri" panose="020F0502020204030204" pitchFamily="34" charset="0"/>
+                <a:cs typeface="Times New Roman" panose="02020603050405020304" pitchFamily="18" charset="0"/>
+              </a:rPr>
+              <a:t>Referee Report: 1 referee report, worth 20% of the final grade </a:t>
+            </a:r>
+          </a:p>
+          <a:p>
+            <a:pPr marL="457200" indent="-457200" algn="just">
+              <a:spcBef>
+                <a:spcPts val="0"/>
+              </a:spcBef>
+              <a:spcAft>
+                <a:spcPts val="0"/>
+              </a:spcAft>
+              <a:buFont typeface="+mj-lt"/>
+              <a:buAutoNum type="arabicPeriod"/>
+            </a:pPr>
+            <a:r>
+              <a:rPr lang="en-US" sz="2400" dirty="0">
+                <a:effectLst/>
+                <a:latin typeface="Times New Roman" panose="02020603050405020304" pitchFamily="18" charset="0"/>
+                <a:ea typeface="Calibri" panose="020F0502020204030204" pitchFamily="34" charset="0"/>
+                <a:cs typeface="Times New Roman" panose="02020603050405020304" pitchFamily="18" charset="0"/>
+              </a:rPr>
+              <a:t>Paper Proposal: worth 50% of the final grade. </a:t>
+            </a:r>
+          </a:p>
+          <a:p>
+            <a:pPr marL="0" indent="0" algn="just">
+              <a:spcBef>
+                <a:spcPts val="0"/>
+              </a:spcBef>
+              <a:spcAft>
+                <a:spcPts val="0"/>
+              </a:spcAft>
+              <a:buNone/>
+            </a:pPr>
+            <a:endParaRPr lang="en-US" sz="2400" dirty="0">
+              <a:solidFill>
+                <a:srgbClr val="0070C0"/>
+              </a:solidFill>
+              <a:effectLst/>
+              <a:latin typeface="Times New Roman" panose="02020603050405020304" pitchFamily="18" charset="0"/>
+              <a:ea typeface="Calibri" panose="020F0502020204030204" pitchFamily="34" charset="0"/>
+              <a:cs typeface="Times New Roman" panose="02020603050405020304" pitchFamily="18" charset="0"/>
+            </a:endParaRPr>
+          </a:p>
+        </p:txBody>
+      </p:sp>
+      <p:sp>
+        <p:nvSpPr>
+          <p:cNvPr id="5" name="Title 1">
+            <a:extLst>
+              <a:ext uri="{FF2B5EF4-FFF2-40B4-BE49-F238E27FC236}">
+                <a16:creationId xmlns:a16="http://schemas.microsoft.com/office/drawing/2014/main" id="{2CBDD2D1-2055-4095-B24C-4E07449F80A0}"/>
+              </a:ext>
+            </a:extLst>
+          </p:cNvPr>
+          <p:cNvSpPr txBox="1">
+            <a:spLocks/>
+          </p:cNvSpPr>
+          <p:nvPr/>
+        </p:nvSpPr>
+        <p:spPr>
+          <a:xfrm>
+            <a:off x="1261872" y="365760"/>
+            <a:ext cx="9692640" cy="777240"/>
+          </a:xfrm>
+          <a:prstGeom prst="rect">
+            <a:avLst/>
+          </a:prstGeom>
+        </p:spPr>
+        <p:txBody>
+          <a:bodyPr vert="horz" lIns="91440" tIns="45720" rIns="91440" bIns="45720" rtlCol="0" anchor="b">
+            <a:normAutofit/>
+          </a:bodyPr>
+          <a:lstStyle>
+            <a:lvl1pPr algn="l" defTabSz="914400" rtl="0" eaLnBrk="1" latinLnBrk="0" hangingPunct="1">
+              <a:lnSpc>
+                <a:spcPct val="90000"/>
+              </a:lnSpc>
+              <a:spcBef>
+                <a:spcPct val="0"/>
+              </a:spcBef>
+              <a:buNone/>
+              <a:defRPr sz="4400" kern="1200" spc="-50" baseline="0">
+                <a:solidFill>
+                  <a:schemeClr val="tx1"/>
+                </a:solidFill>
+                <a:latin typeface="+mj-lt"/>
+                <a:ea typeface="+mj-ea"/>
+                <a:cs typeface="+mj-cs"/>
+              </a:defRPr>
+            </a:lvl1pPr>
+          </a:lstStyle>
+          <a:p>
+            <a:r>
+              <a:rPr lang="en-US" dirty="0">
+                <a:latin typeface="Times New Roman" panose="02020603050405020304" pitchFamily="18" charset="0"/>
+              </a:rPr>
+              <a:t>Introduction &amp; Syllabus</a:t>
+            </a:r>
+          </a:p>
+        </p:txBody>
+      </p:sp>
+      <p:sp>
+        <p:nvSpPr>
+          <p:cNvPr id="6" name="Title 5">
+            <a:extLst>
+              <a:ext uri="{FF2B5EF4-FFF2-40B4-BE49-F238E27FC236}">
+                <a16:creationId xmlns:a16="http://schemas.microsoft.com/office/drawing/2014/main" id="{7A268CAC-145E-4B1C-89BC-11BEB5C46CAA}"/>
+              </a:ext>
+            </a:extLst>
+          </p:cNvPr>
+          <p:cNvSpPr>
+            <a:spLocks noGrp="1"/>
+          </p:cNvSpPr>
+          <p:nvPr>
+            <p:ph type="title"/>
+          </p:nvPr>
+        </p:nvSpPr>
+        <p:spPr/>
+        <p:txBody>
+          <a:bodyPr/>
+          <a:lstStyle/>
+          <a:p>
+            <a:r>
+              <a:rPr lang="en-US" dirty="0"/>
+              <a:t> </a:t>
+            </a:r>
+          </a:p>
+        </p:txBody>
+      </p:sp>
+    </p:spTree>
+    <p:extLst>
+      <p:ext uri="{BB962C8B-B14F-4D97-AF65-F5344CB8AC3E}">
+        <p14:creationId xmlns:p14="http://schemas.microsoft.com/office/powerpoint/2010/main" val="3234649230"/>
+      </p:ext>
+    </p:extLst>
+  </p:cSld>
+  <p:clrMapOvr>
+    <a:masterClrMapping/>
+  </p:clrMapOvr>
+</p:sld>
+</file>
+
+<file path=ppt/slides/slide60.xml><?xml version="1.0" encoding="utf-8"?>
 <p:sld xmlns:a="http://schemas.openxmlformats.org/drawingml/2006/main" xmlns:r="http://schemas.openxmlformats.org/officeDocument/2006/relationships" xmlns:p="http://schemas.openxmlformats.org/presentationml/2006/main">
   <p:cSld>
     <p:spTree>
@@ -31352,468 +32065,7 @@
 </p:sld>
 </file>
 
-<file path=ppt/slides/slide6.xml><?xml version="1.0" encoding="utf-8"?>
-<p:sld xmlns:a="http://schemas.openxmlformats.org/drawingml/2006/main" xmlns:r="http://schemas.openxmlformats.org/officeDocument/2006/relationships" xmlns:p="http://schemas.openxmlformats.org/presentationml/2006/main">
-  <p:cSld>
-    <p:spTree>
-      <p:nvGrpSpPr>
-        <p:cNvPr id="1" name=""/>
-        <p:cNvGrpSpPr/>
-        <p:nvPr/>
-      </p:nvGrpSpPr>
-      <p:grpSpPr>
-        <a:xfrm>
-          <a:off x="0" y="0"/>
-          <a:ext cx="0" cy="0"/>
-          <a:chOff x="0" y="0"/>
-          <a:chExt cx="0" cy="0"/>
-        </a:xfrm>
-      </p:grpSpPr>
-      <p:sp>
-        <p:nvSpPr>
-          <p:cNvPr id="4" name="Content Placeholder 3">
-            <a:extLst>
-              <a:ext uri="{FF2B5EF4-FFF2-40B4-BE49-F238E27FC236}">
-                <a16:creationId xmlns:a16="http://schemas.microsoft.com/office/drawing/2014/main" id="{AE68E5BA-C675-4302-ABDA-3EFDD6418FDE}"/>
-              </a:ext>
-            </a:extLst>
-          </p:cNvPr>
-          <p:cNvSpPr>
-            <a:spLocks noGrp="1"/>
-          </p:cNvSpPr>
-          <p:nvPr>
-            <p:ph idx="1"/>
-          </p:nvPr>
-        </p:nvSpPr>
-        <p:spPr>
-          <a:xfrm>
-            <a:off x="1295400" y="1295400"/>
-            <a:ext cx="9753600" cy="4884739"/>
-          </a:xfrm>
-        </p:spPr>
-        <p:txBody>
-          <a:bodyPr>
-            <a:normAutofit/>
-          </a:bodyPr>
-          <a:lstStyle/>
-          <a:p>
-            <a:pPr marL="0" indent="0" algn="just">
-              <a:spcBef>
-                <a:spcPts val="0"/>
-              </a:spcBef>
-              <a:spcAft>
-                <a:spcPts val="0"/>
-              </a:spcAft>
-              <a:buNone/>
-            </a:pPr>
-            <a:r>
-              <a:rPr lang="en-US" sz="2400" b="1" dirty="0">
-                <a:solidFill>
-                  <a:srgbClr val="0070C0"/>
-                </a:solidFill>
-                <a:effectLst/>
-                <a:latin typeface="Times New Roman" panose="02020603050405020304" pitchFamily="18" charset="0"/>
-                <a:ea typeface="Calibri" panose="020F0502020204030204" pitchFamily="34" charset="0"/>
-                <a:cs typeface="Times New Roman" panose="02020603050405020304" pitchFamily="18" charset="0"/>
-              </a:rPr>
-              <a:t>Evaluation</a:t>
-            </a:r>
-            <a:r>
-              <a:rPr lang="en-US" sz="2400" b="1" spc="-25" dirty="0">
-                <a:solidFill>
-                  <a:srgbClr val="0070C0"/>
-                </a:solidFill>
-                <a:latin typeface="Times New Roman" panose="02020603050405020304" pitchFamily="18" charset="0"/>
-                <a:ea typeface="Calibri" panose="020F0502020204030204" pitchFamily="34" charset="0"/>
-                <a:cs typeface="Times New Roman" panose="02020603050405020304" pitchFamily="18" charset="0"/>
-              </a:rPr>
-              <a:t> </a:t>
-            </a:r>
-            <a:r>
-              <a:rPr lang="en-US" sz="2400" b="1" dirty="0">
-                <a:solidFill>
-                  <a:srgbClr val="0070C0"/>
-                </a:solidFill>
-                <a:effectLst/>
-                <a:latin typeface="Times New Roman" panose="02020603050405020304" pitchFamily="18" charset="0"/>
-                <a:ea typeface="Calibri" panose="020F0502020204030204" pitchFamily="34" charset="0"/>
-                <a:cs typeface="Times New Roman" panose="02020603050405020304" pitchFamily="18" charset="0"/>
-              </a:rPr>
-              <a:t>Criteria</a:t>
-            </a:r>
-          </a:p>
-          <a:p>
-            <a:pPr marL="457200" indent="-457200" algn="just">
-              <a:spcBef>
-                <a:spcPts val="0"/>
-              </a:spcBef>
-              <a:spcAft>
-                <a:spcPts val="0"/>
-              </a:spcAft>
-              <a:buFont typeface="+mj-lt"/>
-              <a:buAutoNum type="arabicPeriod"/>
-            </a:pPr>
-            <a:r>
-              <a:rPr lang="en-US" sz="2400" b="1" dirty="0">
-                <a:solidFill>
-                  <a:srgbClr val="0070C0"/>
-                </a:solidFill>
-                <a:effectLst/>
-                <a:latin typeface="Times New Roman" panose="02020603050405020304" pitchFamily="18" charset="0"/>
-                <a:ea typeface="Calibri" panose="020F0502020204030204" pitchFamily="34" charset="0"/>
-                <a:cs typeface="Times New Roman" panose="02020603050405020304" pitchFamily="18" charset="0"/>
-              </a:rPr>
-              <a:t>Presentation</a:t>
-            </a:r>
-            <a:r>
-              <a:rPr lang="en-US" sz="2400" dirty="0">
-                <a:effectLst/>
-                <a:latin typeface="Times New Roman" panose="02020603050405020304" pitchFamily="18" charset="0"/>
-                <a:ea typeface="Calibri" panose="020F0502020204030204" pitchFamily="34" charset="0"/>
-                <a:cs typeface="Times New Roman" panose="02020603050405020304" pitchFamily="18" charset="0"/>
-              </a:rPr>
-              <a:t>: 1 presentation, worth 30% of the final grade</a:t>
-            </a:r>
-          </a:p>
-          <a:p>
-            <a:pPr lvl="2" algn="just">
-              <a:spcBef>
-                <a:spcPts val="0"/>
-              </a:spcBef>
-              <a:spcAft>
-                <a:spcPts val="0"/>
-              </a:spcAft>
-            </a:pPr>
-            <a:r>
-              <a:rPr lang="en-US" sz="2200" dirty="0">
-                <a:ea typeface="Times New Roman" panose="02020603050405020304" pitchFamily="18" charset="0"/>
-              </a:rPr>
-              <a:t>Options for papers are on syllabus/GitHub </a:t>
-            </a:r>
-          </a:p>
-          <a:p>
-            <a:pPr lvl="2" algn="just">
-              <a:spcBef>
-                <a:spcPts val="0"/>
-              </a:spcBef>
-              <a:spcAft>
-                <a:spcPts val="0"/>
-              </a:spcAft>
-            </a:pPr>
-            <a:r>
-              <a:rPr lang="en-US" sz="2200" b="1" dirty="0">
-                <a:effectLst/>
-                <a:latin typeface="Times New Roman" panose="02020603050405020304" pitchFamily="18" charset="0"/>
-                <a:ea typeface="Times New Roman" panose="02020603050405020304" pitchFamily="18" charset="0"/>
-              </a:rPr>
-              <a:t>The topics you choose for the presentation and referee report should be different. </a:t>
-            </a:r>
-          </a:p>
-          <a:p>
-            <a:pPr lvl="2" algn="just">
-              <a:spcBef>
-                <a:spcPts val="0"/>
-              </a:spcBef>
-              <a:spcAft>
-                <a:spcPts val="0"/>
-              </a:spcAft>
-            </a:pPr>
-            <a:r>
-              <a:rPr lang="en-US" sz="2200" b="1" dirty="0">
-                <a:ea typeface="Times New Roman" panose="02020603050405020304" pitchFamily="18" charset="0"/>
-              </a:rPr>
-              <a:t>20–30-minute presentation </a:t>
-            </a:r>
-            <a:r>
-              <a:rPr lang="en-US" sz="2200" dirty="0">
-                <a:ea typeface="Times New Roman" panose="02020603050405020304" pitchFamily="18" charset="0"/>
-              </a:rPr>
-              <a:t>(15 slides max): </a:t>
-            </a:r>
-          </a:p>
-          <a:p>
-            <a:pPr marL="822960" lvl="3" indent="0" algn="just">
-              <a:spcBef>
-                <a:spcPts val="0"/>
-              </a:spcBef>
-              <a:spcAft>
-                <a:spcPts val="0"/>
-              </a:spcAft>
-              <a:buNone/>
-            </a:pPr>
-            <a:r>
-              <a:rPr lang="en-US" sz="2200" dirty="0">
-                <a:effectLst/>
-                <a:latin typeface="Times New Roman" panose="02020603050405020304" pitchFamily="18" charset="0"/>
-                <a:ea typeface="Times New Roman" panose="02020603050405020304" pitchFamily="18" charset="0"/>
-              </a:rPr>
-              <a:t>1. Motivation</a:t>
-            </a:r>
-          </a:p>
-          <a:p>
-            <a:pPr marL="822960" lvl="3" indent="0" algn="just">
-              <a:spcBef>
-                <a:spcPts val="0"/>
-              </a:spcBef>
-              <a:spcAft>
-                <a:spcPts val="0"/>
-              </a:spcAft>
-              <a:buNone/>
-            </a:pPr>
-            <a:r>
-              <a:rPr lang="en-US" sz="2200" dirty="0">
-                <a:ea typeface="Times New Roman" panose="02020603050405020304" pitchFamily="18" charset="0"/>
-              </a:rPr>
-              <a:t>2. Contribution</a:t>
-            </a:r>
-          </a:p>
-          <a:p>
-            <a:pPr marL="822960" lvl="3" indent="0" algn="just">
-              <a:spcBef>
-                <a:spcPts val="0"/>
-              </a:spcBef>
-              <a:spcAft>
-                <a:spcPts val="0"/>
-              </a:spcAft>
-              <a:buNone/>
-            </a:pPr>
-            <a:r>
-              <a:rPr lang="en-US" sz="2200" dirty="0">
-                <a:effectLst/>
-                <a:latin typeface="Times New Roman" panose="02020603050405020304" pitchFamily="18" charset="0"/>
-                <a:ea typeface="Times New Roman" panose="02020603050405020304" pitchFamily="18" charset="0"/>
-              </a:rPr>
-              <a:t>3. Walk-through of the model (focus 1)</a:t>
-            </a:r>
-          </a:p>
-          <a:p>
-            <a:pPr marL="822960" lvl="3" indent="0" algn="just">
-              <a:spcBef>
-                <a:spcPts val="0"/>
-              </a:spcBef>
-              <a:spcAft>
-                <a:spcPts val="0"/>
-              </a:spcAft>
-              <a:buNone/>
-            </a:pPr>
-            <a:r>
-              <a:rPr lang="en-US" sz="2200" dirty="0">
-                <a:ea typeface="Times New Roman" panose="02020603050405020304" pitchFamily="18" charset="0"/>
-              </a:rPr>
-              <a:t>4. S</a:t>
-            </a:r>
-            <a:r>
-              <a:rPr lang="en-US" sz="2200" dirty="0">
-                <a:effectLst/>
-                <a:latin typeface="Times New Roman" panose="02020603050405020304" pitchFamily="18" charset="0"/>
-                <a:ea typeface="Times New Roman" panose="02020603050405020304" pitchFamily="18" charset="0"/>
-              </a:rPr>
-              <a:t>ummary of any empirical analyses or additional findings</a:t>
-            </a:r>
-          </a:p>
-          <a:p>
-            <a:pPr marL="822960" lvl="3" indent="0" algn="just">
-              <a:spcBef>
-                <a:spcPts val="0"/>
-              </a:spcBef>
-              <a:spcAft>
-                <a:spcPts val="0"/>
-              </a:spcAft>
-              <a:buNone/>
-            </a:pPr>
-            <a:r>
-              <a:rPr lang="en-US" sz="2200" dirty="0">
-                <a:ea typeface="Times New Roman" panose="02020603050405020304" pitchFamily="18" charset="0"/>
-              </a:rPr>
-              <a:t>5. Your </a:t>
-            </a:r>
-            <a:r>
-              <a:rPr lang="en-US" sz="2200" dirty="0">
-                <a:effectLst/>
-                <a:latin typeface="Times New Roman" panose="02020603050405020304" pitchFamily="18" charset="0"/>
-                <a:ea typeface="Times New Roman" panose="02020603050405020304" pitchFamily="18" charset="0"/>
-              </a:rPr>
-              <a:t>own thoughts on the paper’s strengths and weaknesses (focus 2).</a:t>
-            </a:r>
-          </a:p>
-          <a:p>
-            <a:pPr lvl="2" algn="just">
-              <a:spcBef>
-                <a:spcPts val="0"/>
-              </a:spcBef>
-              <a:spcAft>
-                <a:spcPts val="0"/>
-              </a:spcAft>
-            </a:pPr>
-            <a:r>
-              <a:rPr lang="en-US" sz="2200" b="1" dirty="0">
-                <a:effectLst/>
-                <a:latin typeface="Times New Roman" panose="02020603050405020304" pitchFamily="18" charset="0"/>
-                <a:ea typeface="Times New Roman" panose="02020603050405020304" pitchFamily="18" charset="0"/>
-              </a:rPr>
-              <a:t>Presentations will be given on the day the topic is covered in class.</a:t>
-            </a:r>
-          </a:p>
-          <a:p>
-            <a:pPr marL="548640" lvl="2" indent="0" algn="just">
-              <a:spcBef>
-                <a:spcPts val="0"/>
-              </a:spcBef>
-              <a:spcAft>
-                <a:spcPts val="0"/>
-              </a:spcAft>
-              <a:buNone/>
-            </a:pPr>
-            <a:endParaRPr lang="en-US" sz="2200" b="1" dirty="0">
-              <a:solidFill>
-                <a:srgbClr val="0070C0"/>
-              </a:solidFill>
-              <a:ea typeface="Calibri" panose="020F0502020204030204" pitchFamily="34" charset="0"/>
-              <a:cs typeface="Times New Roman" panose="02020603050405020304" pitchFamily="18" charset="0"/>
-            </a:endParaRPr>
-          </a:p>
-          <a:p>
-            <a:pPr marL="548640" lvl="2" indent="0" algn="just">
-              <a:spcBef>
-                <a:spcPts val="0"/>
-              </a:spcBef>
-              <a:spcAft>
-                <a:spcPts val="0"/>
-              </a:spcAft>
-              <a:buNone/>
-            </a:pPr>
-            <a:r>
-              <a:rPr lang="en-US" sz="2200" b="1" dirty="0">
-                <a:solidFill>
-                  <a:schemeClr val="tx1"/>
-                </a:solidFill>
-                <a:ea typeface="Calibri" panose="020F0502020204030204" pitchFamily="34" charset="0"/>
-                <a:cs typeface="Times New Roman" panose="02020603050405020304" pitchFamily="18" charset="0"/>
-              </a:rPr>
-              <a:t>If you haven’t already, </a:t>
-            </a:r>
-            <a:r>
-              <a:rPr lang="en-US" sz="2200" b="1" dirty="0">
-                <a:solidFill>
-                  <a:srgbClr val="0070C0"/>
-                </a:solidFill>
-                <a:ea typeface="Calibri" panose="020F0502020204030204" pitchFamily="34" charset="0"/>
-                <a:cs typeface="Times New Roman" panose="02020603050405020304" pitchFamily="18" charset="0"/>
-                <a:hlinkClick r:id="rId3"/>
-              </a:rPr>
-              <a:t>please tell me what you’d like to present</a:t>
-            </a:r>
-            <a:r>
-              <a:rPr lang="en-US" sz="2200" b="1" dirty="0">
-                <a:solidFill>
-                  <a:srgbClr val="0070C0"/>
-                </a:solidFill>
-                <a:ea typeface="Calibri" panose="020F0502020204030204" pitchFamily="34" charset="0"/>
-                <a:cs typeface="Times New Roman" panose="02020603050405020304" pitchFamily="18" charset="0"/>
-              </a:rPr>
-              <a:t>!</a:t>
-            </a:r>
-          </a:p>
-        </p:txBody>
-      </p:sp>
-      <p:sp>
-        <p:nvSpPr>
-          <p:cNvPr id="5" name="Title 1">
-            <a:extLst>
-              <a:ext uri="{FF2B5EF4-FFF2-40B4-BE49-F238E27FC236}">
-                <a16:creationId xmlns:a16="http://schemas.microsoft.com/office/drawing/2014/main" id="{2CBDD2D1-2055-4095-B24C-4E07449F80A0}"/>
-              </a:ext>
-            </a:extLst>
-          </p:cNvPr>
-          <p:cNvSpPr txBox="1">
-            <a:spLocks/>
-          </p:cNvSpPr>
-          <p:nvPr/>
-        </p:nvSpPr>
-        <p:spPr>
-          <a:xfrm>
-            <a:off x="1261872" y="365760"/>
-            <a:ext cx="9692640" cy="777240"/>
-          </a:xfrm>
-          <a:prstGeom prst="rect">
-            <a:avLst/>
-          </a:prstGeom>
-        </p:spPr>
-        <p:txBody>
-          <a:bodyPr vert="horz" lIns="91440" tIns="45720" rIns="91440" bIns="45720" rtlCol="0" anchor="b">
-            <a:normAutofit/>
-          </a:bodyPr>
-          <a:lstStyle>
-            <a:lvl1pPr algn="l" defTabSz="914400" rtl="0" eaLnBrk="1" latinLnBrk="0" hangingPunct="1">
-              <a:lnSpc>
-                <a:spcPct val="90000"/>
-              </a:lnSpc>
-              <a:spcBef>
-                <a:spcPct val="0"/>
-              </a:spcBef>
-              <a:buNone/>
-              <a:defRPr sz="4400" kern="1200" spc="-50" baseline="0">
-                <a:solidFill>
-                  <a:schemeClr val="tx1"/>
-                </a:solidFill>
-                <a:latin typeface="+mj-lt"/>
-                <a:ea typeface="+mj-ea"/>
-                <a:cs typeface="+mj-cs"/>
-              </a:defRPr>
-            </a:lvl1pPr>
-          </a:lstStyle>
-          <a:p>
-            <a:r>
-              <a:rPr lang="en-US" dirty="0">
-                <a:latin typeface="Times New Roman" panose="02020603050405020304" pitchFamily="18" charset="0"/>
-              </a:rPr>
-              <a:t>Introduction &amp; Syllabus</a:t>
-            </a:r>
-          </a:p>
-        </p:txBody>
-      </p:sp>
-      <p:sp>
-        <p:nvSpPr>
-          <p:cNvPr id="6" name="Title 5">
-            <a:extLst>
-              <a:ext uri="{FF2B5EF4-FFF2-40B4-BE49-F238E27FC236}">
-                <a16:creationId xmlns:a16="http://schemas.microsoft.com/office/drawing/2014/main" id="{7A268CAC-145E-4B1C-89BC-11BEB5C46CAA}"/>
-              </a:ext>
-            </a:extLst>
-          </p:cNvPr>
-          <p:cNvSpPr>
-            <a:spLocks noGrp="1"/>
-          </p:cNvSpPr>
-          <p:nvPr>
-            <p:ph type="title"/>
-          </p:nvPr>
-        </p:nvSpPr>
-        <p:spPr/>
-        <p:txBody>
-          <a:bodyPr/>
-          <a:lstStyle/>
-          <a:p>
-            <a:r>
-              <a:rPr lang="en-US" dirty="0"/>
-              <a:t> </a:t>
-            </a:r>
-          </a:p>
-        </p:txBody>
-      </p:sp>
-    </p:spTree>
-    <p:extLst>
-      <p:ext uri="{BB962C8B-B14F-4D97-AF65-F5344CB8AC3E}">
-        <p14:creationId xmlns:p14="http://schemas.microsoft.com/office/powerpoint/2010/main" val="1465969048"/>
-      </p:ext>
-    </p:extLst>
-  </p:cSld>
-  <p:clrMapOvr>
-    <a:masterClrMapping/>
-  </p:clrMapOvr>
-</p:sld>
-</file>
-
-<file path=ppt/slides/slide60.xml><?xml version="1.0" encoding="utf-8"?>
+<file path=ppt/slides/slide61.xml><?xml version="1.0" encoding="utf-8"?>
 <p:sld xmlns:a="http://schemas.openxmlformats.org/drawingml/2006/main" xmlns:r="http://schemas.openxmlformats.org/officeDocument/2006/relationships" xmlns:p="http://schemas.openxmlformats.org/presentationml/2006/main">
   <p:cSld>
     <p:spTree>
@@ -32055,7 +32307,7 @@
 </p:sld>
 </file>
 
-<file path=ppt/slides/slide61.xml><?xml version="1.0" encoding="utf-8"?>
+<file path=ppt/slides/slide62.xml><?xml version="1.0" encoding="utf-8"?>
 <p:sld xmlns:a="http://schemas.openxmlformats.org/drawingml/2006/main" xmlns:r="http://schemas.openxmlformats.org/officeDocument/2006/relationships" xmlns:p="http://schemas.openxmlformats.org/presentationml/2006/main">
   <p:cSld>
     <p:spTree>
@@ -32799,7 +33051,7 @@
 </p:sld>
 </file>
 
-<file path=ppt/slides/slide62.xml><?xml version="1.0" encoding="utf-8"?>
+<file path=ppt/slides/slide63.xml><?xml version="1.0" encoding="utf-8"?>
 <p:sld xmlns:a="http://schemas.openxmlformats.org/drawingml/2006/main" xmlns:r="http://schemas.openxmlformats.org/officeDocument/2006/relationships" xmlns:p="http://schemas.openxmlformats.org/presentationml/2006/main">
   <p:cSld>
     <p:spTree>
@@ -33985,7 +34237,7 @@
 </p:sld>
 </file>
 
-<file path=ppt/slides/slide63.xml><?xml version="1.0" encoding="utf-8"?>
+<file path=ppt/slides/slide64.xml><?xml version="1.0" encoding="utf-8"?>
 <p:sld xmlns:a="http://schemas.openxmlformats.org/drawingml/2006/main" xmlns:r="http://schemas.openxmlformats.org/officeDocument/2006/relationships" xmlns:p="http://schemas.openxmlformats.org/presentationml/2006/main">
   <p:cSld>
     <p:spTree>
@@ -35006,7 +35258,7 @@
 </p:sld>
 </file>
 
-<file path=ppt/slides/slide64.xml><?xml version="1.0" encoding="utf-8"?>
+<file path=ppt/slides/slide65.xml><?xml version="1.0" encoding="utf-8"?>
 <p:sld xmlns:a="http://schemas.openxmlformats.org/drawingml/2006/main" xmlns:r="http://schemas.openxmlformats.org/officeDocument/2006/relationships" xmlns:p="http://schemas.openxmlformats.org/presentationml/2006/main">
   <p:cSld>
     <p:spTree>
@@ -35948,7 +36200,7 @@
 </p:sld>
 </file>
 
-<file path=ppt/slides/slide65.xml><?xml version="1.0" encoding="utf-8"?>
+<file path=ppt/slides/slide66.xml><?xml version="1.0" encoding="utf-8"?>
 <p:sld xmlns:a="http://schemas.openxmlformats.org/drawingml/2006/main" xmlns:r="http://schemas.openxmlformats.org/officeDocument/2006/relationships" xmlns:p="http://schemas.openxmlformats.org/presentationml/2006/main">
   <p:cSld>
     <p:spTree>
@@ -37102,7 +37354,7 @@
 </p:sld>
 </file>
 
-<file path=ppt/slides/slide66.xml><?xml version="1.0" encoding="utf-8"?>
+<file path=ppt/slides/slide67.xml><?xml version="1.0" encoding="utf-8"?>
 <p:sld xmlns:a="http://schemas.openxmlformats.org/drawingml/2006/main" xmlns:r="http://schemas.openxmlformats.org/officeDocument/2006/relationships" xmlns:p="http://schemas.openxmlformats.org/presentationml/2006/main">
   <p:cSld>
     <p:spTree>
@@ -37429,7 +37681,7 @@
 </p:sld>
 </file>
 
-<file path=ppt/slides/slide67.xml><?xml version="1.0" encoding="utf-8"?>
+<file path=ppt/slides/slide68.xml><?xml version="1.0" encoding="utf-8"?>
 <p:sld xmlns:a="http://schemas.openxmlformats.org/drawingml/2006/main" xmlns:r="http://schemas.openxmlformats.org/officeDocument/2006/relationships" xmlns:p="http://schemas.openxmlformats.org/presentationml/2006/main">
   <p:cSld>
     <p:spTree>
@@ -37597,6 +37849,467 @@
 </file>
 
 <file path=ppt/slides/slide7.xml><?xml version="1.0" encoding="utf-8"?>
+<p:sld xmlns:a="http://schemas.openxmlformats.org/drawingml/2006/main" xmlns:r="http://schemas.openxmlformats.org/officeDocument/2006/relationships" xmlns:p="http://schemas.openxmlformats.org/presentationml/2006/main">
+  <p:cSld>
+    <p:spTree>
+      <p:nvGrpSpPr>
+        <p:cNvPr id="1" name=""/>
+        <p:cNvGrpSpPr/>
+        <p:nvPr/>
+      </p:nvGrpSpPr>
+      <p:grpSpPr>
+        <a:xfrm>
+          <a:off x="0" y="0"/>
+          <a:ext cx="0" cy="0"/>
+          <a:chOff x="0" y="0"/>
+          <a:chExt cx="0" cy="0"/>
+        </a:xfrm>
+      </p:grpSpPr>
+      <p:sp>
+        <p:nvSpPr>
+          <p:cNvPr id="4" name="Content Placeholder 3">
+            <a:extLst>
+              <a:ext uri="{FF2B5EF4-FFF2-40B4-BE49-F238E27FC236}">
+                <a16:creationId xmlns:a16="http://schemas.microsoft.com/office/drawing/2014/main" id="{AE68E5BA-C675-4302-ABDA-3EFDD6418FDE}"/>
+              </a:ext>
+            </a:extLst>
+          </p:cNvPr>
+          <p:cNvSpPr>
+            <a:spLocks noGrp="1"/>
+          </p:cNvSpPr>
+          <p:nvPr>
+            <p:ph idx="1"/>
+          </p:nvPr>
+        </p:nvSpPr>
+        <p:spPr>
+          <a:xfrm>
+            <a:off x="1295400" y="1295400"/>
+            <a:ext cx="9753600" cy="4884739"/>
+          </a:xfrm>
+        </p:spPr>
+        <p:txBody>
+          <a:bodyPr>
+            <a:normAutofit/>
+          </a:bodyPr>
+          <a:lstStyle/>
+          <a:p>
+            <a:pPr marL="0" indent="0" algn="just">
+              <a:spcBef>
+                <a:spcPts val="0"/>
+              </a:spcBef>
+              <a:spcAft>
+                <a:spcPts val="0"/>
+              </a:spcAft>
+              <a:buNone/>
+            </a:pPr>
+            <a:r>
+              <a:rPr lang="en-US" sz="2400" b="1" dirty="0">
+                <a:solidFill>
+                  <a:srgbClr val="0070C0"/>
+                </a:solidFill>
+                <a:effectLst/>
+                <a:latin typeface="Times New Roman" panose="02020603050405020304" pitchFamily="18" charset="0"/>
+                <a:ea typeface="Calibri" panose="020F0502020204030204" pitchFamily="34" charset="0"/>
+                <a:cs typeface="Times New Roman" panose="02020603050405020304" pitchFamily="18" charset="0"/>
+              </a:rPr>
+              <a:t>Evaluation</a:t>
+            </a:r>
+            <a:r>
+              <a:rPr lang="en-US" sz="2400" b="1" spc="-25" dirty="0">
+                <a:solidFill>
+                  <a:srgbClr val="0070C0"/>
+                </a:solidFill>
+                <a:latin typeface="Times New Roman" panose="02020603050405020304" pitchFamily="18" charset="0"/>
+                <a:ea typeface="Calibri" panose="020F0502020204030204" pitchFamily="34" charset="0"/>
+                <a:cs typeface="Times New Roman" panose="02020603050405020304" pitchFamily="18" charset="0"/>
+              </a:rPr>
+              <a:t> </a:t>
+            </a:r>
+            <a:r>
+              <a:rPr lang="en-US" sz="2400" b="1" dirty="0">
+                <a:solidFill>
+                  <a:srgbClr val="0070C0"/>
+                </a:solidFill>
+                <a:effectLst/>
+                <a:latin typeface="Times New Roman" panose="02020603050405020304" pitchFamily="18" charset="0"/>
+                <a:ea typeface="Calibri" panose="020F0502020204030204" pitchFamily="34" charset="0"/>
+                <a:cs typeface="Times New Roman" panose="02020603050405020304" pitchFamily="18" charset="0"/>
+              </a:rPr>
+              <a:t>Criteria</a:t>
+            </a:r>
+          </a:p>
+          <a:p>
+            <a:pPr marL="457200" indent="-457200" algn="just">
+              <a:spcBef>
+                <a:spcPts val="0"/>
+              </a:spcBef>
+              <a:spcAft>
+                <a:spcPts val="0"/>
+              </a:spcAft>
+              <a:buFont typeface="+mj-lt"/>
+              <a:buAutoNum type="arabicPeriod"/>
+            </a:pPr>
+            <a:r>
+              <a:rPr lang="en-US" sz="2400" b="1" dirty="0">
+                <a:solidFill>
+                  <a:srgbClr val="0070C0"/>
+                </a:solidFill>
+                <a:effectLst/>
+                <a:latin typeface="Times New Roman" panose="02020603050405020304" pitchFamily="18" charset="0"/>
+                <a:ea typeface="Calibri" panose="020F0502020204030204" pitchFamily="34" charset="0"/>
+                <a:cs typeface="Times New Roman" panose="02020603050405020304" pitchFamily="18" charset="0"/>
+              </a:rPr>
+              <a:t>Presentation</a:t>
+            </a:r>
+            <a:r>
+              <a:rPr lang="en-US" sz="2400" dirty="0">
+                <a:effectLst/>
+                <a:latin typeface="Times New Roman" panose="02020603050405020304" pitchFamily="18" charset="0"/>
+                <a:ea typeface="Calibri" panose="020F0502020204030204" pitchFamily="34" charset="0"/>
+                <a:cs typeface="Times New Roman" panose="02020603050405020304" pitchFamily="18" charset="0"/>
+              </a:rPr>
+              <a:t>: 1 presentation, worth 30% of the final grade</a:t>
+            </a:r>
+          </a:p>
+          <a:p>
+            <a:pPr lvl="2" algn="just">
+              <a:spcBef>
+                <a:spcPts val="0"/>
+              </a:spcBef>
+              <a:spcAft>
+                <a:spcPts val="0"/>
+              </a:spcAft>
+            </a:pPr>
+            <a:r>
+              <a:rPr lang="en-US" sz="2200" dirty="0">
+                <a:ea typeface="Times New Roman" panose="02020603050405020304" pitchFamily="18" charset="0"/>
+              </a:rPr>
+              <a:t>Options for papers are on syllabus/GitHub </a:t>
+            </a:r>
+          </a:p>
+          <a:p>
+            <a:pPr lvl="2" algn="just">
+              <a:spcBef>
+                <a:spcPts val="0"/>
+              </a:spcBef>
+              <a:spcAft>
+                <a:spcPts val="0"/>
+              </a:spcAft>
+            </a:pPr>
+            <a:r>
+              <a:rPr lang="en-US" sz="2200" b="1" dirty="0">
+                <a:effectLst/>
+                <a:latin typeface="Times New Roman" panose="02020603050405020304" pitchFamily="18" charset="0"/>
+                <a:ea typeface="Times New Roman" panose="02020603050405020304" pitchFamily="18" charset="0"/>
+              </a:rPr>
+              <a:t>The topics you choose for the presentation and referee report should be different. </a:t>
+            </a:r>
+          </a:p>
+          <a:p>
+            <a:pPr lvl="2" algn="just">
+              <a:spcBef>
+                <a:spcPts val="0"/>
+              </a:spcBef>
+              <a:spcAft>
+                <a:spcPts val="0"/>
+              </a:spcAft>
+            </a:pPr>
+            <a:r>
+              <a:rPr lang="en-US" sz="2200" b="1" dirty="0">
+                <a:ea typeface="Times New Roman" panose="02020603050405020304" pitchFamily="18" charset="0"/>
+              </a:rPr>
+              <a:t>20–30-minute presentation </a:t>
+            </a:r>
+            <a:r>
+              <a:rPr lang="en-US" sz="2200" dirty="0">
+                <a:ea typeface="Times New Roman" panose="02020603050405020304" pitchFamily="18" charset="0"/>
+              </a:rPr>
+              <a:t>(15 slides max): </a:t>
+            </a:r>
+          </a:p>
+          <a:p>
+            <a:pPr marL="822960" lvl="3" indent="0" algn="just">
+              <a:spcBef>
+                <a:spcPts val="0"/>
+              </a:spcBef>
+              <a:spcAft>
+                <a:spcPts val="0"/>
+              </a:spcAft>
+              <a:buNone/>
+            </a:pPr>
+            <a:r>
+              <a:rPr lang="en-US" sz="2200" dirty="0">
+                <a:effectLst/>
+                <a:latin typeface="Times New Roman" panose="02020603050405020304" pitchFamily="18" charset="0"/>
+                <a:ea typeface="Times New Roman" panose="02020603050405020304" pitchFamily="18" charset="0"/>
+              </a:rPr>
+              <a:t>1. Motivation</a:t>
+            </a:r>
+          </a:p>
+          <a:p>
+            <a:pPr marL="822960" lvl="3" indent="0" algn="just">
+              <a:spcBef>
+                <a:spcPts val="0"/>
+              </a:spcBef>
+              <a:spcAft>
+                <a:spcPts val="0"/>
+              </a:spcAft>
+              <a:buNone/>
+            </a:pPr>
+            <a:r>
+              <a:rPr lang="en-US" sz="2200" dirty="0">
+                <a:ea typeface="Times New Roman" panose="02020603050405020304" pitchFamily="18" charset="0"/>
+              </a:rPr>
+              <a:t>2. Contribution</a:t>
+            </a:r>
+          </a:p>
+          <a:p>
+            <a:pPr marL="822960" lvl="3" indent="0" algn="just">
+              <a:spcBef>
+                <a:spcPts val="0"/>
+              </a:spcBef>
+              <a:spcAft>
+                <a:spcPts val="0"/>
+              </a:spcAft>
+              <a:buNone/>
+            </a:pPr>
+            <a:r>
+              <a:rPr lang="en-US" sz="2200" dirty="0">
+                <a:effectLst/>
+                <a:latin typeface="Times New Roman" panose="02020603050405020304" pitchFamily="18" charset="0"/>
+                <a:ea typeface="Times New Roman" panose="02020603050405020304" pitchFamily="18" charset="0"/>
+              </a:rPr>
+              <a:t>3. Walk-through of the model (focus 1)</a:t>
+            </a:r>
+          </a:p>
+          <a:p>
+            <a:pPr marL="822960" lvl="3" indent="0" algn="just">
+              <a:spcBef>
+                <a:spcPts val="0"/>
+              </a:spcBef>
+              <a:spcAft>
+                <a:spcPts val="0"/>
+              </a:spcAft>
+              <a:buNone/>
+            </a:pPr>
+            <a:r>
+              <a:rPr lang="en-US" sz="2200" dirty="0">
+                <a:ea typeface="Times New Roman" panose="02020603050405020304" pitchFamily="18" charset="0"/>
+              </a:rPr>
+              <a:t>4. S</a:t>
+            </a:r>
+            <a:r>
+              <a:rPr lang="en-US" sz="2200" dirty="0">
+                <a:effectLst/>
+                <a:latin typeface="Times New Roman" panose="02020603050405020304" pitchFamily="18" charset="0"/>
+                <a:ea typeface="Times New Roman" panose="02020603050405020304" pitchFamily="18" charset="0"/>
+              </a:rPr>
+              <a:t>ummary of any empirical analyses or additional findings</a:t>
+            </a:r>
+          </a:p>
+          <a:p>
+            <a:pPr marL="822960" lvl="3" indent="0" algn="just">
+              <a:spcBef>
+                <a:spcPts val="0"/>
+              </a:spcBef>
+              <a:spcAft>
+                <a:spcPts val="0"/>
+              </a:spcAft>
+              <a:buNone/>
+            </a:pPr>
+            <a:r>
+              <a:rPr lang="en-US" sz="2200" dirty="0">
+                <a:ea typeface="Times New Roman" panose="02020603050405020304" pitchFamily="18" charset="0"/>
+              </a:rPr>
+              <a:t>5. Your </a:t>
+            </a:r>
+            <a:r>
+              <a:rPr lang="en-US" sz="2200" dirty="0">
+                <a:effectLst/>
+                <a:latin typeface="Times New Roman" panose="02020603050405020304" pitchFamily="18" charset="0"/>
+                <a:ea typeface="Times New Roman" panose="02020603050405020304" pitchFamily="18" charset="0"/>
+              </a:rPr>
+              <a:t>own thoughts on the paper’s strengths and weaknesses (focus 2).</a:t>
+            </a:r>
+          </a:p>
+          <a:p>
+            <a:pPr lvl="2" algn="just">
+              <a:spcBef>
+                <a:spcPts val="0"/>
+              </a:spcBef>
+              <a:spcAft>
+                <a:spcPts val="0"/>
+              </a:spcAft>
+            </a:pPr>
+            <a:r>
+              <a:rPr lang="en-US" sz="2200" b="1" dirty="0">
+                <a:effectLst/>
+                <a:latin typeface="Times New Roman" panose="02020603050405020304" pitchFamily="18" charset="0"/>
+                <a:ea typeface="Times New Roman" panose="02020603050405020304" pitchFamily="18" charset="0"/>
+              </a:rPr>
+              <a:t>Presentations will be given on the day the topic is covered in class.</a:t>
+            </a:r>
+          </a:p>
+          <a:p>
+            <a:pPr marL="548640" lvl="2" indent="0" algn="just">
+              <a:spcBef>
+                <a:spcPts val="0"/>
+              </a:spcBef>
+              <a:spcAft>
+                <a:spcPts val="0"/>
+              </a:spcAft>
+              <a:buNone/>
+            </a:pPr>
+            <a:endParaRPr lang="en-US" sz="2200" b="1" dirty="0">
+              <a:solidFill>
+                <a:srgbClr val="0070C0"/>
+              </a:solidFill>
+              <a:ea typeface="Calibri" panose="020F0502020204030204" pitchFamily="34" charset="0"/>
+              <a:cs typeface="Times New Roman" panose="02020603050405020304" pitchFamily="18" charset="0"/>
+            </a:endParaRPr>
+          </a:p>
+          <a:p>
+            <a:pPr marL="548640" lvl="2" indent="0" algn="just">
+              <a:spcBef>
+                <a:spcPts val="0"/>
+              </a:spcBef>
+              <a:spcAft>
+                <a:spcPts val="0"/>
+              </a:spcAft>
+              <a:buNone/>
+            </a:pPr>
+            <a:r>
+              <a:rPr lang="en-US" sz="2200" b="1" dirty="0">
+                <a:solidFill>
+                  <a:schemeClr val="tx1"/>
+                </a:solidFill>
+                <a:ea typeface="Calibri" panose="020F0502020204030204" pitchFamily="34" charset="0"/>
+                <a:cs typeface="Times New Roman" panose="02020603050405020304" pitchFamily="18" charset="0"/>
+              </a:rPr>
+              <a:t>If you haven’t already, </a:t>
+            </a:r>
+            <a:r>
+              <a:rPr lang="en-US" sz="2200" b="1" dirty="0">
+                <a:solidFill>
+                  <a:srgbClr val="0070C0"/>
+                </a:solidFill>
+                <a:ea typeface="Calibri" panose="020F0502020204030204" pitchFamily="34" charset="0"/>
+                <a:cs typeface="Times New Roman" panose="02020603050405020304" pitchFamily="18" charset="0"/>
+                <a:hlinkClick r:id="rId3"/>
+              </a:rPr>
+              <a:t>please tell me what you’d like to present</a:t>
+            </a:r>
+            <a:r>
+              <a:rPr lang="en-US" sz="2200" b="1" dirty="0">
+                <a:solidFill>
+                  <a:srgbClr val="0070C0"/>
+                </a:solidFill>
+                <a:ea typeface="Calibri" panose="020F0502020204030204" pitchFamily="34" charset="0"/>
+                <a:cs typeface="Times New Roman" panose="02020603050405020304" pitchFamily="18" charset="0"/>
+              </a:rPr>
+              <a:t>!</a:t>
+            </a:r>
+          </a:p>
+        </p:txBody>
+      </p:sp>
+      <p:sp>
+        <p:nvSpPr>
+          <p:cNvPr id="5" name="Title 1">
+            <a:extLst>
+              <a:ext uri="{FF2B5EF4-FFF2-40B4-BE49-F238E27FC236}">
+                <a16:creationId xmlns:a16="http://schemas.microsoft.com/office/drawing/2014/main" id="{2CBDD2D1-2055-4095-B24C-4E07449F80A0}"/>
+              </a:ext>
+            </a:extLst>
+          </p:cNvPr>
+          <p:cNvSpPr txBox="1">
+            <a:spLocks/>
+          </p:cNvSpPr>
+          <p:nvPr/>
+        </p:nvSpPr>
+        <p:spPr>
+          <a:xfrm>
+            <a:off x="1261872" y="365760"/>
+            <a:ext cx="9692640" cy="777240"/>
+          </a:xfrm>
+          <a:prstGeom prst="rect">
+            <a:avLst/>
+          </a:prstGeom>
+        </p:spPr>
+        <p:txBody>
+          <a:bodyPr vert="horz" lIns="91440" tIns="45720" rIns="91440" bIns="45720" rtlCol="0" anchor="b">
+            <a:normAutofit/>
+          </a:bodyPr>
+          <a:lstStyle>
+            <a:lvl1pPr algn="l" defTabSz="914400" rtl="0" eaLnBrk="1" latinLnBrk="0" hangingPunct="1">
+              <a:lnSpc>
+                <a:spcPct val="90000"/>
+              </a:lnSpc>
+              <a:spcBef>
+                <a:spcPct val="0"/>
+              </a:spcBef>
+              <a:buNone/>
+              <a:defRPr sz="4400" kern="1200" spc="-50" baseline="0">
+                <a:solidFill>
+                  <a:schemeClr val="tx1"/>
+                </a:solidFill>
+                <a:latin typeface="+mj-lt"/>
+                <a:ea typeface="+mj-ea"/>
+                <a:cs typeface="+mj-cs"/>
+              </a:defRPr>
+            </a:lvl1pPr>
+          </a:lstStyle>
+          <a:p>
+            <a:r>
+              <a:rPr lang="en-US" dirty="0">
+                <a:latin typeface="Times New Roman" panose="02020603050405020304" pitchFamily="18" charset="0"/>
+              </a:rPr>
+              <a:t>Introduction &amp; Syllabus</a:t>
+            </a:r>
+          </a:p>
+        </p:txBody>
+      </p:sp>
+      <p:sp>
+        <p:nvSpPr>
+          <p:cNvPr id="6" name="Title 5">
+            <a:extLst>
+              <a:ext uri="{FF2B5EF4-FFF2-40B4-BE49-F238E27FC236}">
+                <a16:creationId xmlns:a16="http://schemas.microsoft.com/office/drawing/2014/main" id="{7A268CAC-145E-4B1C-89BC-11BEB5C46CAA}"/>
+              </a:ext>
+            </a:extLst>
+          </p:cNvPr>
+          <p:cNvSpPr>
+            <a:spLocks noGrp="1"/>
+          </p:cNvSpPr>
+          <p:nvPr>
+            <p:ph type="title"/>
+          </p:nvPr>
+        </p:nvSpPr>
+        <p:spPr/>
+        <p:txBody>
+          <a:bodyPr/>
+          <a:lstStyle/>
+          <a:p>
+            <a:r>
+              <a:rPr lang="en-US" dirty="0"/>
+              <a:t> </a:t>
+            </a:r>
+          </a:p>
+        </p:txBody>
+      </p:sp>
+    </p:spTree>
+    <p:extLst>
+      <p:ext uri="{BB962C8B-B14F-4D97-AF65-F5344CB8AC3E}">
+        <p14:creationId xmlns:p14="http://schemas.microsoft.com/office/powerpoint/2010/main" val="1465969048"/>
+      </p:ext>
+    </p:extLst>
+  </p:cSld>
+  <p:clrMapOvr>
+    <a:masterClrMapping/>
+  </p:clrMapOvr>
+</p:sld>
+</file>
+
+<file path=ppt/slides/slide8.xml><?xml version="1.0" encoding="utf-8"?>
 <p:sld xmlns:a="http://schemas.openxmlformats.org/drawingml/2006/main" xmlns:r="http://schemas.openxmlformats.org/officeDocument/2006/relationships" xmlns:p="http://schemas.openxmlformats.org/presentationml/2006/main">
   <p:cSld>
     <p:spTree>
@@ -38405,7 +39118,7 @@
 </p:sld>
 </file>
 
-<file path=ppt/slides/slide8.xml><?xml version="1.0" encoding="utf-8"?>
+<file path=ppt/slides/slide9.xml><?xml version="1.0" encoding="utf-8"?>
 <p:sld xmlns:a="http://schemas.openxmlformats.org/drawingml/2006/main" xmlns:r="http://schemas.openxmlformats.org/officeDocument/2006/relationships" xmlns:p="http://schemas.openxmlformats.org/presentationml/2006/main">
   <p:cSld>
     <p:spTree>
@@ -38837,439 +39550,6 @@
     <p:extLst>
       <p:ext uri="{BB962C8B-B14F-4D97-AF65-F5344CB8AC3E}">
         <p14:creationId xmlns:p14="http://schemas.microsoft.com/office/powerpoint/2010/main" val="3657991896"/>
-      </p:ext>
-    </p:extLst>
-  </p:cSld>
-  <p:clrMapOvr>
-    <a:masterClrMapping/>
-  </p:clrMapOvr>
-</p:sld>
-</file>
-
-<file path=ppt/slides/slide9.xml><?xml version="1.0" encoding="utf-8"?>
-<p:sld xmlns:a="http://schemas.openxmlformats.org/drawingml/2006/main" xmlns:r="http://schemas.openxmlformats.org/officeDocument/2006/relationships" xmlns:p="http://schemas.openxmlformats.org/presentationml/2006/main">
-  <p:cSld>
-    <p:spTree>
-      <p:nvGrpSpPr>
-        <p:cNvPr id="1" name=""/>
-        <p:cNvGrpSpPr/>
-        <p:nvPr/>
-      </p:nvGrpSpPr>
-      <p:grpSpPr>
-        <a:xfrm>
-          <a:off x="0" y="0"/>
-          <a:ext cx="0" cy="0"/>
-          <a:chOff x="0" y="0"/>
-          <a:chExt cx="0" cy="0"/>
-        </a:xfrm>
-      </p:grpSpPr>
-      <p:sp>
-        <p:nvSpPr>
-          <p:cNvPr id="4" name="Content Placeholder 3">
-            <a:extLst>
-              <a:ext uri="{FF2B5EF4-FFF2-40B4-BE49-F238E27FC236}">
-                <a16:creationId xmlns:a16="http://schemas.microsoft.com/office/drawing/2014/main" id="{AE68E5BA-C675-4302-ABDA-3EFDD6418FDE}"/>
-              </a:ext>
-            </a:extLst>
-          </p:cNvPr>
-          <p:cNvSpPr>
-            <a:spLocks noGrp="1"/>
-          </p:cNvSpPr>
-          <p:nvPr>
-            <p:ph idx="1"/>
-          </p:nvPr>
-        </p:nvSpPr>
-        <p:spPr>
-          <a:xfrm>
-            <a:off x="1295400" y="1295400"/>
-            <a:ext cx="9753600" cy="4884739"/>
-          </a:xfrm>
-        </p:spPr>
-        <p:txBody>
-          <a:bodyPr>
-            <a:normAutofit/>
-          </a:bodyPr>
-          <a:lstStyle/>
-          <a:p>
-            <a:pPr marL="0" indent="0" algn="just">
-              <a:spcBef>
-                <a:spcPts val="0"/>
-              </a:spcBef>
-              <a:spcAft>
-                <a:spcPts val="0"/>
-              </a:spcAft>
-              <a:buNone/>
-            </a:pPr>
-            <a:r>
-              <a:rPr lang="en-US" sz="2400" b="1" dirty="0">
-                <a:solidFill>
-                  <a:srgbClr val="0070C0"/>
-                </a:solidFill>
-                <a:effectLst/>
-                <a:latin typeface="Times New Roman" panose="02020603050405020304" pitchFamily="18" charset="0"/>
-                <a:ea typeface="Calibri" panose="020F0502020204030204" pitchFamily="34" charset="0"/>
-                <a:cs typeface="Times New Roman" panose="02020603050405020304" pitchFamily="18" charset="0"/>
-              </a:rPr>
-              <a:t>Evaluation</a:t>
-            </a:r>
-            <a:r>
-              <a:rPr lang="en-US" sz="2400" b="1" spc="-25" dirty="0">
-                <a:solidFill>
-                  <a:srgbClr val="0070C0"/>
-                </a:solidFill>
-                <a:latin typeface="Times New Roman" panose="02020603050405020304" pitchFamily="18" charset="0"/>
-                <a:ea typeface="Calibri" panose="020F0502020204030204" pitchFamily="34" charset="0"/>
-                <a:cs typeface="Times New Roman" panose="02020603050405020304" pitchFamily="18" charset="0"/>
-              </a:rPr>
-              <a:t> </a:t>
-            </a:r>
-            <a:r>
-              <a:rPr lang="en-US" sz="2400" b="1" dirty="0">
-                <a:solidFill>
-                  <a:srgbClr val="0070C0"/>
-                </a:solidFill>
-                <a:effectLst/>
-                <a:latin typeface="Times New Roman" panose="02020603050405020304" pitchFamily="18" charset="0"/>
-                <a:ea typeface="Calibri" panose="020F0502020204030204" pitchFamily="34" charset="0"/>
-                <a:cs typeface="Times New Roman" panose="02020603050405020304" pitchFamily="18" charset="0"/>
-              </a:rPr>
-              <a:t>Criteria</a:t>
-            </a:r>
-          </a:p>
-          <a:p>
-            <a:pPr marL="457200" indent="-457200" algn="just">
-              <a:spcBef>
-                <a:spcPts val="0"/>
-              </a:spcBef>
-              <a:spcAft>
-                <a:spcPts val="0"/>
-              </a:spcAft>
-              <a:buFont typeface="+mj-lt"/>
-              <a:buAutoNum type="arabicPeriod" startAt="3"/>
-            </a:pPr>
-            <a:r>
-              <a:rPr lang="en-US" sz="2400" b="1" dirty="0">
-                <a:solidFill>
-                  <a:srgbClr val="0070C0"/>
-                </a:solidFill>
-                <a:effectLst/>
-                <a:latin typeface="Times New Roman" panose="02020603050405020304" pitchFamily="18" charset="0"/>
-                <a:ea typeface="Calibri" panose="020F0502020204030204" pitchFamily="34" charset="0"/>
-                <a:cs typeface="Times New Roman" panose="02020603050405020304" pitchFamily="18" charset="0"/>
-              </a:rPr>
-              <a:t>Paper Proposal: </a:t>
-            </a:r>
-            <a:r>
-              <a:rPr lang="en-US" sz="2400" dirty="0">
-                <a:effectLst/>
-                <a:latin typeface="Times New Roman" panose="02020603050405020304" pitchFamily="18" charset="0"/>
-                <a:ea typeface="Calibri" panose="020F0502020204030204" pitchFamily="34" charset="0"/>
-                <a:cs typeface="Times New Roman" panose="02020603050405020304" pitchFamily="18" charset="0"/>
-              </a:rPr>
-              <a:t>worth 50% of the final grade. </a:t>
-            </a:r>
-          </a:p>
-          <a:p>
-            <a:pPr lvl="2" algn="just">
-              <a:spcBef>
-                <a:spcPts val="0"/>
-              </a:spcBef>
-              <a:spcAft>
-                <a:spcPts val="0"/>
-              </a:spcAft>
-            </a:pPr>
-            <a:r>
-              <a:rPr lang="en-US" sz="2200" dirty="0">
-                <a:effectLst/>
-                <a:latin typeface="Times New Roman" panose="02020603050405020304" pitchFamily="18" charset="0"/>
-                <a:ea typeface="Calibri" panose="020F0502020204030204" pitchFamily="34" charset="0"/>
-                <a:cs typeface="Times New Roman" panose="02020603050405020304" pitchFamily="18" charset="0"/>
-              </a:rPr>
-              <a:t>Project should be purely theoretical or use theory to ground empirical work</a:t>
-            </a:r>
-          </a:p>
-          <a:p>
-            <a:pPr lvl="2" algn="just">
-              <a:spcBef>
-                <a:spcPts val="0"/>
-              </a:spcBef>
-              <a:spcAft>
-                <a:spcPts val="0"/>
-              </a:spcAft>
-            </a:pPr>
-            <a:r>
-              <a:rPr lang="en-US" sz="2200" u="sng" dirty="0">
-                <a:ea typeface="Calibri" panose="020F0502020204030204" pitchFamily="34" charset="0"/>
-                <a:cs typeface="Times New Roman" panose="02020603050405020304" pitchFamily="18" charset="0"/>
-              </a:rPr>
-              <a:t>Must have a model! </a:t>
-            </a:r>
-          </a:p>
-          <a:p>
-            <a:pPr lvl="2" algn="just">
-              <a:spcBef>
-                <a:spcPts val="0"/>
-              </a:spcBef>
-              <a:spcAft>
-                <a:spcPts val="0"/>
-              </a:spcAft>
-            </a:pPr>
-            <a:r>
-              <a:rPr lang="en-US" sz="2200" dirty="0">
-                <a:effectLst/>
-                <a:latin typeface="Times New Roman" panose="02020603050405020304" pitchFamily="18" charset="0"/>
-                <a:ea typeface="Calibri" panose="020F0502020204030204" pitchFamily="34" charset="0"/>
-                <a:cs typeface="Times New Roman" panose="02020603050405020304" pitchFamily="18" charset="0"/>
-              </a:rPr>
-              <a:t>Your proposal should: </a:t>
-            </a:r>
-          </a:p>
-          <a:p>
-            <a:pPr lvl="3" algn="just">
-              <a:spcBef>
-                <a:spcPts val="0"/>
-              </a:spcBef>
-              <a:spcAft>
-                <a:spcPts val="0"/>
-              </a:spcAft>
-            </a:pPr>
-            <a:r>
-              <a:rPr lang="en-US" sz="2200" dirty="0">
-                <a:ea typeface="Calibri" panose="020F0502020204030204" pitchFamily="34" charset="0"/>
-                <a:cs typeface="Times New Roman" panose="02020603050405020304" pitchFamily="18" charset="0"/>
-              </a:rPr>
-              <a:t>1. Po</a:t>
-            </a:r>
-            <a:r>
-              <a:rPr lang="en-US" sz="2200" dirty="0">
-                <a:effectLst/>
-                <a:latin typeface="Times New Roman" panose="02020603050405020304" pitchFamily="18" charset="0"/>
-                <a:ea typeface="Calibri" panose="020F0502020204030204" pitchFamily="34" charset="0"/>
-                <a:cs typeface="Times New Roman" panose="02020603050405020304" pitchFamily="18" charset="0"/>
-              </a:rPr>
-              <a:t>se an academic research question</a:t>
-            </a:r>
-          </a:p>
-          <a:p>
-            <a:pPr lvl="3" algn="just">
-              <a:spcBef>
-                <a:spcPts val="0"/>
-              </a:spcBef>
-              <a:spcAft>
-                <a:spcPts val="0"/>
-              </a:spcAft>
-            </a:pPr>
-            <a:r>
-              <a:rPr lang="en-US" sz="2200" dirty="0">
-                <a:ea typeface="Calibri" panose="020F0502020204030204" pitchFamily="34" charset="0"/>
-                <a:cs typeface="Times New Roman" panose="02020603050405020304" pitchFamily="18" charset="0"/>
-              </a:rPr>
-              <a:t>2. C</a:t>
-            </a:r>
-            <a:r>
-              <a:rPr lang="en-US" sz="2200" dirty="0">
-                <a:effectLst/>
-                <a:latin typeface="Times New Roman" panose="02020603050405020304" pitchFamily="18" charset="0"/>
-                <a:ea typeface="Calibri" panose="020F0502020204030204" pitchFamily="34" charset="0"/>
-                <a:cs typeface="Times New Roman" panose="02020603050405020304" pitchFamily="18" charset="0"/>
-              </a:rPr>
-              <a:t>onduct a thorough literature review</a:t>
-            </a:r>
-          </a:p>
-          <a:p>
-            <a:pPr lvl="3" algn="just">
-              <a:spcBef>
-                <a:spcPts val="0"/>
-              </a:spcBef>
-              <a:spcAft>
-                <a:spcPts val="0"/>
-              </a:spcAft>
-            </a:pPr>
-            <a:r>
-              <a:rPr lang="en-US" sz="2200" dirty="0">
-                <a:effectLst/>
-                <a:latin typeface="Times New Roman" panose="02020603050405020304" pitchFamily="18" charset="0"/>
-                <a:ea typeface="Calibri" panose="020F0502020204030204" pitchFamily="34" charset="0"/>
-                <a:cs typeface="Times New Roman" panose="02020603050405020304" pitchFamily="18" charset="0"/>
-              </a:rPr>
-              <a:t>3. Present a stylized model (note: you do not have to solve your model or incorporate all complexity)</a:t>
-            </a:r>
-          </a:p>
-          <a:p>
-            <a:pPr lvl="3" algn="just">
-              <a:spcBef>
-                <a:spcPts val="0"/>
-              </a:spcBef>
-              <a:spcAft>
-                <a:spcPts val="0"/>
-              </a:spcAft>
-            </a:pPr>
-            <a:r>
-              <a:rPr lang="en-US" sz="2200" dirty="0">
-                <a:effectLst/>
-                <a:latin typeface="Times New Roman" panose="02020603050405020304" pitchFamily="18" charset="0"/>
-                <a:ea typeface="Calibri" panose="020F0502020204030204" pitchFamily="34" charset="0"/>
-                <a:cs typeface="Times New Roman" panose="02020603050405020304" pitchFamily="18" charset="0"/>
-              </a:rPr>
-              <a:t>4. If applicable, carefully describe the ideal data and empirical strategy you would use for empirically testing your model. </a:t>
-            </a:r>
-          </a:p>
-          <a:p>
-            <a:pPr lvl="2" algn="just">
-              <a:spcBef>
-                <a:spcPts val="0"/>
-              </a:spcBef>
-              <a:spcAft>
-                <a:spcPts val="0"/>
-              </a:spcAft>
-            </a:pPr>
-            <a:r>
-              <a:rPr lang="en-US" sz="2200" dirty="0">
-                <a:effectLst/>
-                <a:latin typeface="Times New Roman" panose="02020603050405020304" pitchFamily="18" charset="0"/>
-                <a:ea typeface="Calibri" panose="020F0502020204030204" pitchFamily="34" charset="0"/>
-                <a:cs typeface="Times New Roman" panose="02020603050405020304" pitchFamily="18" charset="0"/>
-              </a:rPr>
-              <a:t>This proposal could become a part of your thesis or a publishable paper! </a:t>
-            </a:r>
-          </a:p>
-          <a:p>
-            <a:pPr lvl="1" algn="just">
-              <a:spcBef>
-                <a:spcPts val="0"/>
-              </a:spcBef>
-              <a:spcAft>
-                <a:spcPts val="0"/>
-              </a:spcAft>
-            </a:pPr>
-            <a:r>
-              <a:rPr lang="en-US" sz="2400" b="1" dirty="0">
-                <a:effectLst/>
-                <a:latin typeface="Times New Roman" panose="02020603050405020304" pitchFamily="18" charset="0"/>
-                <a:ea typeface="Calibri" panose="020F0502020204030204" pitchFamily="34" charset="0"/>
-                <a:cs typeface="Times New Roman" panose="02020603050405020304" pitchFamily="18" charset="0"/>
-              </a:rPr>
-              <a:t>Proposals are due on the last day of class. </a:t>
-            </a:r>
-          </a:p>
-          <a:p>
-            <a:pPr lvl="1" algn="just">
-              <a:spcBef>
-                <a:spcPts val="0"/>
-              </a:spcBef>
-              <a:spcAft>
-                <a:spcPts val="0"/>
-              </a:spcAft>
-            </a:pPr>
-            <a:r>
-              <a:rPr lang="en-US" sz="2400" b="1" dirty="0">
-                <a:effectLst/>
-                <a:latin typeface="Times New Roman" panose="02020603050405020304" pitchFamily="18" charset="0"/>
-                <a:ea typeface="Calibri" panose="020F0502020204030204" pitchFamily="34" charset="0"/>
-                <a:cs typeface="Times New Roman" panose="02020603050405020304" pitchFamily="18" charset="0"/>
-              </a:rPr>
-              <a:t>Please prepare a 20-30-minute presentation detailing your proposal</a:t>
-            </a:r>
-            <a:endParaRPr lang="en-US" sz="2400" dirty="0">
-              <a:solidFill>
-                <a:srgbClr val="0070C0"/>
-              </a:solidFill>
-              <a:effectLst/>
-              <a:latin typeface="Times New Roman" panose="02020603050405020304" pitchFamily="18" charset="0"/>
-              <a:ea typeface="Calibri" panose="020F0502020204030204" pitchFamily="34" charset="0"/>
-              <a:cs typeface="Times New Roman" panose="02020603050405020304" pitchFamily="18" charset="0"/>
-            </a:endParaRPr>
-          </a:p>
-        </p:txBody>
-      </p:sp>
-      <p:sp>
-        <p:nvSpPr>
-          <p:cNvPr id="5" name="Title 1">
-            <a:extLst>
-              <a:ext uri="{FF2B5EF4-FFF2-40B4-BE49-F238E27FC236}">
-                <a16:creationId xmlns:a16="http://schemas.microsoft.com/office/drawing/2014/main" id="{2CBDD2D1-2055-4095-B24C-4E07449F80A0}"/>
-              </a:ext>
-            </a:extLst>
-          </p:cNvPr>
-          <p:cNvSpPr txBox="1">
-            <a:spLocks/>
-          </p:cNvSpPr>
-          <p:nvPr/>
-        </p:nvSpPr>
-        <p:spPr>
-          <a:xfrm>
-            <a:off x="1261872" y="365760"/>
-            <a:ext cx="9692640" cy="777240"/>
-          </a:xfrm>
-          <a:prstGeom prst="rect">
-            <a:avLst/>
-          </a:prstGeom>
-        </p:spPr>
-        <p:txBody>
-          <a:bodyPr vert="horz" lIns="91440" tIns="45720" rIns="91440" bIns="45720" rtlCol="0" anchor="b">
-            <a:normAutofit/>
-          </a:bodyPr>
-          <a:lstStyle>
-            <a:lvl1pPr algn="l" defTabSz="914400" rtl="0" eaLnBrk="1" latinLnBrk="0" hangingPunct="1">
-              <a:lnSpc>
-                <a:spcPct val="90000"/>
-              </a:lnSpc>
-              <a:spcBef>
-                <a:spcPct val="0"/>
-              </a:spcBef>
-              <a:buNone/>
-              <a:defRPr sz="4400" kern="1200" spc="-50" baseline="0">
-                <a:solidFill>
-                  <a:schemeClr val="tx1"/>
-                </a:solidFill>
-                <a:latin typeface="+mj-lt"/>
-                <a:ea typeface="+mj-ea"/>
-                <a:cs typeface="+mj-cs"/>
-              </a:defRPr>
-            </a:lvl1pPr>
-          </a:lstStyle>
-          <a:p>
-            <a:r>
-              <a:rPr lang="en-US" dirty="0">
-                <a:latin typeface="Times New Roman" panose="02020603050405020304" pitchFamily="18" charset="0"/>
-              </a:rPr>
-              <a:t>Introduction &amp; Syllabus</a:t>
-            </a:r>
-          </a:p>
-        </p:txBody>
-      </p:sp>
-      <p:sp>
-        <p:nvSpPr>
-          <p:cNvPr id="6" name="Title 5">
-            <a:extLst>
-              <a:ext uri="{FF2B5EF4-FFF2-40B4-BE49-F238E27FC236}">
-                <a16:creationId xmlns:a16="http://schemas.microsoft.com/office/drawing/2014/main" id="{7A268CAC-145E-4B1C-89BC-11BEB5C46CAA}"/>
-              </a:ext>
-            </a:extLst>
-          </p:cNvPr>
-          <p:cNvSpPr>
-            <a:spLocks noGrp="1"/>
-          </p:cNvSpPr>
-          <p:nvPr>
-            <p:ph type="title"/>
-          </p:nvPr>
-        </p:nvSpPr>
-        <p:spPr/>
-        <p:txBody>
-          <a:bodyPr/>
-          <a:lstStyle/>
-          <a:p>
-            <a:r>
-              <a:rPr lang="en-US" dirty="0"/>
-              <a:t> </a:t>
-            </a:r>
-          </a:p>
-        </p:txBody>
-      </p:sp>
-    </p:spTree>
-    <p:extLst>
-      <p:ext uri="{BB962C8B-B14F-4D97-AF65-F5344CB8AC3E}">
-        <p14:creationId xmlns:p14="http://schemas.microsoft.com/office/powerpoint/2010/main" val="3762109386"/>
       </p:ext>
     </p:extLst>
   </p:cSld>
